--- a/Avatar_Micro_Robot/Robot_V2/Internal_Charger/trunk/supporting_files/InternalCharger_StateDiagram.pptx
+++ b/Avatar_Micro_Robot/Robot_V2/Internal_Charger/trunk/supporting_files/InternalCharger_StateDiagram.pptx
@@ -4,6 +4,9 @@
   <p:sldMasterIdLst>
     <p:sldMasterId id="2147483648" r:id="rId1"/>
   </p:sldMasterIdLst>
+  <p:notesMasterIdLst>
+    <p:notesMasterId r:id="rId3"/>
+  </p:notesMasterIdLst>
   <p:sldIdLst>
     <p:sldId id="256" r:id="rId2"/>
   </p:sldIdLst>
@@ -107,6 +110,579 @@
 </p:presentation>
 </file>
 
+<file path=ppt/notesMasters/notesMaster1.xml><?xml version="1.0" encoding="utf-8"?>
+<p:notesMaster xmlns:a="http://schemas.openxmlformats.org/drawingml/2006/main" xmlns:r="http://schemas.openxmlformats.org/officeDocument/2006/relationships" xmlns:p="http://schemas.openxmlformats.org/presentationml/2006/main">
+  <p:cSld>
+    <p:bg>
+      <p:bgRef idx="1001">
+        <a:schemeClr val="bg1"/>
+      </p:bgRef>
+    </p:bg>
+    <p:spTree>
+      <p:nvGrpSpPr>
+        <p:cNvPr id="1" name=""/>
+        <p:cNvGrpSpPr/>
+        <p:nvPr/>
+      </p:nvGrpSpPr>
+      <p:grpSpPr>
+        <a:xfrm>
+          <a:off x="0" y="0"/>
+          <a:ext cx="0" cy="0"/>
+          <a:chOff x="0" y="0"/>
+          <a:chExt cx="0" cy="0"/>
+        </a:xfrm>
+      </p:grpSpPr>
+      <p:sp>
+        <p:nvSpPr>
+          <p:cNvPr id="2" name="Header Placeholder 1"/>
+          <p:cNvSpPr>
+            <a:spLocks noGrp="1"/>
+          </p:cNvSpPr>
+          <p:nvPr>
+            <p:ph type="hdr" sz="quarter"/>
+          </p:nvPr>
+        </p:nvSpPr>
+        <p:spPr>
+          <a:xfrm>
+            <a:off x="0" y="0"/>
+            <a:ext cx="2971800" cy="457200"/>
+          </a:xfrm>
+          <a:prstGeom prst="rect">
+            <a:avLst/>
+          </a:prstGeom>
+        </p:spPr>
+        <p:txBody>
+          <a:bodyPr vert="horz" lIns="91440" tIns="45720" rIns="91440" bIns="45720" rtlCol="0"/>
+          <a:lstStyle>
+            <a:lvl1pPr algn="l">
+              <a:defRPr sz="1200"/>
+            </a:lvl1pPr>
+          </a:lstStyle>
+          <a:p>
+            <a:endParaRPr lang="en-US"/>
+          </a:p>
+        </p:txBody>
+      </p:sp>
+      <p:sp>
+        <p:nvSpPr>
+          <p:cNvPr id="3" name="Date Placeholder 2"/>
+          <p:cNvSpPr>
+            <a:spLocks noGrp="1"/>
+          </p:cNvSpPr>
+          <p:nvPr>
+            <p:ph type="dt" idx="1"/>
+          </p:nvPr>
+        </p:nvSpPr>
+        <p:spPr>
+          <a:xfrm>
+            <a:off x="3884613" y="0"/>
+            <a:ext cx="2971800" cy="457200"/>
+          </a:xfrm>
+          <a:prstGeom prst="rect">
+            <a:avLst/>
+          </a:prstGeom>
+        </p:spPr>
+        <p:txBody>
+          <a:bodyPr vert="horz" lIns="91440" tIns="45720" rIns="91440" bIns="45720" rtlCol="0"/>
+          <a:lstStyle>
+            <a:lvl1pPr algn="r">
+              <a:defRPr sz="1200"/>
+            </a:lvl1pPr>
+          </a:lstStyle>
+          <a:p>
+            <a:fld id="{2A42F65A-C093-401C-9BB1-D6A509D3F1DF}" type="datetimeFigureOut">
+              <a:rPr lang="en-US" smtClean="0"/>
+              <a:t>10/23/2012</a:t>
+            </a:fld>
+            <a:endParaRPr lang="en-US"/>
+          </a:p>
+        </p:txBody>
+      </p:sp>
+      <p:sp>
+        <p:nvSpPr>
+          <p:cNvPr id="4" name="Slide Image Placeholder 3"/>
+          <p:cNvSpPr>
+            <a:spLocks noGrp="1" noRot="1" noChangeAspect="1"/>
+          </p:cNvSpPr>
+          <p:nvPr>
+            <p:ph type="sldImg" idx="2"/>
+          </p:nvPr>
+        </p:nvSpPr>
+        <p:spPr>
+          <a:xfrm>
+            <a:off x="1143000" y="685800"/>
+            <a:ext cx="4572000" cy="3429000"/>
+          </a:xfrm>
+          <a:prstGeom prst="rect">
+            <a:avLst/>
+          </a:prstGeom>
+          <a:noFill/>
+          <a:ln w="12700">
+            <a:solidFill>
+              <a:prstClr val="black"/>
+            </a:solidFill>
+          </a:ln>
+        </p:spPr>
+        <p:txBody>
+          <a:bodyPr vert="horz" lIns="91440" tIns="45720" rIns="91440" bIns="45720" rtlCol="0" anchor="ctr"/>
+          <a:lstStyle/>
+          <a:p>
+            <a:endParaRPr lang="en-US"/>
+          </a:p>
+        </p:txBody>
+      </p:sp>
+      <p:sp>
+        <p:nvSpPr>
+          <p:cNvPr id="5" name="Notes Placeholder 4"/>
+          <p:cNvSpPr>
+            <a:spLocks noGrp="1"/>
+          </p:cNvSpPr>
+          <p:nvPr>
+            <p:ph type="body" sz="quarter" idx="3"/>
+          </p:nvPr>
+        </p:nvSpPr>
+        <p:spPr>
+          <a:xfrm>
+            <a:off x="685800" y="4343400"/>
+            <a:ext cx="5486400" cy="4114800"/>
+          </a:xfrm>
+          <a:prstGeom prst="rect">
+            <a:avLst/>
+          </a:prstGeom>
+        </p:spPr>
+        <p:txBody>
+          <a:bodyPr vert="horz" lIns="91440" tIns="45720" rIns="91440" bIns="45720" rtlCol="0"/>
+          <a:lstStyle/>
+          <a:p>
+            <a:pPr lvl="0"/>
+            <a:r>
+              <a:rPr lang="en-US" smtClean="0"/>
+              <a:t>Click to edit Master text styles</a:t>
+            </a:r>
+          </a:p>
+          <a:p>
+            <a:pPr lvl="1"/>
+            <a:r>
+              <a:rPr lang="en-US" smtClean="0"/>
+              <a:t>Second level</a:t>
+            </a:r>
+          </a:p>
+          <a:p>
+            <a:pPr lvl="2"/>
+            <a:r>
+              <a:rPr lang="en-US" smtClean="0"/>
+              <a:t>Third level</a:t>
+            </a:r>
+          </a:p>
+          <a:p>
+            <a:pPr lvl="3"/>
+            <a:r>
+              <a:rPr lang="en-US" smtClean="0"/>
+              <a:t>Fourth level</a:t>
+            </a:r>
+          </a:p>
+          <a:p>
+            <a:pPr lvl="4"/>
+            <a:r>
+              <a:rPr lang="en-US" smtClean="0"/>
+              <a:t>Fifth level</a:t>
+            </a:r>
+            <a:endParaRPr lang="en-US"/>
+          </a:p>
+        </p:txBody>
+      </p:sp>
+      <p:sp>
+        <p:nvSpPr>
+          <p:cNvPr id="6" name="Footer Placeholder 5"/>
+          <p:cNvSpPr>
+            <a:spLocks noGrp="1"/>
+          </p:cNvSpPr>
+          <p:nvPr>
+            <p:ph type="ftr" sz="quarter" idx="4"/>
+          </p:nvPr>
+        </p:nvSpPr>
+        <p:spPr>
+          <a:xfrm>
+            <a:off x="0" y="8685213"/>
+            <a:ext cx="2971800" cy="457200"/>
+          </a:xfrm>
+          <a:prstGeom prst="rect">
+            <a:avLst/>
+          </a:prstGeom>
+        </p:spPr>
+        <p:txBody>
+          <a:bodyPr vert="horz" lIns="91440" tIns="45720" rIns="91440" bIns="45720" rtlCol="0" anchor="b"/>
+          <a:lstStyle>
+            <a:lvl1pPr algn="l">
+              <a:defRPr sz="1200"/>
+            </a:lvl1pPr>
+          </a:lstStyle>
+          <a:p>
+            <a:endParaRPr lang="en-US"/>
+          </a:p>
+        </p:txBody>
+      </p:sp>
+      <p:sp>
+        <p:nvSpPr>
+          <p:cNvPr id="7" name="Slide Number Placeholder 6"/>
+          <p:cNvSpPr>
+            <a:spLocks noGrp="1"/>
+          </p:cNvSpPr>
+          <p:nvPr>
+            <p:ph type="sldNum" sz="quarter" idx="5"/>
+          </p:nvPr>
+        </p:nvSpPr>
+        <p:spPr>
+          <a:xfrm>
+            <a:off x="3884613" y="8685213"/>
+            <a:ext cx="2971800" cy="457200"/>
+          </a:xfrm>
+          <a:prstGeom prst="rect">
+            <a:avLst/>
+          </a:prstGeom>
+        </p:spPr>
+        <p:txBody>
+          <a:bodyPr vert="horz" lIns="91440" tIns="45720" rIns="91440" bIns="45720" rtlCol="0" anchor="b"/>
+          <a:lstStyle>
+            <a:lvl1pPr algn="r">
+              <a:defRPr sz="1200"/>
+            </a:lvl1pPr>
+          </a:lstStyle>
+          <a:p>
+            <a:fld id="{FF9387C7-CFB0-48D6-BB2B-889463356550}" type="slidenum">
+              <a:rPr lang="en-US" smtClean="0"/>
+              <a:t>‹#›</a:t>
+            </a:fld>
+            <a:endParaRPr lang="en-US"/>
+          </a:p>
+        </p:txBody>
+      </p:sp>
+    </p:spTree>
+    <p:extLst>
+      <p:ext uri="{BB962C8B-B14F-4D97-AF65-F5344CB8AC3E}">
+        <p14:creationId xmlns:p14="http://schemas.microsoft.com/office/powerpoint/2010/main" val="3123425325"/>
+      </p:ext>
+    </p:extLst>
+  </p:cSld>
+  <p:clrMap bg1="lt1" tx1="dk1" bg2="lt2" tx2="dk2" accent1="accent1" accent2="accent2" accent3="accent3" accent4="accent4" accent5="accent5" accent6="accent6" hlink="hlink" folHlink="folHlink"/>
+  <p:notesStyle>
+    <a:lvl1pPr marL="0" algn="l" defTabSz="914400" rtl="0" eaLnBrk="1" latinLnBrk="0" hangingPunct="1">
+      <a:defRPr sz="1200" kern="1200">
+        <a:solidFill>
+          <a:schemeClr val="tx1"/>
+        </a:solidFill>
+        <a:latin typeface="+mn-lt"/>
+        <a:ea typeface="+mn-ea"/>
+        <a:cs typeface="+mn-cs"/>
+      </a:defRPr>
+    </a:lvl1pPr>
+    <a:lvl2pPr marL="457200" algn="l" defTabSz="914400" rtl="0" eaLnBrk="1" latinLnBrk="0" hangingPunct="1">
+      <a:defRPr sz="1200" kern="1200">
+        <a:solidFill>
+          <a:schemeClr val="tx1"/>
+        </a:solidFill>
+        <a:latin typeface="+mn-lt"/>
+        <a:ea typeface="+mn-ea"/>
+        <a:cs typeface="+mn-cs"/>
+      </a:defRPr>
+    </a:lvl2pPr>
+    <a:lvl3pPr marL="914400" algn="l" defTabSz="914400" rtl="0" eaLnBrk="1" latinLnBrk="0" hangingPunct="1">
+      <a:defRPr sz="1200" kern="1200">
+        <a:solidFill>
+          <a:schemeClr val="tx1"/>
+        </a:solidFill>
+        <a:latin typeface="+mn-lt"/>
+        <a:ea typeface="+mn-ea"/>
+        <a:cs typeface="+mn-cs"/>
+      </a:defRPr>
+    </a:lvl3pPr>
+    <a:lvl4pPr marL="1371600" algn="l" defTabSz="914400" rtl="0" eaLnBrk="1" latinLnBrk="0" hangingPunct="1">
+      <a:defRPr sz="1200" kern="1200">
+        <a:solidFill>
+          <a:schemeClr val="tx1"/>
+        </a:solidFill>
+        <a:latin typeface="+mn-lt"/>
+        <a:ea typeface="+mn-ea"/>
+        <a:cs typeface="+mn-cs"/>
+      </a:defRPr>
+    </a:lvl4pPr>
+    <a:lvl5pPr marL="1828800" algn="l" defTabSz="914400" rtl="0" eaLnBrk="1" latinLnBrk="0" hangingPunct="1">
+      <a:defRPr sz="1200" kern="1200">
+        <a:solidFill>
+          <a:schemeClr val="tx1"/>
+        </a:solidFill>
+        <a:latin typeface="+mn-lt"/>
+        <a:ea typeface="+mn-ea"/>
+        <a:cs typeface="+mn-cs"/>
+      </a:defRPr>
+    </a:lvl5pPr>
+    <a:lvl6pPr marL="2286000" algn="l" defTabSz="914400" rtl="0" eaLnBrk="1" latinLnBrk="0" hangingPunct="1">
+      <a:defRPr sz="1200" kern="1200">
+        <a:solidFill>
+          <a:schemeClr val="tx1"/>
+        </a:solidFill>
+        <a:latin typeface="+mn-lt"/>
+        <a:ea typeface="+mn-ea"/>
+        <a:cs typeface="+mn-cs"/>
+      </a:defRPr>
+    </a:lvl6pPr>
+    <a:lvl7pPr marL="2743200" algn="l" defTabSz="914400" rtl="0" eaLnBrk="1" latinLnBrk="0" hangingPunct="1">
+      <a:defRPr sz="1200" kern="1200">
+        <a:solidFill>
+          <a:schemeClr val="tx1"/>
+        </a:solidFill>
+        <a:latin typeface="+mn-lt"/>
+        <a:ea typeface="+mn-ea"/>
+        <a:cs typeface="+mn-cs"/>
+      </a:defRPr>
+    </a:lvl7pPr>
+    <a:lvl8pPr marL="3200400" algn="l" defTabSz="914400" rtl="0" eaLnBrk="1" latinLnBrk="0" hangingPunct="1">
+      <a:defRPr sz="1200" kern="1200">
+        <a:solidFill>
+          <a:schemeClr val="tx1"/>
+        </a:solidFill>
+        <a:latin typeface="+mn-lt"/>
+        <a:ea typeface="+mn-ea"/>
+        <a:cs typeface="+mn-cs"/>
+      </a:defRPr>
+    </a:lvl8pPr>
+    <a:lvl9pPr marL="3657600" algn="l" defTabSz="914400" rtl="0" eaLnBrk="1" latinLnBrk="0" hangingPunct="1">
+      <a:defRPr sz="1200" kern="1200">
+        <a:solidFill>
+          <a:schemeClr val="tx1"/>
+        </a:solidFill>
+        <a:latin typeface="+mn-lt"/>
+        <a:ea typeface="+mn-ea"/>
+        <a:cs typeface="+mn-cs"/>
+      </a:defRPr>
+    </a:lvl9pPr>
+  </p:notesStyle>
+</p:notesMaster>
+</file>
+
+<file path=ppt/notesSlides/notesSlide1.xml><?xml version="1.0" encoding="utf-8"?>
+<p:notes xmlns:a="http://schemas.openxmlformats.org/drawingml/2006/main" xmlns:r="http://schemas.openxmlformats.org/officeDocument/2006/relationships" xmlns:p="http://schemas.openxmlformats.org/presentationml/2006/main">
+  <p:cSld>
+    <p:spTree>
+      <p:nvGrpSpPr>
+        <p:cNvPr id="1" name=""/>
+        <p:cNvGrpSpPr/>
+        <p:nvPr/>
+      </p:nvGrpSpPr>
+      <p:grpSpPr>
+        <a:xfrm>
+          <a:off x="0" y="0"/>
+          <a:ext cx="0" cy="0"/>
+          <a:chOff x="0" y="0"/>
+          <a:chExt cx="0" cy="0"/>
+        </a:xfrm>
+      </p:grpSpPr>
+      <p:sp>
+        <p:nvSpPr>
+          <p:cNvPr id="2" name="Slide Image Placeholder 1"/>
+          <p:cNvSpPr>
+            <a:spLocks noGrp="1" noRot="1" noChangeAspect="1"/>
+          </p:cNvSpPr>
+          <p:nvPr>
+            <p:ph type="sldImg"/>
+          </p:nvPr>
+        </p:nvSpPr>
+        <p:spPr/>
+      </p:sp>
+      <p:sp>
+        <p:nvSpPr>
+          <p:cNvPr id="3" name="Notes Placeholder 2"/>
+          <p:cNvSpPr>
+            <a:spLocks noGrp="1"/>
+          </p:cNvSpPr>
+          <p:nvPr>
+            <p:ph type="body" idx="1"/>
+          </p:nvPr>
+        </p:nvSpPr>
+        <p:spPr/>
+        <p:txBody>
+          <a:bodyPr/>
+          <a:lstStyle/>
+          <a:p>
+            <a:r>
+              <a:rPr lang="en-US" dirty="0" smtClean="0"/>
+              <a:t>Requirements</a:t>
+            </a:r>
+          </a:p>
+          <a:p>
+            <a:endParaRPr lang="en-US" dirty="0" smtClean="0"/>
+          </a:p>
+          <a:p>
+            <a:r>
+              <a:rPr lang="en-US" dirty="0" smtClean="0"/>
+              <a:t>Charging</a:t>
+            </a:r>
+            <a:r>
+              <a:rPr lang="en-US" baseline="0" dirty="0" smtClean="0"/>
+              <a:t> IC:</a:t>
+            </a:r>
+          </a:p>
+          <a:p>
+            <a:r>
+              <a:rPr lang="en-US" baseline="0" dirty="0" smtClean="0"/>
+              <a:t>  - </a:t>
+            </a:r>
+            <a:r>
+              <a:rPr lang="en-US" dirty="0" smtClean="0"/>
+              <a:t>the</a:t>
+            </a:r>
+            <a:r>
+              <a:rPr lang="en-US" baseline="0" dirty="0" smtClean="0"/>
+              <a:t> charging IC needs to be refreshed with the charging configuration </a:t>
+            </a:r>
+          </a:p>
+          <a:p>
+            <a:r>
+              <a:rPr lang="en-US" baseline="0" dirty="0" smtClean="0"/>
+              <a:t>    (charging voltage, max charging current, </a:t>
+            </a:r>
+            <a:r>
+              <a:rPr lang="en-US" baseline="0" dirty="0" err="1" smtClean="0"/>
+              <a:t>etc</a:t>
+            </a:r>
+            <a:r>
+              <a:rPr lang="en-US" baseline="0" dirty="0" smtClean="0"/>
+              <a:t>) every 170s or less or</a:t>
+            </a:r>
+          </a:p>
+          <a:p>
+            <a:r>
+              <a:rPr lang="en-US" baseline="0" dirty="0" smtClean="0"/>
+              <a:t>    else it will time out</a:t>
+            </a:r>
+          </a:p>
+          <a:p>
+            <a:endParaRPr lang="en-US" baseline="0" dirty="0" smtClean="0"/>
+          </a:p>
+          <a:p>
+            <a:r>
+              <a:rPr lang="en-US" baseline="0" dirty="0" smtClean="0"/>
+              <a:t>SBS-Compliant Batteries:</a:t>
+            </a:r>
+          </a:p>
+          <a:p>
+            <a:r>
+              <a:rPr lang="en-US" baseline="0" dirty="0" smtClean="0"/>
+              <a:t>  - the smart battery needs to be polled every 10 seconds (and not faster) to </a:t>
+            </a:r>
+          </a:p>
+          <a:p>
+            <a:r>
+              <a:rPr lang="en-US" baseline="0" dirty="0" smtClean="0"/>
+              <a:t>    avoid missing critical broadcasts (such as </a:t>
+            </a:r>
+            <a:r>
+              <a:rPr lang="en-US" baseline="0" dirty="0" err="1" smtClean="0"/>
+              <a:t>AlarmWarning</a:t>
+            </a:r>
+            <a:r>
+              <a:rPr lang="en-US" baseline="0" dirty="0" smtClean="0"/>
+              <a:t>) and not consume</a:t>
+            </a:r>
+          </a:p>
+          <a:p>
+            <a:r>
+              <a:rPr lang="en-US" baseline="0" dirty="0" smtClean="0"/>
+              <a:t>    too much bandwidth</a:t>
+            </a:r>
+          </a:p>
+          <a:p>
+            <a:r>
+              <a:rPr lang="en-US" baseline="0" dirty="0" smtClean="0"/>
+              <a:t>  - perform an update within 5s of when a monitored parameter changes?</a:t>
+            </a:r>
+          </a:p>
+          <a:p>
+            <a:r>
+              <a:rPr lang="en-US" baseline="0" dirty="0" smtClean="0"/>
+              <a:t>  </a:t>
+            </a:r>
+          </a:p>
+          <a:p>
+            <a:r>
+              <a:rPr lang="en-US" sz="1200" b="0" i="0" u="none" strike="noStrike" kern="1200" baseline="0" dirty="0" smtClean="0">
+                <a:solidFill>
+                  <a:schemeClr val="tx1"/>
+                </a:solidFill>
+                <a:latin typeface="+mn-lt"/>
+                <a:ea typeface="+mn-ea"/>
+                <a:cs typeface="+mn-cs"/>
+              </a:rPr>
+              <a:t>Current(), </a:t>
+            </a:r>
+            <a:r>
+              <a:rPr lang="en-US" sz="1200" b="0" i="0" u="none" strike="noStrike" kern="1200" baseline="0" dirty="0" err="1" smtClean="0">
+                <a:solidFill>
+                  <a:schemeClr val="tx1"/>
+                </a:solidFill>
+                <a:latin typeface="+mn-lt"/>
+                <a:ea typeface="+mn-ea"/>
+                <a:cs typeface="+mn-cs"/>
+              </a:rPr>
+              <a:t>AverageCurrent</a:t>
+            </a:r>
+            <a:r>
+              <a:rPr lang="en-US" sz="1200" b="0" i="0" u="none" strike="noStrike" kern="1200" baseline="0" dirty="0" smtClean="0">
+                <a:solidFill>
+                  <a:schemeClr val="tx1"/>
+                </a:solidFill>
+                <a:latin typeface="+mn-lt"/>
+                <a:ea typeface="+mn-ea"/>
+                <a:cs typeface="+mn-cs"/>
+              </a:rPr>
+              <a:t>(), Voltage(), and Temperature()</a:t>
+            </a:r>
+            <a:endParaRPr lang="en-US" baseline="0" dirty="0" smtClean="0"/>
+          </a:p>
+          <a:p>
+            <a:endParaRPr lang="en-US" baseline="0" dirty="0" smtClean="0"/>
+          </a:p>
+          <a:p>
+            <a:endParaRPr lang="en-US" dirty="0"/>
+          </a:p>
+        </p:txBody>
+      </p:sp>
+      <p:sp>
+        <p:nvSpPr>
+          <p:cNvPr id="4" name="Slide Number Placeholder 3"/>
+          <p:cNvSpPr>
+            <a:spLocks noGrp="1"/>
+          </p:cNvSpPr>
+          <p:nvPr>
+            <p:ph type="sldNum" sz="quarter" idx="10"/>
+          </p:nvPr>
+        </p:nvSpPr>
+        <p:spPr/>
+        <p:txBody>
+          <a:bodyPr/>
+          <a:lstStyle/>
+          <a:p>
+            <a:fld id="{FF9387C7-CFB0-48D6-BB2B-889463356550}" type="slidenum">
+              <a:rPr lang="en-US" smtClean="0"/>
+              <a:t>1</a:t>
+            </a:fld>
+            <a:endParaRPr lang="en-US"/>
+          </a:p>
+        </p:txBody>
+      </p:sp>
+    </p:spTree>
+    <p:extLst>
+      <p:ext uri="{BB962C8B-B14F-4D97-AF65-F5344CB8AC3E}">
+        <p14:creationId xmlns:p14="http://schemas.microsoft.com/office/powerpoint/2010/main" val="2127949593"/>
+      </p:ext>
+    </p:extLst>
+  </p:cSld>
+  <p:clrMapOvr>
+    <a:masterClrMapping/>
+  </p:clrMapOvr>
+</p:notes>
+</file>
+
 <file path=ppt/slideLayouts/slideLayout1.xml><?xml version="1.0" encoding="utf-8"?>
 <p:sldLayout xmlns:a="http://schemas.openxmlformats.org/drawingml/2006/main" xmlns:r="http://schemas.openxmlformats.org/officeDocument/2006/relationships" xmlns:p="http://schemas.openxmlformats.org/presentationml/2006/main" type="title" preserve="1">
   <p:cSld name="Title Slide">
@@ -288,7 +864,7 @@
           <a:p>
             <a:fld id="{6DC25747-ADEF-44A5-B0A1-EA127634DA2C}" type="datetimeFigureOut">
               <a:rPr lang="en-US" smtClean="0"/>
-              <a:t>10/16/2012</a:t>
+              <a:t>10/23/2012</a:t>
             </a:fld>
             <a:endParaRPr lang="en-US"/>
           </a:p>
@@ -458,7 +1034,7 @@
           <a:p>
             <a:fld id="{6DC25747-ADEF-44A5-B0A1-EA127634DA2C}" type="datetimeFigureOut">
               <a:rPr lang="en-US" smtClean="0"/>
-              <a:t>10/16/2012</a:t>
+              <a:t>10/23/2012</a:t>
             </a:fld>
             <a:endParaRPr lang="en-US"/>
           </a:p>
@@ -638,7 +1214,7 @@
           <a:p>
             <a:fld id="{6DC25747-ADEF-44A5-B0A1-EA127634DA2C}" type="datetimeFigureOut">
               <a:rPr lang="en-US" smtClean="0"/>
-              <a:t>10/16/2012</a:t>
+              <a:t>10/23/2012</a:t>
             </a:fld>
             <a:endParaRPr lang="en-US"/>
           </a:p>
@@ -808,7 +1384,7 @@
           <a:p>
             <a:fld id="{6DC25747-ADEF-44A5-B0A1-EA127634DA2C}" type="datetimeFigureOut">
               <a:rPr lang="en-US" smtClean="0"/>
-              <a:t>10/16/2012</a:t>
+              <a:t>10/23/2012</a:t>
             </a:fld>
             <a:endParaRPr lang="en-US"/>
           </a:p>
@@ -1054,7 +1630,7 @@
           <a:p>
             <a:fld id="{6DC25747-ADEF-44A5-B0A1-EA127634DA2C}" type="datetimeFigureOut">
               <a:rPr lang="en-US" smtClean="0"/>
-              <a:t>10/16/2012</a:t>
+              <a:t>10/23/2012</a:t>
             </a:fld>
             <a:endParaRPr lang="en-US"/>
           </a:p>
@@ -1342,7 +1918,7 @@
           <a:p>
             <a:fld id="{6DC25747-ADEF-44A5-B0A1-EA127634DA2C}" type="datetimeFigureOut">
               <a:rPr lang="en-US" smtClean="0"/>
-              <a:t>10/16/2012</a:t>
+              <a:t>10/23/2012</a:t>
             </a:fld>
             <a:endParaRPr lang="en-US"/>
           </a:p>
@@ -1764,7 +2340,7 @@
           <a:p>
             <a:fld id="{6DC25747-ADEF-44A5-B0A1-EA127634DA2C}" type="datetimeFigureOut">
               <a:rPr lang="en-US" smtClean="0"/>
-              <a:t>10/16/2012</a:t>
+              <a:t>10/23/2012</a:t>
             </a:fld>
             <a:endParaRPr lang="en-US"/>
           </a:p>
@@ -1882,7 +2458,7 @@
           <a:p>
             <a:fld id="{6DC25747-ADEF-44A5-B0A1-EA127634DA2C}" type="datetimeFigureOut">
               <a:rPr lang="en-US" smtClean="0"/>
-              <a:t>10/16/2012</a:t>
+              <a:t>10/23/2012</a:t>
             </a:fld>
             <a:endParaRPr lang="en-US"/>
           </a:p>
@@ -1977,7 +2553,7 @@
           <a:p>
             <a:fld id="{6DC25747-ADEF-44A5-B0A1-EA127634DA2C}" type="datetimeFigureOut">
               <a:rPr lang="en-US" smtClean="0"/>
-              <a:t>10/16/2012</a:t>
+              <a:t>10/23/2012</a:t>
             </a:fld>
             <a:endParaRPr lang="en-US"/>
           </a:p>
@@ -2254,7 +2830,7 @@
           <a:p>
             <a:fld id="{6DC25747-ADEF-44A5-B0A1-EA127634DA2C}" type="datetimeFigureOut">
               <a:rPr lang="en-US" smtClean="0"/>
-              <a:t>10/16/2012</a:t>
+              <a:t>10/23/2012</a:t>
             </a:fld>
             <a:endParaRPr lang="en-US"/>
           </a:p>
@@ -2507,7 +3083,7 @@
           <a:p>
             <a:fld id="{6DC25747-ADEF-44A5-B0A1-EA127634DA2C}" type="datetimeFigureOut">
               <a:rPr lang="en-US" smtClean="0"/>
-              <a:t>10/16/2012</a:t>
+              <a:t>10/23/2012</a:t>
             </a:fld>
             <a:endParaRPr lang="en-US"/>
           </a:p>
@@ -2720,7 +3296,7 @@
           <a:p>
             <a:fld id="{6DC25747-ADEF-44A5-B0A1-EA127634DA2C}" type="datetimeFigureOut">
               <a:rPr lang="en-US" smtClean="0"/>
-              <a:t>10/16/2012</a:t>
+              <a:t>10/23/2012</a:t>
             </a:fld>
             <a:endParaRPr lang="en-US"/>
           </a:p>
@@ -3095,110 +3671,19 @@
           <a:chExt cx="0" cy="0"/>
         </a:xfrm>
       </p:grpSpPr>
-      <p:sp>
-        <p:nvSpPr>
-          <p:cNvPr id="4" name="Rounded Rectangle 3"/>
-          <p:cNvSpPr/>
-          <p:nvPr/>
-        </p:nvSpPr>
-        <p:spPr>
-          <a:xfrm>
-            <a:off x="2743200" y="1752600"/>
-            <a:ext cx="762000" cy="228600"/>
-          </a:xfrm>
-          <a:prstGeom prst="roundRect">
-            <a:avLst/>
-          </a:prstGeom>
-        </p:spPr>
-        <p:style>
-          <a:lnRef idx="2">
-            <a:schemeClr val="accent1">
-              <a:shade val="50000"/>
-            </a:schemeClr>
-          </a:lnRef>
-          <a:fillRef idx="1">
-            <a:schemeClr val="accent1"/>
-          </a:fillRef>
-          <a:effectRef idx="0">
-            <a:schemeClr val="accent1"/>
-          </a:effectRef>
-          <a:fontRef idx="minor">
-            <a:schemeClr val="lt1"/>
-          </a:fontRef>
-        </p:style>
-        <p:txBody>
-          <a:bodyPr rtlCol="0" anchor="ctr"/>
-          <a:lstStyle/>
-          <a:p>
-            <a:pPr algn="ctr"/>
-            <a:r>
-              <a:rPr lang="en-US" sz="900" dirty="0"/>
-              <a:t>S</a:t>
-            </a:r>
-            <a:r>
-              <a:rPr lang="en-US" sz="900" dirty="0" smtClean="0"/>
-              <a:t>leeping</a:t>
-            </a:r>
-            <a:endParaRPr lang="en-US" sz="900" dirty="0"/>
-          </a:p>
-        </p:txBody>
-      </p:sp>
-      <p:sp>
-        <p:nvSpPr>
-          <p:cNvPr id="5" name="Rounded Rectangle 4"/>
-          <p:cNvSpPr/>
-          <p:nvPr/>
-        </p:nvSpPr>
-        <p:spPr>
-          <a:xfrm>
-            <a:off x="5410200" y="4038600"/>
-            <a:ext cx="762000" cy="228600"/>
-          </a:xfrm>
-          <a:prstGeom prst="roundRect">
-            <a:avLst/>
-          </a:prstGeom>
-        </p:spPr>
-        <p:style>
-          <a:lnRef idx="2">
-            <a:schemeClr val="accent1">
-              <a:shade val="50000"/>
-            </a:schemeClr>
-          </a:lnRef>
-          <a:fillRef idx="1">
-            <a:schemeClr val="accent1"/>
-          </a:fillRef>
-          <a:effectRef idx="0">
-            <a:schemeClr val="accent1"/>
-          </a:effectRef>
-          <a:fontRef idx="minor">
-            <a:schemeClr val="lt1"/>
-          </a:fontRef>
-        </p:style>
-        <p:txBody>
-          <a:bodyPr rtlCol="0" anchor="ctr"/>
-          <a:lstStyle/>
-          <a:p>
-            <a:pPr algn="ctr"/>
-            <a:r>
-              <a:rPr lang="en-US" sz="900" dirty="0" smtClean="0"/>
-              <a:t>Charging</a:t>
-            </a:r>
-          </a:p>
-        </p:txBody>
-      </p:sp>
       <p:cxnSp>
         <p:nvCxnSpPr>
-          <p:cNvPr id="7" name="Curved Connector 6"/>
+          <p:cNvPr id="10" name="Curved Connector 9"/>
           <p:cNvCxnSpPr>
-            <a:stCxn id="4" idx="3"/>
-            <a:endCxn id="5" idx="0"/>
+            <a:stCxn id="5" idx="1"/>
+            <a:endCxn id="4" idx="2"/>
           </p:cNvCxnSpPr>
           <p:nvPr/>
         </p:nvCxnSpPr>
         <p:spPr>
-          <a:xfrm>
-            <a:off x="3505200" y="1866900"/>
-            <a:ext cx="2286000" cy="2171700"/>
+          <a:xfrm rot="10800000">
+            <a:off x="3126256" y="1981200"/>
+            <a:ext cx="2283945" cy="2171700"/>
           </a:xfrm>
           <a:prstGeom prst="curvedConnector2">
             <a:avLst/>
@@ -3224,332 +3709,20 @@
       </p:cxnSp>
       <p:cxnSp>
         <p:nvCxnSpPr>
-          <p:cNvPr id="10" name="Curved Connector 9"/>
+          <p:cNvPr id="7" name="Curved Connector 6"/>
           <p:cNvCxnSpPr>
-            <a:stCxn id="5" idx="1"/>
-            <a:endCxn id="4" idx="2"/>
+            <a:stCxn id="4" idx="3"/>
+            <a:endCxn id="5" idx="0"/>
           </p:cNvCxnSpPr>
           <p:nvPr/>
         </p:nvCxnSpPr>
         <p:spPr>
-          <a:xfrm rot="10800000">
-            <a:off x="3124200" y="1981200"/>
-            <a:ext cx="2286000" cy="2171700"/>
+          <a:xfrm>
+            <a:off x="3507255" y="1866900"/>
+            <a:ext cx="2283945" cy="2171700"/>
           </a:xfrm>
           <a:prstGeom prst="curvedConnector2">
             <a:avLst/>
-          </a:prstGeom>
-          <a:ln>
-            <a:tailEnd type="arrow"/>
-          </a:ln>
-        </p:spPr>
-        <p:style>
-          <a:lnRef idx="1">
-            <a:schemeClr val="accent1"/>
-          </a:lnRef>
-          <a:fillRef idx="0">
-            <a:schemeClr val="accent1"/>
-          </a:fillRef>
-          <a:effectRef idx="0">
-            <a:schemeClr val="accent1"/>
-          </a:effectRef>
-          <a:fontRef idx="minor">
-            <a:schemeClr val="tx1"/>
-          </a:fontRef>
-        </p:style>
-      </p:cxnSp>
-      <p:sp>
-        <p:nvSpPr>
-          <p:cNvPr id="13" name="TextBox 12"/>
-          <p:cNvSpPr txBox="1"/>
-          <p:nvPr/>
-        </p:nvSpPr>
-        <p:spPr>
-          <a:xfrm>
-            <a:off x="4001759" y="1658034"/>
-            <a:ext cx="1643399" cy="646331"/>
-          </a:xfrm>
-          <a:prstGeom prst="rect">
-            <a:avLst/>
-          </a:prstGeom>
-          <a:noFill/>
-        </p:spPr>
-        <p:txBody>
-          <a:bodyPr wrap="none" rtlCol="0">
-            <a:spAutoFit/>
-          </a:bodyPr>
-          <a:lstStyle/>
-          <a:p>
-            <a:r>
-              <a:rPr lang="en-US" sz="900" u="sng" dirty="0" smtClean="0"/>
-              <a:t>VCELLA &lt; 16V OR VCELLB &lt; 16V</a:t>
-            </a:r>
-          </a:p>
-          <a:p>
-            <a:r>
-              <a:rPr lang="en-US" sz="900" dirty="0"/>
-              <a:t> </a:t>
-            </a:r>
-            <a:r>
-              <a:rPr lang="en-US" sz="900" dirty="0" smtClean="0"/>
-              <a:t> - turn on the charging IC</a:t>
-            </a:r>
-          </a:p>
-          <a:p>
-            <a:r>
-              <a:rPr lang="en-US" sz="900" dirty="0"/>
-              <a:t> </a:t>
-            </a:r>
-            <a:r>
-              <a:rPr lang="en-US" sz="900" dirty="0" smtClean="0"/>
-              <a:t> - connect cell A</a:t>
-            </a:r>
-          </a:p>
-          <a:p>
-            <a:r>
-              <a:rPr lang="en-US" sz="900" dirty="0"/>
-              <a:t> </a:t>
-            </a:r>
-            <a:r>
-              <a:rPr lang="en-US" sz="900" dirty="0" smtClean="0"/>
-              <a:t> - connect cell B</a:t>
-            </a:r>
-            <a:endParaRPr lang="en-US" sz="900" dirty="0"/>
-          </a:p>
-        </p:txBody>
-      </p:sp>
-      <p:sp>
-        <p:nvSpPr>
-          <p:cNvPr id="14" name="TextBox 13"/>
-          <p:cNvSpPr txBox="1"/>
-          <p:nvPr/>
-        </p:nvSpPr>
-        <p:spPr>
-          <a:xfrm>
-            <a:off x="7239000" y="3384634"/>
-            <a:ext cx="1721946" cy="507831"/>
-          </a:xfrm>
-          <a:prstGeom prst="rect">
-            <a:avLst/>
-          </a:prstGeom>
-          <a:noFill/>
-        </p:spPr>
-        <p:txBody>
-          <a:bodyPr wrap="none" rtlCol="0">
-            <a:spAutoFit/>
-          </a:bodyPr>
-          <a:lstStyle/>
-          <a:p>
-            <a:r>
-              <a:rPr lang="en-US" sz="900" u="sng" dirty="0" smtClean="0"/>
-              <a:t>Charger refresh timer expired</a:t>
-            </a:r>
-          </a:p>
-          <a:p>
-            <a:r>
-              <a:rPr lang="en-US" sz="900" dirty="0"/>
-              <a:t> </a:t>
-            </a:r>
-            <a:r>
-              <a:rPr lang="en-US" sz="900" dirty="0" smtClean="0"/>
-              <a:t> - start the charger refresh timer</a:t>
-            </a:r>
-          </a:p>
-          <a:p>
-            <a:r>
-              <a:rPr lang="en-US" sz="900" dirty="0" smtClean="0"/>
-              <a:t>  - configure the charge limits</a:t>
-            </a:r>
-            <a:endParaRPr lang="en-US" sz="900" dirty="0"/>
-          </a:p>
-        </p:txBody>
-      </p:sp>
-      <p:cxnSp>
-        <p:nvCxnSpPr>
-          <p:cNvPr id="16" name="Curved Connector 15"/>
-          <p:cNvCxnSpPr>
-            <a:stCxn id="5" idx="2"/>
-            <a:endCxn id="5" idx="3"/>
-          </p:cNvCxnSpPr>
-          <p:nvPr/>
-        </p:nvCxnSpPr>
-        <p:spPr>
-          <a:xfrm rot="5400000" flipH="1" flipV="1">
-            <a:off x="5924550" y="4019550"/>
-            <a:ext cx="114300" cy="381000"/>
-          </a:xfrm>
-          <a:prstGeom prst="curvedConnector4">
-            <a:avLst>
-              <a:gd name="adj1" fmla="val 713333"/>
-              <a:gd name="adj2" fmla="val 606000"/>
-            </a:avLst>
-          </a:prstGeom>
-          <a:ln>
-            <a:tailEnd type="arrow"/>
-          </a:ln>
-        </p:spPr>
-        <p:style>
-          <a:lnRef idx="1">
-            <a:schemeClr val="accent1"/>
-          </a:lnRef>
-          <a:fillRef idx="0">
-            <a:schemeClr val="accent1"/>
-          </a:fillRef>
-          <a:effectRef idx="0">
-            <a:schemeClr val="accent1"/>
-          </a:effectRef>
-          <a:fontRef idx="minor">
-            <a:schemeClr val="tx1"/>
-          </a:fontRef>
-        </p:style>
-      </p:cxnSp>
-      <p:sp>
-        <p:nvSpPr>
-          <p:cNvPr id="21" name="TextBox 20"/>
-          <p:cNvSpPr txBox="1"/>
-          <p:nvPr/>
-        </p:nvSpPr>
-        <p:spPr>
-          <a:xfrm>
-            <a:off x="4648200" y="5056776"/>
-            <a:ext cx="1083951" cy="369332"/>
-          </a:xfrm>
-          <a:prstGeom prst="rect">
-            <a:avLst/>
-          </a:prstGeom>
-          <a:noFill/>
-        </p:spPr>
-        <p:txBody>
-          <a:bodyPr wrap="none" rtlCol="0">
-            <a:spAutoFit/>
-          </a:bodyPr>
-          <a:lstStyle/>
-          <a:p>
-            <a:r>
-              <a:rPr lang="en-US" sz="900" u="sng" dirty="0" smtClean="0"/>
-              <a:t>I_CELLA &lt; 100mA</a:t>
-            </a:r>
-            <a:endParaRPr lang="en-US" sz="900" u="sng" dirty="0"/>
-          </a:p>
-          <a:p>
-            <a:r>
-              <a:rPr lang="en-US" sz="900" dirty="0" smtClean="0"/>
-              <a:t>  - disconnect cell A</a:t>
-            </a:r>
-          </a:p>
-        </p:txBody>
-      </p:sp>
-      <p:sp>
-        <p:nvSpPr>
-          <p:cNvPr id="22" name="TextBox 21"/>
-          <p:cNvSpPr txBox="1"/>
-          <p:nvPr/>
-        </p:nvSpPr>
-        <p:spPr>
-          <a:xfrm>
-            <a:off x="6004560" y="5105400"/>
-            <a:ext cx="1083951" cy="369332"/>
-          </a:xfrm>
-          <a:prstGeom prst="rect">
-            <a:avLst/>
-          </a:prstGeom>
-          <a:noFill/>
-        </p:spPr>
-        <p:txBody>
-          <a:bodyPr wrap="none" rtlCol="0">
-            <a:spAutoFit/>
-          </a:bodyPr>
-          <a:lstStyle/>
-          <a:p>
-            <a:r>
-              <a:rPr lang="en-US" sz="900" u="sng" dirty="0" smtClean="0"/>
-              <a:t>I_CELLB &lt; 100mA</a:t>
-            </a:r>
-            <a:endParaRPr lang="en-US" sz="900" u="sng" dirty="0"/>
-          </a:p>
-          <a:p>
-            <a:r>
-              <a:rPr lang="en-US" sz="900" dirty="0" smtClean="0"/>
-              <a:t>  - disconnect cell B</a:t>
-            </a:r>
-          </a:p>
-        </p:txBody>
-      </p:sp>
-      <p:sp>
-        <p:nvSpPr>
-          <p:cNvPr id="23" name="TextBox 22"/>
-          <p:cNvSpPr txBox="1"/>
-          <p:nvPr/>
-        </p:nvSpPr>
-        <p:spPr>
-          <a:xfrm>
-            <a:off x="1937715" y="2983927"/>
-            <a:ext cx="2329484" cy="646331"/>
-          </a:xfrm>
-          <a:prstGeom prst="rect">
-            <a:avLst/>
-          </a:prstGeom>
-          <a:noFill/>
-        </p:spPr>
-        <p:txBody>
-          <a:bodyPr wrap="none" rtlCol="0">
-            <a:spAutoFit/>
-          </a:bodyPr>
-          <a:lstStyle/>
-          <a:p>
-            <a:r>
-              <a:rPr lang="en-US" sz="900" u="sng" dirty="0" smtClean="0"/>
-              <a:t>I_CELLA &lt; 100mA AND I_CELLB &lt; 100mA</a:t>
-            </a:r>
-            <a:endParaRPr lang="en-US" sz="900" u="sng" dirty="0"/>
-          </a:p>
-          <a:p>
-            <a:r>
-              <a:rPr lang="en-US" sz="900" dirty="0" smtClean="0"/>
-              <a:t>  - turn off the charging IC</a:t>
-            </a:r>
-          </a:p>
-          <a:p>
-            <a:r>
-              <a:rPr lang="en-US" sz="900" dirty="0"/>
-              <a:t> </a:t>
-            </a:r>
-            <a:r>
-              <a:rPr lang="en-US" sz="900" dirty="0" smtClean="0"/>
-              <a:t> - re-connect each cell to monitor the SOC via</a:t>
-            </a:r>
-          </a:p>
-          <a:p>
-            <a:r>
-              <a:rPr lang="en-US" sz="900" dirty="0"/>
-              <a:t> </a:t>
-            </a:r>
-            <a:r>
-              <a:rPr lang="en-US" sz="900" dirty="0" smtClean="0"/>
-              <a:t>   their voltages</a:t>
-            </a:r>
-          </a:p>
-        </p:txBody>
-      </p:sp>
-      <p:cxnSp>
-        <p:nvCxnSpPr>
-          <p:cNvPr id="24" name="Curved Connector 23"/>
-          <p:cNvCxnSpPr>
-            <a:stCxn id="5" idx="2"/>
-            <a:endCxn id="5" idx="3"/>
-          </p:cNvCxnSpPr>
-          <p:nvPr/>
-        </p:nvCxnSpPr>
-        <p:spPr>
-          <a:xfrm rot="5400000" flipH="1" flipV="1">
-            <a:off x="5924550" y="4019550"/>
-            <a:ext cx="114300" cy="381000"/>
-          </a:xfrm>
-          <a:prstGeom prst="curvedConnector4">
-            <a:avLst>
-              <a:gd name="adj1" fmla="val -913333"/>
-              <a:gd name="adj2" fmla="val 160000"/>
-            </a:avLst>
           </a:prstGeom>
           <a:ln>
             <a:tailEnd type="arrow"/>
@@ -3611,6 +3784,45 @@
       </p:cxnSp>
       <p:cxnSp>
         <p:nvCxnSpPr>
+          <p:cNvPr id="24" name="Curved Connector 23"/>
+          <p:cNvCxnSpPr>
+            <a:stCxn id="5" idx="2"/>
+            <a:endCxn id="5" idx="3"/>
+          </p:cNvCxnSpPr>
+          <p:nvPr/>
+        </p:nvCxnSpPr>
+        <p:spPr>
+          <a:xfrm rot="5400000" flipH="1" flipV="1">
+            <a:off x="5924550" y="4019550"/>
+            <a:ext cx="114300" cy="381000"/>
+          </a:xfrm>
+          <a:prstGeom prst="curvedConnector4">
+            <a:avLst>
+              <a:gd name="adj1" fmla="val -913333"/>
+              <a:gd name="adj2" fmla="val 160000"/>
+            </a:avLst>
+          </a:prstGeom>
+          <a:ln>
+            <a:tailEnd type="arrow"/>
+          </a:ln>
+        </p:spPr>
+        <p:style>
+          <a:lnRef idx="1">
+            <a:schemeClr val="accent1"/>
+          </a:lnRef>
+          <a:fillRef idx="0">
+            <a:schemeClr val="accent1"/>
+          </a:fillRef>
+          <a:effectRef idx="0">
+            <a:schemeClr val="accent1"/>
+          </a:effectRef>
+          <a:fontRef idx="minor">
+            <a:schemeClr val="tx1"/>
+          </a:fontRef>
+        </p:style>
+      </p:cxnSp>
+      <p:cxnSp>
+        <p:nvCxnSpPr>
           <p:cNvPr id="44" name="Curved Connector 43"/>
           <p:cNvCxnSpPr>
             <a:endCxn id="4" idx="1"/>
@@ -3619,7 +3831,7 @@
         </p:nvCxnSpPr>
         <p:spPr>
           <a:xfrm>
-            <a:off x="1828802" y="1276351"/>
+            <a:off x="1830857" y="1276351"/>
             <a:ext cx="914398" cy="590549"/>
           </a:xfrm>
           <a:prstGeom prst="curvedConnector3">
@@ -3647,6 +3859,211 @@
           </a:fontRef>
         </p:style>
       </p:cxnSp>
+      <p:cxnSp>
+        <p:nvCxnSpPr>
+          <p:cNvPr id="17" name="Curved Connector 16"/>
+          <p:cNvCxnSpPr>
+            <a:endCxn id="4" idx="1"/>
+          </p:cNvCxnSpPr>
+          <p:nvPr/>
+        </p:nvCxnSpPr>
+        <p:spPr>
+          <a:xfrm rot="10800000">
+            <a:off x="2745256" y="1866900"/>
+            <a:ext cx="2697481" cy="2267856"/>
+          </a:xfrm>
+          <a:prstGeom prst="curvedConnector3">
+            <a:avLst>
+              <a:gd name="adj1" fmla="val 188701"/>
+            </a:avLst>
+          </a:prstGeom>
+          <a:ln>
+            <a:tailEnd type="arrow"/>
+          </a:ln>
+        </p:spPr>
+        <p:style>
+          <a:lnRef idx="1">
+            <a:schemeClr val="accent1"/>
+          </a:lnRef>
+          <a:fillRef idx="0">
+            <a:schemeClr val="accent1"/>
+          </a:fillRef>
+          <a:effectRef idx="0">
+            <a:schemeClr val="accent1"/>
+          </a:effectRef>
+          <a:fontRef idx="minor">
+            <a:schemeClr val="tx1"/>
+          </a:fontRef>
+        </p:style>
+      </p:cxnSp>
+      <p:cxnSp>
+        <p:nvCxnSpPr>
+          <p:cNvPr id="26" name="Curved Connector 25"/>
+          <p:cNvCxnSpPr>
+            <a:stCxn id="5" idx="1"/>
+            <a:endCxn id="4" idx="1"/>
+          </p:cNvCxnSpPr>
+          <p:nvPr/>
+        </p:nvCxnSpPr>
+        <p:spPr>
+          <a:xfrm rot="10800000">
+            <a:off x="2745256" y="1866900"/>
+            <a:ext cx="2664945" cy="2286000"/>
+          </a:xfrm>
+          <a:prstGeom prst="curvedConnector3">
+            <a:avLst>
+              <a:gd name="adj1" fmla="val 108578"/>
+            </a:avLst>
+          </a:prstGeom>
+          <a:ln>
+            <a:tailEnd type="arrow"/>
+          </a:ln>
+        </p:spPr>
+        <p:style>
+          <a:lnRef idx="1">
+            <a:schemeClr val="accent1"/>
+          </a:lnRef>
+          <a:fillRef idx="0">
+            <a:schemeClr val="accent1"/>
+          </a:fillRef>
+          <a:effectRef idx="0">
+            <a:schemeClr val="accent1"/>
+          </a:effectRef>
+          <a:fontRef idx="minor">
+            <a:schemeClr val="tx1"/>
+          </a:fontRef>
+        </p:style>
+      </p:cxnSp>
+      <p:cxnSp>
+        <p:nvCxnSpPr>
+          <p:cNvPr id="16" name="Curved Connector 15"/>
+          <p:cNvCxnSpPr>
+            <a:stCxn id="5" idx="2"/>
+            <a:endCxn id="5" idx="3"/>
+          </p:cNvCxnSpPr>
+          <p:nvPr/>
+        </p:nvCxnSpPr>
+        <p:spPr>
+          <a:xfrm rot="5400000" flipH="1" flipV="1">
+            <a:off x="5924550" y="4019550"/>
+            <a:ext cx="114300" cy="381000"/>
+          </a:xfrm>
+          <a:prstGeom prst="curvedConnector4">
+            <a:avLst>
+              <a:gd name="adj1" fmla="val 713333"/>
+              <a:gd name="adj2" fmla="val 606000"/>
+            </a:avLst>
+          </a:prstGeom>
+          <a:ln>
+            <a:tailEnd type="arrow"/>
+          </a:ln>
+        </p:spPr>
+        <p:style>
+          <a:lnRef idx="1">
+            <a:schemeClr val="accent1"/>
+          </a:lnRef>
+          <a:fillRef idx="0">
+            <a:schemeClr val="accent1"/>
+          </a:fillRef>
+          <a:effectRef idx="0">
+            <a:schemeClr val="accent1"/>
+          </a:effectRef>
+          <a:fontRef idx="minor">
+            <a:schemeClr val="tx1"/>
+          </a:fontRef>
+        </p:style>
+      </p:cxnSp>
+      <p:sp>
+        <p:nvSpPr>
+          <p:cNvPr id="4" name="Rounded Rectangle 3"/>
+          <p:cNvSpPr/>
+          <p:nvPr/>
+        </p:nvSpPr>
+        <p:spPr>
+          <a:xfrm>
+            <a:off x="2745255" y="1752600"/>
+            <a:ext cx="762000" cy="228600"/>
+          </a:xfrm>
+          <a:prstGeom prst="roundRect">
+            <a:avLst/>
+          </a:prstGeom>
+        </p:spPr>
+        <p:style>
+          <a:lnRef idx="2">
+            <a:schemeClr val="accent1">
+              <a:shade val="50000"/>
+            </a:schemeClr>
+          </a:lnRef>
+          <a:fillRef idx="1">
+            <a:schemeClr val="accent1"/>
+          </a:fillRef>
+          <a:effectRef idx="0">
+            <a:schemeClr val="accent1"/>
+          </a:effectRef>
+          <a:fontRef idx="minor">
+            <a:schemeClr val="lt1"/>
+          </a:fontRef>
+        </p:style>
+        <p:txBody>
+          <a:bodyPr rtlCol="0" anchor="ctr"/>
+          <a:lstStyle/>
+          <a:p>
+            <a:pPr algn="ctr"/>
+            <a:r>
+              <a:rPr lang="en-US" sz="900" dirty="0"/>
+              <a:t>S</a:t>
+            </a:r>
+            <a:r>
+              <a:rPr lang="en-US" sz="900" dirty="0" smtClean="0"/>
+              <a:t>leeping</a:t>
+            </a:r>
+            <a:endParaRPr lang="en-US" sz="900" dirty="0"/>
+          </a:p>
+        </p:txBody>
+      </p:sp>
+      <p:sp>
+        <p:nvSpPr>
+          <p:cNvPr id="5" name="Rounded Rectangle 4"/>
+          <p:cNvSpPr/>
+          <p:nvPr/>
+        </p:nvSpPr>
+        <p:spPr>
+          <a:xfrm>
+            <a:off x="5410200" y="4038600"/>
+            <a:ext cx="762000" cy="228600"/>
+          </a:xfrm>
+          <a:prstGeom prst="roundRect">
+            <a:avLst/>
+          </a:prstGeom>
+        </p:spPr>
+        <p:style>
+          <a:lnRef idx="2">
+            <a:schemeClr val="accent1">
+              <a:shade val="50000"/>
+            </a:schemeClr>
+          </a:lnRef>
+          <a:fillRef idx="1">
+            <a:schemeClr val="accent1"/>
+          </a:fillRef>
+          <a:effectRef idx="0">
+            <a:schemeClr val="accent1"/>
+          </a:effectRef>
+          <a:fontRef idx="minor">
+            <a:schemeClr val="lt1"/>
+          </a:fontRef>
+        </p:style>
+        <p:txBody>
+          <a:bodyPr rtlCol="0" anchor="ctr"/>
+          <a:lstStyle/>
+          <a:p>
+            <a:pPr algn="ctr"/>
+            <a:r>
+              <a:rPr lang="en-US" sz="900" dirty="0" smtClean="0"/>
+              <a:t>Charging</a:t>
+            </a:r>
+          </a:p>
+        </p:txBody>
+      </p:sp>
       <p:sp>
         <p:nvSpPr>
           <p:cNvPr id="49" name="Rectangle 48"/>
@@ -3673,6 +4090,452 @@
               <a:t>start</a:t>
             </a:r>
             <a:endParaRPr lang="en-US" sz="800" dirty="0"/>
+          </a:p>
+        </p:txBody>
+      </p:sp>
+      <p:sp>
+        <p:nvSpPr>
+          <p:cNvPr id="2" name="Rectangle 1"/>
+          <p:cNvSpPr/>
+          <p:nvPr/>
+        </p:nvSpPr>
+        <p:spPr>
+          <a:xfrm>
+            <a:off x="3071020" y="304800"/>
+            <a:ext cx="3022559" cy="369332"/>
+          </a:xfrm>
+          <a:prstGeom prst="rect">
+            <a:avLst/>
+          </a:prstGeom>
+        </p:spPr>
+        <p:txBody>
+          <a:bodyPr wrap="none">
+            <a:spAutoFit/>
+          </a:bodyPr>
+          <a:lstStyle/>
+          <a:p>
+            <a:r>
+              <a:rPr lang="en-US" dirty="0" err="1" smtClean="0"/>
+              <a:t>InternalCharger</a:t>
+            </a:r>
+            <a:r>
+              <a:rPr lang="en-US" dirty="0" smtClean="0"/>
+              <a:t> State Diagram</a:t>
+            </a:r>
+            <a:endParaRPr lang="en-US" dirty="0"/>
+          </a:p>
+        </p:txBody>
+      </p:sp>
+      <p:sp>
+        <p:nvSpPr>
+          <p:cNvPr id="13" name="TextBox 12"/>
+          <p:cNvSpPr txBox="1"/>
+          <p:nvPr/>
+        </p:nvSpPr>
+        <p:spPr>
+          <a:xfrm>
+            <a:off x="4001759" y="1658034"/>
+            <a:ext cx="1696298" cy="784830"/>
+          </a:xfrm>
+          <a:prstGeom prst="rect">
+            <a:avLst/>
+          </a:prstGeom>
+          <a:solidFill>
+            <a:schemeClr val="bg1"/>
+          </a:solidFill>
+        </p:spPr>
+        <p:txBody>
+          <a:bodyPr wrap="none" rtlCol="0">
+            <a:spAutoFit/>
+          </a:bodyPr>
+          <a:lstStyle/>
+          <a:p>
+            <a:r>
+              <a:rPr lang="en-US" sz="900" u="sng" dirty="0" smtClean="0"/>
+              <a:t>V</a:t>
+            </a:r>
+            <a:r>
+              <a:rPr lang="en-US" sz="900" u="sng" baseline="-25000" dirty="0" smtClean="0"/>
+              <a:t>CELLA</a:t>
+            </a:r>
+            <a:r>
+              <a:rPr lang="en-US" sz="900" u="sng" dirty="0" smtClean="0"/>
+              <a:t> &lt; 16V OR V</a:t>
+            </a:r>
+            <a:r>
+              <a:rPr lang="en-US" sz="900" u="sng" baseline="-25000" dirty="0" smtClean="0"/>
+              <a:t>CELLB</a:t>
+            </a:r>
+            <a:r>
+              <a:rPr lang="en-US" sz="900" u="sng" dirty="0" smtClean="0"/>
+              <a:t> &lt; 16V AND</a:t>
+            </a:r>
+          </a:p>
+          <a:p>
+            <a:r>
+              <a:rPr lang="en-US" sz="900" u="sng" dirty="0" smtClean="0"/>
+              <a:t>(</a:t>
+            </a:r>
+            <a:r>
+              <a:rPr lang="en-US" sz="900" u="sng" dirty="0" err="1" smtClean="0"/>
+              <a:t>T</a:t>
+            </a:r>
+            <a:r>
+              <a:rPr lang="en-US" sz="900" u="sng" baseline="-25000" dirty="0" err="1" smtClean="0"/>
+              <a:t>cellA</a:t>
+            </a:r>
+            <a:r>
+              <a:rPr lang="en-US" sz="900" u="sng" dirty="0" smtClean="0"/>
+              <a:t> &lt; HOT </a:t>
+            </a:r>
+            <a:r>
+              <a:rPr lang="en-US" sz="900" u="sng" dirty="0"/>
+              <a:t>AND </a:t>
+            </a:r>
+            <a:r>
+              <a:rPr lang="en-US" sz="900" u="sng" dirty="0" err="1"/>
+              <a:t>T</a:t>
+            </a:r>
+            <a:r>
+              <a:rPr lang="en-US" sz="900" u="sng" baseline="-25000" dirty="0" err="1"/>
+              <a:t>cellA</a:t>
+            </a:r>
+            <a:r>
+              <a:rPr lang="en-US" sz="900" u="sng" dirty="0" smtClean="0"/>
+              <a:t> &lt; HOT) </a:t>
+            </a:r>
+          </a:p>
+          <a:p>
+            <a:r>
+              <a:rPr lang="en-US" sz="900" dirty="0"/>
+              <a:t> </a:t>
+            </a:r>
+            <a:r>
+              <a:rPr lang="en-US" sz="900" dirty="0" smtClean="0"/>
+              <a:t> - turn on the charging IC</a:t>
+            </a:r>
+          </a:p>
+          <a:p>
+            <a:r>
+              <a:rPr lang="en-US" sz="900" dirty="0"/>
+              <a:t> </a:t>
+            </a:r>
+            <a:r>
+              <a:rPr lang="en-US" sz="900" dirty="0" smtClean="0"/>
+              <a:t> - connect cell A</a:t>
+            </a:r>
+          </a:p>
+          <a:p>
+            <a:r>
+              <a:rPr lang="en-US" sz="900" dirty="0"/>
+              <a:t> </a:t>
+            </a:r>
+            <a:r>
+              <a:rPr lang="en-US" sz="900" dirty="0" smtClean="0"/>
+              <a:t> - connect cell B</a:t>
+            </a:r>
+            <a:endParaRPr lang="en-US" sz="900" dirty="0"/>
+          </a:p>
+        </p:txBody>
+      </p:sp>
+      <p:sp>
+        <p:nvSpPr>
+          <p:cNvPr id="14" name="TextBox 13"/>
+          <p:cNvSpPr txBox="1"/>
+          <p:nvPr/>
+        </p:nvSpPr>
+        <p:spPr>
+          <a:xfrm>
+            <a:off x="7239000" y="3384634"/>
+            <a:ext cx="1721946" cy="507831"/>
+          </a:xfrm>
+          <a:prstGeom prst="rect">
+            <a:avLst/>
+          </a:prstGeom>
+          <a:solidFill>
+            <a:schemeClr val="bg1"/>
+          </a:solidFill>
+        </p:spPr>
+        <p:txBody>
+          <a:bodyPr wrap="none" rtlCol="0">
+            <a:spAutoFit/>
+          </a:bodyPr>
+          <a:lstStyle/>
+          <a:p>
+            <a:r>
+              <a:rPr lang="en-US" sz="900" u="sng" dirty="0" smtClean="0"/>
+              <a:t>Charger refresh timer expired</a:t>
+            </a:r>
+            <a:endParaRPr lang="en-US" sz="900" u="sng" dirty="0" smtClean="0">
+              <a:solidFill>
+                <a:schemeClr val="tx1">
+                  <a:lumMod val="50000"/>
+                  <a:lumOff val="50000"/>
+                </a:schemeClr>
+              </a:solidFill>
+            </a:endParaRPr>
+          </a:p>
+          <a:p>
+            <a:r>
+              <a:rPr lang="en-US" sz="900" dirty="0"/>
+              <a:t> </a:t>
+            </a:r>
+            <a:r>
+              <a:rPr lang="en-US" sz="900" dirty="0" smtClean="0"/>
+              <a:t> - start the charger refresh timer</a:t>
+            </a:r>
+          </a:p>
+          <a:p>
+            <a:r>
+              <a:rPr lang="en-US" sz="900" dirty="0" smtClean="0"/>
+              <a:t>  - configure the charge limits</a:t>
+            </a:r>
+            <a:endParaRPr lang="en-US" sz="900" dirty="0"/>
+          </a:p>
+        </p:txBody>
+      </p:sp>
+      <p:sp>
+        <p:nvSpPr>
+          <p:cNvPr id="21" name="TextBox 20"/>
+          <p:cNvSpPr txBox="1"/>
+          <p:nvPr/>
+        </p:nvSpPr>
+        <p:spPr>
+          <a:xfrm>
+            <a:off x="4358786" y="4861586"/>
+            <a:ext cx="1083951" cy="369332"/>
+          </a:xfrm>
+          <a:prstGeom prst="rect">
+            <a:avLst/>
+          </a:prstGeom>
+          <a:solidFill>
+            <a:schemeClr val="bg1"/>
+          </a:solidFill>
+        </p:spPr>
+        <p:txBody>
+          <a:bodyPr wrap="none" rtlCol="0">
+            <a:spAutoFit/>
+          </a:bodyPr>
+          <a:lstStyle/>
+          <a:p>
+            <a:r>
+              <a:rPr lang="en-US" sz="900" u="sng" dirty="0" err="1" smtClean="0"/>
+              <a:t>I</a:t>
+            </a:r>
+            <a:r>
+              <a:rPr lang="en-US" sz="900" u="sng" baseline="-25000" dirty="0" err="1" smtClean="0"/>
+              <a:t>cellA</a:t>
+            </a:r>
+            <a:r>
+              <a:rPr lang="en-US" sz="900" u="sng" dirty="0" smtClean="0"/>
+              <a:t> &lt; 100mA</a:t>
+            </a:r>
+            <a:endParaRPr lang="en-US" sz="900" u="sng" dirty="0"/>
+          </a:p>
+          <a:p>
+            <a:r>
+              <a:rPr lang="en-US" sz="900" dirty="0" smtClean="0"/>
+              <a:t>  - disconnect cell A</a:t>
+            </a:r>
+          </a:p>
+        </p:txBody>
+      </p:sp>
+      <p:sp>
+        <p:nvSpPr>
+          <p:cNvPr id="22" name="TextBox 21"/>
+          <p:cNvSpPr txBox="1"/>
+          <p:nvPr/>
+        </p:nvSpPr>
+        <p:spPr>
+          <a:xfrm>
+            <a:off x="6324600" y="4690374"/>
+            <a:ext cx="1083951" cy="369332"/>
+          </a:xfrm>
+          <a:prstGeom prst="rect">
+            <a:avLst/>
+          </a:prstGeom>
+          <a:solidFill>
+            <a:schemeClr val="bg1"/>
+          </a:solidFill>
+        </p:spPr>
+        <p:txBody>
+          <a:bodyPr wrap="none" rtlCol="0">
+            <a:spAutoFit/>
+          </a:bodyPr>
+          <a:lstStyle/>
+          <a:p>
+            <a:r>
+              <a:rPr lang="en-US" sz="900" u="sng" dirty="0" err="1" smtClean="0"/>
+              <a:t>I</a:t>
+            </a:r>
+            <a:r>
+              <a:rPr lang="en-US" sz="900" u="sng" baseline="-25000" dirty="0" err="1" smtClean="0"/>
+              <a:t>cellB</a:t>
+            </a:r>
+            <a:r>
+              <a:rPr lang="en-US" sz="900" u="sng" dirty="0" smtClean="0"/>
+              <a:t> &lt; 100mA</a:t>
+            </a:r>
+            <a:endParaRPr lang="en-US" sz="900" u="sng" dirty="0"/>
+          </a:p>
+          <a:p>
+            <a:r>
+              <a:rPr lang="en-US" sz="900" dirty="0" smtClean="0"/>
+              <a:t>  - disconnect cell B</a:t>
+            </a:r>
+          </a:p>
+        </p:txBody>
+      </p:sp>
+      <p:sp>
+        <p:nvSpPr>
+          <p:cNvPr id="23" name="TextBox 22"/>
+          <p:cNvSpPr txBox="1"/>
+          <p:nvPr/>
+        </p:nvSpPr>
+        <p:spPr>
+          <a:xfrm>
+            <a:off x="3071020" y="2819400"/>
+            <a:ext cx="1958180" cy="646331"/>
+          </a:xfrm>
+          <a:prstGeom prst="rect">
+            <a:avLst/>
+          </a:prstGeom>
+          <a:solidFill>
+            <a:schemeClr val="bg1"/>
+          </a:solidFill>
+        </p:spPr>
+        <p:txBody>
+          <a:bodyPr wrap="square" rtlCol="0">
+            <a:spAutoFit/>
+          </a:bodyPr>
+          <a:lstStyle/>
+          <a:p>
+            <a:r>
+              <a:rPr lang="en-US" sz="900" u="sng" dirty="0" smtClean="0"/>
+              <a:t>I</a:t>
+            </a:r>
+            <a:r>
+              <a:rPr lang="en-US" sz="900" u="sng" baseline="-25000" dirty="0" smtClean="0"/>
+              <a:t>CELLA</a:t>
+            </a:r>
+            <a:r>
+              <a:rPr lang="en-US" sz="900" u="sng" dirty="0" smtClean="0"/>
+              <a:t> &lt; 100mA AND_I</a:t>
+            </a:r>
+            <a:r>
+              <a:rPr lang="en-US" sz="900" u="sng" baseline="-25000" dirty="0" smtClean="0"/>
+              <a:t>CELLB</a:t>
+            </a:r>
+            <a:r>
+              <a:rPr lang="en-US" sz="900" u="sng" dirty="0" smtClean="0"/>
+              <a:t> &lt; 100mA</a:t>
+            </a:r>
+            <a:endParaRPr lang="en-US" sz="900" u="sng" dirty="0"/>
+          </a:p>
+          <a:p>
+            <a:r>
+              <a:rPr lang="en-US" sz="900" dirty="0" smtClean="0"/>
+              <a:t>  - turn off the charging IC</a:t>
+            </a:r>
+          </a:p>
+          <a:p>
+            <a:r>
+              <a:rPr lang="en-US" sz="900" dirty="0"/>
+              <a:t> </a:t>
+            </a:r>
+            <a:r>
+              <a:rPr lang="en-US" sz="900" dirty="0" smtClean="0"/>
+              <a:t> - re-connect each cell to monitor the</a:t>
+            </a:r>
+          </a:p>
+          <a:p>
+            <a:r>
+              <a:rPr lang="en-US" sz="900" dirty="0"/>
+              <a:t> </a:t>
+            </a:r>
+            <a:r>
+              <a:rPr lang="en-US" sz="900" dirty="0" smtClean="0"/>
+              <a:t>    SOC via their voltages</a:t>
+            </a:r>
+          </a:p>
+        </p:txBody>
+      </p:sp>
+      <p:sp>
+        <p:nvSpPr>
+          <p:cNvPr id="25" name="TextBox 24"/>
+          <p:cNvSpPr txBox="1"/>
+          <p:nvPr/>
+        </p:nvSpPr>
+        <p:spPr>
+          <a:xfrm>
+            <a:off x="1371600" y="2643708"/>
+            <a:ext cx="1531188" cy="507831"/>
+          </a:xfrm>
+          <a:prstGeom prst="rect">
+            <a:avLst/>
+          </a:prstGeom>
+          <a:solidFill>
+            <a:schemeClr val="bg1"/>
+          </a:solidFill>
+        </p:spPr>
+        <p:txBody>
+          <a:bodyPr wrap="none" rtlCol="0">
+            <a:spAutoFit/>
+          </a:bodyPr>
+          <a:lstStyle/>
+          <a:p>
+            <a:r>
+              <a:rPr lang="en-US" sz="900" u="sng" dirty="0" smtClean="0"/>
+              <a:t>HOT </a:t>
+            </a:r>
+            <a:r>
+              <a:rPr lang="en-US" sz="900" u="sng" dirty="0"/>
+              <a:t>&lt; </a:t>
+            </a:r>
+            <a:r>
+              <a:rPr lang="en-US" sz="900" u="sng" dirty="0" err="1"/>
+              <a:t>T</a:t>
+            </a:r>
+            <a:r>
+              <a:rPr lang="en-US" sz="900" u="sng" baseline="-25000" dirty="0" err="1"/>
+              <a:t>cellA</a:t>
+            </a:r>
+            <a:r>
+              <a:rPr lang="en-US" sz="900" u="sng" dirty="0" smtClean="0"/>
+              <a:t> OR_HOT </a:t>
+            </a:r>
+            <a:r>
+              <a:rPr lang="en-US" sz="900" u="sng" dirty="0"/>
+              <a:t>&lt; </a:t>
+            </a:r>
+            <a:r>
+              <a:rPr lang="en-US" sz="900" u="sng" dirty="0" err="1"/>
+              <a:t>T</a:t>
+            </a:r>
+            <a:r>
+              <a:rPr lang="en-US" sz="900" u="sng" baseline="-25000" dirty="0" err="1"/>
+              <a:t>cellA</a:t>
+            </a:r>
+            <a:r>
+              <a:rPr lang="en-US" sz="900" dirty="0" smtClean="0"/>
+              <a:t> </a:t>
+            </a:r>
+          </a:p>
+          <a:p>
+            <a:r>
+              <a:rPr lang="en-US" sz="900" dirty="0"/>
+              <a:t> </a:t>
+            </a:r>
+            <a:r>
+              <a:rPr lang="en-US" sz="900" dirty="0" smtClean="0"/>
+              <a:t> - turn off the charging IC</a:t>
+            </a:r>
+          </a:p>
+          <a:p>
+            <a:r>
+              <a:rPr lang="en-US" sz="900" dirty="0" smtClean="0"/>
+              <a:t>  - disconnect both cells</a:t>
+            </a:r>
           </a:p>
         </p:txBody>
       </p:sp>
@@ -3686,6 +4549,13 @@
   <p:clrMapOvr>
     <a:masterClrMapping/>
   </p:clrMapOvr>
+  <p:timing>
+    <p:tnLst>
+      <p:par>
+        <p:cTn id="1" dur="indefinite" restart="never" nodeType="tmRoot"/>
+      </p:par>
+    </p:tnLst>
+  </p:timing>
 </p:sld>
 </file>
 
@@ -3972,4 +4842,289 @@
   <a:objectDefaults/>
   <a:extraClrSchemeLst/>
 </a:theme>
+</file>
+
+<file path=ppt/theme/theme2.xml><?xml version="1.0" encoding="utf-8"?>
+<a:theme xmlns:a="http://schemas.openxmlformats.org/drawingml/2006/main" name="Office Theme">
+  <a:themeElements>
+    <a:clrScheme name="Office">
+      <a:dk1>
+        <a:sysClr val="windowText" lastClr="000000"/>
+      </a:dk1>
+      <a:lt1>
+        <a:sysClr val="window" lastClr="FFFFFF"/>
+      </a:lt1>
+      <a:dk2>
+        <a:srgbClr val="1F497D"/>
+      </a:dk2>
+      <a:lt2>
+        <a:srgbClr val="EEECE1"/>
+      </a:lt2>
+      <a:accent1>
+        <a:srgbClr val="4F81BD"/>
+      </a:accent1>
+      <a:accent2>
+        <a:srgbClr val="C0504D"/>
+      </a:accent2>
+      <a:accent3>
+        <a:srgbClr val="9BBB59"/>
+      </a:accent3>
+      <a:accent4>
+        <a:srgbClr val="8064A2"/>
+      </a:accent4>
+      <a:accent5>
+        <a:srgbClr val="4BACC6"/>
+      </a:accent5>
+      <a:accent6>
+        <a:srgbClr val="F79646"/>
+      </a:accent6>
+      <a:hlink>
+        <a:srgbClr val="0000FF"/>
+      </a:hlink>
+      <a:folHlink>
+        <a:srgbClr val="800080"/>
+      </a:folHlink>
+    </a:clrScheme>
+    <a:fontScheme name="Office">
+      <a:majorFont>
+        <a:latin typeface="Calibri"/>
+        <a:ea typeface=""/>
+        <a:cs typeface=""/>
+        <a:font script="Jpan" typeface="ＭＳ Ｐゴシック"/>
+        <a:font script="Hang" typeface="맑은 고딕"/>
+        <a:font script="Hans" typeface="宋体"/>
+        <a:font script="Hant" typeface="新細明體"/>
+        <a:font script="Arab" typeface="Times New Roman"/>
+        <a:font script="Hebr" typeface="Times New Roman"/>
+        <a:font script="Thai" typeface="Angsana New"/>
+        <a:font script="Ethi" typeface="Nyala"/>
+        <a:font script="Beng" typeface="Vrinda"/>
+        <a:font script="Gujr" typeface="Shruti"/>
+        <a:font script="Khmr" typeface="MoolBoran"/>
+        <a:font script="Knda" typeface="Tunga"/>
+        <a:font script="Guru" typeface="Raavi"/>
+        <a:font script="Cans" typeface="Euphemia"/>
+        <a:font script="Cher" typeface="Plantagenet Cherokee"/>
+        <a:font script="Yiii" typeface="Microsoft Yi Baiti"/>
+        <a:font script="Tibt" typeface="Microsoft Himalaya"/>
+        <a:font script="Thaa" typeface="MV Boli"/>
+        <a:font script="Deva" typeface="Mangal"/>
+        <a:font script="Telu" typeface="Gautami"/>
+        <a:font script="Taml" typeface="Latha"/>
+        <a:font script="Syrc" typeface="Estrangelo Edessa"/>
+        <a:font script="Orya" typeface="Kalinga"/>
+        <a:font script="Mlym" typeface="Kartika"/>
+        <a:font script="Laoo" typeface="DokChampa"/>
+        <a:font script="Sinh" typeface="Iskoola Pota"/>
+        <a:font script="Mong" typeface="Mongolian Baiti"/>
+        <a:font script="Viet" typeface="Times New Roman"/>
+        <a:font script="Uigh" typeface="Microsoft Uighur"/>
+        <a:font script="Geor" typeface="Sylfaen"/>
+      </a:majorFont>
+      <a:minorFont>
+        <a:latin typeface="Calibri"/>
+        <a:ea typeface=""/>
+        <a:cs typeface=""/>
+        <a:font script="Jpan" typeface="ＭＳ Ｐゴシック"/>
+        <a:font script="Hang" typeface="맑은 고딕"/>
+        <a:font script="Hans" typeface="宋体"/>
+        <a:font script="Hant" typeface="新細明體"/>
+        <a:font script="Arab" typeface="Arial"/>
+        <a:font script="Hebr" typeface="Arial"/>
+        <a:font script="Thai" typeface="Cordia New"/>
+        <a:font script="Ethi" typeface="Nyala"/>
+        <a:font script="Beng" typeface="Vrinda"/>
+        <a:font script="Gujr" typeface="Shruti"/>
+        <a:font script="Khmr" typeface="DaunPenh"/>
+        <a:font script="Knda" typeface="Tunga"/>
+        <a:font script="Guru" typeface="Raavi"/>
+        <a:font script="Cans" typeface="Euphemia"/>
+        <a:font script="Cher" typeface="Plantagenet Cherokee"/>
+        <a:font script="Yiii" typeface="Microsoft Yi Baiti"/>
+        <a:font script="Tibt" typeface="Microsoft Himalaya"/>
+        <a:font script="Thaa" typeface="MV Boli"/>
+        <a:font script="Deva" typeface="Mangal"/>
+        <a:font script="Telu" typeface="Gautami"/>
+        <a:font script="Taml" typeface="Latha"/>
+        <a:font script="Syrc" typeface="Estrangelo Edessa"/>
+        <a:font script="Orya" typeface="Kalinga"/>
+        <a:font script="Mlym" typeface="Kartika"/>
+        <a:font script="Laoo" typeface="DokChampa"/>
+        <a:font script="Sinh" typeface="Iskoola Pota"/>
+        <a:font script="Mong" typeface="Mongolian Baiti"/>
+        <a:font script="Viet" typeface="Arial"/>
+        <a:font script="Uigh" typeface="Microsoft Uighur"/>
+        <a:font script="Geor" typeface="Sylfaen"/>
+      </a:minorFont>
+    </a:fontScheme>
+    <a:fmtScheme name="Office">
+      <a:fillStyleLst>
+        <a:solidFill>
+          <a:schemeClr val="phClr"/>
+        </a:solidFill>
+        <a:gradFill rotWithShape="1">
+          <a:gsLst>
+            <a:gs pos="0">
+              <a:schemeClr val="phClr">
+                <a:tint val="50000"/>
+                <a:satMod val="300000"/>
+              </a:schemeClr>
+            </a:gs>
+            <a:gs pos="35000">
+              <a:schemeClr val="phClr">
+                <a:tint val="37000"/>
+                <a:satMod val="300000"/>
+              </a:schemeClr>
+            </a:gs>
+            <a:gs pos="100000">
+              <a:schemeClr val="phClr">
+                <a:tint val="15000"/>
+                <a:satMod val="350000"/>
+              </a:schemeClr>
+            </a:gs>
+          </a:gsLst>
+          <a:lin ang="16200000" scaled="1"/>
+        </a:gradFill>
+        <a:gradFill rotWithShape="1">
+          <a:gsLst>
+            <a:gs pos="0">
+              <a:schemeClr val="phClr">
+                <a:shade val="51000"/>
+                <a:satMod val="130000"/>
+              </a:schemeClr>
+            </a:gs>
+            <a:gs pos="80000">
+              <a:schemeClr val="phClr">
+                <a:shade val="93000"/>
+                <a:satMod val="130000"/>
+              </a:schemeClr>
+            </a:gs>
+            <a:gs pos="100000">
+              <a:schemeClr val="phClr">
+                <a:shade val="94000"/>
+                <a:satMod val="135000"/>
+              </a:schemeClr>
+            </a:gs>
+          </a:gsLst>
+          <a:lin ang="16200000" scaled="0"/>
+        </a:gradFill>
+      </a:fillStyleLst>
+      <a:lnStyleLst>
+        <a:ln w="9525" cap="flat" cmpd="sng" algn="ctr">
+          <a:solidFill>
+            <a:schemeClr val="phClr">
+              <a:shade val="95000"/>
+              <a:satMod val="105000"/>
+            </a:schemeClr>
+          </a:solidFill>
+          <a:prstDash val="solid"/>
+        </a:ln>
+        <a:ln w="25400" cap="flat" cmpd="sng" algn="ctr">
+          <a:solidFill>
+            <a:schemeClr val="phClr"/>
+          </a:solidFill>
+          <a:prstDash val="solid"/>
+        </a:ln>
+        <a:ln w="38100" cap="flat" cmpd="sng" algn="ctr">
+          <a:solidFill>
+            <a:schemeClr val="phClr"/>
+          </a:solidFill>
+          <a:prstDash val="solid"/>
+        </a:ln>
+      </a:lnStyleLst>
+      <a:effectStyleLst>
+        <a:effectStyle>
+          <a:effectLst>
+            <a:outerShdw blurRad="40000" dist="20000" dir="5400000" rotWithShape="0">
+              <a:srgbClr val="000000">
+                <a:alpha val="38000"/>
+              </a:srgbClr>
+            </a:outerShdw>
+          </a:effectLst>
+        </a:effectStyle>
+        <a:effectStyle>
+          <a:effectLst>
+            <a:outerShdw blurRad="40000" dist="23000" dir="5400000" rotWithShape="0">
+              <a:srgbClr val="000000">
+                <a:alpha val="35000"/>
+              </a:srgbClr>
+            </a:outerShdw>
+          </a:effectLst>
+        </a:effectStyle>
+        <a:effectStyle>
+          <a:effectLst>
+            <a:outerShdw blurRad="40000" dist="23000" dir="5400000" rotWithShape="0">
+              <a:srgbClr val="000000">
+                <a:alpha val="35000"/>
+              </a:srgbClr>
+            </a:outerShdw>
+          </a:effectLst>
+          <a:scene3d>
+            <a:camera prst="orthographicFront">
+              <a:rot lat="0" lon="0" rev="0"/>
+            </a:camera>
+            <a:lightRig rig="threePt" dir="t">
+              <a:rot lat="0" lon="0" rev="1200000"/>
+            </a:lightRig>
+          </a:scene3d>
+          <a:sp3d>
+            <a:bevelT w="63500" h="25400"/>
+          </a:sp3d>
+        </a:effectStyle>
+      </a:effectStyleLst>
+      <a:bgFillStyleLst>
+        <a:solidFill>
+          <a:schemeClr val="phClr"/>
+        </a:solidFill>
+        <a:gradFill rotWithShape="1">
+          <a:gsLst>
+            <a:gs pos="0">
+              <a:schemeClr val="phClr">
+                <a:tint val="40000"/>
+                <a:satMod val="350000"/>
+              </a:schemeClr>
+            </a:gs>
+            <a:gs pos="40000">
+              <a:schemeClr val="phClr">
+                <a:tint val="45000"/>
+                <a:shade val="99000"/>
+                <a:satMod val="350000"/>
+              </a:schemeClr>
+            </a:gs>
+            <a:gs pos="100000">
+              <a:schemeClr val="phClr">
+                <a:shade val="20000"/>
+                <a:satMod val="255000"/>
+              </a:schemeClr>
+            </a:gs>
+          </a:gsLst>
+          <a:path path="circle">
+            <a:fillToRect l="50000" t="-80000" r="50000" b="180000"/>
+          </a:path>
+        </a:gradFill>
+        <a:gradFill rotWithShape="1">
+          <a:gsLst>
+            <a:gs pos="0">
+              <a:schemeClr val="phClr">
+                <a:tint val="80000"/>
+                <a:satMod val="300000"/>
+              </a:schemeClr>
+            </a:gs>
+            <a:gs pos="100000">
+              <a:schemeClr val="phClr">
+                <a:shade val="30000"/>
+                <a:satMod val="200000"/>
+              </a:schemeClr>
+            </a:gs>
+          </a:gsLst>
+          <a:path path="circle">
+            <a:fillToRect l="50000" t="50000" r="50000" b="50000"/>
+          </a:path>
+        </a:gradFill>
+      </a:bgFillStyleLst>
+    </a:fmtScheme>
+  </a:themeElements>
+  <a:objectDefaults/>
+  <a:extraClrSchemeLst/>
+</a:theme>
 </file>
--- a/Avatar_Micro_Robot/Robot_V2/Internal_Charger/trunk/supporting_files/InternalCharger_StateDiagram.pptx
+++ b/Avatar_Micro_Robot/Robot_V2/Internal_Charger/trunk/supporting_files/InternalCharger_StateDiagram.pptx
@@ -5,10 +5,12 @@
     <p:sldMasterId id="2147483648" r:id="rId1"/>
   </p:sldMasterIdLst>
   <p:notesMasterIdLst>
-    <p:notesMasterId r:id="rId3"/>
+    <p:notesMasterId r:id="rId5"/>
   </p:notesMasterIdLst>
   <p:sldIdLst>
-    <p:sldId id="256" r:id="rId2"/>
+    <p:sldId id="257" r:id="rId2"/>
+    <p:sldId id="258" r:id="rId3"/>
+    <p:sldId id="256" r:id="rId4"/>
   </p:sldIdLst>
   <p:sldSz cx="9144000" cy="6858000" type="screen4x3"/>
   <p:notesSz cx="6858000" cy="9144000"/>
@@ -16,7 +18,7 @@
     <a:defPPr>
       <a:defRPr lang="en-US"/>
     </a:defPPr>
-    <a:lvl1pPr marL="0" algn="l" defTabSz="914400" rtl="0" eaLnBrk="1" latinLnBrk="0" hangingPunct="1">
+    <a:lvl1pPr marL="0" algn="l" defTabSz="913839" rtl="0" eaLnBrk="1" latinLnBrk="0" hangingPunct="1">
       <a:defRPr sz="1800" kern="1200">
         <a:solidFill>
           <a:schemeClr val="tx1"/>
@@ -26,7 +28,7 @@
         <a:cs typeface="+mn-cs"/>
       </a:defRPr>
     </a:lvl1pPr>
-    <a:lvl2pPr marL="457200" algn="l" defTabSz="914400" rtl="0" eaLnBrk="1" latinLnBrk="0" hangingPunct="1">
+    <a:lvl2pPr marL="456921" algn="l" defTabSz="913839" rtl="0" eaLnBrk="1" latinLnBrk="0" hangingPunct="1">
       <a:defRPr sz="1800" kern="1200">
         <a:solidFill>
           <a:schemeClr val="tx1"/>
@@ -36,7 +38,7 @@
         <a:cs typeface="+mn-cs"/>
       </a:defRPr>
     </a:lvl2pPr>
-    <a:lvl3pPr marL="914400" algn="l" defTabSz="914400" rtl="0" eaLnBrk="1" latinLnBrk="0" hangingPunct="1">
+    <a:lvl3pPr marL="913839" algn="l" defTabSz="913839" rtl="0" eaLnBrk="1" latinLnBrk="0" hangingPunct="1">
       <a:defRPr sz="1800" kern="1200">
         <a:solidFill>
           <a:schemeClr val="tx1"/>
@@ -46,7 +48,7 @@
         <a:cs typeface="+mn-cs"/>
       </a:defRPr>
     </a:lvl3pPr>
-    <a:lvl4pPr marL="1371600" algn="l" defTabSz="914400" rtl="0" eaLnBrk="1" latinLnBrk="0" hangingPunct="1">
+    <a:lvl4pPr marL="1370760" algn="l" defTabSz="913839" rtl="0" eaLnBrk="1" latinLnBrk="0" hangingPunct="1">
       <a:defRPr sz="1800" kern="1200">
         <a:solidFill>
           <a:schemeClr val="tx1"/>
@@ -56,7 +58,7 @@
         <a:cs typeface="+mn-cs"/>
       </a:defRPr>
     </a:lvl4pPr>
-    <a:lvl5pPr marL="1828800" algn="l" defTabSz="914400" rtl="0" eaLnBrk="1" latinLnBrk="0" hangingPunct="1">
+    <a:lvl5pPr marL="1827681" algn="l" defTabSz="913839" rtl="0" eaLnBrk="1" latinLnBrk="0" hangingPunct="1">
       <a:defRPr sz="1800" kern="1200">
         <a:solidFill>
           <a:schemeClr val="tx1"/>
@@ -66,7 +68,7 @@
         <a:cs typeface="+mn-cs"/>
       </a:defRPr>
     </a:lvl5pPr>
-    <a:lvl6pPr marL="2286000" algn="l" defTabSz="914400" rtl="0" eaLnBrk="1" latinLnBrk="0" hangingPunct="1">
+    <a:lvl6pPr marL="2284600" algn="l" defTabSz="913839" rtl="0" eaLnBrk="1" latinLnBrk="0" hangingPunct="1">
       <a:defRPr sz="1800" kern="1200">
         <a:solidFill>
           <a:schemeClr val="tx1"/>
@@ -76,7 +78,7 @@
         <a:cs typeface="+mn-cs"/>
       </a:defRPr>
     </a:lvl6pPr>
-    <a:lvl7pPr marL="2743200" algn="l" defTabSz="914400" rtl="0" eaLnBrk="1" latinLnBrk="0" hangingPunct="1">
+    <a:lvl7pPr marL="2741521" algn="l" defTabSz="913839" rtl="0" eaLnBrk="1" latinLnBrk="0" hangingPunct="1">
       <a:defRPr sz="1800" kern="1200">
         <a:solidFill>
           <a:schemeClr val="tx1"/>
@@ -86,7 +88,7 @@
         <a:cs typeface="+mn-cs"/>
       </a:defRPr>
     </a:lvl7pPr>
-    <a:lvl8pPr marL="3200400" algn="l" defTabSz="914400" rtl="0" eaLnBrk="1" latinLnBrk="0" hangingPunct="1">
+    <a:lvl8pPr marL="3198442" algn="l" defTabSz="913839" rtl="0" eaLnBrk="1" latinLnBrk="0" hangingPunct="1">
       <a:defRPr sz="1800" kern="1200">
         <a:solidFill>
           <a:schemeClr val="tx1"/>
@@ -96,7 +98,7 @@
         <a:cs typeface="+mn-cs"/>
       </a:defRPr>
     </a:lvl8pPr>
-    <a:lvl9pPr marL="3657600" algn="l" defTabSz="914400" rtl="0" eaLnBrk="1" latinLnBrk="0" hangingPunct="1">
+    <a:lvl9pPr marL="3655361" algn="l" defTabSz="913839" rtl="0" eaLnBrk="1" latinLnBrk="0" hangingPunct="1">
       <a:defRPr sz="1800" kern="1200">
         <a:solidFill>
           <a:schemeClr val="tx1"/>
@@ -192,7 +194,7 @@
           <a:p>
             <a:fld id="{2A42F65A-C093-401C-9BB1-D6A509D3F1DF}" type="datetimeFigureOut">
               <a:rPr lang="en-US" smtClean="0"/>
-              <a:t>10/23/2012</a:t>
+              <a:t>10/24/2012</a:t>
             </a:fld>
             <a:endParaRPr lang="en-US"/>
           </a:p>
@@ -366,7 +368,7 @@
   </p:cSld>
   <p:clrMap bg1="lt1" tx1="dk1" bg2="lt2" tx2="dk2" accent1="accent1" accent2="accent2" accent3="accent3" accent4="accent4" accent5="accent5" accent6="accent6" hlink="hlink" folHlink="folHlink"/>
   <p:notesStyle>
-    <a:lvl1pPr marL="0" algn="l" defTabSz="914400" rtl="0" eaLnBrk="1" latinLnBrk="0" hangingPunct="1">
+    <a:lvl1pPr marL="0" algn="l" defTabSz="913839" rtl="0" eaLnBrk="1" latinLnBrk="0" hangingPunct="1">
       <a:defRPr sz="1200" kern="1200">
         <a:solidFill>
           <a:schemeClr val="tx1"/>
@@ -376,7 +378,7 @@
         <a:cs typeface="+mn-cs"/>
       </a:defRPr>
     </a:lvl1pPr>
-    <a:lvl2pPr marL="457200" algn="l" defTabSz="914400" rtl="0" eaLnBrk="1" latinLnBrk="0" hangingPunct="1">
+    <a:lvl2pPr marL="456921" algn="l" defTabSz="913839" rtl="0" eaLnBrk="1" latinLnBrk="0" hangingPunct="1">
       <a:defRPr sz="1200" kern="1200">
         <a:solidFill>
           <a:schemeClr val="tx1"/>
@@ -386,7 +388,7 @@
         <a:cs typeface="+mn-cs"/>
       </a:defRPr>
     </a:lvl2pPr>
-    <a:lvl3pPr marL="914400" algn="l" defTabSz="914400" rtl="0" eaLnBrk="1" latinLnBrk="0" hangingPunct="1">
+    <a:lvl3pPr marL="913839" algn="l" defTabSz="913839" rtl="0" eaLnBrk="1" latinLnBrk="0" hangingPunct="1">
       <a:defRPr sz="1200" kern="1200">
         <a:solidFill>
           <a:schemeClr val="tx1"/>
@@ -396,7 +398,7 @@
         <a:cs typeface="+mn-cs"/>
       </a:defRPr>
     </a:lvl3pPr>
-    <a:lvl4pPr marL="1371600" algn="l" defTabSz="914400" rtl="0" eaLnBrk="1" latinLnBrk="0" hangingPunct="1">
+    <a:lvl4pPr marL="1370760" algn="l" defTabSz="913839" rtl="0" eaLnBrk="1" latinLnBrk="0" hangingPunct="1">
       <a:defRPr sz="1200" kern="1200">
         <a:solidFill>
           <a:schemeClr val="tx1"/>
@@ -406,7 +408,7 @@
         <a:cs typeface="+mn-cs"/>
       </a:defRPr>
     </a:lvl4pPr>
-    <a:lvl5pPr marL="1828800" algn="l" defTabSz="914400" rtl="0" eaLnBrk="1" latinLnBrk="0" hangingPunct="1">
+    <a:lvl5pPr marL="1827681" algn="l" defTabSz="913839" rtl="0" eaLnBrk="1" latinLnBrk="0" hangingPunct="1">
       <a:defRPr sz="1200" kern="1200">
         <a:solidFill>
           <a:schemeClr val="tx1"/>
@@ -416,7 +418,7 @@
         <a:cs typeface="+mn-cs"/>
       </a:defRPr>
     </a:lvl5pPr>
-    <a:lvl6pPr marL="2286000" algn="l" defTabSz="914400" rtl="0" eaLnBrk="1" latinLnBrk="0" hangingPunct="1">
+    <a:lvl6pPr marL="2284600" algn="l" defTabSz="913839" rtl="0" eaLnBrk="1" latinLnBrk="0" hangingPunct="1">
       <a:defRPr sz="1200" kern="1200">
         <a:solidFill>
           <a:schemeClr val="tx1"/>
@@ -426,7 +428,7 @@
         <a:cs typeface="+mn-cs"/>
       </a:defRPr>
     </a:lvl6pPr>
-    <a:lvl7pPr marL="2743200" algn="l" defTabSz="914400" rtl="0" eaLnBrk="1" latinLnBrk="0" hangingPunct="1">
+    <a:lvl7pPr marL="2741521" algn="l" defTabSz="913839" rtl="0" eaLnBrk="1" latinLnBrk="0" hangingPunct="1">
       <a:defRPr sz="1200" kern="1200">
         <a:solidFill>
           <a:schemeClr val="tx1"/>
@@ -436,7 +438,7 @@
         <a:cs typeface="+mn-cs"/>
       </a:defRPr>
     </a:lvl7pPr>
-    <a:lvl8pPr marL="3200400" algn="l" defTabSz="914400" rtl="0" eaLnBrk="1" latinLnBrk="0" hangingPunct="1">
+    <a:lvl8pPr marL="3198442" algn="l" defTabSz="913839" rtl="0" eaLnBrk="1" latinLnBrk="0" hangingPunct="1">
       <a:defRPr sz="1200" kern="1200">
         <a:solidFill>
           <a:schemeClr val="tx1"/>
@@ -446,7 +448,7 @@
         <a:cs typeface="+mn-cs"/>
       </a:defRPr>
     </a:lvl8pPr>
-    <a:lvl9pPr marL="3657600" algn="l" defTabSz="914400" rtl="0" eaLnBrk="1" latinLnBrk="0" hangingPunct="1">
+    <a:lvl9pPr marL="3655361" algn="l" defTabSz="913839" rtl="0" eaLnBrk="1" latinLnBrk="0" hangingPunct="1">
       <a:defRPr sz="1200" kern="1200">
         <a:solidFill>
           <a:schemeClr val="tx1"/>
@@ -487,7 +489,12 @@
             <p:ph type="sldImg"/>
           </p:nvPr>
         </p:nvSpPr>
-        <p:spPr/>
+        <p:spPr>
+          <a:xfrm>
+            <a:off x="1143000" y="685800"/>
+            <a:ext cx="4572000" cy="3429000"/>
+          </a:xfrm>
+        </p:spPr>
       </p:sp>
       <p:sp>
         <p:nvSpPr>
@@ -510,6 +517,34 @@
             </a:r>
           </a:p>
           <a:p>
+            <a:r>
+              <a:rPr lang="en-US" dirty="0" smtClean="0"/>
+              <a:t>Special</a:t>
+            </a:r>
+            <a:r>
+              <a:rPr lang="en-US" baseline="0" dirty="0" smtClean="0"/>
+              <a:t> Cases:</a:t>
+            </a:r>
+          </a:p>
+          <a:p>
+            <a:r>
+              <a:rPr lang="en-US" baseline="0" dirty="0" smtClean="0"/>
+              <a:t>  - what if one cell gets more than it’s maximum share (3A)?</a:t>
+            </a:r>
+          </a:p>
+          <a:p>
+            <a:r>
+              <a:rPr lang="en-US" baseline="0" dirty="0" smtClean="0"/>
+              <a:t>    - is the other battery charging it too much?</a:t>
+            </a:r>
+          </a:p>
+          <a:p>
+            <a:r>
+              <a:rPr lang="en-US" baseline="0" dirty="0" smtClean="0"/>
+              <a:t>    - is it too discharged?</a:t>
+            </a:r>
+          </a:p>
+          <a:p>
             <a:endParaRPr lang="en-US" dirty="0" smtClean="0"/>
           </a:p>
           <a:p>
@@ -598,48 +633,82 @@
             </a:r>
           </a:p>
           <a:p>
-            <a:r>
-              <a:rPr lang="en-US" baseline="0" dirty="0" smtClean="0"/>
-              <a:t>  </a:t>
-            </a:r>
-          </a:p>
-          <a:p>
-            <a:r>
-              <a:rPr lang="en-US" sz="1200" b="0" i="0" u="none" strike="noStrike" kern="1200" baseline="0" dirty="0" smtClean="0">
+            <a:endParaRPr lang="en-US" baseline="0" dirty="0" smtClean="0"/>
+          </a:p>
+          <a:p>
+            <a:r>
+              <a:rPr lang="en-US" sz="1200" b="0" i="0" kern="1200" baseline="0" dirty="0" smtClean="0">
                 <a:solidFill>
                   <a:schemeClr val="tx1"/>
                 </a:solidFill>
+                <a:effectLst/>
                 <a:latin typeface="+mn-lt"/>
                 <a:ea typeface="+mn-ea"/>
                 <a:cs typeface="+mn-cs"/>
               </a:rPr>
-              <a:t>Current(), </a:t>
-            </a:r>
-            <a:r>
-              <a:rPr lang="en-US" sz="1200" b="0" i="0" u="none" strike="noStrike" kern="1200" baseline="0" dirty="0" err="1" smtClean="0">
+              <a:t>  - </a:t>
+            </a:r>
+            <a:r>
+              <a:rPr lang="en-US" sz="1200" b="0" i="0" kern="1200" dirty="0" smtClean="0">
                 <a:solidFill>
                   <a:schemeClr val="tx1"/>
                 </a:solidFill>
+                <a:effectLst/>
                 <a:latin typeface="+mn-lt"/>
                 <a:ea typeface="+mn-ea"/>
                 <a:cs typeface="+mn-cs"/>
               </a:rPr>
-              <a:t>AverageCurrent</a:t>
-            </a:r>
-            <a:r>
-              <a:rPr lang="en-US" sz="1200" b="0" i="0" u="none" strike="noStrike" kern="1200" baseline="0" dirty="0" smtClean="0">
+              <a:t>if a Li-ion battery is stored in a discharged condition The boost feature applies a small charge current to activate the protection circuit to 2.20–2.90V/ cell, at which point a normal charge </a:t>
+            </a:r>
+            <a:r>
+              <a:rPr lang="en-US" sz="1200" b="0" i="0" kern="1200" smtClean="0">
                 <a:solidFill>
                   <a:schemeClr val="tx1"/>
                 </a:solidFill>
+                <a:effectLst/>
                 <a:latin typeface="+mn-lt"/>
                 <a:ea typeface="+mn-ea"/>
                 <a:cs typeface="+mn-cs"/>
               </a:rPr>
-              <a:t>(), Voltage(), and Temperature()</a:t>
-            </a:r>
+              <a:t>commences.</a:t>
+            </a:r>
+          </a:p>
+          <a:p>
+            <a:r>
+              <a:rPr lang="en-US" sz="1200" b="0" i="0" kern="1200" smtClean="0">
+                <a:solidFill>
+                  <a:schemeClr val="tx1"/>
+                </a:solidFill>
+                <a:effectLst/>
+                <a:latin typeface="+mn-lt"/>
+                <a:ea typeface="+mn-ea"/>
+                <a:cs typeface="+mn-cs"/>
+              </a:rPr>
+              <a:t>Caution </a:t>
+            </a:r>
+            <a:r>
+              <a:rPr lang="en-US" sz="1200" b="0" i="0" kern="1200" dirty="0" smtClean="0">
+                <a:solidFill>
+                  <a:schemeClr val="tx1"/>
+                </a:solidFill>
+                <a:effectLst/>
+                <a:latin typeface="+mn-lt"/>
+                <a:ea typeface="+mn-ea"/>
+                <a:cs typeface="+mn-cs"/>
+              </a:rPr>
+              <a:t>should be applied not to boost lithium-based batteries back to life that have dwelled below 1.5V/cell for a week or longer</a:t>
+            </a:r>
+          </a:p>
+          <a:p>
             <a:endParaRPr lang="en-US" baseline="0" dirty="0" smtClean="0"/>
           </a:p>
           <a:p>
+            <a:r>
+              <a:rPr lang="en-US" dirty="0" smtClean="0">
+                <a:hlinkClick r:id="rId3"/>
+              </a:rPr>
+              <a:t>http://en.wikipedia.org/wiki/Lithium-ion_battery#Battery_charging_procedure</a:t>
+            </a:r>
             <a:endParaRPr lang="en-US" baseline="0" dirty="0" smtClean="0"/>
           </a:p>
           <a:p>
@@ -665,6 +734,538 @@
             <a:fld id="{FF9387C7-CFB0-48D6-BB2B-889463356550}" type="slidenum">
               <a:rPr lang="en-US" smtClean="0"/>
               <a:t>1</a:t>
+            </a:fld>
+            <a:endParaRPr lang="en-US"/>
+          </a:p>
+        </p:txBody>
+      </p:sp>
+    </p:spTree>
+    <p:extLst>
+      <p:ext uri="{BB962C8B-B14F-4D97-AF65-F5344CB8AC3E}">
+        <p14:creationId xmlns:p14="http://schemas.microsoft.com/office/powerpoint/2010/main" val="2127949593"/>
+      </p:ext>
+    </p:extLst>
+  </p:cSld>
+  <p:clrMapOvr>
+    <a:masterClrMapping/>
+  </p:clrMapOvr>
+</p:notes>
+</file>
+
+<file path=ppt/notesSlides/notesSlide2.xml><?xml version="1.0" encoding="utf-8"?>
+<p:notes xmlns:a="http://schemas.openxmlformats.org/drawingml/2006/main" xmlns:r="http://schemas.openxmlformats.org/officeDocument/2006/relationships" xmlns:p="http://schemas.openxmlformats.org/presentationml/2006/main">
+  <p:cSld>
+    <p:spTree>
+      <p:nvGrpSpPr>
+        <p:cNvPr id="1" name=""/>
+        <p:cNvGrpSpPr/>
+        <p:nvPr/>
+      </p:nvGrpSpPr>
+      <p:grpSpPr>
+        <a:xfrm>
+          <a:off x="0" y="0"/>
+          <a:ext cx="0" cy="0"/>
+          <a:chOff x="0" y="0"/>
+          <a:chExt cx="0" cy="0"/>
+        </a:xfrm>
+      </p:grpSpPr>
+      <p:sp>
+        <p:nvSpPr>
+          <p:cNvPr id="2" name="Slide Image Placeholder 1"/>
+          <p:cNvSpPr>
+            <a:spLocks noGrp="1" noRot="1" noChangeAspect="1"/>
+          </p:cNvSpPr>
+          <p:nvPr>
+            <p:ph type="sldImg"/>
+          </p:nvPr>
+        </p:nvSpPr>
+        <p:spPr>
+          <a:xfrm>
+            <a:off x="1143000" y="685800"/>
+            <a:ext cx="4572000" cy="3429000"/>
+          </a:xfrm>
+        </p:spPr>
+      </p:sp>
+      <p:sp>
+        <p:nvSpPr>
+          <p:cNvPr id="3" name="Notes Placeholder 2"/>
+          <p:cNvSpPr>
+            <a:spLocks noGrp="1"/>
+          </p:cNvSpPr>
+          <p:nvPr>
+            <p:ph type="body" idx="1"/>
+          </p:nvPr>
+        </p:nvSpPr>
+        <p:spPr/>
+        <p:txBody>
+          <a:bodyPr/>
+          <a:lstStyle/>
+          <a:p>
+            <a:r>
+              <a:rPr lang="en-US" dirty="0" smtClean="0"/>
+              <a:t>Requirements</a:t>
+            </a:r>
+          </a:p>
+          <a:p>
+            <a:r>
+              <a:rPr lang="en-US" dirty="0" smtClean="0"/>
+              <a:t>Special</a:t>
+            </a:r>
+            <a:r>
+              <a:rPr lang="en-US" baseline="0" dirty="0" smtClean="0"/>
+              <a:t> Cases:</a:t>
+            </a:r>
+          </a:p>
+          <a:p>
+            <a:r>
+              <a:rPr lang="en-US" baseline="0" dirty="0" smtClean="0"/>
+              <a:t>  - what if one cell gets more than it’s maximum share (3A)?</a:t>
+            </a:r>
+          </a:p>
+          <a:p>
+            <a:r>
+              <a:rPr lang="en-US" baseline="0" dirty="0" smtClean="0"/>
+              <a:t>    - is the other battery charging it too much?</a:t>
+            </a:r>
+          </a:p>
+          <a:p>
+            <a:r>
+              <a:rPr lang="en-US" baseline="0" dirty="0" smtClean="0"/>
+              <a:t>    - is it too discharged?</a:t>
+            </a:r>
+          </a:p>
+          <a:p>
+            <a:endParaRPr lang="en-US" dirty="0" smtClean="0"/>
+          </a:p>
+          <a:p>
+            <a:r>
+              <a:rPr lang="en-US" dirty="0" smtClean="0"/>
+              <a:t>Charging</a:t>
+            </a:r>
+            <a:r>
+              <a:rPr lang="en-US" baseline="0" dirty="0" smtClean="0"/>
+              <a:t> IC:</a:t>
+            </a:r>
+          </a:p>
+          <a:p>
+            <a:r>
+              <a:rPr lang="en-US" baseline="0" dirty="0" smtClean="0"/>
+              <a:t>  - </a:t>
+            </a:r>
+            <a:r>
+              <a:rPr lang="en-US" dirty="0" smtClean="0"/>
+              <a:t>the</a:t>
+            </a:r>
+            <a:r>
+              <a:rPr lang="en-US" baseline="0" dirty="0" smtClean="0"/>
+              <a:t> charging IC needs to be refreshed with the charging configuration </a:t>
+            </a:r>
+          </a:p>
+          <a:p>
+            <a:r>
+              <a:rPr lang="en-US" baseline="0" dirty="0" smtClean="0"/>
+              <a:t>    (charging voltage, max charging current, </a:t>
+            </a:r>
+            <a:r>
+              <a:rPr lang="en-US" baseline="0" dirty="0" err="1" smtClean="0"/>
+              <a:t>etc</a:t>
+            </a:r>
+            <a:r>
+              <a:rPr lang="en-US" baseline="0" dirty="0" smtClean="0"/>
+              <a:t>) every 170s or less or</a:t>
+            </a:r>
+          </a:p>
+          <a:p>
+            <a:r>
+              <a:rPr lang="en-US" baseline="0" dirty="0" smtClean="0"/>
+              <a:t>    else it will time out</a:t>
+            </a:r>
+          </a:p>
+          <a:p>
+            <a:endParaRPr lang="en-US" baseline="0" dirty="0" smtClean="0"/>
+          </a:p>
+          <a:p>
+            <a:r>
+              <a:rPr lang="en-US" baseline="0" dirty="0" smtClean="0"/>
+              <a:t>SBS-Compliant Batteries:</a:t>
+            </a:r>
+          </a:p>
+          <a:p>
+            <a:r>
+              <a:rPr lang="en-US" baseline="0" dirty="0" smtClean="0"/>
+              <a:t>  - the smart battery needs to be polled every 10 seconds (and not faster) to </a:t>
+            </a:r>
+          </a:p>
+          <a:p>
+            <a:r>
+              <a:rPr lang="en-US" baseline="0" dirty="0" smtClean="0"/>
+              <a:t>    avoid missing critical broadcasts (such as </a:t>
+            </a:r>
+            <a:r>
+              <a:rPr lang="en-US" baseline="0" dirty="0" err="1" smtClean="0"/>
+              <a:t>AlarmWarning</a:t>
+            </a:r>
+            <a:r>
+              <a:rPr lang="en-US" baseline="0" dirty="0" smtClean="0"/>
+              <a:t>) and not consume</a:t>
+            </a:r>
+          </a:p>
+          <a:p>
+            <a:r>
+              <a:rPr lang="en-US" baseline="0" dirty="0" smtClean="0"/>
+              <a:t>    too much bandwidth</a:t>
+            </a:r>
+          </a:p>
+          <a:p>
+            <a:r>
+              <a:rPr lang="en-US" baseline="0" dirty="0" smtClean="0"/>
+              <a:t>  - perform an update within 5s of when a monitored parameter changes?</a:t>
+            </a:r>
+          </a:p>
+          <a:p>
+            <a:endParaRPr lang="en-US" baseline="0" dirty="0" smtClean="0"/>
+          </a:p>
+          <a:p>
+            <a:r>
+              <a:rPr lang="en-US" sz="1200" b="0" i="0" kern="1200" baseline="0" dirty="0" smtClean="0">
+                <a:solidFill>
+                  <a:schemeClr val="tx1"/>
+                </a:solidFill>
+                <a:effectLst/>
+                <a:latin typeface="+mn-lt"/>
+                <a:ea typeface="+mn-ea"/>
+                <a:cs typeface="+mn-cs"/>
+              </a:rPr>
+              <a:t>  - </a:t>
+            </a:r>
+            <a:r>
+              <a:rPr lang="en-US" sz="1200" b="0" i="0" kern="1200" dirty="0" smtClean="0">
+                <a:solidFill>
+                  <a:schemeClr val="tx1"/>
+                </a:solidFill>
+                <a:effectLst/>
+                <a:latin typeface="+mn-lt"/>
+                <a:ea typeface="+mn-ea"/>
+                <a:cs typeface="+mn-cs"/>
+              </a:rPr>
+              <a:t>if a Li-ion battery is stored in a discharged condition The boost feature applies a small charge current to activate the protection circuit to 2.20–2.90V/ cell, at which point a normal charge commences.</a:t>
+            </a:r>
+          </a:p>
+          <a:p>
+            <a:r>
+              <a:rPr lang="en-US" sz="1200" b="0" i="0" kern="1200" dirty="0" smtClean="0">
+                <a:solidFill>
+                  <a:schemeClr val="tx1"/>
+                </a:solidFill>
+                <a:effectLst/>
+                <a:latin typeface="+mn-lt"/>
+                <a:ea typeface="+mn-ea"/>
+                <a:cs typeface="+mn-cs"/>
+              </a:rPr>
+              <a:t>Caution should be applied not to boost lithium-based batteries back to life that have dwelled below 1.5V/cell for a week or longer</a:t>
+            </a:r>
+          </a:p>
+          <a:p>
+            <a:endParaRPr lang="en-US" baseline="0" dirty="0" smtClean="0"/>
+          </a:p>
+          <a:p>
+            <a:r>
+              <a:rPr lang="en-US" dirty="0" smtClean="0">
+                <a:hlinkClick r:id="rId3"/>
+              </a:rPr>
+              <a:t>http://en.wikipedia.org/wiki/Lithium-ion_battery#Battery_charging_procedure</a:t>
+            </a:r>
+            <a:endParaRPr lang="en-US" baseline="0" dirty="0" smtClean="0"/>
+          </a:p>
+          <a:p>
+            <a:endParaRPr lang="en-US" dirty="0"/>
+          </a:p>
+        </p:txBody>
+      </p:sp>
+      <p:sp>
+        <p:nvSpPr>
+          <p:cNvPr id="4" name="Slide Number Placeholder 3"/>
+          <p:cNvSpPr>
+            <a:spLocks noGrp="1"/>
+          </p:cNvSpPr>
+          <p:nvPr>
+            <p:ph type="sldNum" sz="quarter" idx="10"/>
+          </p:nvPr>
+        </p:nvSpPr>
+        <p:spPr/>
+        <p:txBody>
+          <a:bodyPr/>
+          <a:lstStyle/>
+          <a:p>
+            <a:fld id="{FF9387C7-CFB0-48D6-BB2B-889463356550}" type="slidenum">
+              <a:rPr lang="en-US" smtClean="0"/>
+              <a:t>2</a:t>
+            </a:fld>
+            <a:endParaRPr lang="en-US"/>
+          </a:p>
+        </p:txBody>
+      </p:sp>
+    </p:spTree>
+    <p:extLst>
+      <p:ext uri="{BB962C8B-B14F-4D97-AF65-F5344CB8AC3E}">
+        <p14:creationId xmlns:p14="http://schemas.microsoft.com/office/powerpoint/2010/main" val="2127949593"/>
+      </p:ext>
+    </p:extLst>
+  </p:cSld>
+  <p:clrMapOvr>
+    <a:masterClrMapping/>
+  </p:clrMapOvr>
+</p:notes>
+</file>
+
+<file path=ppt/notesSlides/notesSlide3.xml><?xml version="1.0" encoding="utf-8"?>
+<p:notes xmlns:a="http://schemas.openxmlformats.org/drawingml/2006/main" xmlns:r="http://schemas.openxmlformats.org/officeDocument/2006/relationships" xmlns:p="http://schemas.openxmlformats.org/presentationml/2006/main">
+  <p:cSld>
+    <p:spTree>
+      <p:nvGrpSpPr>
+        <p:cNvPr id="1" name=""/>
+        <p:cNvGrpSpPr/>
+        <p:nvPr/>
+      </p:nvGrpSpPr>
+      <p:grpSpPr>
+        <a:xfrm>
+          <a:off x="0" y="0"/>
+          <a:ext cx="0" cy="0"/>
+          <a:chOff x="0" y="0"/>
+          <a:chExt cx="0" cy="0"/>
+        </a:xfrm>
+      </p:grpSpPr>
+      <p:sp>
+        <p:nvSpPr>
+          <p:cNvPr id="2" name="Slide Image Placeholder 1"/>
+          <p:cNvSpPr>
+            <a:spLocks noGrp="1" noRot="1" noChangeAspect="1"/>
+          </p:cNvSpPr>
+          <p:nvPr>
+            <p:ph type="sldImg"/>
+          </p:nvPr>
+        </p:nvSpPr>
+        <p:spPr>
+          <a:xfrm>
+            <a:off x="1143000" y="685800"/>
+            <a:ext cx="4572000" cy="3429000"/>
+          </a:xfrm>
+        </p:spPr>
+      </p:sp>
+      <p:sp>
+        <p:nvSpPr>
+          <p:cNvPr id="3" name="Notes Placeholder 2"/>
+          <p:cNvSpPr>
+            <a:spLocks noGrp="1"/>
+          </p:cNvSpPr>
+          <p:nvPr>
+            <p:ph type="body" idx="1"/>
+          </p:nvPr>
+        </p:nvSpPr>
+        <p:spPr/>
+        <p:txBody>
+          <a:bodyPr/>
+          <a:lstStyle/>
+          <a:p>
+            <a:r>
+              <a:rPr lang="en-US" dirty="0" smtClean="0"/>
+              <a:t>Requirements</a:t>
+            </a:r>
+          </a:p>
+          <a:p>
+            <a:r>
+              <a:rPr lang="en-US" dirty="0" smtClean="0"/>
+              <a:t>Special</a:t>
+            </a:r>
+            <a:r>
+              <a:rPr lang="en-US" baseline="0" dirty="0" smtClean="0"/>
+              <a:t> Cases:</a:t>
+            </a:r>
+          </a:p>
+          <a:p>
+            <a:r>
+              <a:rPr lang="en-US" baseline="0" dirty="0" smtClean="0"/>
+              <a:t>  - what if one cell gets more than it’s maximum share (3A)?</a:t>
+            </a:r>
+          </a:p>
+          <a:p>
+            <a:r>
+              <a:rPr lang="en-US" baseline="0" dirty="0" smtClean="0"/>
+              <a:t>    - is the other battery charging it too much?</a:t>
+            </a:r>
+          </a:p>
+          <a:p>
+            <a:r>
+              <a:rPr lang="en-US" baseline="0" dirty="0" smtClean="0"/>
+              <a:t>    - is it too discharged?</a:t>
+            </a:r>
+          </a:p>
+          <a:p>
+            <a:endParaRPr lang="en-US" dirty="0" smtClean="0"/>
+          </a:p>
+          <a:p>
+            <a:r>
+              <a:rPr lang="en-US" dirty="0" smtClean="0"/>
+              <a:t>Charging</a:t>
+            </a:r>
+            <a:r>
+              <a:rPr lang="en-US" baseline="0" dirty="0" smtClean="0"/>
+              <a:t> IC:</a:t>
+            </a:r>
+          </a:p>
+          <a:p>
+            <a:r>
+              <a:rPr lang="en-US" baseline="0" dirty="0" smtClean="0"/>
+              <a:t>  - </a:t>
+            </a:r>
+            <a:r>
+              <a:rPr lang="en-US" dirty="0" smtClean="0"/>
+              <a:t>the</a:t>
+            </a:r>
+            <a:r>
+              <a:rPr lang="en-US" baseline="0" dirty="0" smtClean="0"/>
+              <a:t> charging IC needs to be refreshed with the charging configuration </a:t>
+            </a:r>
+          </a:p>
+          <a:p>
+            <a:r>
+              <a:rPr lang="en-US" baseline="0" dirty="0" smtClean="0"/>
+              <a:t>    (charging voltage, max charging current, </a:t>
+            </a:r>
+            <a:r>
+              <a:rPr lang="en-US" baseline="0" dirty="0" err="1" smtClean="0"/>
+              <a:t>etc</a:t>
+            </a:r>
+            <a:r>
+              <a:rPr lang="en-US" baseline="0" dirty="0" smtClean="0"/>
+              <a:t>) every 170s or less or</a:t>
+            </a:r>
+          </a:p>
+          <a:p>
+            <a:r>
+              <a:rPr lang="en-US" baseline="0" dirty="0" smtClean="0"/>
+              <a:t>    else it will time out</a:t>
+            </a:r>
+          </a:p>
+          <a:p>
+            <a:endParaRPr lang="en-US" baseline="0" dirty="0" smtClean="0"/>
+          </a:p>
+          <a:p>
+            <a:r>
+              <a:rPr lang="en-US" baseline="0" dirty="0" smtClean="0"/>
+              <a:t>SBS-Compliant Batteries:</a:t>
+            </a:r>
+          </a:p>
+          <a:p>
+            <a:r>
+              <a:rPr lang="en-US" baseline="0" dirty="0" smtClean="0"/>
+              <a:t>  - the smart battery needs to be polled every 10 seconds (and not faster) to </a:t>
+            </a:r>
+          </a:p>
+          <a:p>
+            <a:r>
+              <a:rPr lang="en-US" baseline="0" dirty="0" smtClean="0"/>
+              <a:t>    avoid missing critical broadcasts (such as </a:t>
+            </a:r>
+            <a:r>
+              <a:rPr lang="en-US" baseline="0" dirty="0" err="1" smtClean="0"/>
+              <a:t>AlarmWarning</a:t>
+            </a:r>
+            <a:r>
+              <a:rPr lang="en-US" baseline="0" dirty="0" smtClean="0"/>
+              <a:t>) and not consume</a:t>
+            </a:r>
+          </a:p>
+          <a:p>
+            <a:r>
+              <a:rPr lang="en-US" baseline="0" dirty="0" smtClean="0"/>
+              <a:t>    too much bandwidth</a:t>
+            </a:r>
+          </a:p>
+          <a:p>
+            <a:r>
+              <a:rPr lang="en-US" baseline="0" dirty="0" smtClean="0"/>
+              <a:t>  - perform an update within 5s of when a monitored parameter changes?</a:t>
+            </a:r>
+          </a:p>
+          <a:p>
+            <a:endParaRPr lang="en-US" baseline="0" dirty="0" smtClean="0"/>
+          </a:p>
+          <a:p>
+            <a:r>
+              <a:rPr lang="en-US" sz="1200" b="0" i="0" kern="1200" baseline="0" dirty="0" smtClean="0">
+                <a:solidFill>
+                  <a:schemeClr val="tx1"/>
+                </a:solidFill>
+                <a:effectLst/>
+                <a:latin typeface="+mn-lt"/>
+                <a:ea typeface="+mn-ea"/>
+                <a:cs typeface="+mn-cs"/>
+              </a:rPr>
+              <a:t>  - </a:t>
+            </a:r>
+            <a:r>
+              <a:rPr lang="en-US" sz="1200" b="0" i="0" kern="1200" dirty="0" smtClean="0">
+                <a:solidFill>
+                  <a:schemeClr val="tx1"/>
+                </a:solidFill>
+                <a:effectLst/>
+                <a:latin typeface="+mn-lt"/>
+                <a:ea typeface="+mn-ea"/>
+                <a:cs typeface="+mn-cs"/>
+              </a:rPr>
+              <a:t>if a Li-ion battery is stored in a discharged condition The boost feature applies a small charge current to activate the protection circuit to 2.20–2.90V/ cell, at which point a normal charge commences.</a:t>
+            </a:r>
+          </a:p>
+          <a:p>
+            <a:r>
+              <a:rPr lang="en-US" sz="1200" b="0" i="0" kern="1200" dirty="0" smtClean="0">
+                <a:solidFill>
+                  <a:schemeClr val="tx1"/>
+                </a:solidFill>
+                <a:effectLst/>
+                <a:latin typeface="+mn-lt"/>
+                <a:ea typeface="+mn-ea"/>
+                <a:cs typeface="+mn-cs"/>
+              </a:rPr>
+              <a:t>Caution should be applied not to boost lithium-based batteries back to life that have dwelled below 1.5V/cell for a week or longer</a:t>
+            </a:r>
+          </a:p>
+          <a:p>
+            <a:endParaRPr lang="en-US" baseline="0" dirty="0" smtClean="0"/>
+          </a:p>
+          <a:p>
+            <a:r>
+              <a:rPr lang="en-US" dirty="0" smtClean="0">
+                <a:hlinkClick r:id="rId3"/>
+              </a:rPr>
+              <a:t>http://en.wikipedia.org/wiki/Lithium-ion_battery#Battery_charging_procedure</a:t>
+            </a:r>
+            <a:endParaRPr lang="en-US" baseline="0" dirty="0" smtClean="0"/>
+          </a:p>
+          <a:p>
+            <a:endParaRPr lang="en-US" dirty="0"/>
+          </a:p>
+        </p:txBody>
+      </p:sp>
+      <p:sp>
+        <p:nvSpPr>
+          <p:cNvPr id="4" name="Slide Number Placeholder 3"/>
+          <p:cNvSpPr>
+            <a:spLocks noGrp="1"/>
+          </p:cNvSpPr>
+          <p:nvPr>
+            <p:ph type="sldNum" sz="quarter" idx="10"/>
+          </p:nvPr>
+        </p:nvSpPr>
+        <p:spPr/>
+        <p:txBody>
+          <a:bodyPr/>
+          <a:lstStyle/>
+          <a:p>
+            <a:fld id="{FF9387C7-CFB0-48D6-BB2B-889463356550}" type="slidenum">
+              <a:rPr lang="en-US" smtClean="0"/>
+              <a:t>3</a:t>
             </a:fld>
             <a:endParaRPr lang="en-US"/>
           </a:p>
@@ -712,7 +1313,7 @@
         </p:nvSpPr>
         <p:spPr>
           <a:xfrm>
-            <a:off x="685800" y="2130425"/>
+            <a:off x="685801" y="2130432"/>
             <a:ext cx="7772400" cy="1470025"/>
           </a:xfrm>
         </p:spPr>
@@ -757,7 +1358,7 @@
                 </a:solidFill>
               </a:defRPr>
             </a:lvl1pPr>
-            <a:lvl2pPr marL="457200" indent="0" algn="ctr">
+            <a:lvl2pPr marL="456921" indent="0" algn="ctr">
               <a:buNone/>
               <a:defRPr>
                 <a:solidFill>
@@ -767,7 +1368,7 @@
                 </a:solidFill>
               </a:defRPr>
             </a:lvl2pPr>
-            <a:lvl3pPr marL="914400" indent="0" algn="ctr">
+            <a:lvl3pPr marL="913839" indent="0" algn="ctr">
               <a:buNone/>
               <a:defRPr>
                 <a:solidFill>
@@ -777,7 +1378,7 @@
                 </a:solidFill>
               </a:defRPr>
             </a:lvl3pPr>
-            <a:lvl4pPr marL="1371600" indent="0" algn="ctr">
+            <a:lvl4pPr marL="1370760" indent="0" algn="ctr">
               <a:buNone/>
               <a:defRPr>
                 <a:solidFill>
@@ -787,7 +1388,7 @@
                 </a:solidFill>
               </a:defRPr>
             </a:lvl4pPr>
-            <a:lvl5pPr marL="1828800" indent="0" algn="ctr">
+            <a:lvl5pPr marL="1827681" indent="0" algn="ctr">
               <a:buNone/>
               <a:defRPr>
                 <a:solidFill>
@@ -797,7 +1398,7 @@
                 </a:solidFill>
               </a:defRPr>
             </a:lvl5pPr>
-            <a:lvl6pPr marL="2286000" indent="0" algn="ctr">
+            <a:lvl6pPr marL="2284600" indent="0" algn="ctr">
               <a:buNone/>
               <a:defRPr>
                 <a:solidFill>
@@ -807,7 +1408,7 @@
                 </a:solidFill>
               </a:defRPr>
             </a:lvl6pPr>
-            <a:lvl7pPr marL="2743200" indent="0" algn="ctr">
+            <a:lvl7pPr marL="2741521" indent="0" algn="ctr">
               <a:buNone/>
               <a:defRPr>
                 <a:solidFill>
@@ -817,7 +1418,7 @@
                 </a:solidFill>
               </a:defRPr>
             </a:lvl7pPr>
-            <a:lvl8pPr marL="3200400" indent="0" algn="ctr">
+            <a:lvl8pPr marL="3198442" indent="0" algn="ctr">
               <a:buNone/>
               <a:defRPr>
                 <a:solidFill>
@@ -827,7 +1428,7 @@
                 </a:solidFill>
               </a:defRPr>
             </a:lvl8pPr>
-            <a:lvl9pPr marL="3657600" indent="0" algn="ctr">
+            <a:lvl9pPr marL="3655361" indent="0" algn="ctr">
               <a:buNone/>
               <a:defRPr>
                 <a:solidFill>
@@ -864,7 +1465,7 @@
           <a:p>
             <a:fld id="{6DC25747-ADEF-44A5-B0A1-EA127634DA2C}" type="datetimeFigureOut">
               <a:rPr lang="en-US" smtClean="0"/>
-              <a:t>10/23/2012</a:t>
+              <a:t>10/24/2012</a:t>
             </a:fld>
             <a:endParaRPr lang="en-US"/>
           </a:p>
@@ -1034,7 +1635,7 @@
           <a:p>
             <a:fld id="{6DC25747-ADEF-44A5-B0A1-EA127634DA2C}" type="datetimeFigureOut">
               <a:rPr lang="en-US" smtClean="0"/>
-              <a:t>10/23/2012</a:t>
+              <a:t>10/24/2012</a:t>
             </a:fld>
             <a:endParaRPr lang="en-US"/>
           </a:p>
@@ -1124,7 +1725,7 @@
         </p:nvSpPr>
         <p:spPr>
           <a:xfrm>
-            <a:off x="6629400" y="274638"/>
+            <a:off x="6629400" y="274643"/>
             <a:ext cx="2057400" cy="5851525"/>
           </a:xfrm>
         </p:spPr>
@@ -1152,7 +1753,7 @@
         </p:nvSpPr>
         <p:spPr>
           <a:xfrm>
-            <a:off x="457200" y="274638"/>
+            <a:off x="457200" y="274643"/>
             <a:ext cx="6019800" cy="5851525"/>
           </a:xfrm>
         </p:spPr>
@@ -1214,7 +1815,7 @@
           <a:p>
             <a:fld id="{6DC25747-ADEF-44A5-B0A1-EA127634DA2C}" type="datetimeFigureOut">
               <a:rPr lang="en-US" smtClean="0"/>
-              <a:t>10/23/2012</a:t>
+              <a:t>10/24/2012</a:t>
             </a:fld>
             <a:endParaRPr lang="en-US"/>
           </a:p>
@@ -1384,7 +1985,7 @@
           <a:p>
             <a:fld id="{6DC25747-ADEF-44A5-B0A1-EA127634DA2C}" type="datetimeFigureOut">
               <a:rPr lang="en-US" smtClean="0"/>
-              <a:t>10/23/2012</a:t>
+              <a:t>10/24/2012</a:t>
             </a:fld>
             <a:endParaRPr lang="en-US"/>
           </a:p>
@@ -1474,7 +2075,7 @@
         </p:nvSpPr>
         <p:spPr>
           <a:xfrm>
-            <a:off x="722313" y="4406900"/>
+            <a:off x="722314" y="4406906"/>
             <a:ext cx="7772400" cy="1362075"/>
           </a:xfrm>
         </p:spPr>
@@ -1506,7 +2107,7 @@
         </p:nvSpPr>
         <p:spPr>
           <a:xfrm>
-            <a:off x="722313" y="2906713"/>
+            <a:off x="722314" y="2906716"/>
             <a:ext cx="7772400" cy="1500187"/>
           </a:xfrm>
         </p:spPr>
@@ -1523,7 +2124,7 @@
                 </a:solidFill>
               </a:defRPr>
             </a:lvl1pPr>
-            <a:lvl2pPr marL="457200" indent="0">
+            <a:lvl2pPr marL="456921" indent="0">
               <a:buNone/>
               <a:defRPr sz="1800">
                 <a:solidFill>
@@ -1533,7 +2134,7 @@
                 </a:solidFill>
               </a:defRPr>
             </a:lvl2pPr>
-            <a:lvl3pPr marL="914400" indent="0">
+            <a:lvl3pPr marL="913839" indent="0">
               <a:buNone/>
               <a:defRPr sz="1600">
                 <a:solidFill>
@@ -1543,7 +2144,7 @@
                 </a:solidFill>
               </a:defRPr>
             </a:lvl3pPr>
-            <a:lvl4pPr marL="1371600" indent="0">
+            <a:lvl4pPr marL="1370760" indent="0">
               <a:buNone/>
               <a:defRPr sz="1400">
                 <a:solidFill>
@@ -1553,7 +2154,7 @@
                 </a:solidFill>
               </a:defRPr>
             </a:lvl4pPr>
-            <a:lvl5pPr marL="1828800" indent="0">
+            <a:lvl5pPr marL="1827681" indent="0">
               <a:buNone/>
               <a:defRPr sz="1400">
                 <a:solidFill>
@@ -1563,7 +2164,7 @@
                 </a:solidFill>
               </a:defRPr>
             </a:lvl5pPr>
-            <a:lvl6pPr marL="2286000" indent="0">
+            <a:lvl6pPr marL="2284600" indent="0">
               <a:buNone/>
               <a:defRPr sz="1400">
                 <a:solidFill>
@@ -1573,7 +2174,7 @@
                 </a:solidFill>
               </a:defRPr>
             </a:lvl6pPr>
-            <a:lvl7pPr marL="2743200" indent="0">
+            <a:lvl7pPr marL="2741521" indent="0">
               <a:buNone/>
               <a:defRPr sz="1400">
                 <a:solidFill>
@@ -1583,7 +2184,7 @@
                 </a:solidFill>
               </a:defRPr>
             </a:lvl7pPr>
-            <a:lvl8pPr marL="3200400" indent="0">
+            <a:lvl8pPr marL="3198442" indent="0">
               <a:buNone/>
               <a:defRPr sz="1400">
                 <a:solidFill>
@@ -1593,7 +2194,7 @@
                 </a:solidFill>
               </a:defRPr>
             </a:lvl8pPr>
-            <a:lvl9pPr marL="3657600" indent="0">
+            <a:lvl9pPr marL="3655361" indent="0">
               <a:buNone/>
               <a:defRPr sz="1400">
                 <a:solidFill>
@@ -1630,7 +2231,7 @@
           <a:p>
             <a:fld id="{6DC25747-ADEF-44A5-B0A1-EA127634DA2C}" type="datetimeFigureOut">
               <a:rPr lang="en-US" smtClean="0"/>
-              <a:t>10/23/2012</a:t>
+              <a:t>10/24/2012</a:t>
             </a:fld>
             <a:endParaRPr lang="en-US"/>
           </a:p>
@@ -1743,7 +2344,7 @@
         </p:nvSpPr>
         <p:spPr>
           <a:xfrm>
-            <a:off x="457200" y="1600200"/>
+            <a:off x="457200" y="1600206"/>
             <a:ext cx="4038600" cy="4525963"/>
           </a:xfrm>
         </p:spPr>
@@ -1828,7 +2429,7 @@
         </p:nvSpPr>
         <p:spPr>
           <a:xfrm>
-            <a:off x="4648200" y="1600200"/>
+            <a:off x="4648200" y="1600206"/>
             <a:ext cx="4038600" cy="4525963"/>
           </a:xfrm>
         </p:spPr>
@@ -1918,7 +2519,7 @@
           <a:p>
             <a:fld id="{6DC25747-ADEF-44A5-B0A1-EA127634DA2C}" type="datetimeFigureOut">
               <a:rPr lang="en-US" smtClean="0"/>
-              <a:t>10/23/2012</a:t>
+              <a:t>10/24/2012</a:t>
             </a:fld>
             <a:endParaRPr lang="en-US"/>
           </a:p>
@@ -2035,8 +2636,8 @@
         </p:nvSpPr>
         <p:spPr>
           <a:xfrm>
-            <a:off x="457200" y="1535113"/>
-            <a:ext cx="4040188" cy="639762"/>
+            <a:off x="457200" y="1535116"/>
+            <a:ext cx="4040188" cy="639763"/>
           </a:xfrm>
         </p:spPr>
         <p:txBody>
@@ -2046,35 +2647,35 @@
               <a:buNone/>
               <a:defRPr sz="2400" b="1"/>
             </a:lvl1pPr>
-            <a:lvl2pPr marL="457200" indent="0">
+            <a:lvl2pPr marL="456921" indent="0">
               <a:buNone/>
               <a:defRPr sz="2000" b="1"/>
             </a:lvl2pPr>
-            <a:lvl3pPr marL="914400" indent="0">
+            <a:lvl3pPr marL="913839" indent="0">
               <a:buNone/>
               <a:defRPr sz="1800" b="1"/>
             </a:lvl3pPr>
-            <a:lvl4pPr marL="1371600" indent="0">
+            <a:lvl4pPr marL="1370760" indent="0">
               <a:buNone/>
               <a:defRPr sz="1600" b="1"/>
             </a:lvl4pPr>
-            <a:lvl5pPr marL="1828800" indent="0">
+            <a:lvl5pPr marL="1827681" indent="0">
               <a:buNone/>
               <a:defRPr sz="1600" b="1"/>
             </a:lvl5pPr>
-            <a:lvl6pPr marL="2286000" indent="0">
+            <a:lvl6pPr marL="2284600" indent="0">
               <a:buNone/>
               <a:defRPr sz="1600" b="1"/>
             </a:lvl6pPr>
-            <a:lvl7pPr marL="2743200" indent="0">
+            <a:lvl7pPr marL="2741521" indent="0">
               <a:buNone/>
               <a:defRPr sz="1600" b="1"/>
             </a:lvl7pPr>
-            <a:lvl8pPr marL="3200400" indent="0">
+            <a:lvl8pPr marL="3198442" indent="0">
               <a:buNone/>
               <a:defRPr sz="1600" b="1"/>
             </a:lvl8pPr>
-            <a:lvl9pPr marL="3657600" indent="0">
+            <a:lvl9pPr marL="3655361" indent="0">
               <a:buNone/>
               <a:defRPr sz="1600" b="1"/>
             </a:lvl9pPr>
@@ -2185,8 +2786,8 @@
         </p:nvSpPr>
         <p:spPr>
           <a:xfrm>
-            <a:off x="4645025" y="1535113"/>
-            <a:ext cx="4041775" cy="639762"/>
+            <a:off x="4645031" y="1535116"/>
+            <a:ext cx="4041775" cy="639763"/>
           </a:xfrm>
         </p:spPr>
         <p:txBody>
@@ -2196,35 +2797,35 @@
               <a:buNone/>
               <a:defRPr sz="2400" b="1"/>
             </a:lvl1pPr>
-            <a:lvl2pPr marL="457200" indent="0">
+            <a:lvl2pPr marL="456921" indent="0">
               <a:buNone/>
               <a:defRPr sz="2000" b="1"/>
             </a:lvl2pPr>
-            <a:lvl3pPr marL="914400" indent="0">
+            <a:lvl3pPr marL="913839" indent="0">
               <a:buNone/>
               <a:defRPr sz="1800" b="1"/>
             </a:lvl3pPr>
-            <a:lvl4pPr marL="1371600" indent="0">
+            <a:lvl4pPr marL="1370760" indent="0">
               <a:buNone/>
               <a:defRPr sz="1600" b="1"/>
             </a:lvl4pPr>
-            <a:lvl5pPr marL="1828800" indent="0">
+            <a:lvl5pPr marL="1827681" indent="0">
               <a:buNone/>
               <a:defRPr sz="1600" b="1"/>
             </a:lvl5pPr>
-            <a:lvl6pPr marL="2286000" indent="0">
+            <a:lvl6pPr marL="2284600" indent="0">
               <a:buNone/>
               <a:defRPr sz="1600" b="1"/>
             </a:lvl6pPr>
-            <a:lvl7pPr marL="2743200" indent="0">
+            <a:lvl7pPr marL="2741521" indent="0">
               <a:buNone/>
               <a:defRPr sz="1600" b="1"/>
             </a:lvl7pPr>
-            <a:lvl8pPr marL="3200400" indent="0">
+            <a:lvl8pPr marL="3198442" indent="0">
               <a:buNone/>
               <a:defRPr sz="1600" b="1"/>
             </a:lvl8pPr>
-            <a:lvl9pPr marL="3657600" indent="0">
+            <a:lvl9pPr marL="3655361" indent="0">
               <a:buNone/>
               <a:defRPr sz="1600" b="1"/>
             </a:lvl9pPr>
@@ -2250,7 +2851,7 @@
         </p:nvSpPr>
         <p:spPr>
           <a:xfrm>
-            <a:off x="4645025" y="2174875"/>
+            <a:off x="4645031" y="2174875"/>
             <a:ext cx="4041775" cy="3951288"/>
           </a:xfrm>
         </p:spPr>
@@ -2340,7 +2941,7 @@
           <a:p>
             <a:fld id="{6DC25747-ADEF-44A5-B0A1-EA127634DA2C}" type="datetimeFigureOut">
               <a:rPr lang="en-US" smtClean="0"/>
-              <a:t>10/23/2012</a:t>
+              <a:t>10/24/2012</a:t>
             </a:fld>
             <a:endParaRPr lang="en-US"/>
           </a:p>
@@ -2458,7 +3059,7 @@
           <a:p>
             <a:fld id="{6DC25747-ADEF-44A5-B0A1-EA127634DA2C}" type="datetimeFigureOut">
               <a:rPr lang="en-US" smtClean="0"/>
-              <a:t>10/23/2012</a:t>
+              <a:t>10/24/2012</a:t>
             </a:fld>
             <a:endParaRPr lang="en-US"/>
           </a:p>
@@ -2553,7 +3154,7 @@
           <a:p>
             <a:fld id="{6DC25747-ADEF-44A5-B0A1-EA127634DA2C}" type="datetimeFigureOut">
               <a:rPr lang="en-US" smtClean="0"/>
-              <a:t>10/23/2012</a:t>
+              <a:t>10/24/2012</a:t>
             </a:fld>
             <a:endParaRPr lang="en-US"/>
           </a:p>
@@ -2643,8 +3244,8 @@
         </p:nvSpPr>
         <p:spPr>
           <a:xfrm>
-            <a:off x="457200" y="273050"/>
-            <a:ext cx="3008313" cy="1162050"/>
+            <a:off x="457206" y="273052"/>
+            <a:ext cx="3008313" cy="1162051"/>
           </a:xfrm>
         </p:spPr>
         <p:txBody>
@@ -2675,7 +3276,7 @@
         </p:nvSpPr>
         <p:spPr>
           <a:xfrm>
-            <a:off x="3575050" y="273050"/>
+            <a:off x="3575050" y="273056"/>
             <a:ext cx="5111750" cy="5853113"/>
           </a:xfrm>
         </p:spPr>
@@ -2760,7 +3361,7 @@
         </p:nvSpPr>
         <p:spPr>
           <a:xfrm>
-            <a:off x="457200" y="1435100"/>
+            <a:off x="457206" y="1435106"/>
             <a:ext cx="3008313" cy="4691063"/>
           </a:xfrm>
         </p:spPr>
@@ -2771,35 +3372,35 @@
               <a:buNone/>
               <a:defRPr sz="1400"/>
             </a:lvl1pPr>
-            <a:lvl2pPr marL="457200" indent="0">
+            <a:lvl2pPr marL="456921" indent="0">
               <a:buNone/>
               <a:defRPr sz="1200"/>
             </a:lvl2pPr>
-            <a:lvl3pPr marL="914400" indent="0">
+            <a:lvl3pPr marL="913839" indent="0">
               <a:buNone/>
               <a:defRPr sz="1000"/>
             </a:lvl3pPr>
-            <a:lvl4pPr marL="1371600" indent="0">
+            <a:lvl4pPr marL="1370760" indent="0">
               <a:buNone/>
               <a:defRPr sz="900"/>
             </a:lvl4pPr>
-            <a:lvl5pPr marL="1828800" indent="0">
+            <a:lvl5pPr marL="1827681" indent="0">
               <a:buNone/>
               <a:defRPr sz="900"/>
             </a:lvl5pPr>
-            <a:lvl6pPr marL="2286000" indent="0">
+            <a:lvl6pPr marL="2284600" indent="0">
               <a:buNone/>
               <a:defRPr sz="900"/>
             </a:lvl6pPr>
-            <a:lvl7pPr marL="2743200" indent="0">
+            <a:lvl7pPr marL="2741521" indent="0">
               <a:buNone/>
               <a:defRPr sz="900"/>
             </a:lvl7pPr>
-            <a:lvl8pPr marL="3200400" indent="0">
+            <a:lvl8pPr marL="3198442" indent="0">
               <a:buNone/>
               <a:defRPr sz="900"/>
             </a:lvl8pPr>
-            <a:lvl9pPr marL="3657600" indent="0">
+            <a:lvl9pPr marL="3655361" indent="0">
               <a:buNone/>
               <a:defRPr sz="900"/>
             </a:lvl9pPr>
@@ -2830,7 +3431,7 @@
           <a:p>
             <a:fld id="{6DC25747-ADEF-44A5-B0A1-EA127634DA2C}" type="datetimeFigureOut">
               <a:rPr lang="en-US" smtClean="0"/>
-              <a:t>10/23/2012</a:t>
+              <a:t>10/24/2012</a:t>
             </a:fld>
             <a:endParaRPr lang="en-US"/>
           </a:p>
@@ -2920,8 +3521,8 @@
         </p:nvSpPr>
         <p:spPr>
           <a:xfrm>
-            <a:off x="1792288" y="4800600"/>
-            <a:ext cx="5486400" cy="566738"/>
+            <a:off x="1792288" y="4800602"/>
+            <a:ext cx="5486400" cy="566739"/>
           </a:xfrm>
         </p:spPr>
         <p:txBody>
@@ -2963,35 +3564,35 @@
               <a:buNone/>
               <a:defRPr sz="3200"/>
             </a:lvl1pPr>
-            <a:lvl2pPr marL="457200" indent="0">
+            <a:lvl2pPr marL="456921" indent="0">
               <a:buNone/>
               <a:defRPr sz="2800"/>
             </a:lvl2pPr>
-            <a:lvl3pPr marL="914400" indent="0">
+            <a:lvl3pPr marL="913839" indent="0">
               <a:buNone/>
               <a:defRPr sz="2400"/>
             </a:lvl3pPr>
-            <a:lvl4pPr marL="1371600" indent="0">
+            <a:lvl4pPr marL="1370760" indent="0">
               <a:buNone/>
               <a:defRPr sz="2000"/>
             </a:lvl4pPr>
-            <a:lvl5pPr marL="1828800" indent="0">
+            <a:lvl5pPr marL="1827681" indent="0">
               <a:buNone/>
               <a:defRPr sz="2000"/>
             </a:lvl5pPr>
-            <a:lvl6pPr marL="2286000" indent="0">
+            <a:lvl6pPr marL="2284600" indent="0">
               <a:buNone/>
               <a:defRPr sz="2000"/>
             </a:lvl6pPr>
-            <a:lvl7pPr marL="2743200" indent="0">
+            <a:lvl7pPr marL="2741521" indent="0">
               <a:buNone/>
               <a:defRPr sz="2000"/>
             </a:lvl7pPr>
-            <a:lvl8pPr marL="3200400" indent="0">
+            <a:lvl8pPr marL="3198442" indent="0">
               <a:buNone/>
               <a:defRPr sz="2000"/>
             </a:lvl8pPr>
-            <a:lvl9pPr marL="3657600" indent="0">
+            <a:lvl9pPr marL="3655361" indent="0">
               <a:buNone/>
               <a:defRPr sz="2000"/>
             </a:lvl9pPr>
@@ -3013,8 +3614,8 @@
         </p:nvSpPr>
         <p:spPr>
           <a:xfrm>
-            <a:off x="1792288" y="5367338"/>
-            <a:ext cx="5486400" cy="804862"/>
+            <a:off x="1792288" y="5367341"/>
+            <a:ext cx="5486400" cy="804863"/>
           </a:xfrm>
         </p:spPr>
         <p:txBody>
@@ -3024,35 +3625,35 @@
               <a:buNone/>
               <a:defRPr sz="1400"/>
             </a:lvl1pPr>
-            <a:lvl2pPr marL="457200" indent="0">
+            <a:lvl2pPr marL="456921" indent="0">
               <a:buNone/>
               <a:defRPr sz="1200"/>
             </a:lvl2pPr>
-            <a:lvl3pPr marL="914400" indent="0">
+            <a:lvl3pPr marL="913839" indent="0">
               <a:buNone/>
               <a:defRPr sz="1000"/>
             </a:lvl3pPr>
-            <a:lvl4pPr marL="1371600" indent="0">
+            <a:lvl4pPr marL="1370760" indent="0">
               <a:buNone/>
               <a:defRPr sz="900"/>
             </a:lvl4pPr>
-            <a:lvl5pPr marL="1828800" indent="0">
+            <a:lvl5pPr marL="1827681" indent="0">
               <a:buNone/>
               <a:defRPr sz="900"/>
             </a:lvl5pPr>
-            <a:lvl6pPr marL="2286000" indent="0">
+            <a:lvl6pPr marL="2284600" indent="0">
               <a:buNone/>
               <a:defRPr sz="900"/>
             </a:lvl6pPr>
-            <a:lvl7pPr marL="2743200" indent="0">
+            <a:lvl7pPr marL="2741521" indent="0">
               <a:buNone/>
               <a:defRPr sz="900"/>
             </a:lvl7pPr>
-            <a:lvl8pPr marL="3200400" indent="0">
+            <a:lvl8pPr marL="3198442" indent="0">
               <a:buNone/>
               <a:defRPr sz="900"/>
             </a:lvl8pPr>
-            <a:lvl9pPr marL="3657600" indent="0">
+            <a:lvl9pPr marL="3655361" indent="0">
               <a:buNone/>
               <a:defRPr sz="900"/>
             </a:lvl9pPr>
@@ -3083,7 +3684,7 @@
           <a:p>
             <a:fld id="{6DC25747-ADEF-44A5-B0A1-EA127634DA2C}" type="datetimeFigureOut">
               <a:rPr lang="en-US" smtClean="0"/>
-              <a:t>10/23/2012</a:t>
+              <a:t>10/24/2012</a:t>
             </a:fld>
             <a:endParaRPr lang="en-US"/>
           </a:p>
@@ -3178,7 +3779,7 @@
         </p:nvSpPr>
         <p:spPr>
           <a:xfrm>
-            <a:off x="457200" y="274638"/>
+            <a:off x="457200" y="274640"/>
             <a:ext cx="8229600" cy="1143000"/>
           </a:xfrm>
           <a:prstGeom prst="rect">
@@ -3186,7 +3787,7 @@
           </a:prstGeom>
         </p:spPr>
         <p:txBody>
-          <a:bodyPr vert="horz" lIns="91440" tIns="45720" rIns="91440" bIns="45720" rtlCol="0" anchor="ctr">
+          <a:bodyPr vert="horz" lIns="91384" tIns="45691" rIns="91384" bIns="45691" rtlCol="0" anchor="ctr">
             <a:normAutofit/>
           </a:bodyPr>
           <a:lstStyle/>
@@ -3211,7 +3812,7 @@
         </p:nvSpPr>
         <p:spPr>
           <a:xfrm>
-            <a:off x="457200" y="1600200"/>
+            <a:off x="457200" y="1600206"/>
             <a:ext cx="8229600" cy="4525963"/>
           </a:xfrm>
           <a:prstGeom prst="rect">
@@ -3219,7 +3820,7 @@
           </a:prstGeom>
         </p:spPr>
         <p:txBody>
-          <a:bodyPr vert="horz" lIns="91440" tIns="45720" rIns="91440" bIns="45720" rtlCol="0">
+          <a:bodyPr vert="horz" lIns="91384" tIns="45691" rIns="91384" bIns="45691" rtlCol="0">
             <a:normAutofit/>
           </a:bodyPr>
           <a:lstStyle/>
@@ -3273,7 +3874,7 @@
         </p:nvSpPr>
         <p:spPr>
           <a:xfrm>
-            <a:off x="457200" y="6356350"/>
+            <a:off x="457201" y="6356355"/>
             <a:ext cx="2133600" cy="365125"/>
           </a:xfrm>
           <a:prstGeom prst="rect">
@@ -3281,7 +3882,7 @@
           </a:prstGeom>
         </p:spPr>
         <p:txBody>
-          <a:bodyPr vert="horz" lIns="91440" tIns="45720" rIns="91440" bIns="45720" rtlCol="0" anchor="ctr"/>
+          <a:bodyPr vert="horz" lIns="91384" tIns="45691" rIns="91384" bIns="45691" rtlCol="0" anchor="ctr"/>
           <a:lstStyle>
             <a:lvl1pPr algn="l">
               <a:defRPr sz="1200">
@@ -3296,7 +3897,7 @@
           <a:p>
             <a:fld id="{6DC25747-ADEF-44A5-B0A1-EA127634DA2C}" type="datetimeFigureOut">
               <a:rPr lang="en-US" smtClean="0"/>
-              <a:t>10/23/2012</a:t>
+              <a:t>10/24/2012</a:t>
             </a:fld>
             <a:endParaRPr lang="en-US"/>
           </a:p>
@@ -3314,7 +3915,7 @@
         </p:nvSpPr>
         <p:spPr>
           <a:xfrm>
-            <a:off x="3124200" y="6356350"/>
+            <a:off x="3124200" y="6356355"/>
             <a:ext cx="2895600" cy="365125"/>
           </a:xfrm>
           <a:prstGeom prst="rect">
@@ -3322,7 +3923,7 @@
           </a:prstGeom>
         </p:spPr>
         <p:txBody>
-          <a:bodyPr vert="horz" lIns="91440" tIns="45720" rIns="91440" bIns="45720" rtlCol="0" anchor="ctr"/>
+          <a:bodyPr vert="horz" lIns="91384" tIns="45691" rIns="91384" bIns="45691" rtlCol="0" anchor="ctr"/>
           <a:lstStyle>
             <a:lvl1pPr algn="ctr">
               <a:defRPr sz="1200">
@@ -3351,7 +3952,7 @@
         </p:nvSpPr>
         <p:spPr>
           <a:xfrm>
-            <a:off x="6553200" y="6356350"/>
+            <a:off x="6553200" y="6356355"/>
             <a:ext cx="2133600" cy="365125"/>
           </a:xfrm>
           <a:prstGeom prst="rect">
@@ -3359,7 +3960,7 @@
           </a:prstGeom>
         </p:spPr>
         <p:txBody>
-          <a:bodyPr vert="horz" lIns="91440" tIns="45720" rIns="91440" bIns="45720" rtlCol="0" anchor="ctr"/>
+          <a:bodyPr vert="horz" lIns="91384" tIns="45691" rIns="91384" bIns="45691" rtlCol="0" anchor="ctr"/>
           <a:lstStyle>
             <a:lvl1pPr algn="r">
               <a:defRPr sz="1200">
@@ -3403,7 +4004,7 @@
   </p:sldLayoutIdLst>
   <p:txStyles>
     <p:titleStyle>
-      <a:lvl1pPr algn="ctr" defTabSz="914400" rtl="0" eaLnBrk="1" latinLnBrk="0" hangingPunct="1">
+      <a:lvl1pPr algn="ctr" defTabSz="913839" rtl="0" eaLnBrk="1" latinLnBrk="0" hangingPunct="1">
         <a:spcBef>
           <a:spcPct val="0"/>
         </a:spcBef>
@@ -3419,7 +4020,7 @@
       </a:lvl1pPr>
     </p:titleStyle>
     <p:bodyStyle>
-      <a:lvl1pPr marL="342900" indent="-342900" algn="l" defTabSz="914400" rtl="0" eaLnBrk="1" latinLnBrk="0" hangingPunct="1">
+      <a:lvl1pPr marL="342690" indent="-342690" algn="l" defTabSz="913839" rtl="0" eaLnBrk="1" latinLnBrk="0" hangingPunct="1">
         <a:spcBef>
           <a:spcPct val="20000"/>
         </a:spcBef>
@@ -3434,7 +4035,7 @@
           <a:cs typeface="+mn-cs"/>
         </a:defRPr>
       </a:lvl1pPr>
-      <a:lvl2pPr marL="742950" indent="-285750" algn="l" defTabSz="914400" rtl="0" eaLnBrk="1" latinLnBrk="0" hangingPunct="1">
+      <a:lvl2pPr marL="742496" indent="-285575" algn="l" defTabSz="913839" rtl="0" eaLnBrk="1" latinLnBrk="0" hangingPunct="1">
         <a:spcBef>
           <a:spcPct val="20000"/>
         </a:spcBef>
@@ -3449,7 +4050,7 @@
           <a:cs typeface="+mn-cs"/>
         </a:defRPr>
       </a:lvl2pPr>
-      <a:lvl3pPr marL="1143000" indent="-228600" algn="l" defTabSz="914400" rtl="0" eaLnBrk="1" latinLnBrk="0" hangingPunct="1">
+      <a:lvl3pPr marL="1142301" indent="-228459" algn="l" defTabSz="913839" rtl="0" eaLnBrk="1" latinLnBrk="0" hangingPunct="1">
         <a:spcBef>
           <a:spcPct val="20000"/>
         </a:spcBef>
@@ -3464,7 +4065,7 @@
           <a:cs typeface="+mn-cs"/>
         </a:defRPr>
       </a:lvl3pPr>
-      <a:lvl4pPr marL="1600200" indent="-228600" algn="l" defTabSz="914400" rtl="0" eaLnBrk="1" latinLnBrk="0" hangingPunct="1">
+      <a:lvl4pPr marL="1599219" indent="-228459" algn="l" defTabSz="913839" rtl="0" eaLnBrk="1" latinLnBrk="0" hangingPunct="1">
         <a:spcBef>
           <a:spcPct val="20000"/>
         </a:spcBef>
@@ -3479,7 +4080,7 @@
           <a:cs typeface="+mn-cs"/>
         </a:defRPr>
       </a:lvl4pPr>
-      <a:lvl5pPr marL="2057400" indent="-228600" algn="l" defTabSz="914400" rtl="0" eaLnBrk="1" latinLnBrk="0" hangingPunct="1">
+      <a:lvl5pPr marL="2056140" indent="-228459" algn="l" defTabSz="913839" rtl="0" eaLnBrk="1" latinLnBrk="0" hangingPunct="1">
         <a:spcBef>
           <a:spcPct val="20000"/>
         </a:spcBef>
@@ -3494,7 +4095,7 @@
           <a:cs typeface="+mn-cs"/>
         </a:defRPr>
       </a:lvl5pPr>
-      <a:lvl6pPr marL="2514600" indent="-228600" algn="l" defTabSz="914400" rtl="0" eaLnBrk="1" latinLnBrk="0" hangingPunct="1">
+      <a:lvl6pPr marL="2513061" indent="-228459" algn="l" defTabSz="913839" rtl="0" eaLnBrk="1" latinLnBrk="0" hangingPunct="1">
         <a:spcBef>
           <a:spcPct val="20000"/>
         </a:spcBef>
@@ -3509,7 +4110,7 @@
           <a:cs typeface="+mn-cs"/>
         </a:defRPr>
       </a:lvl6pPr>
-      <a:lvl7pPr marL="2971800" indent="-228600" algn="l" defTabSz="914400" rtl="0" eaLnBrk="1" latinLnBrk="0" hangingPunct="1">
+      <a:lvl7pPr marL="2969980" indent="-228459" algn="l" defTabSz="913839" rtl="0" eaLnBrk="1" latinLnBrk="0" hangingPunct="1">
         <a:spcBef>
           <a:spcPct val="20000"/>
         </a:spcBef>
@@ -3524,7 +4125,7 @@
           <a:cs typeface="+mn-cs"/>
         </a:defRPr>
       </a:lvl7pPr>
-      <a:lvl8pPr marL="3429000" indent="-228600" algn="l" defTabSz="914400" rtl="0" eaLnBrk="1" latinLnBrk="0" hangingPunct="1">
+      <a:lvl8pPr marL="3426901" indent="-228459" algn="l" defTabSz="913839" rtl="0" eaLnBrk="1" latinLnBrk="0" hangingPunct="1">
         <a:spcBef>
           <a:spcPct val="20000"/>
         </a:spcBef>
@@ -3539,7 +4140,7 @@
           <a:cs typeface="+mn-cs"/>
         </a:defRPr>
       </a:lvl8pPr>
-      <a:lvl9pPr marL="3886200" indent="-228600" algn="l" defTabSz="914400" rtl="0" eaLnBrk="1" latinLnBrk="0" hangingPunct="1">
+      <a:lvl9pPr marL="3883822" indent="-228459" algn="l" defTabSz="913839" rtl="0" eaLnBrk="1" latinLnBrk="0" hangingPunct="1">
         <a:spcBef>
           <a:spcPct val="20000"/>
         </a:spcBef>
@@ -3559,7 +4160,7 @@
       <a:defPPr>
         <a:defRPr lang="en-US"/>
       </a:defPPr>
-      <a:lvl1pPr marL="0" algn="l" defTabSz="914400" rtl="0" eaLnBrk="1" latinLnBrk="0" hangingPunct="1">
+      <a:lvl1pPr marL="0" algn="l" defTabSz="913839" rtl="0" eaLnBrk="1" latinLnBrk="0" hangingPunct="1">
         <a:defRPr sz="1800" kern="1200">
           <a:solidFill>
             <a:schemeClr val="tx1"/>
@@ -3569,7 +4170,7 @@
           <a:cs typeface="+mn-cs"/>
         </a:defRPr>
       </a:lvl1pPr>
-      <a:lvl2pPr marL="457200" algn="l" defTabSz="914400" rtl="0" eaLnBrk="1" latinLnBrk="0" hangingPunct="1">
+      <a:lvl2pPr marL="456921" algn="l" defTabSz="913839" rtl="0" eaLnBrk="1" latinLnBrk="0" hangingPunct="1">
         <a:defRPr sz="1800" kern="1200">
           <a:solidFill>
             <a:schemeClr val="tx1"/>
@@ -3579,7 +4180,7 @@
           <a:cs typeface="+mn-cs"/>
         </a:defRPr>
       </a:lvl2pPr>
-      <a:lvl3pPr marL="914400" algn="l" defTabSz="914400" rtl="0" eaLnBrk="1" latinLnBrk="0" hangingPunct="1">
+      <a:lvl3pPr marL="913839" algn="l" defTabSz="913839" rtl="0" eaLnBrk="1" latinLnBrk="0" hangingPunct="1">
         <a:defRPr sz="1800" kern="1200">
           <a:solidFill>
             <a:schemeClr val="tx1"/>
@@ -3589,7 +4190,7 @@
           <a:cs typeface="+mn-cs"/>
         </a:defRPr>
       </a:lvl3pPr>
-      <a:lvl4pPr marL="1371600" algn="l" defTabSz="914400" rtl="0" eaLnBrk="1" latinLnBrk="0" hangingPunct="1">
+      <a:lvl4pPr marL="1370760" algn="l" defTabSz="913839" rtl="0" eaLnBrk="1" latinLnBrk="0" hangingPunct="1">
         <a:defRPr sz="1800" kern="1200">
           <a:solidFill>
             <a:schemeClr val="tx1"/>
@@ -3599,7 +4200,7 @@
           <a:cs typeface="+mn-cs"/>
         </a:defRPr>
       </a:lvl4pPr>
-      <a:lvl5pPr marL="1828800" algn="l" defTabSz="914400" rtl="0" eaLnBrk="1" latinLnBrk="0" hangingPunct="1">
+      <a:lvl5pPr marL="1827681" algn="l" defTabSz="913839" rtl="0" eaLnBrk="1" latinLnBrk="0" hangingPunct="1">
         <a:defRPr sz="1800" kern="1200">
           <a:solidFill>
             <a:schemeClr val="tx1"/>
@@ -3609,7 +4210,7 @@
           <a:cs typeface="+mn-cs"/>
         </a:defRPr>
       </a:lvl5pPr>
-      <a:lvl6pPr marL="2286000" algn="l" defTabSz="914400" rtl="0" eaLnBrk="1" latinLnBrk="0" hangingPunct="1">
+      <a:lvl6pPr marL="2284600" algn="l" defTabSz="913839" rtl="0" eaLnBrk="1" latinLnBrk="0" hangingPunct="1">
         <a:defRPr sz="1800" kern="1200">
           <a:solidFill>
             <a:schemeClr val="tx1"/>
@@ -3619,7 +4220,7 @@
           <a:cs typeface="+mn-cs"/>
         </a:defRPr>
       </a:lvl6pPr>
-      <a:lvl7pPr marL="2743200" algn="l" defTabSz="914400" rtl="0" eaLnBrk="1" latinLnBrk="0" hangingPunct="1">
+      <a:lvl7pPr marL="2741521" algn="l" defTabSz="913839" rtl="0" eaLnBrk="1" latinLnBrk="0" hangingPunct="1">
         <a:defRPr sz="1800" kern="1200">
           <a:solidFill>
             <a:schemeClr val="tx1"/>
@@ -3629,7 +4230,7 @@
           <a:cs typeface="+mn-cs"/>
         </a:defRPr>
       </a:lvl7pPr>
-      <a:lvl8pPr marL="3200400" algn="l" defTabSz="914400" rtl="0" eaLnBrk="1" latinLnBrk="0" hangingPunct="1">
+      <a:lvl8pPr marL="3198442" algn="l" defTabSz="913839" rtl="0" eaLnBrk="1" latinLnBrk="0" hangingPunct="1">
         <a:defRPr sz="1800" kern="1200">
           <a:solidFill>
             <a:schemeClr val="tx1"/>
@@ -3639,7 +4240,7 @@
           <a:cs typeface="+mn-cs"/>
         </a:defRPr>
       </a:lvl8pPr>
-      <a:lvl9pPr marL="3657600" algn="l" defTabSz="914400" rtl="0" eaLnBrk="1" latinLnBrk="0" hangingPunct="1">
+      <a:lvl9pPr marL="3655361" algn="l" defTabSz="913839" rtl="0" eaLnBrk="1" latinLnBrk="0" hangingPunct="1">
         <a:defRPr sz="1800" kern="1200">
           <a:solidFill>
             <a:schemeClr val="tx1"/>
@@ -3671,6 +4272,374 @@
           <a:chExt cx="0" cy="0"/>
         </a:xfrm>
       </p:grpSpPr>
+      <p:sp>
+        <p:nvSpPr>
+          <p:cNvPr id="2" name="Rectangle 1"/>
+          <p:cNvSpPr/>
+          <p:nvPr/>
+        </p:nvSpPr>
+        <p:spPr>
+          <a:xfrm>
+            <a:off x="2590800" y="489436"/>
+            <a:ext cx="3515849" cy="369273"/>
+          </a:xfrm>
+          <a:prstGeom prst="rect">
+            <a:avLst/>
+          </a:prstGeom>
+        </p:spPr>
+        <p:txBody>
+          <a:bodyPr wrap="none" lIns="91384" tIns="45691" rIns="91384" bIns="45691">
+            <a:spAutoFit/>
+          </a:bodyPr>
+          <a:lstStyle/>
+          <a:p>
+            <a:r>
+              <a:rPr lang="en-US" dirty="0" err="1" smtClean="0"/>
+              <a:t>InternalCharger</a:t>
+            </a:r>
+            <a:r>
+              <a:rPr lang="en-US" dirty="0" smtClean="0"/>
+              <a:t>: </a:t>
+            </a:r>
+            <a:r>
+              <a:rPr lang="en-US" dirty="0" smtClean="0"/>
+              <a:t>Firmware Features</a:t>
+            </a:r>
+            <a:endParaRPr lang="en-US" dirty="0"/>
+          </a:p>
+        </p:txBody>
+      </p:sp>
+      <p:sp>
+        <p:nvSpPr>
+          <p:cNvPr id="3" name="TextBox 2"/>
+          <p:cNvSpPr txBox="1"/>
+          <p:nvPr/>
+        </p:nvSpPr>
+        <p:spPr>
+          <a:xfrm>
+            <a:off x="1447800" y="1676400"/>
+            <a:ext cx="5334000" cy="1384936"/>
+          </a:xfrm>
+          <a:prstGeom prst="rect">
+            <a:avLst/>
+          </a:prstGeom>
+          <a:noFill/>
+        </p:spPr>
+        <p:txBody>
+          <a:bodyPr wrap="square" lIns="91384" tIns="45691" rIns="91384" bIns="45691" rtlCol="0">
+            <a:spAutoFit/>
+          </a:bodyPr>
+          <a:lstStyle/>
+          <a:p>
+            <a:pPr marL="171345" indent="-171345">
+              <a:buFont typeface="Arial" pitchFamily="34" charset="0"/>
+              <a:buChar char="•"/>
+            </a:pPr>
+            <a:r>
+              <a:rPr lang="en-US" sz="1400" dirty="0" smtClean="0"/>
+              <a:t>Will NOT </a:t>
+            </a:r>
+            <a:r>
+              <a:rPr lang="en-US" sz="1400" dirty="0"/>
+              <a:t>begin until the user has made a non-negligible duration of </a:t>
+            </a:r>
+            <a:endParaRPr lang="en-US" sz="1400" dirty="0"/>
+          </a:p>
+          <a:p>
+            <a:r>
+              <a:rPr lang="en-US" sz="1400" dirty="0"/>
+              <a:t> </a:t>
+            </a:r>
+            <a:r>
+              <a:rPr lang="en-US" sz="1400" dirty="0" smtClean="0"/>
+              <a:t>    </a:t>
+            </a:r>
+            <a:r>
+              <a:rPr lang="en-US" sz="1400" dirty="0" smtClean="0"/>
+              <a:t>consistent </a:t>
+            </a:r>
+            <a:r>
+              <a:rPr lang="en-US" sz="1400" dirty="0"/>
+              <a:t>contact with the terminals that power it</a:t>
+            </a:r>
+          </a:p>
+          <a:p>
+            <a:pPr marL="171345" indent="-171345">
+              <a:buFont typeface="Arial" pitchFamily="34" charset="0"/>
+              <a:buChar char="•"/>
+            </a:pPr>
+            <a:r>
+              <a:rPr lang="en-US" sz="1400" dirty="0" smtClean="0"/>
+              <a:t>Prevents </a:t>
+            </a:r>
+            <a:r>
+              <a:rPr lang="en-US" sz="1400" dirty="0"/>
+              <a:t>more than 3A from going to an individual cell</a:t>
+            </a:r>
+          </a:p>
+          <a:p>
+            <a:pPr marL="171345" indent="-171345">
+              <a:buFont typeface="Arial" pitchFamily="34" charset="0"/>
+              <a:buChar char="•"/>
+            </a:pPr>
+            <a:r>
+              <a:rPr lang="en-US" sz="1400" dirty="0"/>
+              <a:t>Can communicate </a:t>
+            </a:r>
+            <a:r>
+              <a:rPr lang="en-US" sz="1400" dirty="0" smtClean="0"/>
+              <a:t>its status to </a:t>
+            </a:r>
+            <a:r>
+              <a:rPr lang="en-US" sz="1400" dirty="0"/>
+              <a:t>the </a:t>
+            </a:r>
+            <a:r>
+              <a:rPr lang="en-US" sz="1400" dirty="0" err="1"/>
+              <a:t>powerboard</a:t>
+            </a:r>
+            <a:r>
+              <a:rPr lang="en-US" sz="1400" dirty="0"/>
+              <a:t> as a slave</a:t>
+            </a:r>
+          </a:p>
+          <a:p>
+            <a:pPr marL="171345" indent="-171345">
+              <a:buFont typeface="Arial" pitchFamily="34" charset="0"/>
+              <a:buChar char="•"/>
+            </a:pPr>
+            <a:r>
+              <a:rPr lang="en-US" sz="1400" dirty="0" smtClean="0">
+                <a:solidFill>
+                  <a:schemeClr val="bg1">
+                    <a:lumMod val="50000"/>
+                  </a:schemeClr>
+                </a:solidFill>
+              </a:rPr>
+              <a:t>Will </a:t>
+            </a:r>
+            <a:r>
+              <a:rPr lang="en-US" sz="1400" dirty="0">
+                <a:solidFill>
+                  <a:schemeClr val="bg1">
+                    <a:lumMod val="50000"/>
+                  </a:schemeClr>
+                </a:solidFill>
+              </a:rPr>
+              <a:t>NOT charge a battery that has discharged </a:t>
+            </a:r>
+            <a:r>
+              <a:rPr lang="en-US" sz="1400" dirty="0" smtClean="0">
+                <a:solidFill>
+                  <a:schemeClr val="bg1">
+                    <a:lumMod val="50000"/>
+                  </a:schemeClr>
+                </a:solidFill>
+              </a:rPr>
+              <a:t>dangerously low (less </a:t>
+            </a:r>
+            <a:r>
+              <a:rPr lang="en-US" sz="1400" dirty="0">
+                <a:solidFill>
+                  <a:schemeClr val="bg1">
+                    <a:lumMod val="50000"/>
+                  </a:schemeClr>
+                </a:solidFill>
+              </a:rPr>
+              <a:t>than </a:t>
+            </a:r>
+            <a:r>
+              <a:rPr lang="en-US" sz="1400" dirty="0" smtClean="0">
+                <a:solidFill>
+                  <a:schemeClr val="bg1">
+                    <a:lumMod val="50000"/>
+                  </a:schemeClr>
+                </a:solidFill>
+              </a:rPr>
+              <a:t>2.5V/cell </a:t>
+            </a:r>
+            <a:r>
+              <a:rPr lang="en-US" sz="1400" dirty="0">
+                <a:solidFill>
+                  <a:schemeClr val="bg1">
+                    <a:lumMod val="50000"/>
+                  </a:schemeClr>
+                </a:solidFill>
+              </a:rPr>
+              <a:t>* </a:t>
+            </a:r>
+            <a:r>
+              <a:rPr lang="en-US" sz="1400" dirty="0" smtClean="0">
+                <a:solidFill>
+                  <a:schemeClr val="bg1">
+                    <a:lumMod val="50000"/>
+                  </a:schemeClr>
+                </a:solidFill>
+              </a:rPr>
+              <a:t>4cells =&gt; 6V).</a:t>
+            </a:r>
+            <a:endParaRPr lang="en-US" sz="1400" dirty="0"/>
+          </a:p>
+        </p:txBody>
+      </p:sp>
+    </p:spTree>
+    <p:extLst>
+      <p:ext uri="{BB962C8B-B14F-4D97-AF65-F5344CB8AC3E}">
+        <p14:creationId xmlns:p14="http://schemas.microsoft.com/office/powerpoint/2010/main" val="1832407389"/>
+      </p:ext>
+    </p:extLst>
+  </p:cSld>
+  <p:clrMapOvr>
+    <a:masterClrMapping/>
+  </p:clrMapOvr>
+  <p:timing>
+    <p:tnLst>
+      <p:par>
+        <p:cTn id="1" dur="indefinite" restart="never" nodeType="tmRoot"/>
+      </p:par>
+    </p:tnLst>
+  </p:timing>
+</p:sld>
+</file>
+
+<file path=ppt/slides/slide2.xml><?xml version="1.0" encoding="utf-8"?>
+<p:sld xmlns:a="http://schemas.openxmlformats.org/drawingml/2006/main" xmlns:r="http://schemas.openxmlformats.org/officeDocument/2006/relationships" xmlns:p="http://schemas.openxmlformats.org/presentationml/2006/main">
+  <p:cSld>
+    <p:spTree>
+      <p:nvGrpSpPr>
+        <p:cNvPr id="1" name=""/>
+        <p:cNvGrpSpPr/>
+        <p:nvPr/>
+      </p:nvGrpSpPr>
+      <p:grpSpPr>
+        <a:xfrm>
+          <a:off x="0" y="0"/>
+          <a:ext cx="0" cy="0"/>
+          <a:chOff x="0" y="0"/>
+          <a:chExt cx="0" cy="0"/>
+        </a:xfrm>
+      </p:grpSpPr>
+      <p:sp>
+        <p:nvSpPr>
+          <p:cNvPr id="34" name="TextBox 33"/>
+          <p:cNvSpPr txBox="1"/>
+          <p:nvPr/>
+        </p:nvSpPr>
+        <p:spPr>
+          <a:xfrm>
+            <a:off x="2747844" y="5454163"/>
+            <a:ext cx="1273691" cy="369273"/>
+          </a:xfrm>
+          <a:prstGeom prst="rect">
+            <a:avLst/>
+          </a:prstGeom>
+          <a:solidFill>
+            <a:schemeClr val="bg1"/>
+          </a:solidFill>
+        </p:spPr>
+        <p:txBody>
+          <a:bodyPr wrap="square" lIns="91384" tIns="45691" rIns="91384" bIns="45691" rtlCol="0">
+            <a:spAutoFit/>
+          </a:bodyPr>
+          <a:lstStyle/>
+          <a:p>
+            <a:r>
+              <a:rPr lang="en-US" sz="600" dirty="0">
+                <a:solidFill>
+                  <a:schemeClr val="accent3">
+                    <a:lumMod val="50000"/>
+                  </a:schemeClr>
+                </a:solidFill>
+              </a:rPr>
+              <a:t>o</a:t>
+            </a:r>
+            <a:r>
+              <a:rPr lang="en-US" sz="600" dirty="0" smtClean="0">
+                <a:solidFill>
+                  <a:schemeClr val="accent3">
+                    <a:lumMod val="50000"/>
+                  </a:schemeClr>
+                </a:solidFill>
+              </a:rPr>
+              <a:t>ne side just wants too much,</a:t>
+            </a:r>
+          </a:p>
+          <a:p>
+            <a:r>
+              <a:rPr lang="en-US" sz="600" dirty="0">
+                <a:solidFill>
+                  <a:schemeClr val="accent3">
+                    <a:lumMod val="50000"/>
+                  </a:schemeClr>
+                </a:solidFill>
+              </a:rPr>
+              <a:t>s</a:t>
+            </a:r>
+            <a:r>
+              <a:rPr lang="en-US" sz="600" dirty="0" smtClean="0">
+                <a:solidFill>
+                  <a:schemeClr val="accent3">
+                    <a:lumMod val="50000"/>
+                  </a:schemeClr>
+                </a:solidFill>
+              </a:rPr>
+              <a:t>o limit the overall current to the</a:t>
+            </a:r>
+          </a:p>
+          <a:p>
+            <a:r>
+              <a:rPr lang="en-US" sz="600" dirty="0" smtClean="0">
+                <a:solidFill>
+                  <a:schemeClr val="accent3">
+                    <a:lumMod val="50000"/>
+                  </a:schemeClr>
+                </a:solidFill>
+              </a:rPr>
+              <a:t>Individual limit</a:t>
+            </a:r>
+            <a:endParaRPr lang="en-US" sz="600" dirty="0">
+              <a:solidFill>
+                <a:schemeClr val="accent3">
+                  <a:lumMod val="50000"/>
+                </a:schemeClr>
+              </a:solidFill>
+            </a:endParaRPr>
+          </a:p>
+        </p:txBody>
+      </p:sp>
+      <p:sp>
+        <p:nvSpPr>
+          <p:cNvPr id="2" name="Rectangle 1"/>
+          <p:cNvSpPr/>
+          <p:nvPr/>
+        </p:nvSpPr>
+        <p:spPr>
+          <a:xfrm>
+            <a:off x="3071025" y="304800"/>
+            <a:ext cx="3084962" cy="369273"/>
+          </a:xfrm>
+          <a:prstGeom prst="rect">
+            <a:avLst/>
+          </a:prstGeom>
+        </p:spPr>
+        <p:txBody>
+          <a:bodyPr wrap="none" lIns="91384" tIns="45691" rIns="91384" bIns="45691">
+            <a:spAutoFit/>
+          </a:bodyPr>
+          <a:lstStyle/>
+          <a:p>
+            <a:r>
+              <a:rPr lang="en-US" dirty="0" err="1" smtClean="0"/>
+              <a:t>InternalCharger</a:t>
+            </a:r>
+            <a:r>
+              <a:rPr lang="en-US" dirty="0" smtClean="0"/>
+              <a:t>: State Diagram</a:t>
+            </a:r>
+            <a:endParaRPr lang="en-US" dirty="0"/>
+          </a:p>
+        </p:txBody>
+      </p:sp>
       <p:cxnSp>
         <p:nvCxnSpPr>
           <p:cNvPr id="10" name="Curved Connector 9"/>
@@ -3682,7 +4651,7 @@
         </p:nvCxnSpPr>
         <p:spPr>
           <a:xfrm rot="10800000">
-            <a:off x="3126256" y="1981200"/>
+            <a:off x="3126262" y="1981201"/>
             <a:ext cx="2283945" cy="2171700"/>
           </a:xfrm>
           <a:prstGeom prst="curvedConnector2">
@@ -3718,7 +4687,7 @@
         </p:nvCxnSpPr>
         <p:spPr>
           <a:xfrm>
-            <a:off x="3507255" y="1866900"/>
+            <a:off x="3507260" y="1866901"/>
             <a:ext cx="2283945" cy="2171700"/>
           </a:xfrm>
           <a:prstGeom prst="curvedConnector2">
@@ -3747,20 +4716,20 @@
         <p:nvCxnSpPr>
           <p:cNvPr id="39" name="Curved Connector 38"/>
           <p:cNvCxnSpPr>
-            <a:stCxn id="5" idx="1"/>
-            <a:endCxn id="5" idx="2"/>
+            <a:stCxn id="5" idx="2"/>
+            <a:endCxn id="5" idx="3"/>
           </p:cNvCxnSpPr>
           <p:nvPr/>
         </p:nvCxnSpPr>
         <p:spPr>
-          <a:xfrm rot="10800000" flipH="1" flipV="1">
-            <a:off x="5410200" y="4152900"/>
-            <a:ext cx="381000" cy="114300"/>
+          <a:xfrm rot="5400000" flipH="1" flipV="1">
+            <a:off x="5924550" y="4019551"/>
+            <a:ext cx="114300" cy="381000"/>
           </a:xfrm>
           <a:prstGeom prst="curvedConnector4">
             <a:avLst>
-              <a:gd name="adj1" fmla="val -60000"/>
-              <a:gd name="adj2" fmla="val 986667"/>
+              <a:gd name="adj1" fmla="val -1211111"/>
+              <a:gd name="adj2" fmla="val 153334"/>
             </a:avLst>
           </a:prstGeom>
           <a:ln>
@@ -3793,13 +4762,13 @@
         </p:nvCxnSpPr>
         <p:spPr>
           <a:xfrm rot="5400000" flipH="1" flipV="1">
-            <a:off x="5924550" y="4019550"/>
+            <a:off x="5924551" y="4019552"/>
             <a:ext cx="114300" cy="381000"/>
           </a:xfrm>
           <a:prstGeom prst="curvedConnector4">
             <a:avLst>
-              <a:gd name="adj1" fmla="val -913333"/>
-              <a:gd name="adj2" fmla="val 160000"/>
+              <a:gd name="adj1" fmla="val -196667"/>
+              <a:gd name="adj2" fmla="val 625000"/>
             </a:avLst>
           </a:prstGeom>
           <a:ln>
@@ -3824,14 +4793,12 @@
       <p:cxnSp>
         <p:nvCxnSpPr>
           <p:cNvPr id="44" name="Curved Connector 43"/>
-          <p:cNvCxnSpPr>
-            <a:endCxn id="4" idx="1"/>
-          </p:cNvCxnSpPr>
+          <p:cNvCxnSpPr/>
           <p:nvPr/>
         </p:nvCxnSpPr>
         <p:spPr>
           <a:xfrm>
-            <a:off x="1830857" y="1276351"/>
+            <a:off x="733036" y="708724"/>
             <a:ext cx="914398" cy="590549"/>
           </a:xfrm>
           <a:prstGeom prst="curvedConnector3">
@@ -3841,81 +4808,6 @@
           </a:prstGeom>
           <a:ln cap="rnd">
             <a:headEnd type="oval"/>
-            <a:tailEnd type="arrow"/>
-          </a:ln>
-        </p:spPr>
-        <p:style>
-          <a:lnRef idx="1">
-            <a:schemeClr val="accent1"/>
-          </a:lnRef>
-          <a:fillRef idx="0">
-            <a:schemeClr val="accent1"/>
-          </a:fillRef>
-          <a:effectRef idx="0">
-            <a:schemeClr val="accent1"/>
-          </a:effectRef>
-          <a:fontRef idx="minor">
-            <a:schemeClr val="tx1"/>
-          </a:fontRef>
-        </p:style>
-      </p:cxnSp>
-      <p:cxnSp>
-        <p:nvCxnSpPr>
-          <p:cNvPr id="17" name="Curved Connector 16"/>
-          <p:cNvCxnSpPr>
-            <a:endCxn id="4" idx="1"/>
-          </p:cNvCxnSpPr>
-          <p:nvPr/>
-        </p:nvCxnSpPr>
-        <p:spPr>
-          <a:xfrm rot="10800000">
-            <a:off x="2745256" y="1866900"/>
-            <a:ext cx="2697481" cy="2267856"/>
-          </a:xfrm>
-          <a:prstGeom prst="curvedConnector3">
-            <a:avLst>
-              <a:gd name="adj1" fmla="val 188701"/>
-            </a:avLst>
-          </a:prstGeom>
-          <a:ln>
-            <a:tailEnd type="arrow"/>
-          </a:ln>
-        </p:spPr>
-        <p:style>
-          <a:lnRef idx="1">
-            <a:schemeClr val="accent1"/>
-          </a:lnRef>
-          <a:fillRef idx="0">
-            <a:schemeClr val="accent1"/>
-          </a:fillRef>
-          <a:effectRef idx="0">
-            <a:schemeClr val="accent1"/>
-          </a:effectRef>
-          <a:fontRef idx="minor">
-            <a:schemeClr val="tx1"/>
-          </a:fontRef>
-        </p:style>
-      </p:cxnSp>
-      <p:cxnSp>
-        <p:nvCxnSpPr>
-          <p:cNvPr id="26" name="Curved Connector 25"/>
-          <p:cNvCxnSpPr>
-            <a:stCxn id="5" idx="1"/>
-            <a:endCxn id="4" idx="1"/>
-          </p:cNvCxnSpPr>
-          <p:nvPr/>
-        </p:nvCxnSpPr>
-        <p:spPr>
-          <a:xfrm rot="10800000">
-            <a:off x="2745256" y="1866900"/>
-            <a:ext cx="2664945" cy="2286000"/>
-          </a:xfrm>
-          <a:prstGeom prst="curvedConnector3">
-            <a:avLst>
-              <a:gd name="adj1" fmla="val 108578"/>
-            </a:avLst>
-          </a:prstGeom>
-          <a:ln>
             <a:tailEnd type="arrow"/>
           </a:ln>
         </p:spPr>
@@ -3938,20 +4830,20 @@
         <p:nvCxnSpPr>
           <p:cNvPr id="16" name="Curved Connector 15"/>
           <p:cNvCxnSpPr>
-            <a:stCxn id="5" idx="2"/>
+            <a:stCxn id="5" idx="0"/>
             <a:endCxn id="5" idx="3"/>
           </p:cNvCxnSpPr>
           <p:nvPr/>
         </p:nvCxnSpPr>
         <p:spPr>
-          <a:xfrm rot="5400000" flipH="1" flipV="1">
-            <a:off x="5924550" y="4019550"/>
+          <a:xfrm rot="16200000" flipH="1">
+            <a:off x="5924550" y="3905251"/>
             <a:ext cx="114300" cy="381000"/>
           </a:xfrm>
           <a:prstGeom prst="curvedConnector4">
             <a:avLst>
-              <a:gd name="adj1" fmla="val 713333"/>
-              <a:gd name="adj2" fmla="val 606000"/>
+              <a:gd name="adj1" fmla="val -562500"/>
+              <a:gd name="adj2" fmla="val 598750"/>
             </a:avLst>
           </a:prstGeom>
           <a:ln>
@@ -3981,7 +4873,7 @@
         </p:nvSpPr>
         <p:spPr>
           <a:xfrm>
-            <a:off x="2745255" y="1752600"/>
+            <a:off x="2745255" y="1752601"/>
             <a:ext cx="762000" cy="228600"/>
           </a:xfrm>
           <a:prstGeom prst="roundRect">
@@ -4005,19 +4897,15 @@
           </a:fontRef>
         </p:style>
         <p:txBody>
-          <a:bodyPr rtlCol="0" anchor="ctr"/>
+          <a:bodyPr lIns="91384" tIns="45691" rIns="91384" bIns="45691" rtlCol="0" anchor="ctr"/>
           <a:lstStyle/>
           <a:p>
             <a:pPr algn="ctr"/>
             <a:r>
-              <a:rPr lang="en-US" sz="900" dirty="0"/>
-              <a:t>S</a:t>
-            </a:r>
-            <a:r>
-              <a:rPr lang="en-US" sz="900" dirty="0" smtClean="0"/>
-              <a:t>leeping</a:t>
-            </a:r>
-            <a:endParaRPr lang="en-US" sz="900" dirty="0"/>
+              <a:rPr lang="en-US" sz="600" dirty="0" smtClean="0"/>
+              <a:t>Sleeping</a:t>
+            </a:r>
+            <a:endParaRPr lang="en-US" sz="600" dirty="0"/>
           </a:p>
         </p:txBody>
       </p:sp>
@@ -4029,7 +4917,7 @@
         </p:nvSpPr>
         <p:spPr>
           <a:xfrm>
-            <a:off x="5410200" y="4038600"/>
+            <a:off x="5410200" y="4038601"/>
             <a:ext cx="762000" cy="228600"/>
           </a:xfrm>
           <a:prstGeom prst="roundRect">
@@ -4053,14 +4941,15 @@
           </a:fontRef>
         </p:style>
         <p:txBody>
-          <a:bodyPr rtlCol="0" anchor="ctr"/>
+          <a:bodyPr lIns="91384" tIns="45691" rIns="91384" bIns="45691" rtlCol="0" anchor="ctr"/>
           <a:lstStyle/>
           <a:p>
             <a:pPr algn="ctr"/>
             <a:r>
-              <a:rPr lang="en-US" sz="900" dirty="0" smtClean="0"/>
+              <a:rPr lang="en-US" sz="600" dirty="0" smtClean="0"/>
               <a:t>Charging</a:t>
             </a:r>
+            <a:endParaRPr lang="en-US" sz="600" dirty="0"/>
           </a:p>
         </p:txBody>
       </p:sp>
@@ -4072,57 +4961,23 @@
         </p:nvSpPr>
         <p:spPr>
           <a:xfrm>
-            <a:off x="1649964" y="1053644"/>
-            <a:ext cx="377026" cy="215444"/>
+            <a:off x="550087" y="489468"/>
+            <a:ext cx="330427" cy="184607"/>
           </a:xfrm>
           <a:prstGeom prst="rect">
             <a:avLst/>
           </a:prstGeom>
         </p:spPr>
         <p:txBody>
-          <a:bodyPr wrap="none">
+          <a:bodyPr wrap="none" lIns="91384" tIns="45691" rIns="91384" bIns="45691">
             <a:spAutoFit/>
           </a:bodyPr>
           <a:lstStyle/>
           <a:p>
             <a:r>
-              <a:rPr lang="en-US" sz="800" dirty="0" smtClean="0"/>
+              <a:rPr lang="en-US" sz="600" dirty="0"/>
               <a:t>start</a:t>
             </a:r>
-            <a:endParaRPr lang="en-US" sz="800" dirty="0"/>
-          </a:p>
-        </p:txBody>
-      </p:sp>
-      <p:sp>
-        <p:nvSpPr>
-          <p:cNvPr id="2" name="Rectangle 1"/>
-          <p:cNvSpPr/>
-          <p:nvPr/>
-        </p:nvSpPr>
-        <p:spPr>
-          <a:xfrm>
-            <a:off x="3071020" y="304800"/>
-            <a:ext cx="3022559" cy="369332"/>
-          </a:xfrm>
-          <a:prstGeom prst="rect">
-            <a:avLst/>
-          </a:prstGeom>
-        </p:spPr>
-        <p:txBody>
-          <a:bodyPr wrap="none">
-            <a:spAutoFit/>
-          </a:bodyPr>
-          <a:lstStyle/>
-          <a:p>
-            <a:r>
-              <a:rPr lang="en-US" dirty="0" err="1" smtClean="0"/>
-              <a:t>InternalCharger</a:t>
-            </a:r>
-            <a:r>
-              <a:rPr lang="en-US" dirty="0" smtClean="0"/>
-              <a:t> State Diagram</a:t>
-            </a:r>
-            <a:endParaRPr lang="en-US" dirty="0"/>
           </a:p>
         </p:txBody>
       </p:sp>
@@ -4134,8 +4989,8 @@
         </p:nvSpPr>
         <p:spPr>
           <a:xfrm>
-            <a:off x="4001759" y="1658034"/>
-            <a:ext cx="1696298" cy="784830"/>
+            <a:off x="4304642" y="1381035"/>
+            <a:ext cx="1907781" cy="923271"/>
           </a:xfrm>
           <a:prstGeom prst="rect">
             <a:avLst/>
@@ -4145,96 +5000,149 @@
           </a:solidFill>
         </p:spPr>
         <p:txBody>
-          <a:bodyPr wrap="none" rtlCol="0">
+          <a:bodyPr wrap="none" lIns="91384" tIns="45691" rIns="91384" bIns="45691" rtlCol="0">
             <a:spAutoFit/>
           </a:bodyPr>
           <a:lstStyle/>
           <a:p>
             <a:r>
-              <a:rPr lang="en-US" sz="900" u="sng" dirty="0" smtClean="0"/>
+              <a:rPr lang="en-US" sz="600" u="sng" dirty="0" smtClean="0"/>
+              <a:t>(V</a:t>
+            </a:r>
+            <a:r>
+              <a:rPr lang="en-US" sz="600" u="sng" baseline="-25000" dirty="0" smtClean="0"/>
+              <a:t>CELLA</a:t>
+            </a:r>
+            <a:r>
+              <a:rPr lang="en-US" sz="600" u="sng" dirty="0" smtClean="0"/>
+              <a:t> </a:t>
+            </a:r>
+            <a:r>
+              <a:rPr lang="en-US" sz="600" u="sng" dirty="0"/>
+              <a:t>&lt; 16V OR V</a:t>
+            </a:r>
+            <a:r>
+              <a:rPr lang="en-US" sz="600" u="sng" baseline="-25000" dirty="0"/>
+              <a:t>CELLB</a:t>
+            </a:r>
+            <a:r>
+              <a:rPr lang="en-US" sz="600" u="sng" dirty="0"/>
+              <a:t> &lt; </a:t>
+            </a:r>
+            <a:r>
+              <a:rPr lang="en-US" sz="600" u="sng" dirty="0" smtClean="0"/>
+              <a:t>16V) AND</a:t>
+            </a:r>
+          </a:p>
+          <a:p>
+            <a:r>
+              <a:rPr lang="en-US" sz="600" u="sng" dirty="0" smtClean="0"/>
+              <a:t>(6V &lt; V</a:t>
+            </a:r>
+            <a:r>
+              <a:rPr lang="en-US" sz="600" u="sng" baseline="-25000" dirty="0" smtClean="0"/>
+              <a:t>CELLA</a:t>
+            </a:r>
+            <a:r>
+              <a:rPr lang="en-US" sz="600" u="sng" dirty="0" smtClean="0"/>
+              <a:t> AND 6V</a:t>
+            </a:r>
+            <a:r>
+              <a:rPr lang="en-US" sz="600" u="sng" dirty="0"/>
+              <a:t> </a:t>
+            </a:r>
+            <a:r>
+              <a:rPr lang="en-US" sz="600" u="sng" dirty="0" smtClean="0"/>
+              <a:t>&lt; V</a:t>
+            </a:r>
+            <a:r>
+              <a:rPr lang="en-US" sz="600" u="sng" baseline="-25000" dirty="0" smtClean="0"/>
+              <a:t>CELLB</a:t>
+            </a:r>
+            <a:r>
+              <a:rPr lang="en-US" sz="600" u="sng" dirty="0" smtClean="0"/>
+              <a:t>)</a:t>
+            </a:r>
+            <a:endParaRPr lang="en-US" sz="600" u="sng" dirty="0"/>
+          </a:p>
+          <a:p>
+            <a:r>
+              <a:rPr lang="en-US" sz="600" dirty="0"/>
+              <a:t>  - update our status variable to </a:t>
+            </a:r>
+          </a:p>
+          <a:p>
+            <a:r>
+              <a:rPr lang="en-US" sz="600" dirty="0"/>
+              <a:t>    ‘alive and on dock’ (for </a:t>
+            </a:r>
+            <a:r>
+              <a:rPr lang="en-US" sz="600" dirty="0" err="1"/>
+              <a:t>Tx</a:t>
+            </a:r>
+            <a:endParaRPr lang="en-US" sz="600" dirty="0"/>
+          </a:p>
+          <a:p>
+            <a:r>
+              <a:rPr lang="en-US" sz="600" dirty="0"/>
+              <a:t>    to </a:t>
+            </a:r>
+            <a:r>
+              <a:rPr lang="en-US" sz="600" dirty="0" err="1"/>
+              <a:t>powerboard</a:t>
+            </a:r>
+            <a:r>
+              <a:rPr lang="en-US" sz="600" dirty="0"/>
+              <a:t>)</a:t>
+            </a:r>
+          </a:p>
+          <a:p>
+            <a:r>
+              <a:rPr lang="en-US" sz="600" dirty="0"/>
+              <a:t>   - turn on the charging IC</a:t>
+            </a:r>
+          </a:p>
+          <a:p>
+            <a:r>
+              <a:rPr lang="en-US" sz="600" dirty="0"/>
+              <a:t>  - connect cell A</a:t>
+            </a:r>
+          </a:p>
+          <a:p>
+            <a:r>
+              <a:rPr lang="en-US" sz="600" dirty="0"/>
+              <a:t>  - connect cell B</a:t>
+            </a:r>
+          </a:p>
+          <a:p>
+            <a:r>
+              <a:rPr lang="en-US" sz="600" dirty="0"/>
+              <a:t>  - configure charger to </a:t>
+            </a:r>
+            <a:r>
+              <a:rPr lang="en-US" sz="600" dirty="0" err="1"/>
               <a:t>V</a:t>
             </a:r>
             <a:r>
-              <a:rPr lang="en-US" sz="900" u="sng" baseline="-25000" dirty="0" smtClean="0"/>
-              <a:t>CELLA</a:t>
-            </a:r>
-            <a:r>
-              <a:rPr lang="en-US" sz="900" u="sng" dirty="0" smtClean="0"/>
-              <a:t> &lt; 16V OR V</a:t>
-            </a:r>
-            <a:r>
-              <a:rPr lang="en-US" sz="900" u="sng" baseline="-25000" dirty="0" smtClean="0"/>
-              <a:t>CELLB</a:t>
-            </a:r>
-            <a:r>
-              <a:rPr lang="en-US" sz="900" u="sng" dirty="0" smtClean="0"/>
-              <a:t> &lt; 16V AND</a:t>
-            </a:r>
-          </a:p>
-          <a:p>
-            <a:r>
-              <a:rPr lang="en-US" sz="900" u="sng" dirty="0" smtClean="0"/>
-              <a:t>(</a:t>
-            </a:r>
-            <a:r>
-              <a:rPr lang="en-US" sz="900" u="sng" dirty="0" err="1" smtClean="0"/>
-              <a:t>T</a:t>
-            </a:r>
-            <a:r>
-              <a:rPr lang="en-US" sz="900" u="sng" baseline="-25000" dirty="0" err="1" smtClean="0"/>
-              <a:t>cellA</a:t>
-            </a:r>
-            <a:r>
-              <a:rPr lang="en-US" sz="900" u="sng" dirty="0" smtClean="0"/>
-              <a:t> &lt; HOT </a:t>
-            </a:r>
-            <a:r>
-              <a:rPr lang="en-US" sz="900" u="sng" dirty="0"/>
-              <a:t>AND </a:t>
-            </a:r>
-            <a:r>
-              <a:rPr lang="en-US" sz="900" u="sng" dirty="0" err="1"/>
-              <a:t>T</a:t>
-            </a:r>
-            <a:r>
-              <a:rPr lang="en-US" sz="900" u="sng" baseline="-25000" dirty="0" err="1"/>
-              <a:t>cellA</a:t>
-            </a:r>
-            <a:r>
-              <a:rPr lang="en-US" sz="900" u="sng" dirty="0" smtClean="0"/>
-              <a:t> &lt; HOT) </a:t>
-            </a:r>
-          </a:p>
-          <a:p>
-            <a:r>
-              <a:rPr lang="en-US" sz="900" dirty="0"/>
-              <a:t> </a:t>
-            </a:r>
-            <a:r>
-              <a:rPr lang="en-US" sz="900" dirty="0" smtClean="0"/>
-              <a:t> - turn on the charging IC</a:t>
-            </a:r>
-          </a:p>
-          <a:p>
-            <a:r>
-              <a:rPr lang="en-US" sz="900" dirty="0"/>
-              <a:t> </a:t>
-            </a:r>
-            <a:r>
-              <a:rPr lang="en-US" sz="900" dirty="0" smtClean="0"/>
-              <a:t> - connect cell A</a:t>
-            </a:r>
-          </a:p>
-          <a:p>
-            <a:r>
-              <a:rPr lang="en-US" sz="900" dirty="0"/>
-              <a:t> </a:t>
-            </a:r>
-            <a:r>
-              <a:rPr lang="en-US" sz="900" dirty="0" smtClean="0"/>
-              <a:t> - connect cell B</a:t>
-            </a:r>
-            <a:endParaRPr lang="en-US" sz="900" dirty="0"/>
+              <a:rPr lang="en-US" sz="600" baseline="-25000" dirty="0" err="1"/>
+              <a:t>charge,max</a:t>
+            </a:r>
+            <a:r>
+              <a:rPr lang="en-US" sz="600" dirty="0"/>
+              <a:t> = 16.5V, </a:t>
+            </a:r>
+            <a:r>
+              <a:rPr lang="en-US" sz="600" dirty="0" err="1"/>
+              <a:t>I</a:t>
+            </a:r>
+            <a:r>
+              <a:rPr lang="en-US" sz="600" baseline="-25000" dirty="0" err="1"/>
+              <a:t>charge,max</a:t>
+            </a:r>
+            <a:r>
+              <a:rPr lang="en-US" sz="600" dirty="0"/>
+              <a:t> = 6A</a:t>
+            </a:r>
           </a:p>
         </p:txBody>
       </p:sp>
@@ -4246,8 +5154,8 @@
         </p:nvSpPr>
         <p:spPr>
           <a:xfrm>
-            <a:off x="7239000" y="3384634"/>
-            <a:ext cx="1721946" cy="507831"/>
+            <a:off x="7239000" y="3384639"/>
+            <a:ext cx="1216887" cy="369273"/>
           </a:xfrm>
           <a:prstGeom prst="rect">
             <a:avLst/>
@@ -4257,16 +5165,16 @@
           </a:solidFill>
         </p:spPr>
         <p:txBody>
-          <a:bodyPr wrap="none" rtlCol="0">
+          <a:bodyPr wrap="none" lIns="91384" tIns="45691" rIns="91384" bIns="45691" rtlCol="0">
             <a:spAutoFit/>
           </a:bodyPr>
           <a:lstStyle/>
           <a:p>
             <a:r>
-              <a:rPr lang="en-US" sz="900" u="sng" dirty="0" smtClean="0"/>
+              <a:rPr lang="en-US" sz="600" u="sng" dirty="0"/>
               <a:t>Charger refresh timer expired</a:t>
             </a:r>
-            <a:endParaRPr lang="en-US" sz="900" u="sng" dirty="0" smtClean="0">
+            <a:endParaRPr lang="en-US" sz="600" u="sng" dirty="0">
               <a:solidFill>
                 <a:schemeClr val="tx1">
                   <a:lumMod val="50000"/>
@@ -4277,20 +5185,15 @@
           </a:p>
           <a:p>
             <a:r>
-              <a:rPr lang="en-US" sz="900" dirty="0"/>
-              <a:t> </a:t>
-            </a:r>
-            <a:r>
-              <a:rPr lang="en-US" sz="900" dirty="0" smtClean="0"/>
-              <a:t> - start the charger refresh timer</a:t>
-            </a:r>
-          </a:p>
-          <a:p>
-            <a:r>
-              <a:rPr lang="en-US" sz="900" dirty="0" smtClean="0"/>
-              <a:t>  - configure the charge limits</a:t>
-            </a:r>
-            <a:endParaRPr lang="en-US" sz="900" dirty="0"/>
+              <a:rPr lang="en-US" sz="600" dirty="0"/>
+              <a:t>  - start the charger refresh timer</a:t>
+            </a:r>
+          </a:p>
+          <a:p>
+            <a:r>
+              <a:rPr lang="en-US" sz="600" dirty="0"/>
+              <a:t>  - configure the charger</a:t>
+            </a:r>
           </a:p>
         </p:txBody>
       </p:sp>
@@ -4302,8 +5205,8 @@
         </p:nvSpPr>
         <p:spPr>
           <a:xfrm>
-            <a:off x="4358786" y="4861586"/>
-            <a:ext cx="1083951" cy="369332"/>
+            <a:off x="6248400" y="5008073"/>
+            <a:ext cx="784076" cy="276940"/>
           </a:xfrm>
           <a:prstGeom prst="rect">
             <a:avLst/>
@@ -4313,28 +5216,27 @@
           </a:solidFill>
         </p:spPr>
         <p:txBody>
-          <a:bodyPr wrap="none" rtlCol="0">
+          <a:bodyPr wrap="none" lIns="91384" tIns="45691" rIns="91384" bIns="45691" rtlCol="0">
             <a:spAutoFit/>
           </a:bodyPr>
           <a:lstStyle/>
           <a:p>
             <a:r>
-              <a:rPr lang="en-US" sz="900" u="sng" dirty="0" err="1" smtClean="0"/>
+              <a:rPr lang="en-US" sz="600" u="sng" dirty="0" err="1"/>
               <a:t>I</a:t>
             </a:r>
             <a:r>
-              <a:rPr lang="en-US" sz="900" u="sng" baseline="-25000" dirty="0" err="1" smtClean="0"/>
+              <a:rPr lang="en-US" sz="600" u="sng" baseline="-25000" dirty="0" err="1"/>
               <a:t>cellA</a:t>
             </a:r>
             <a:r>
-              <a:rPr lang="en-US" sz="900" u="sng" dirty="0" smtClean="0"/>
+              <a:rPr lang="en-US" sz="600" u="sng" dirty="0"/>
               <a:t> &lt; 100mA</a:t>
             </a:r>
-            <a:endParaRPr lang="en-US" sz="900" u="sng" dirty="0"/>
-          </a:p>
-          <a:p>
-            <a:r>
-              <a:rPr lang="en-US" sz="900" dirty="0" smtClean="0"/>
+          </a:p>
+          <a:p>
+            <a:r>
+              <a:rPr lang="en-US" sz="600" dirty="0"/>
               <a:t>  - disconnect cell A</a:t>
             </a:r>
           </a:p>
@@ -4348,8 +5250,8 @@
         </p:nvSpPr>
         <p:spPr>
           <a:xfrm>
-            <a:off x="6324600" y="4690374"/>
-            <a:ext cx="1083951" cy="369332"/>
+            <a:off x="7391400" y="4405675"/>
+            <a:ext cx="780870" cy="276940"/>
           </a:xfrm>
           <a:prstGeom prst="rect">
             <a:avLst/>
@@ -4359,28 +5261,27 @@
           </a:solidFill>
         </p:spPr>
         <p:txBody>
-          <a:bodyPr wrap="none" rtlCol="0">
+          <a:bodyPr wrap="none" lIns="91384" tIns="45691" rIns="91384" bIns="45691" rtlCol="0">
             <a:spAutoFit/>
           </a:bodyPr>
           <a:lstStyle/>
           <a:p>
             <a:r>
-              <a:rPr lang="en-US" sz="900" u="sng" dirty="0" err="1" smtClean="0"/>
+              <a:rPr lang="en-US" sz="600" u="sng" dirty="0" err="1"/>
               <a:t>I</a:t>
             </a:r>
             <a:r>
-              <a:rPr lang="en-US" sz="900" u="sng" baseline="-25000" dirty="0" err="1" smtClean="0"/>
+              <a:rPr lang="en-US" sz="600" u="sng" baseline="-25000" dirty="0" err="1"/>
               <a:t>cellB</a:t>
             </a:r>
             <a:r>
-              <a:rPr lang="en-US" sz="900" u="sng" dirty="0" smtClean="0"/>
+              <a:rPr lang="en-US" sz="600" u="sng" dirty="0"/>
               <a:t> &lt; 100mA</a:t>
             </a:r>
-            <a:endParaRPr lang="en-US" sz="900" u="sng" dirty="0"/>
-          </a:p>
-          <a:p>
-            <a:r>
-              <a:rPr lang="en-US" sz="900" dirty="0" smtClean="0"/>
+          </a:p>
+          <a:p>
+            <a:r>
+              <a:rPr lang="en-US" sz="600" dirty="0"/>
               <a:t>  - disconnect cell B</a:t>
             </a:r>
           </a:p>
@@ -4394,8 +5295,8 @@
         </p:nvSpPr>
         <p:spPr>
           <a:xfrm>
-            <a:off x="3071020" y="2819400"/>
-            <a:ext cx="1958180" cy="646331"/>
+            <a:off x="3071020" y="2819405"/>
+            <a:ext cx="1958180" cy="461606"/>
           </a:xfrm>
           <a:prstGeom prst="rect">
             <a:avLst/>
@@ -4405,71 +5306,98 @@
           </a:solidFill>
         </p:spPr>
         <p:txBody>
-          <a:bodyPr wrap="square" rtlCol="0">
+          <a:bodyPr wrap="square" lIns="91384" tIns="45691" rIns="91384" bIns="45691" rtlCol="0">
             <a:spAutoFit/>
           </a:bodyPr>
           <a:lstStyle/>
           <a:p>
             <a:r>
-              <a:rPr lang="en-US" sz="900" u="sng" dirty="0" smtClean="0"/>
+              <a:rPr lang="en-US" sz="600" u="sng" dirty="0"/>
               <a:t>I</a:t>
             </a:r>
             <a:r>
-              <a:rPr lang="en-US" sz="900" u="sng" baseline="-25000" dirty="0" smtClean="0"/>
+              <a:rPr lang="en-US" sz="600" u="sng" baseline="-25000" dirty="0"/>
               <a:t>CELLA</a:t>
             </a:r>
             <a:r>
-              <a:rPr lang="en-US" sz="900" u="sng" dirty="0" smtClean="0"/>
+              <a:rPr lang="en-US" sz="600" u="sng" dirty="0"/>
               <a:t> &lt; 100mA AND_I</a:t>
             </a:r>
             <a:r>
-              <a:rPr lang="en-US" sz="900" u="sng" baseline="-25000" dirty="0" smtClean="0"/>
+              <a:rPr lang="en-US" sz="600" u="sng" baseline="-25000" dirty="0"/>
               <a:t>CELLB</a:t>
             </a:r>
             <a:r>
-              <a:rPr lang="en-US" sz="900" u="sng" dirty="0" smtClean="0"/>
+              <a:rPr lang="en-US" sz="600" u="sng" dirty="0"/>
               <a:t> &lt; 100mA</a:t>
             </a:r>
-            <a:endParaRPr lang="en-US" sz="900" u="sng" dirty="0"/>
-          </a:p>
-          <a:p>
-            <a:r>
-              <a:rPr lang="en-US" sz="900" dirty="0" smtClean="0"/>
+          </a:p>
+          <a:p>
+            <a:r>
+              <a:rPr lang="en-US" sz="600" dirty="0"/>
               <a:t>  - turn off the charging IC</a:t>
             </a:r>
           </a:p>
           <a:p>
             <a:r>
-              <a:rPr lang="en-US" sz="900" dirty="0"/>
-              <a:t> </a:t>
-            </a:r>
-            <a:r>
-              <a:rPr lang="en-US" sz="900" dirty="0" smtClean="0"/>
-              <a:t> - re-connect each cell to monitor the</a:t>
-            </a:r>
-          </a:p>
-          <a:p>
-            <a:r>
-              <a:rPr lang="en-US" sz="900" dirty="0"/>
-              <a:t> </a:t>
-            </a:r>
-            <a:r>
-              <a:rPr lang="en-US" sz="900" dirty="0" smtClean="0"/>
-              <a:t>    SOC via their voltages</a:t>
-            </a:r>
-          </a:p>
-        </p:txBody>
-      </p:sp>
-      <p:sp>
-        <p:nvSpPr>
-          <p:cNvPr id="25" name="TextBox 24"/>
+              <a:rPr lang="en-US" sz="600" dirty="0"/>
+              <a:t>  - re-connect each cell to monitor the</a:t>
+            </a:r>
+          </a:p>
+          <a:p>
+            <a:r>
+              <a:rPr lang="en-US" sz="600" dirty="0"/>
+              <a:t>     SOC via their voltages</a:t>
+            </a:r>
+          </a:p>
+        </p:txBody>
+      </p:sp>
+      <p:cxnSp>
+        <p:nvCxnSpPr>
+          <p:cNvPr id="20" name="Curved Connector 19"/>
+          <p:cNvCxnSpPr>
+            <a:stCxn id="5" idx="1"/>
+            <a:endCxn id="29" idx="0"/>
+          </p:cNvCxnSpPr>
+          <p:nvPr/>
+        </p:nvCxnSpPr>
+        <p:spPr>
+          <a:xfrm rot="10800000" flipV="1">
+            <a:off x="2132572" y="4152901"/>
+            <a:ext cx="3277628" cy="1078018"/>
+          </a:xfrm>
+          <a:prstGeom prst="curvedConnector2">
+            <a:avLst/>
+          </a:prstGeom>
+          <a:ln>
+            <a:tailEnd type="arrow"/>
+          </a:ln>
+        </p:spPr>
+        <p:style>
+          <a:lnRef idx="1">
+            <a:schemeClr val="accent1"/>
+          </a:lnRef>
+          <a:fillRef idx="0">
+            <a:schemeClr val="accent1"/>
+          </a:fillRef>
+          <a:effectRef idx="0">
+            <a:schemeClr val="accent1"/>
+          </a:effectRef>
+          <a:fontRef idx="minor">
+            <a:schemeClr val="tx1"/>
+          </a:fontRef>
+        </p:style>
+      </p:cxnSp>
+      <p:sp>
+        <p:nvSpPr>
+          <p:cNvPr id="27" name="TextBox 26"/>
           <p:cNvSpPr txBox="1"/>
           <p:nvPr/>
         </p:nvSpPr>
         <p:spPr>
           <a:xfrm>
-            <a:off x="1371600" y="2643708"/>
-            <a:ext cx="1531188" cy="507831"/>
+            <a:off x="2613786" y="4451700"/>
+            <a:ext cx="1117501" cy="553939"/>
           </a:xfrm>
           <a:prstGeom prst="rect">
             <a:avLst/>
@@ -4479,63 +5407,1277 @@
           </a:solidFill>
         </p:spPr>
         <p:txBody>
-          <a:bodyPr wrap="none" rtlCol="0">
+          <a:bodyPr wrap="none" lIns="91384" tIns="45691" rIns="91384" bIns="45691" rtlCol="0">
             <a:spAutoFit/>
           </a:bodyPr>
           <a:lstStyle/>
           <a:p>
             <a:r>
-              <a:rPr lang="en-US" sz="900" u="sng" dirty="0" smtClean="0"/>
-              <a:t>HOT </a:t>
-            </a:r>
+              <a:rPr lang="en-US" sz="600" u="sng" dirty="0" smtClean="0"/>
+              <a:t>3A </a:t>
+            </a:r>
+            <a:r>
+              <a:rPr lang="en-US" sz="600" u="sng" dirty="0"/>
+              <a:t>&lt; </a:t>
+            </a:r>
+            <a:r>
+              <a:rPr lang="en-US" sz="600" u="sng" dirty="0" err="1"/>
+              <a:t>I</a:t>
+            </a:r>
+            <a:r>
+              <a:rPr lang="en-US" sz="600" u="sng" baseline="-25000" dirty="0" err="1"/>
+              <a:t>cellA</a:t>
+            </a:r>
+            <a:r>
+              <a:rPr lang="en-US" sz="600" u="sng" dirty="0"/>
+              <a:t> </a:t>
+            </a:r>
+            <a:r>
+              <a:rPr lang="en-US" sz="600" u="sng" dirty="0" smtClean="0"/>
+              <a:t>OR</a:t>
+            </a:r>
+            <a:r>
+              <a:rPr lang="en-US" sz="600" u="sng" dirty="0" smtClean="0"/>
+              <a:t> </a:t>
+            </a:r>
+            <a:r>
+              <a:rPr lang="en-US" sz="600" u="sng" dirty="0" smtClean="0"/>
+              <a:t>3A </a:t>
+            </a:r>
+            <a:r>
+              <a:rPr lang="en-US" sz="600" u="sng" dirty="0"/>
+              <a:t>&lt; </a:t>
+            </a:r>
+            <a:r>
+              <a:rPr lang="en-US" sz="600" u="sng" dirty="0" err="1" smtClean="0"/>
+              <a:t>I</a:t>
+            </a:r>
+            <a:r>
+              <a:rPr lang="en-US" sz="600" u="sng" baseline="-25000" dirty="0" err="1" smtClean="0"/>
+              <a:t>cellB</a:t>
+            </a:r>
+            <a:endParaRPr lang="en-US" sz="600" u="sng" dirty="0"/>
+          </a:p>
+          <a:p>
+            <a:r>
+              <a:rPr lang="en-US" sz="600" dirty="0" smtClean="0"/>
+              <a:t>  </a:t>
+            </a:r>
+            <a:r>
+              <a:rPr lang="en-US" sz="600" dirty="0" smtClean="0"/>
+              <a:t>- disconnect any cell that is </a:t>
+            </a:r>
+          </a:p>
+          <a:p>
+            <a:r>
+              <a:rPr lang="en-US" sz="600" dirty="0"/>
+              <a:t> </a:t>
+            </a:r>
+            <a:r>
+              <a:rPr lang="en-US" sz="600" dirty="0" smtClean="0"/>
+              <a:t>   </a:t>
+            </a:r>
+            <a:r>
+              <a:rPr lang="en-US" sz="600" dirty="0" smtClean="0"/>
+              <a:t>accepting too much current</a:t>
+            </a:r>
+          </a:p>
+          <a:p>
+            <a:r>
+              <a:rPr lang="en-US" sz="600" dirty="0"/>
+              <a:t> </a:t>
+            </a:r>
+            <a:r>
+              <a:rPr lang="en-US" sz="600" dirty="0" smtClean="0"/>
+              <a:t> </a:t>
+            </a:r>
+            <a:r>
+              <a:rPr lang="en-US" sz="600" dirty="0" smtClean="0"/>
+              <a:t>- </a:t>
+            </a:r>
+            <a:r>
+              <a:rPr lang="en-US" sz="600" dirty="0"/>
+              <a:t>turn off the charging IC</a:t>
+            </a:r>
+          </a:p>
+          <a:p>
+            <a:r>
+              <a:rPr lang="en-US" sz="600" dirty="0"/>
+              <a:t>  - start </a:t>
+            </a:r>
+            <a:r>
+              <a:rPr lang="en-US" sz="600" dirty="0" err="1"/>
+              <a:t>cooldown</a:t>
+            </a:r>
+            <a:r>
+              <a:rPr lang="en-US" sz="600" dirty="0"/>
+              <a:t> timer</a:t>
+            </a:r>
+          </a:p>
+        </p:txBody>
+      </p:sp>
+      <p:sp>
+        <p:nvSpPr>
+          <p:cNvPr id="29" name="Rounded Rectangle 28"/>
+          <p:cNvSpPr/>
+          <p:nvPr/>
+        </p:nvSpPr>
+        <p:spPr>
+          <a:xfrm>
+            <a:off x="1600201" y="5230919"/>
+            <a:ext cx="1064742" cy="331683"/>
+          </a:xfrm>
+          <a:prstGeom prst="roundRect">
+            <a:avLst/>
+          </a:prstGeom>
+        </p:spPr>
+        <p:style>
+          <a:lnRef idx="2">
+            <a:schemeClr val="accent1">
+              <a:shade val="50000"/>
+            </a:schemeClr>
+          </a:lnRef>
+          <a:fillRef idx="1">
+            <a:schemeClr val="accent1"/>
+          </a:fillRef>
+          <a:effectRef idx="0">
+            <a:schemeClr val="accent1"/>
+          </a:effectRef>
+          <a:fontRef idx="minor">
+            <a:schemeClr val="lt1"/>
+          </a:fontRef>
+        </p:style>
+        <p:txBody>
+          <a:bodyPr lIns="91384" tIns="45691" rIns="91384" bIns="45691" rtlCol="0" anchor="ctr"/>
+          <a:lstStyle/>
+          <a:p>
+            <a:pPr algn="ctr"/>
+            <a:r>
+              <a:rPr lang="en-US" sz="600" dirty="0" smtClean="0"/>
+              <a:t>Investigating</a:t>
+            </a:r>
+            <a:endParaRPr lang="en-US" sz="600" dirty="0"/>
+          </a:p>
+          <a:p>
+            <a:pPr algn="ctr"/>
+            <a:r>
+              <a:rPr lang="en-US" sz="600" dirty="0"/>
+              <a:t>Overcurrent</a:t>
+            </a:r>
+          </a:p>
+        </p:txBody>
+      </p:sp>
+      <p:cxnSp>
+        <p:nvCxnSpPr>
+          <p:cNvPr id="31" name="Curved Connector 30"/>
+          <p:cNvCxnSpPr>
+            <a:stCxn id="29" idx="1"/>
+            <a:endCxn id="38" idx="1"/>
+          </p:cNvCxnSpPr>
+          <p:nvPr/>
+        </p:nvCxnSpPr>
+        <p:spPr>
+          <a:xfrm rot="10800000">
+            <a:off x="882029" y="3569275"/>
+            <a:ext cx="718173" cy="1827486"/>
+          </a:xfrm>
+          <a:prstGeom prst="curvedConnector3">
+            <a:avLst>
+              <a:gd name="adj1" fmla="val 176925"/>
+            </a:avLst>
+          </a:prstGeom>
+          <a:ln>
+            <a:tailEnd type="arrow"/>
+          </a:ln>
+        </p:spPr>
+        <p:style>
+          <a:lnRef idx="1">
+            <a:schemeClr val="accent1"/>
+          </a:lnRef>
+          <a:fillRef idx="0">
+            <a:schemeClr val="accent1"/>
+          </a:fillRef>
+          <a:effectRef idx="0">
+            <a:schemeClr val="accent1"/>
+          </a:effectRef>
+          <a:fontRef idx="minor">
+            <a:schemeClr val="tx1"/>
+          </a:fontRef>
+        </p:style>
+      </p:cxnSp>
+      <p:sp>
+        <p:nvSpPr>
+          <p:cNvPr id="30" name="TextBox 29"/>
+          <p:cNvSpPr txBox="1"/>
+          <p:nvPr/>
+        </p:nvSpPr>
+        <p:spPr>
+          <a:xfrm>
+            <a:off x="183905" y="4869573"/>
+            <a:ext cx="1375585" cy="461606"/>
+          </a:xfrm>
+          <a:prstGeom prst="rect">
+            <a:avLst/>
+          </a:prstGeom>
+          <a:solidFill>
+            <a:schemeClr val="bg1"/>
+          </a:solidFill>
+        </p:spPr>
+        <p:txBody>
+          <a:bodyPr wrap="none" lIns="91384" tIns="45691" rIns="91384" bIns="45691" rtlCol="0">
+            <a:spAutoFit/>
+          </a:bodyPr>
+          <a:lstStyle/>
+          <a:p>
+            <a:r>
+              <a:rPr lang="en-US" sz="600" u="sng" dirty="0" err="1"/>
+              <a:t>cooldown</a:t>
+            </a:r>
+            <a:r>
+              <a:rPr lang="en-US" sz="600" u="sng" dirty="0"/>
+              <a:t> timer expired </a:t>
+            </a:r>
+            <a:r>
+              <a:rPr lang="en-US" sz="600" u="sng" dirty="0" smtClean="0"/>
+              <a:t>AND</a:t>
+            </a:r>
+            <a:endParaRPr lang="en-US" sz="600" u="sng" dirty="0"/>
+          </a:p>
+          <a:p>
+            <a:r>
+              <a:rPr lang="en-US" sz="600" u="sng" dirty="0"/>
+              <a:t>(250mA &lt; </a:t>
+            </a:r>
+            <a:r>
+              <a:rPr lang="en-US" sz="600" u="sng" dirty="0" err="1"/>
+              <a:t>I</a:t>
+            </a:r>
+            <a:r>
+              <a:rPr lang="en-US" sz="600" u="sng" baseline="-25000" dirty="0" err="1"/>
+              <a:t>cellA</a:t>
+            </a:r>
+            <a:r>
+              <a:rPr lang="en-US" sz="600" u="sng" dirty="0"/>
+              <a:t> </a:t>
+            </a:r>
+            <a:r>
+              <a:rPr lang="en-US" sz="600" u="sng" dirty="0" smtClean="0"/>
+              <a:t>OR </a:t>
+            </a:r>
+            <a:r>
+              <a:rPr lang="en-US" sz="600" u="sng" dirty="0"/>
+              <a:t>250mA &lt; </a:t>
+            </a:r>
+            <a:r>
+              <a:rPr lang="en-US" sz="600" u="sng" dirty="0" err="1"/>
+              <a:t>I</a:t>
+            </a:r>
+            <a:r>
+              <a:rPr lang="en-US" sz="600" u="sng" baseline="-25000" dirty="0" err="1"/>
+              <a:t>cellB</a:t>
+            </a:r>
+            <a:r>
+              <a:rPr lang="en-US" sz="600" u="sng" baseline="-25000" dirty="0"/>
+              <a:t>)</a:t>
+            </a:r>
+            <a:endParaRPr lang="en-US" sz="600" u="sng" dirty="0"/>
+          </a:p>
+          <a:p>
+            <a:r>
+              <a:rPr lang="en-US" sz="600" dirty="0"/>
+              <a:t> - turn on RED LED to indicate an </a:t>
+            </a:r>
+            <a:r>
+              <a:rPr lang="en-US" sz="600" dirty="0" smtClean="0"/>
+              <a:t>error</a:t>
+            </a:r>
+          </a:p>
+          <a:p>
+            <a:r>
+              <a:rPr lang="en-US" sz="600" dirty="0"/>
+              <a:t> </a:t>
+            </a:r>
+            <a:r>
+              <a:rPr lang="en-US" sz="600" dirty="0" smtClean="0"/>
+              <a:t>- turn off everything</a:t>
+            </a:r>
+            <a:endParaRPr lang="en-US" sz="600" dirty="0"/>
+          </a:p>
+        </p:txBody>
+      </p:sp>
+      <p:cxnSp>
+        <p:nvCxnSpPr>
+          <p:cNvPr id="37" name="Curved Connector 36"/>
+          <p:cNvCxnSpPr>
+            <a:stCxn id="29" idx="3"/>
+            <a:endCxn id="5" idx="2"/>
+          </p:cNvCxnSpPr>
+          <p:nvPr/>
+        </p:nvCxnSpPr>
+        <p:spPr>
+          <a:xfrm flipV="1">
+            <a:off x="2664943" y="4267201"/>
+            <a:ext cx="3126257" cy="1129560"/>
+          </a:xfrm>
+          <a:prstGeom prst="curvedConnector2">
+            <a:avLst/>
+          </a:prstGeom>
+          <a:ln>
+            <a:tailEnd type="arrow"/>
+          </a:ln>
+        </p:spPr>
+        <p:style>
+          <a:lnRef idx="1">
+            <a:schemeClr val="accent1"/>
+          </a:lnRef>
+          <a:fillRef idx="0">
+            <a:schemeClr val="accent1"/>
+          </a:fillRef>
+          <a:effectRef idx="0">
+            <a:schemeClr val="accent1"/>
+          </a:effectRef>
+          <a:fontRef idx="minor">
+            <a:schemeClr val="tx1"/>
+          </a:fontRef>
+        </p:style>
+      </p:cxnSp>
+      <p:sp>
+        <p:nvSpPr>
+          <p:cNvPr id="36" name="TextBox 35"/>
+          <p:cNvSpPr txBox="1"/>
+          <p:nvPr/>
+        </p:nvSpPr>
+        <p:spPr>
+          <a:xfrm>
+            <a:off x="3707419" y="5054210"/>
+            <a:ext cx="1231314" cy="461606"/>
+          </a:xfrm>
+          <a:prstGeom prst="rect">
+            <a:avLst/>
+          </a:prstGeom>
+          <a:solidFill>
+            <a:schemeClr val="bg1"/>
+          </a:solidFill>
+        </p:spPr>
+        <p:txBody>
+          <a:bodyPr wrap="none" lIns="91384" tIns="45691" rIns="91384" bIns="45691" rtlCol="0">
+            <a:spAutoFit/>
+          </a:bodyPr>
+          <a:lstStyle/>
+          <a:p>
+            <a:r>
+              <a:rPr lang="en-US" sz="600" u="sng" dirty="0" err="1"/>
+              <a:t>cooldown</a:t>
+            </a:r>
+            <a:r>
+              <a:rPr lang="en-US" sz="600" u="sng" dirty="0"/>
+              <a:t> timer expired </a:t>
+            </a:r>
+            <a:r>
+              <a:rPr lang="en-US" sz="600" u="sng" dirty="0" smtClean="0"/>
+              <a:t>AND</a:t>
+            </a:r>
+            <a:endParaRPr lang="en-US" sz="600" u="sng" dirty="0"/>
+          </a:p>
+          <a:p>
+            <a:r>
+              <a:rPr lang="en-US" sz="600" u="sng" dirty="0"/>
+              <a:t>(</a:t>
+            </a:r>
+            <a:r>
+              <a:rPr lang="en-US" sz="600" u="sng" dirty="0" err="1"/>
+              <a:t>I</a:t>
+            </a:r>
+            <a:r>
+              <a:rPr lang="en-US" sz="600" u="sng" baseline="-25000" dirty="0" err="1"/>
+              <a:t>cellA</a:t>
+            </a:r>
+            <a:r>
+              <a:rPr lang="en-US" sz="600" u="sng" dirty="0"/>
+              <a:t> &lt; 250mA </a:t>
+            </a:r>
+            <a:r>
+              <a:rPr lang="en-US" sz="600" u="sng" dirty="0" smtClean="0"/>
+              <a:t>AND </a:t>
+            </a:r>
+            <a:r>
+              <a:rPr lang="en-US" sz="600" u="sng" dirty="0" err="1"/>
+              <a:t>I</a:t>
+            </a:r>
+            <a:r>
+              <a:rPr lang="en-US" sz="600" u="sng" baseline="-25000" dirty="0" err="1"/>
+              <a:t>cellB</a:t>
+            </a:r>
+            <a:r>
+              <a:rPr lang="en-US" sz="600" u="sng" baseline="-25000" dirty="0"/>
+              <a:t> </a:t>
+            </a:r>
+            <a:r>
+              <a:rPr lang="en-US" sz="600" u="sng" dirty="0"/>
+              <a:t>&lt; 250mA)</a:t>
+            </a:r>
+          </a:p>
+          <a:p>
+            <a:r>
+              <a:rPr lang="en-US" sz="600" dirty="0"/>
+              <a:t>  - turn on charging IC</a:t>
+            </a:r>
+          </a:p>
+          <a:p>
+            <a:r>
+              <a:rPr lang="en-US" sz="600" dirty="0"/>
+              <a:t>  - </a:t>
+            </a:r>
+            <a:r>
+              <a:rPr lang="en-US" sz="600" dirty="0" err="1"/>
+              <a:t>I</a:t>
+            </a:r>
+            <a:r>
+              <a:rPr lang="en-US" sz="600" baseline="-25000" dirty="0" err="1"/>
+              <a:t>charge,max</a:t>
+            </a:r>
+            <a:r>
+              <a:rPr lang="en-US" sz="600" dirty="0"/>
+              <a:t> = 3A</a:t>
+            </a:r>
+          </a:p>
+        </p:txBody>
+      </p:sp>
+      <p:sp>
+        <p:nvSpPr>
+          <p:cNvPr id="25" name="Rounded Rectangle 24"/>
+          <p:cNvSpPr/>
+          <p:nvPr/>
+        </p:nvSpPr>
+        <p:spPr>
+          <a:xfrm>
+            <a:off x="1647434" y="1184970"/>
+            <a:ext cx="762000" cy="228600"/>
+          </a:xfrm>
+          <a:prstGeom prst="roundRect">
+            <a:avLst/>
+          </a:prstGeom>
+        </p:spPr>
+        <p:style>
+          <a:lnRef idx="2">
+            <a:schemeClr val="accent1">
+              <a:shade val="50000"/>
+            </a:schemeClr>
+          </a:lnRef>
+          <a:fillRef idx="1">
+            <a:schemeClr val="accent1"/>
+          </a:fillRef>
+          <a:effectRef idx="0">
+            <a:schemeClr val="accent1"/>
+          </a:effectRef>
+          <a:fontRef idx="minor">
+            <a:schemeClr val="lt1"/>
+          </a:fontRef>
+        </p:style>
+        <p:txBody>
+          <a:bodyPr lIns="91384" tIns="45691" rIns="91384" bIns="45691" rtlCol="0" anchor="ctr"/>
+          <a:lstStyle/>
+          <a:p>
+            <a:pPr algn="ctr"/>
+            <a:r>
+              <a:rPr lang="en-US" sz="600" dirty="0" smtClean="0"/>
+              <a:t>Awakening</a:t>
+            </a:r>
+            <a:endParaRPr lang="en-US" sz="600" dirty="0"/>
+          </a:p>
+        </p:txBody>
+      </p:sp>
+      <p:sp>
+        <p:nvSpPr>
+          <p:cNvPr id="28" name="TextBox 27"/>
+          <p:cNvSpPr txBox="1"/>
+          <p:nvPr/>
+        </p:nvSpPr>
+        <p:spPr>
+          <a:xfrm>
+            <a:off x="981966" y="701846"/>
+            <a:ext cx="1435088" cy="184607"/>
+          </a:xfrm>
+          <a:prstGeom prst="rect">
+            <a:avLst/>
+          </a:prstGeom>
+          <a:solidFill>
+            <a:schemeClr val="bg1"/>
+          </a:solidFill>
+        </p:spPr>
+        <p:txBody>
+          <a:bodyPr wrap="square" lIns="91384" tIns="45691" rIns="91384" bIns="45691" rtlCol="0">
+            <a:spAutoFit/>
+          </a:bodyPr>
+          <a:lstStyle/>
+          <a:p>
+            <a:r>
+              <a:rPr lang="en-US" sz="600" dirty="0"/>
+              <a:t>  - start awakening timer</a:t>
+            </a:r>
+          </a:p>
+        </p:txBody>
+      </p:sp>
+      <p:cxnSp>
+        <p:nvCxnSpPr>
+          <p:cNvPr id="32" name="Curved Connector 31"/>
+          <p:cNvCxnSpPr>
+            <a:stCxn id="25" idx="3"/>
+            <a:endCxn id="4" idx="0"/>
+          </p:cNvCxnSpPr>
+          <p:nvPr/>
+        </p:nvCxnSpPr>
+        <p:spPr>
+          <a:xfrm>
+            <a:off x="2409440" y="1299272"/>
+            <a:ext cx="716821" cy="453331"/>
+          </a:xfrm>
+          <a:prstGeom prst="curvedConnector2">
+            <a:avLst/>
+          </a:prstGeom>
+          <a:ln>
+            <a:tailEnd type="arrow"/>
+          </a:ln>
+        </p:spPr>
+        <p:style>
+          <a:lnRef idx="1">
+            <a:schemeClr val="accent1"/>
+          </a:lnRef>
+          <a:fillRef idx="0">
+            <a:schemeClr val="accent1"/>
+          </a:fillRef>
+          <a:effectRef idx="0">
+            <a:schemeClr val="accent1"/>
+          </a:effectRef>
+          <a:fontRef idx="minor">
+            <a:schemeClr val="tx1"/>
+          </a:fontRef>
+        </p:style>
+      </p:cxnSp>
+      <p:sp>
+        <p:nvSpPr>
+          <p:cNvPr id="33" name="TextBox 32"/>
+          <p:cNvSpPr txBox="1"/>
+          <p:nvPr/>
+        </p:nvSpPr>
+        <p:spPr>
+          <a:xfrm>
+            <a:off x="2685920" y="1265619"/>
+            <a:ext cx="962010" cy="184607"/>
+          </a:xfrm>
+          <a:prstGeom prst="rect">
+            <a:avLst/>
+          </a:prstGeom>
+          <a:solidFill>
+            <a:schemeClr val="bg1"/>
+          </a:solidFill>
+        </p:spPr>
+        <p:txBody>
+          <a:bodyPr wrap="none" lIns="91384" tIns="45691" rIns="91384" bIns="45691" rtlCol="0">
+            <a:spAutoFit/>
+          </a:bodyPr>
+          <a:lstStyle/>
+          <a:p>
+            <a:r>
+              <a:rPr lang="en-US" sz="600" u="sng" dirty="0"/>
+              <a:t>awakening timer expired</a:t>
+            </a:r>
+          </a:p>
+        </p:txBody>
+      </p:sp>
+      <p:sp>
+        <p:nvSpPr>
+          <p:cNvPr id="90" name="TextBox 89"/>
+          <p:cNvSpPr txBox="1"/>
+          <p:nvPr/>
+        </p:nvSpPr>
+        <p:spPr>
+          <a:xfrm>
+            <a:off x="6934200" y="4806948"/>
+            <a:ext cx="1002084" cy="276940"/>
+          </a:xfrm>
+          <a:prstGeom prst="rect">
+            <a:avLst/>
+          </a:prstGeom>
+          <a:solidFill>
+            <a:schemeClr val="bg1"/>
+          </a:solidFill>
+        </p:spPr>
+        <p:txBody>
+          <a:bodyPr wrap="none" lIns="91384" tIns="45691" rIns="91384" bIns="45691" rtlCol="0">
+            <a:spAutoFit/>
+          </a:bodyPr>
+          <a:lstStyle/>
+          <a:p>
+            <a:r>
+              <a:rPr lang="en-US" sz="600" dirty="0" smtClean="0">
+                <a:solidFill>
+                  <a:schemeClr val="accent3">
+                    <a:lumMod val="50000"/>
+                  </a:schemeClr>
+                </a:solidFill>
+              </a:rPr>
+              <a:t>disconnect </a:t>
+            </a:r>
+            <a:r>
+              <a:rPr lang="en-US" sz="600" dirty="0" smtClean="0">
+                <a:solidFill>
+                  <a:schemeClr val="accent3">
+                    <a:lumMod val="50000"/>
+                  </a:schemeClr>
+                </a:solidFill>
+              </a:rPr>
+              <a:t>a cell </a:t>
+            </a:r>
+            <a:r>
+              <a:rPr lang="en-US" sz="600" dirty="0" smtClean="0">
+                <a:solidFill>
+                  <a:schemeClr val="accent3">
+                    <a:lumMod val="50000"/>
+                  </a:schemeClr>
+                </a:solidFill>
+              </a:rPr>
+              <a:t>if it </a:t>
+            </a:r>
+            <a:endParaRPr lang="en-US" sz="600" dirty="0" smtClean="0">
+              <a:solidFill>
+                <a:schemeClr val="accent3">
+                  <a:lumMod val="50000"/>
+                </a:schemeClr>
+              </a:solidFill>
+            </a:endParaRPr>
+          </a:p>
+          <a:p>
+            <a:r>
+              <a:rPr lang="en-US" sz="600" dirty="0" smtClean="0">
+                <a:solidFill>
+                  <a:schemeClr val="accent3">
+                    <a:lumMod val="50000"/>
+                  </a:schemeClr>
+                </a:solidFill>
+              </a:rPr>
+              <a:t>begins </a:t>
+            </a:r>
+            <a:r>
+              <a:rPr lang="en-US" sz="600" dirty="0" smtClean="0">
+                <a:solidFill>
+                  <a:schemeClr val="accent3">
+                    <a:lumMod val="50000"/>
+                  </a:schemeClr>
+                </a:solidFill>
+              </a:rPr>
+              <a:t>charging the other</a:t>
+            </a:r>
+            <a:endParaRPr lang="en-US" sz="600" dirty="0">
+              <a:solidFill>
+                <a:schemeClr val="accent3">
+                  <a:lumMod val="50000"/>
+                </a:schemeClr>
+              </a:solidFill>
+            </a:endParaRPr>
+          </a:p>
+        </p:txBody>
+      </p:sp>
+      <p:sp>
+        <p:nvSpPr>
+          <p:cNvPr id="38" name="Rounded Rectangle 37"/>
+          <p:cNvSpPr/>
+          <p:nvPr/>
+        </p:nvSpPr>
+        <p:spPr>
+          <a:xfrm>
+            <a:off x="882028" y="3403433"/>
+            <a:ext cx="1064742" cy="331683"/>
+          </a:xfrm>
+          <a:prstGeom prst="roundRect">
+            <a:avLst/>
+          </a:prstGeom>
+        </p:spPr>
+        <p:style>
+          <a:lnRef idx="2">
+            <a:schemeClr val="accent1">
+              <a:shade val="50000"/>
+            </a:schemeClr>
+          </a:lnRef>
+          <a:fillRef idx="1">
+            <a:schemeClr val="accent1"/>
+          </a:fillRef>
+          <a:effectRef idx="0">
+            <a:schemeClr val="accent1"/>
+          </a:effectRef>
+          <a:fontRef idx="minor">
+            <a:schemeClr val="lt1"/>
+          </a:fontRef>
+        </p:style>
+        <p:txBody>
+          <a:bodyPr lIns="91384" tIns="45691" rIns="91384" bIns="45691" rtlCol="0" anchor="ctr"/>
+          <a:lstStyle/>
+          <a:p>
+            <a:pPr algn="ctr"/>
+            <a:r>
+              <a:rPr lang="en-US" sz="600" dirty="0" smtClean="0"/>
+              <a:t>Hanging</a:t>
+            </a:r>
+            <a:endParaRPr lang="en-US" sz="600" dirty="0"/>
+          </a:p>
+        </p:txBody>
+      </p:sp>
+      <p:cxnSp>
+        <p:nvCxnSpPr>
+          <p:cNvPr id="42" name="Curved Connector 41"/>
+          <p:cNvCxnSpPr>
+            <a:stCxn id="4" idx="1"/>
+            <a:endCxn id="38" idx="0"/>
+          </p:cNvCxnSpPr>
+          <p:nvPr/>
+        </p:nvCxnSpPr>
+        <p:spPr>
+          <a:xfrm rot="10800000" flipV="1">
+            <a:off x="1414399" y="1866901"/>
+            <a:ext cx="1330856" cy="1536532"/>
+          </a:xfrm>
+          <a:prstGeom prst="curvedConnector2">
+            <a:avLst/>
+          </a:prstGeom>
+          <a:ln>
+            <a:tailEnd type="arrow"/>
+          </a:ln>
+        </p:spPr>
+        <p:style>
+          <a:lnRef idx="1">
+            <a:schemeClr val="accent1"/>
+          </a:lnRef>
+          <a:fillRef idx="0">
+            <a:schemeClr val="accent1"/>
+          </a:fillRef>
+          <a:effectRef idx="0">
+            <a:schemeClr val="accent1"/>
+          </a:effectRef>
+          <a:fontRef idx="minor">
+            <a:schemeClr val="tx1"/>
+          </a:fontRef>
+        </p:style>
+      </p:cxnSp>
+      <p:sp>
+        <p:nvSpPr>
+          <p:cNvPr id="41" name="TextBox 40"/>
+          <p:cNvSpPr txBox="1"/>
+          <p:nvPr/>
+        </p:nvSpPr>
+        <p:spPr>
+          <a:xfrm>
+            <a:off x="882028" y="2304305"/>
+            <a:ext cx="1393217" cy="369273"/>
+          </a:xfrm>
+          <a:prstGeom prst="rect">
+            <a:avLst/>
+          </a:prstGeom>
+          <a:solidFill>
+            <a:schemeClr val="bg1"/>
+          </a:solidFill>
+        </p:spPr>
+        <p:txBody>
+          <a:bodyPr wrap="none" lIns="91384" tIns="45691" rIns="91384" bIns="45691" rtlCol="0">
+            <a:spAutoFit/>
+          </a:bodyPr>
+          <a:lstStyle/>
+          <a:p>
+            <a:r>
+              <a:rPr lang="en-US" sz="600" u="sng" dirty="0" smtClean="0"/>
+              <a:t>6V &lt; V</a:t>
+            </a:r>
+            <a:r>
+              <a:rPr lang="en-US" sz="600" u="sng" baseline="-25000" dirty="0" smtClean="0"/>
+              <a:t>CELLA</a:t>
+            </a:r>
+            <a:r>
+              <a:rPr lang="en-US" sz="600" u="sng" dirty="0" smtClean="0"/>
+              <a:t> OR 6V &lt; V</a:t>
+            </a:r>
+            <a:r>
+              <a:rPr lang="en-US" sz="600" u="sng" baseline="-25000" dirty="0" smtClean="0"/>
+              <a:t>CELLB</a:t>
+            </a:r>
+            <a:endParaRPr lang="en-US" sz="600" u="sng" dirty="0"/>
+          </a:p>
+          <a:p>
+            <a:r>
+              <a:rPr lang="en-US" sz="600" dirty="0"/>
+              <a:t>  </a:t>
+            </a:r>
+            <a:r>
+              <a:rPr lang="en-US" sz="600" dirty="0" smtClean="0"/>
+              <a:t>- turn off everything</a:t>
+            </a:r>
+          </a:p>
+          <a:p>
+            <a:r>
+              <a:rPr lang="en-US" sz="600" dirty="0"/>
+              <a:t> </a:t>
+            </a:r>
+            <a:r>
+              <a:rPr lang="en-US" sz="600" dirty="0" smtClean="0"/>
+              <a:t> - turn on RED LED to indicate an error</a:t>
+            </a:r>
+            <a:endParaRPr lang="en-US" sz="600" dirty="0"/>
+          </a:p>
+        </p:txBody>
+      </p:sp>
+    </p:spTree>
+    <p:extLst>
+      <p:ext uri="{BB962C8B-B14F-4D97-AF65-F5344CB8AC3E}">
+        <p14:creationId xmlns:p14="http://schemas.microsoft.com/office/powerpoint/2010/main" val="3745955203"/>
+      </p:ext>
+    </p:extLst>
+  </p:cSld>
+  <p:clrMapOvr>
+    <a:masterClrMapping/>
+  </p:clrMapOvr>
+  <p:timing>
+    <p:tnLst>
+      <p:par>
+        <p:cTn id="1" dur="indefinite" restart="never" nodeType="tmRoot"/>
+      </p:par>
+    </p:tnLst>
+  </p:timing>
+</p:sld>
+</file>
+
+<file path=ppt/slides/slide3.xml><?xml version="1.0" encoding="utf-8"?>
+<p:sld xmlns:a="http://schemas.openxmlformats.org/drawingml/2006/main" xmlns:r="http://schemas.openxmlformats.org/officeDocument/2006/relationships" xmlns:p="http://schemas.openxmlformats.org/presentationml/2006/main">
+  <p:cSld>
+    <p:spTree>
+      <p:nvGrpSpPr>
+        <p:cNvPr id="1" name=""/>
+        <p:cNvGrpSpPr/>
+        <p:nvPr/>
+      </p:nvGrpSpPr>
+      <p:grpSpPr>
+        <a:xfrm>
+          <a:off x="0" y="0"/>
+          <a:ext cx="0" cy="0"/>
+          <a:chOff x="0" y="0"/>
+          <a:chExt cx="0" cy="0"/>
+        </a:xfrm>
+      </p:grpSpPr>
+      <p:sp>
+        <p:nvSpPr>
+          <p:cNvPr id="2" name="Rectangle 1"/>
+          <p:cNvSpPr/>
+          <p:nvPr/>
+        </p:nvSpPr>
+        <p:spPr>
+          <a:xfrm>
+            <a:off x="3200404" y="297180"/>
+            <a:ext cx="2233512" cy="369273"/>
+          </a:xfrm>
+          <a:prstGeom prst="rect">
+            <a:avLst/>
+          </a:prstGeom>
+        </p:spPr>
+        <p:txBody>
+          <a:bodyPr wrap="none" lIns="91384" tIns="45691" rIns="91384" bIns="45691">
+            <a:spAutoFit/>
+          </a:bodyPr>
+          <a:lstStyle/>
+          <a:p>
+            <a:r>
+              <a:rPr lang="en-US" dirty="0" smtClean="0"/>
+              <a:t>State Diagram Legend</a:t>
+            </a:r>
+            <a:endParaRPr lang="en-US" dirty="0"/>
+          </a:p>
+        </p:txBody>
+      </p:sp>
+      <p:cxnSp>
+        <p:nvCxnSpPr>
+          <p:cNvPr id="34" name="Curved Connector 33"/>
+          <p:cNvCxnSpPr/>
+          <p:nvPr/>
+        </p:nvCxnSpPr>
+        <p:spPr>
+          <a:xfrm>
+            <a:off x="733036" y="708724"/>
+            <a:ext cx="914398" cy="590549"/>
+          </a:xfrm>
+          <a:prstGeom prst="curvedConnector3">
+            <a:avLst>
+              <a:gd name="adj1" fmla="val 50000"/>
+            </a:avLst>
+          </a:prstGeom>
+          <a:ln cap="rnd">
+            <a:headEnd type="oval"/>
+            <a:tailEnd type="arrow"/>
+          </a:ln>
+        </p:spPr>
+        <p:style>
+          <a:lnRef idx="1">
+            <a:schemeClr val="accent1"/>
+          </a:lnRef>
+          <a:fillRef idx="0">
+            <a:schemeClr val="accent1"/>
+          </a:fillRef>
+          <a:effectRef idx="0">
+            <a:schemeClr val="accent1"/>
+          </a:effectRef>
+          <a:fontRef idx="minor">
+            <a:schemeClr val="tx1"/>
+          </a:fontRef>
+        </p:style>
+      </p:cxnSp>
+      <p:sp>
+        <p:nvSpPr>
+          <p:cNvPr id="35" name="Rounded Rectangle 34"/>
+          <p:cNvSpPr/>
+          <p:nvPr/>
+        </p:nvSpPr>
+        <p:spPr>
+          <a:xfrm>
+            <a:off x="3555211" y="3124201"/>
+            <a:ext cx="762000" cy="228600"/>
+          </a:xfrm>
+          <a:prstGeom prst="roundRect">
+            <a:avLst/>
+          </a:prstGeom>
+        </p:spPr>
+        <p:style>
+          <a:lnRef idx="2">
+            <a:schemeClr val="accent1">
+              <a:shade val="50000"/>
+            </a:schemeClr>
+          </a:lnRef>
+          <a:fillRef idx="1">
+            <a:schemeClr val="accent1"/>
+          </a:fillRef>
+          <a:effectRef idx="0">
+            <a:schemeClr val="accent1"/>
+          </a:effectRef>
+          <a:fontRef idx="minor">
+            <a:schemeClr val="lt1"/>
+          </a:fontRef>
+        </p:style>
+        <p:txBody>
+          <a:bodyPr lIns="91384" tIns="45691" rIns="91384" bIns="45691" rtlCol="0" anchor="ctr"/>
+          <a:lstStyle/>
+          <a:p>
+            <a:pPr algn="ctr"/>
+            <a:r>
+              <a:rPr lang="en-US" sz="900" dirty="0"/>
+              <a:t>My state 2</a:t>
+            </a:r>
+          </a:p>
+        </p:txBody>
+      </p:sp>
+      <p:sp>
+        <p:nvSpPr>
+          <p:cNvPr id="38" name="Rectangle 37"/>
+          <p:cNvSpPr/>
+          <p:nvPr/>
+        </p:nvSpPr>
+        <p:spPr>
+          <a:xfrm>
+            <a:off x="550087" y="489468"/>
+            <a:ext cx="376913" cy="215385"/>
+          </a:xfrm>
+          <a:prstGeom prst="rect">
+            <a:avLst/>
+          </a:prstGeom>
+        </p:spPr>
+        <p:txBody>
+          <a:bodyPr wrap="none" lIns="91384" tIns="45691" rIns="91384" bIns="45691">
+            <a:spAutoFit/>
+          </a:bodyPr>
+          <a:lstStyle/>
+          <a:p>
+            <a:r>
+              <a:rPr lang="en-US" sz="800" dirty="0"/>
+              <a:t>start</a:t>
+            </a:r>
+          </a:p>
+        </p:txBody>
+      </p:sp>
+      <p:sp>
+        <p:nvSpPr>
+          <p:cNvPr id="40" name="Rounded Rectangle 39"/>
+          <p:cNvSpPr/>
+          <p:nvPr/>
+        </p:nvSpPr>
+        <p:spPr>
+          <a:xfrm>
+            <a:off x="1647434" y="1184973"/>
+            <a:ext cx="1248166" cy="491431"/>
+          </a:xfrm>
+          <a:prstGeom prst="roundRect">
+            <a:avLst/>
+          </a:prstGeom>
+        </p:spPr>
+        <p:style>
+          <a:lnRef idx="2">
+            <a:schemeClr val="accent1">
+              <a:shade val="50000"/>
+            </a:schemeClr>
+          </a:lnRef>
+          <a:fillRef idx="1">
+            <a:schemeClr val="accent1"/>
+          </a:fillRef>
+          <a:effectRef idx="0">
+            <a:schemeClr val="accent1"/>
+          </a:effectRef>
+          <a:fontRef idx="minor">
+            <a:schemeClr val="lt1"/>
+          </a:fontRef>
+        </p:style>
+        <p:txBody>
+          <a:bodyPr lIns="91384" tIns="45691" rIns="91384" bIns="45691" rtlCol="0" anchor="ctr"/>
+          <a:lstStyle/>
+          <a:p>
+            <a:pPr algn="ctr"/>
+            <a:r>
+              <a:rPr lang="en-US" sz="900" dirty="0"/>
+              <a:t>My state 1</a:t>
+            </a:r>
+          </a:p>
+          <a:p>
+            <a:pPr algn="ctr"/>
+            <a:r>
+              <a:rPr lang="en-US" sz="900" dirty="0"/>
+              <a:t>(gerund,  ‘</a:t>
+            </a:r>
+            <a:r>
+              <a:rPr lang="en-US" sz="900" dirty="0" err="1"/>
+              <a:t>ing</a:t>
+            </a:r>
+            <a:r>
+              <a:rPr lang="en-US" sz="900" dirty="0"/>
+              <a:t>-suffix’)</a:t>
+            </a:r>
+          </a:p>
+        </p:txBody>
+      </p:sp>
+      <p:cxnSp>
+        <p:nvCxnSpPr>
+          <p:cNvPr id="42" name="Curved Connector 41"/>
+          <p:cNvCxnSpPr>
+            <a:stCxn id="40" idx="3"/>
+            <a:endCxn id="35" idx="0"/>
+          </p:cNvCxnSpPr>
+          <p:nvPr/>
+        </p:nvCxnSpPr>
+        <p:spPr>
+          <a:xfrm>
+            <a:off x="2895605" y="1430690"/>
+            <a:ext cx="1040611" cy="1693515"/>
+          </a:xfrm>
+          <a:prstGeom prst="curvedConnector2">
+            <a:avLst/>
+          </a:prstGeom>
+          <a:ln>
+            <a:tailEnd type="arrow"/>
+          </a:ln>
+        </p:spPr>
+        <p:style>
+          <a:lnRef idx="1">
+            <a:schemeClr val="accent1"/>
+          </a:lnRef>
+          <a:fillRef idx="0">
+            <a:schemeClr val="accent1"/>
+          </a:fillRef>
+          <a:effectRef idx="0">
+            <a:schemeClr val="accent1"/>
+          </a:effectRef>
+          <a:fontRef idx="minor">
+            <a:schemeClr val="tx1"/>
+          </a:fontRef>
+        </p:style>
+      </p:cxnSp>
+      <p:sp>
+        <p:nvSpPr>
+          <p:cNvPr id="14" name="TextBox 13"/>
+          <p:cNvSpPr txBox="1"/>
+          <p:nvPr/>
+        </p:nvSpPr>
+        <p:spPr>
+          <a:xfrm>
+            <a:off x="3421608" y="1539240"/>
+            <a:ext cx="883462" cy="784772"/>
+          </a:xfrm>
+          <a:prstGeom prst="rect">
+            <a:avLst/>
+          </a:prstGeom>
+          <a:solidFill>
+            <a:schemeClr val="bg1"/>
+          </a:solidFill>
+        </p:spPr>
+        <p:txBody>
+          <a:bodyPr wrap="none" lIns="91384" tIns="45691" rIns="91384" bIns="45691" rtlCol="0">
+            <a:spAutoFit/>
+          </a:bodyPr>
+          <a:lstStyle/>
+          <a:p>
             <a:r>
               <a:rPr lang="en-US" sz="900" u="sng" dirty="0"/>
-              <a:t>&lt; </a:t>
-            </a:r>
-            <a:r>
-              <a:rPr lang="en-US" sz="900" u="sng" dirty="0" err="1"/>
-              <a:t>T</a:t>
-            </a:r>
-            <a:r>
-              <a:rPr lang="en-US" sz="900" u="sng" baseline="-25000" dirty="0" err="1"/>
-              <a:t>cellA</a:t>
-            </a:r>
-            <a:r>
-              <a:rPr lang="en-US" sz="900" u="sng" dirty="0" smtClean="0"/>
-              <a:t> OR_HOT </a:t>
-            </a:r>
-            <a:r>
-              <a:rPr lang="en-US" sz="900" u="sng" dirty="0"/>
-              <a:t>&lt; </a:t>
-            </a:r>
-            <a:r>
-              <a:rPr lang="en-US" sz="900" u="sng" dirty="0" err="1"/>
-              <a:t>T</a:t>
-            </a:r>
-            <a:r>
-              <a:rPr lang="en-US" sz="900" u="sng" baseline="-25000" dirty="0" err="1"/>
-              <a:t>cellA</a:t>
-            </a:r>
-            <a:r>
-              <a:rPr lang="en-US" sz="900" dirty="0" smtClean="0"/>
-              <a:t> </a:t>
-            </a:r>
+              <a:t>My event</a:t>
+            </a:r>
+            <a:endParaRPr lang="en-US" sz="900" u="sng" dirty="0">
+              <a:solidFill>
+                <a:schemeClr val="tx1">
+                  <a:lumMod val="50000"/>
+                  <a:lumOff val="50000"/>
+                </a:schemeClr>
+              </a:solidFill>
+            </a:endParaRPr>
           </a:p>
           <a:p>
             <a:r>
               <a:rPr lang="en-US" sz="900" dirty="0"/>
-              <a:t> </a:t>
-            </a:r>
-            <a:r>
-              <a:rPr lang="en-US" sz="900" dirty="0" smtClean="0"/>
-              <a:t> - turn off the charging IC</a:t>
-            </a:r>
-          </a:p>
-          <a:p>
-            <a:r>
-              <a:rPr lang="en-US" sz="900" dirty="0" smtClean="0"/>
-              <a:t>  - disconnect both cells</a:t>
-            </a:r>
+              <a:t>  - my service 1</a:t>
+            </a:r>
+          </a:p>
+          <a:p>
+            <a:r>
+              <a:rPr lang="en-US" sz="900" dirty="0"/>
+              <a:t>  - my service 2</a:t>
+            </a:r>
+          </a:p>
+          <a:p>
+            <a:r>
+              <a:rPr lang="en-US" sz="900" dirty="0"/>
+              <a:t>  …</a:t>
+            </a:r>
+          </a:p>
+          <a:p>
+            <a:r>
+              <a:rPr lang="en-US" sz="900" dirty="0"/>
+              <a:t>  - my service n</a:t>
+            </a:r>
+          </a:p>
+        </p:txBody>
+      </p:sp>
+      <p:sp>
+        <p:nvSpPr>
+          <p:cNvPr id="47" name="TextBox 46"/>
+          <p:cNvSpPr txBox="1"/>
+          <p:nvPr/>
+        </p:nvSpPr>
+        <p:spPr>
+          <a:xfrm>
+            <a:off x="6553205" y="1492612"/>
+            <a:ext cx="2010374" cy="784772"/>
+          </a:xfrm>
+          <a:prstGeom prst="rect">
+            <a:avLst/>
+          </a:prstGeom>
+          <a:solidFill>
+            <a:schemeClr val="bg1"/>
+          </a:solidFill>
+        </p:spPr>
+        <p:txBody>
+          <a:bodyPr wrap="none" lIns="91384" tIns="45691" rIns="91384" bIns="45691" rtlCol="0">
+            <a:spAutoFit/>
+          </a:bodyPr>
+          <a:lstStyle/>
+          <a:p>
+            <a:r>
+              <a:rPr lang="en-US" sz="900" dirty="0"/>
+              <a:t>Notes:</a:t>
+            </a:r>
+            <a:endParaRPr lang="en-US" sz="900" dirty="0">
+              <a:solidFill>
+                <a:schemeClr val="tx1">
+                  <a:lumMod val="50000"/>
+                  <a:lumOff val="50000"/>
+                </a:schemeClr>
+              </a:solidFill>
+            </a:endParaRPr>
+          </a:p>
+          <a:p>
+            <a:r>
+              <a:rPr lang="en-US" sz="900" dirty="0">
+                <a:solidFill>
+                  <a:schemeClr val="tx1">
+                    <a:lumMod val="50000"/>
+                    <a:lumOff val="50000"/>
+                  </a:schemeClr>
+                </a:solidFill>
+              </a:rPr>
+              <a:t>  </a:t>
+            </a:r>
+            <a:r>
+              <a:rPr lang="en-US" sz="900" dirty="0"/>
+              <a:t>- use a two-space hanging indent </a:t>
+            </a:r>
+          </a:p>
+          <a:p>
+            <a:r>
+              <a:rPr lang="en-US" sz="900" dirty="0"/>
+              <a:t>     to list services</a:t>
+            </a:r>
+          </a:p>
+          <a:p>
+            <a:r>
+              <a:rPr lang="en-US" sz="900" dirty="0"/>
+              <a:t>  - underline the event</a:t>
+            </a:r>
+          </a:p>
+          <a:p>
+            <a:r>
+              <a:rPr lang="en-US" sz="900" dirty="0"/>
+              <a:t>  - use a gerund in the state description</a:t>
+            </a:r>
+          </a:p>
+        </p:txBody>
+      </p:sp>
+      <p:sp>
+        <p:nvSpPr>
+          <p:cNvPr id="10" name="TextBox 9"/>
+          <p:cNvSpPr txBox="1"/>
+          <p:nvPr/>
+        </p:nvSpPr>
+        <p:spPr>
+          <a:xfrm>
+            <a:off x="2086503" y="2022436"/>
+            <a:ext cx="1361157" cy="230774"/>
+          </a:xfrm>
+          <a:prstGeom prst="rect">
+            <a:avLst/>
+          </a:prstGeom>
+          <a:solidFill>
+            <a:schemeClr val="bg1"/>
+          </a:solidFill>
+        </p:spPr>
+        <p:txBody>
+          <a:bodyPr wrap="none" lIns="91384" tIns="45691" rIns="91384" bIns="45691" rtlCol="0">
+            <a:spAutoFit/>
+          </a:bodyPr>
+          <a:lstStyle/>
+          <a:p>
+            <a:r>
+              <a:rPr lang="en-US" sz="900" dirty="0">
+                <a:solidFill>
+                  <a:schemeClr val="accent3">
+                    <a:lumMod val="50000"/>
+                  </a:schemeClr>
+                </a:solidFill>
+              </a:rPr>
+              <a:t>s</a:t>
+            </a:r>
+            <a:r>
+              <a:rPr lang="en-US" sz="900" dirty="0" smtClean="0">
+                <a:solidFill>
+                  <a:schemeClr val="accent3">
+                    <a:lumMod val="50000"/>
+                  </a:schemeClr>
+                </a:solidFill>
+              </a:rPr>
+              <a:t>hort clarifying comment</a:t>
+            </a:r>
+            <a:endParaRPr lang="en-US" sz="900" dirty="0">
+              <a:solidFill>
+                <a:schemeClr val="accent3">
+                  <a:lumMod val="50000"/>
+                </a:schemeClr>
+              </a:solidFill>
+            </a:endParaRPr>
           </a:p>
         </p:txBody>
       </p:sp>

--- a/Avatar_Micro_Robot/Robot_V2/Internal_Charger/trunk/supporting_files/InternalCharger_StateDiagram.pptx
+++ b/Avatar_Micro_Robot/Robot_V2/Internal_Charger/trunk/supporting_files/InternalCharger_StateDiagram.pptx
@@ -9,17 +9,17 @@
   </p:notesMasterIdLst>
   <p:sldIdLst>
     <p:sldId id="257" r:id="rId2"/>
-    <p:sldId id="258" r:id="rId3"/>
-    <p:sldId id="256" r:id="rId4"/>
+    <p:sldId id="256" r:id="rId3"/>
+    <p:sldId id="258" r:id="rId4"/>
   </p:sldIdLst>
-  <p:sldSz cx="9144000" cy="6858000" type="screen4x3"/>
+  <p:sldSz cx="18288000" cy="18288000"/>
   <p:notesSz cx="6858000" cy="9144000"/>
   <p:defaultTextStyle>
     <a:defPPr>
       <a:defRPr lang="en-US"/>
     </a:defPPr>
-    <a:lvl1pPr marL="0" algn="l" defTabSz="913839" rtl="0" eaLnBrk="1" latinLnBrk="0" hangingPunct="1">
-      <a:defRPr sz="1800" kern="1200">
+    <a:lvl1pPr marL="0" algn="l" defTabSz="2088762" rtl="0" eaLnBrk="1" latinLnBrk="0" hangingPunct="1">
+      <a:defRPr sz="4100" kern="1200">
         <a:solidFill>
           <a:schemeClr val="tx1"/>
         </a:solidFill>
@@ -28,8 +28,8 @@
         <a:cs typeface="+mn-cs"/>
       </a:defRPr>
     </a:lvl1pPr>
-    <a:lvl2pPr marL="456921" algn="l" defTabSz="913839" rtl="0" eaLnBrk="1" latinLnBrk="0" hangingPunct="1">
-      <a:defRPr sz="1800" kern="1200">
+    <a:lvl2pPr marL="1044384" algn="l" defTabSz="2088762" rtl="0" eaLnBrk="1" latinLnBrk="0" hangingPunct="1">
+      <a:defRPr sz="4100" kern="1200">
         <a:solidFill>
           <a:schemeClr val="tx1"/>
         </a:solidFill>
@@ -38,8 +38,8 @@
         <a:cs typeface="+mn-cs"/>
       </a:defRPr>
     </a:lvl2pPr>
-    <a:lvl3pPr marL="913839" algn="l" defTabSz="913839" rtl="0" eaLnBrk="1" latinLnBrk="0" hangingPunct="1">
-      <a:defRPr sz="1800" kern="1200">
+    <a:lvl3pPr marL="2088762" algn="l" defTabSz="2088762" rtl="0" eaLnBrk="1" latinLnBrk="0" hangingPunct="1">
+      <a:defRPr sz="4100" kern="1200">
         <a:solidFill>
           <a:schemeClr val="tx1"/>
         </a:solidFill>
@@ -48,8 +48,8 @@
         <a:cs typeface="+mn-cs"/>
       </a:defRPr>
     </a:lvl3pPr>
-    <a:lvl4pPr marL="1370760" algn="l" defTabSz="913839" rtl="0" eaLnBrk="1" latinLnBrk="0" hangingPunct="1">
-      <a:defRPr sz="1800" kern="1200">
+    <a:lvl4pPr marL="3133146" algn="l" defTabSz="2088762" rtl="0" eaLnBrk="1" latinLnBrk="0" hangingPunct="1">
+      <a:defRPr sz="4100" kern="1200">
         <a:solidFill>
           <a:schemeClr val="tx1"/>
         </a:solidFill>
@@ -58,8 +58,8 @@
         <a:cs typeface="+mn-cs"/>
       </a:defRPr>
     </a:lvl4pPr>
-    <a:lvl5pPr marL="1827681" algn="l" defTabSz="913839" rtl="0" eaLnBrk="1" latinLnBrk="0" hangingPunct="1">
-      <a:defRPr sz="1800" kern="1200">
+    <a:lvl5pPr marL="4177530" algn="l" defTabSz="2088762" rtl="0" eaLnBrk="1" latinLnBrk="0" hangingPunct="1">
+      <a:defRPr sz="4100" kern="1200">
         <a:solidFill>
           <a:schemeClr val="tx1"/>
         </a:solidFill>
@@ -68,8 +68,8 @@
         <a:cs typeface="+mn-cs"/>
       </a:defRPr>
     </a:lvl5pPr>
-    <a:lvl6pPr marL="2284600" algn="l" defTabSz="913839" rtl="0" eaLnBrk="1" latinLnBrk="0" hangingPunct="1">
-      <a:defRPr sz="1800" kern="1200">
+    <a:lvl6pPr marL="5221910" algn="l" defTabSz="2088762" rtl="0" eaLnBrk="1" latinLnBrk="0" hangingPunct="1">
+      <a:defRPr sz="4100" kern="1200">
         <a:solidFill>
           <a:schemeClr val="tx1"/>
         </a:solidFill>
@@ -78,8 +78,8 @@
         <a:cs typeface="+mn-cs"/>
       </a:defRPr>
     </a:lvl6pPr>
-    <a:lvl7pPr marL="2741521" algn="l" defTabSz="913839" rtl="0" eaLnBrk="1" latinLnBrk="0" hangingPunct="1">
-      <a:defRPr sz="1800" kern="1200">
+    <a:lvl7pPr marL="6266295" algn="l" defTabSz="2088762" rtl="0" eaLnBrk="1" latinLnBrk="0" hangingPunct="1">
+      <a:defRPr sz="4100" kern="1200">
         <a:solidFill>
           <a:schemeClr val="tx1"/>
         </a:solidFill>
@@ -88,8 +88,8 @@
         <a:cs typeface="+mn-cs"/>
       </a:defRPr>
     </a:lvl7pPr>
-    <a:lvl8pPr marL="3198442" algn="l" defTabSz="913839" rtl="0" eaLnBrk="1" latinLnBrk="0" hangingPunct="1">
-      <a:defRPr sz="1800" kern="1200">
+    <a:lvl8pPr marL="7310679" algn="l" defTabSz="2088762" rtl="0" eaLnBrk="1" latinLnBrk="0" hangingPunct="1">
+      <a:defRPr sz="4100" kern="1200">
         <a:solidFill>
           <a:schemeClr val="tx1"/>
         </a:solidFill>
@@ -98,8 +98,8 @@
         <a:cs typeface="+mn-cs"/>
       </a:defRPr>
     </a:lvl8pPr>
-    <a:lvl9pPr marL="3655361" algn="l" defTabSz="913839" rtl="0" eaLnBrk="1" latinLnBrk="0" hangingPunct="1">
-      <a:defRPr sz="1800" kern="1200">
+    <a:lvl9pPr marL="8355059" algn="l" defTabSz="2088762" rtl="0" eaLnBrk="1" latinLnBrk="0" hangingPunct="1">
+      <a:defRPr sz="4100" kern="1200">
         <a:solidFill>
           <a:schemeClr val="tx1"/>
         </a:solidFill>
@@ -194,7 +194,7 @@
           <a:p>
             <a:fld id="{2A42F65A-C093-401C-9BB1-D6A509D3F1DF}" type="datetimeFigureOut">
               <a:rPr lang="en-US" smtClean="0"/>
-              <a:t>10/24/2012</a:t>
+              <a:t>10/30/2012</a:t>
             </a:fld>
             <a:endParaRPr lang="en-US"/>
           </a:p>
@@ -212,8 +212,8 @@
         </p:nvSpPr>
         <p:spPr>
           <a:xfrm>
-            <a:off x="1143000" y="685800"/>
-            <a:ext cx="4572000" cy="3429000"/>
+            <a:off x="1714500" y="685800"/>
+            <a:ext cx="3429000" cy="3429000"/>
           </a:xfrm>
           <a:prstGeom prst="rect">
             <a:avLst/>
@@ -368,8 +368,8 @@
   </p:cSld>
   <p:clrMap bg1="lt1" tx1="dk1" bg2="lt2" tx2="dk2" accent1="accent1" accent2="accent2" accent3="accent3" accent4="accent4" accent5="accent5" accent6="accent6" hlink="hlink" folHlink="folHlink"/>
   <p:notesStyle>
-    <a:lvl1pPr marL="0" algn="l" defTabSz="913839" rtl="0" eaLnBrk="1" latinLnBrk="0" hangingPunct="1">
-      <a:defRPr sz="1200" kern="1200">
+    <a:lvl1pPr marL="0" algn="l" defTabSz="2088762" rtl="0" eaLnBrk="1" latinLnBrk="0" hangingPunct="1">
+      <a:defRPr sz="2700" kern="1200">
         <a:solidFill>
           <a:schemeClr val="tx1"/>
         </a:solidFill>
@@ -378,8 +378,8 @@
         <a:cs typeface="+mn-cs"/>
       </a:defRPr>
     </a:lvl1pPr>
-    <a:lvl2pPr marL="456921" algn="l" defTabSz="913839" rtl="0" eaLnBrk="1" latinLnBrk="0" hangingPunct="1">
-      <a:defRPr sz="1200" kern="1200">
+    <a:lvl2pPr marL="1044384" algn="l" defTabSz="2088762" rtl="0" eaLnBrk="1" latinLnBrk="0" hangingPunct="1">
+      <a:defRPr sz="2700" kern="1200">
         <a:solidFill>
           <a:schemeClr val="tx1"/>
         </a:solidFill>
@@ -388,8 +388,8 @@
         <a:cs typeface="+mn-cs"/>
       </a:defRPr>
     </a:lvl2pPr>
-    <a:lvl3pPr marL="913839" algn="l" defTabSz="913839" rtl="0" eaLnBrk="1" latinLnBrk="0" hangingPunct="1">
-      <a:defRPr sz="1200" kern="1200">
+    <a:lvl3pPr marL="2088762" algn="l" defTabSz="2088762" rtl="0" eaLnBrk="1" latinLnBrk="0" hangingPunct="1">
+      <a:defRPr sz="2700" kern="1200">
         <a:solidFill>
           <a:schemeClr val="tx1"/>
         </a:solidFill>
@@ -398,8 +398,8 @@
         <a:cs typeface="+mn-cs"/>
       </a:defRPr>
     </a:lvl3pPr>
-    <a:lvl4pPr marL="1370760" algn="l" defTabSz="913839" rtl="0" eaLnBrk="1" latinLnBrk="0" hangingPunct="1">
-      <a:defRPr sz="1200" kern="1200">
+    <a:lvl4pPr marL="3133146" algn="l" defTabSz="2088762" rtl="0" eaLnBrk="1" latinLnBrk="0" hangingPunct="1">
+      <a:defRPr sz="2700" kern="1200">
         <a:solidFill>
           <a:schemeClr val="tx1"/>
         </a:solidFill>
@@ -408,8 +408,8 @@
         <a:cs typeface="+mn-cs"/>
       </a:defRPr>
     </a:lvl4pPr>
-    <a:lvl5pPr marL="1827681" algn="l" defTabSz="913839" rtl="0" eaLnBrk="1" latinLnBrk="0" hangingPunct="1">
-      <a:defRPr sz="1200" kern="1200">
+    <a:lvl5pPr marL="4177530" algn="l" defTabSz="2088762" rtl="0" eaLnBrk="1" latinLnBrk="0" hangingPunct="1">
+      <a:defRPr sz="2700" kern="1200">
         <a:solidFill>
           <a:schemeClr val="tx1"/>
         </a:solidFill>
@@ -418,8 +418,8 @@
         <a:cs typeface="+mn-cs"/>
       </a:defRPr>
     </a:lvl5pPr>
-    <a:lvl6pPr marL="2284600" algn="l" defTabSz="913839" rtl="0" eaLnBrk="1" latinLnBrk="0" hangingPunct="1">
-      <a:defRPr sz="1200" kern="1200">
+    <a:lvl6pPr marL="5221910" algn="l" defTabSz="2088762" rtl="0" eaLnBrk="1" latinLnBrk="0" hangingPunct="1">
+      <a:defRPr sz="2700" kern="1200">
         <a:solidFill>
           <a:schemeClr val="tx1"/>
         </a:solidFill>
@@ -428,8 +428,8 @@
         <a:cs typeface="+mn-cs"/>
       </a:defRPr>
     </a:lvl6pPr>
-    <a:lvl7pPr marL="2741521" algn="l" defTabSz="913839" rtl="0" eaLnBrk="1" latinLnBrk="0" hangingPunct="1">
-      <a:defRPr sz="1200" kern="1200">
+    <a:lvl7pPr marL="6266295" algn="l" defTabSz="2088762" rtl="0" eaLnBrk="1" latinLnBrk="0" hangingPunct="1">
+      <a:defRPr sz="2700" kern="1200">
         <a:solidFill>
           <a:schemeClr val="tx1"/>
         </a:solidFill>
@@ -438,8 +438,8 @@
         <a:cs typeface="+mn-cs"/>
       </a:defRPr>
     </a:lvl7pPr>
-    <a:lvl8pPr marL="3198442" algn="l" defTabSz="913839" rtl="0" eaLnBrk="1" latinLnBrk="0" hangingPunct="1">
-      <a:defRPr sz="1200" kern="1200">
+    <a:lvl8pPr marL="7310679" algn="l" defTabSz="2088762" rtl="0" eaLnBrk="1" latinLnBrk="0" hangingPunct="1">
+      <a:defRPr sz="2700" kern="1200">
         <a:solidFill>
           <a:schemeClr val="tx1"/>
         </a:solidFill>
@@ -448,8 +448,8 @@
         <a:cs typeface="+mn-cs"/>
       </a:defRPr>
     </a:lvl8pPr>
-    <a:lvl9pPr marL="3655361" algn="l" defTabSz="913839" rtl="0" eaLnBrk="1" latinLnBrk="0" hangingPunct="1">
-      <a:defRPr sz="1200" kern="1200">
+    <a:lvl9pPr marL="8355059" algn="l" defTabSz="2088762" rtl="0" eaLnBrk="1" latinLnBrk="0" hangingPunct="1">
+      <a:defRPr sz="2700" kern="1200">
         <a:solidFill>
           <a:schemeClr val="tx1"/>
         </a:solidFill>
@@ -491,8 +491,8 @@
         </p:nvSpPr>
         <p:spPr>
           <a:xfrm>
-            <a:off x="1143000" y="685800"/>
-            <a:ext cx="4572000" cy="3429000"/>
+            <a:off x="1714500" y="685800"/>
+            <a:ext cx="3429000" cy="3429000"/>
           </a:xfrm>
         </p:spPr>
       </p:sp>
@@ -781,8 +781,8 @@
         </p:nvSpPr>
         <p:spPr>
           <a:xfrm>
-            <a:off x="1143000" y="685800"/>
-            <a:ext cx="4572000" cy="3429000"/>
+            <a:off x="1714500" y="685800"/>
+            <a:ext cx="3429000" cy="3429000"/>
           </a:xfrm>
         </p:spPr>
       </p:sp>
@@ -1047,8 +1047,8 @@
         </p:nvSpPr>
         <p:spPr>
           <a:xfrm>
-            <a:off x="1143000" y="685800"/>
-            <a:ext cx="4572000" cy="3429000"/>
+            <a:off x="1714500" y="685800"/>
+            <a:ext cx="3429000" cy="3429000"/>
           </a:xfrm>
         </p:spPr>
       </p:sp>
@@ -1066,183 +1066,6 @@
         <p:txBody>
           <a:bodyPr/>
           <a:lstStyle/>
-          <a:p>
-            <a:r>
-              <a:rPr lang="en-US" dirty="0" smtClean="0"/>
-              <a:t>Requirements</a:t>
-            </a:r>
-          </a:p>
-          <a:p>
-            <a:r>
-              <a:rPr lang="en-US" dirty="0" smtClean="0"/>
-              <a:t>Special</a:t>
-            </a:r>
-            <a:r>
-              <a:rPr lang="en-US" baseline="0" dirty="0" smtClean="0"/>
-              <a:t> Cases:</a:t>
-            </a:r>
-          </a:p>
-          <a:p>
-            <a:r>
-              <a:rPr lang="en-US" baseline="0" dirty="0" smtClean="0"/>
-              <a:t>  - what if one cell gets more than it’s maximum share (3A)?</a:t>
-            </a:r>
-          </a:p>
-          <a:p>
-            <a:r>
-              <a:rPr lang="en-US" baseline="0" dirty="0" smtClean="0"/>
-              <a:t>    - is the other battery charging it too much?</a:t>
-            </a:r>
-          </a:p>
-          <a:p>
-            <a:r>
-              <a:rPr lang="en-US" baseline="0" dirty="0" smtClean="0"/>
-              <a:t>    - is it too discharged?</a:t>
-            </a:r>
-          </a:p>
-          <a:p>
-            <a:endParaRPr lang="en-US" dirty="0" smtClean="0"/>
-          </a:p>
-          <a:p>
-            <a:r>
-              <a:rPr lang="en-US" dirty="0" smtClean="0"/>
-              <a:t>Charging</a:t>
-            </a:r>
-            <a:r>
-              <a:rPr lang="en-US" baseline="0" dirty="0" smtClean="0"/>
-              <a:t> IC:</a:t>
-            </a:r>
-          </a:p>
-          <a:p>
-            <a:r>
-              <a:rPr lang="en-US" baseline="0" dirty="0" smtClean="0"/>
-              <a:t>  - </a:t>
-            </a:r>
-            <a:r>
-              <a:rPr lang="en-US" dirty="0" smtClean="0"/>
-              <a:t>the</a:t>
-            </a:r>
-            <a:r>
-              <a:rPr lang="en-US" baseline="0" dirty="0" smtClean="0"/>
-              <a:t> charging IC needs to be refreshed with the charging configuration </a:t>
-            </a:r>
-          </a:p>
-          <a:p>
-            <a:r>
-              <a:rPr lang="en-US" baseline="0" dirty="0" smtClean="0"/>
-              <a:t>    (charging voltage, max charging current, </a:t>
-            </a:r>
-            <a:r>
-              <a:rPr lang="en-US" baseline="0" dirty="0" err="1" smtClean="0"/>
-              <a:t>etc</a:t>
-            </a:r>
-            <a:r>
-              <a:rPr lang="en-US" baseline="0" dirty="0" smtClean="0"/>
-              <a:t>) every 170s or less or</a:t>
-            </a:r>
-          </a:p>
-          <a:p>
-            <a:r>
-              <a:rPr lang="en-US" baseline="0" dirty="0" smtClean="0"/>
-              <a:t>    else it will time out</a:t>
-            </a:r>
-          </a:p>
-          <a:p>
-            <a:endParaRPr lang="en-US" baseline="0" dirty="0" smtClean="0"/>
-          </a:p>
-          <a:p>
-            <a:r>
-              <a:rPr lang="en-US" baseline="0" dirty="0" smtClean="0"/>
-              <a:t>SBS-Compliant Batteries:</a:t>
-            </a:r>
-          </a:p>
-          <a:p>
-            <a:r>
-              <a:rPr lang="en-US" baseline="0" dirty="0" smtClean="0"/>
-              <a:t>  - the smart battery needs to be polled every 10 seconds (and not faster) to </a:t>
-            </a:r>
-          </a:p>
-          <a:p>
-            <a:r>
-              <a:rPr lang="en-US" baseline="0" dirty="0" smtClean="0"/>
-              <a:t>    avoid missing critical broadcasts (such as </a:t>
-            </a:r>
-            <a:r>
-              <a:rPr lang="en-US" baseline="0" dirty="0" err="1" smtClean="0"/>
-              <a:t>AlarmWarning</a:t>
-            </a:r>
-            <a:r>
-              <a:rPr lang="en-US" baseline="0" dirty="0" smtClean="0"/>
-              <a:t>) and not consume</a:t>
-            </a:r>
-          </a:p>
-          <a:p>
-            <a:r>
-              <a:rPr lang="en-US" baseline="0" dirty="0" smtClean="0"/>
-              <a:t>    too much bandwidth</a:t>
-            </a:r>
-          </a:p>
-          <a:p>
-            <a:r>
-              <a:rPr lang="en-US" baseline="0" dirty="0" smtClean="0"/>
-              <a:t>  - perform an update within 5s of when a monitored parameter changes?</a:t>
-            </a:r>
-          </a:p>
-          <a:p>
-            <a:endParaRPr lang="en-US" baseline="0" dirty="0" smtClean="0"/>
-          </a:p>
-          <a:p>
-            <a:r>
-              <a:rPr lang="en-US" sz="1200" b="0" i="0" kern="1200" baseline="0" dirty="0" smtClean="0">
-                <a:solidFill>
-                  <a:schemeClr val="tx1"/>
-                </a:solidFill>
-                <a:effectLst/>
-                <a:latin typeface="+mn-lt"/>
-                <a:ea typeface="+mn-ea"/>
-                <a:cs typeface="+mn-cs"/>
-              </a:rPr>
-              <a:t>  - </a:t>
-            </a:r>
-            <a:r>
-              <a:rPr lang="en-US" sz="1200" b="0" i="0" kern="1200" dirty="0" smtClean="0">
-                <a:solidFill>
-                  <a:schemeClr val="tx1"/>
-                </a:solidFill>
-                <a:effectLst/>
-                <a:latin typeface="+mn-lt"/>
-                <a:ea typeface="+mn-ea"/>
-                <a:cs typeface="+mn-cs"/>
-              </a:rPr>
-              <a:t>if a Li-ion battery is stored in a discharged condition The boost feature applies a small charge current to activate the protection circuit to 2.20–2.90V/ cell, at which point a normal charge commences.</a:t>
-            </a:r>
-          </a:p>
-          <a:p>
-            <a:r>
-              <a:rPr lang="en-US" sz="1200" b="0" i="0" kern="1200" dirty="0" smtClean="0">
-                <a:solidFill>
-                  <a:schemeClr val="tx1"/>
-                </a:solidFill>
-                <a:effectLst/>
-                <a:latin typeface="+mn-lt"/>
-                <a:ea typeface="+mn-ea"/>
-                <a:cs typeface="+mn-cs"/>
-              </a:rPr>
-              <a:t>Caution should be applied not to boost lithium-based batteries back to life that have dwelled below 1.5V/cell for a week or longer</a:t>
-            </a:r>
-          </a:p>
-          <a:p>
-            <a:endParaRPr lang="en-US" baseline="0" dirty="0" smtClean="0"/>
-          </a:p>
-          <a:p>
-            <a:r>
-              <a:rPr lang="en-US" dirty="0" smtClean="0">
-                <a:hlinkClick r:id="rId3"/>
-              </a:rPr>
-              <a:t>http://en.wikipedia.org/wiki/Lithium-ion_battery#Battery_charging_procedure</a:t>
-            </a:r>
-            <a:endParaRPr lang="en-US" baseline="0" dirty="0" smtClean="0"/>
-          </a:p>
           <a:p>
             <a:endParaRPr lang="en-US" dirty="0"/>
           </a:p>
@@ -1313,8 +1136,8 @@
         </p:nvSpPr>
         <p:spPr>
           <a:xfrm>
-            <a:off x="685801" y="2130432"/>
-            <a:ext cx="7772400" cy="1470025"/>
+            <a:off x="1371602" y="5681159"/>
+            <a:ext cx="15544800" cy="3920067"/>
           </a:xfrm>
         </p:spPr>
         <p:txBody>
@@ -1341,8 +1164,8 @@
         </p:nvSpPr>
         <p:spPr>
           <a:xfrm>
-            <a:off x="1371600" y="3886200"/>
-            <a:ext cx="6400800" cy="1752600"/>
+            <a:off x="2743200" y="10363200"/>
+            <a:ext cx="12801600" cy="4673600"/>
           </a:xfrm>
         </p:spPr>
         <p:txBody>
@@ -1358,7 +1181,7 @@
                 </a:solidFill>
               </a:defRPr>
             </a:lvl1pPr>
-            <a:lvl2pPr marL="456921" indent="0" algn="ctr">
+            <a:lvl2pPr marL="1044384" indent="0" algn="ctr">
               <a:buNone/>
               <a:defRPr>
                 <a:solidFill>
@@ -1368,7 +1191,7 @@
                 </a:solidFill>
               </a:defRPr>
             </a:lvl2pPr>
-            <a:lvl3pPr marL="913839" indent="0" algn="ctr">
+            <a:lvl3pPr marL="2088762" indent="0" algn="ctr">
               <a:buNone/>
               <a:defRPr>
                 <a:solidFill>
@@ -1378,7 +1201,7 @@
                 </a:solidFill>
               </a:defRPr>
             </a:lvl3pPr>
-            <a:lvl4pPr marL="1370760" indent="0" algn="ctr">
+            <a:lvl4pPr marL="3133146" indent="0" algn="ctr">
               <a:buNone/>
               <a:defRPr>
                 <a:solidFill>
@@ -1388,7 +1211,7 @@
                 </a:solidFill>
               </a:defRPr>
             </a:lvl4pPr>
-            <a:lvl5pPr marL="1827681" indent="0" algn="ctr">
+            <a:lvl5pPr marL="4177530" indent="0" algn="ctr">
               <a:buNone/>
               <a:defRPr>
                 <a:solidFill>
@@ -1398,7 +1221,7 @@
                 </a:solidFill>
               </a:defRPr>
             </a:lvl5pPr>
-            <a:lvl6pPr marL="2284600" indent="0" algn="ctr">
+            <a:lvl6pPr marL="5221910" indent="0" algn="ctr">
               <a:buNone/>
               <a:defRPr>
                 <a:solidFill>
@@ -1408,7 +1231,7 @@
                 </a:solidFill>
               </a:defRPr>
             </a:lvl6pPr>
-            <a:lvl7pPr marL="2741521" indent="0" algn="ctr">
+            <a:lvl7pPr marL="6266295" indent="0" algn="ctr">
               <a:buNone/>
               <a:defRPr>
                 <a:solidFill>
@@ -1418,7 +1241,7 @@
                 </a:solidFill>
               </a:defRPr>
             </a:lvl7pPr>
-            <a:lvl8pPr marL="3198442" indent="0" algn="ctr">
+            <a:lvl8pPr marL="7310679" indent="0" algn="ctr">
               <a:buNone/>
               <a:defRPr>
                 <a:solidFill>
@@ -1428,7 +1251,7 @@
                 </a:solidFill>
               </a:defRPr>
             </a:lvl8pPr>
-            <a:lvl9pPr marL="3655361" indent="0" algn="ctr">
+            <a:lvl9pPr marL="8355059" indent="0" algn="ctr">
               <a:buNone/>
               <a:defRPr>
                 <a:solidFill>
@@ -1465,7 +1288,7 @@
           <a:p>
             <a:fld id="{6DC25747-ADEF-44A5-B0A1-EA127634DA2C}" type="datetimeFigureOut">
               <a:rPr lang="en-US" smtClean="0"/>
-              <a:t>10/24/2012</a:t>
+              <a:t>10/30/2012</a:t>
             </a:fld>
             <a:endParaRPr lang="en-US"/>
           </a:p>
@@ -1635,7 +1458,7 @@
           <a:p>
             <a:fld id="{6DC25747-ADEF-44A5-B0A1-EA127634DA2C}" type="datetimeFigureOut">
               <a:rPr lang="en-US" smtClean="0"/>
-              <a:t>10/24/2012</a:t>
+              <a:t>10/30/2012</a:t>
             </a:fld>
             <a:endParaRPr lang="en-US"/>
           </a:p>
@@ -1725,8 +1548,8 @@
         </p:nvSpPr>
         <p:spPr>
           <a:xfrm>
-            <a:off x="6629400" y="274643"/>
-            <a:ext cx="2057400" cy="5851525"/>
+            <a:off x="13258800" y="732388"/>
+            <a:ext cx="4114800" cy="15604067"/>
           </a:xfrm>
         </p:spPr>
         <p:txBody>
@@ -1753,8 +1576,8 @@
         </p:nvSpPr>
         <p:spPr>
           <a:xfrm>
-            <a:off x="457200" y="274643"/>
-            <a:ext cx="6019800" cy="5851525"/>
+            <a:off x="914400" y="732388"/>
+            <a:ext cx="12039600" cy="15604067"/>
           </a:xfrm>
         </p:spPr>
         <p:txBody>
@@ -1815,7 +1638,7 @@
           <a:p>
             <a:fld id="{6DC25747-ADEF-44A5-B0A1-EA127634DA2C}" type="datetimeFigureOut">
               <a:rPr lang="en-US" smtClean="0"/>
-              <a:t>10/24/2012</a:t>
+              <a:t>10/30/2012</a:t>
             </a:fld>
             <a:endParaRPr lang="en-US"/>
           </a:p>
@@ -1985,7 +1808,7 @@
           <a:p>
             <a:fld id="{6DC25747-ADEF-44A5-B0A1-EA127634DA2C}" type="datetimeFigureOut">
               <a:rPr lang="en-US" smtClean="0"/>
-              <a:t>10/24/2012</a:t>
+              <a:t>10/30/2012</a:t>
             </a:fld>
             <a:endParaRPr lang="en-US"/>
           </a:p>
@@ -2075,15 +1898,15 @@
         </p:nvSpPr>
         <p:spPr>
           <a:xfrm>
-            <a:off x="722314" y="4406906"/>
-            <a:ext cx="7772400" cy="1362075"/>
+            <a:off x="1444628" y="11751756"/>
+            <a:ext cx="15544800" cy="3632200"/>
           </a:xfrm>
         </p:spPr>
         <p:txBody>
           <a:bodyPr anchor="t"/>
           <a:lstStyle>
             <a:lvl1pPr algn="l">
-              <a:defRPr sz="4000" b="1" cap="all"/>
+              <a:defRPr sz="9100" b="1" cap="all"/>
             </a:lvl1pPr>
           </a:lstStyle>
           <a:p>
@@ -2107,8 +1930,8 @@
         </p:nvSpPr>
         <p:spPr>
           <a:xfrm>
-            <a:off x="722314" y="2906716"/>
-            <a:ext cx="7772400" cy="1500187"/>
+            <a:off x="1444628" y="7751249"/>
+            <a:ext cx="15544800" cy="4000499"/>
           </a:xfrm>
         </p:spPr>
         <p:txBody>
@@ -2116,7 +1939,7 @@
           <a:lstStyle>
             <a:lvl1pPr marL="0" indent="0">
               <a:buNone/>
-              <a:defRPr sz="2000">
+              <a:defRPr sz="4600">
                 <a:solidFill>
                   <a:schemeClr val="tx1">
                     <a:tint val="75000"/>
@@ -2124,9 +1947,9 @@
                 </a:solidFill>
               </a:defRPr>
             </a:lvl1pPr>
-            <a:lvl2pPr marL="456921" indent="0">
+            <a:lvl2pPr marL="1044384" indent="0">
               <a:buNone/>
-              <a:defRPr sz="1800">
+              <a:defRPr sz="4100">
                 <a:solidFill>
                   <a:schemeClr val="tx1">
                     <a:tint val="75000"/>
@@ -2134,9 +1957,9 @@
                 </a:solidFill>
               </a:defRPr>
             </a:lvl2pPr>
-            <a:lvl3pPr marL="913839" indent="0">
+            <a:lvl3pPr marL="2088762" indent="0">
               <a:buNone/>
-              <a:defRPr sz="1600">
+              <a:defRPr sz="3700">
                 <a:solidFill>
                   <a:schemeClr val="tx1">
                     <a:tint val="75000"/>
@@ -2144,9 +1967,9 @@
                 </a:solidFill>
               </a:defRPr>
             </a:lvl3pPr>
-            <a:lvl4pPr marL="1370760" indent="0">
+            <a:lvl4pPr marL="3133146" indent="0">
               <a:buNone/>
-              <a:defRPr sz="1400">
+              <a:defRPr sz="3200">
                 <a:solidFill>
                   <a:schemeClr val="tx1">
                     <a:tint val="75000"/>
@@ -2154,9 +1977,9 @@
                 </a:solidFill>
               </a:defRPr>
             </a:lvl4pPr>
-            <a:lvl5pPr marL="1827681" indent="0">
+            <a:lvl5pPr marL="4177530" indent="0">
               <a:buNone/>
-              <a:defRPr sz="1400">
+              <a:defRPr sz="3200">
                 <a:solidFill>
                   <a:schemeClr val="tx1">
                     <a:tint val="75000"/>
@@ -2164,9 +1987,9 @@
                 </a:solidFill>
               </a:defRPr>
             </a:lvl5pPr>
-            <a:lvl6pPr marL="2284600" indent="0">
+            <a:lvl6pPr marL="5221910" indent="0">
               <a:buNone/>
-              <a:defRPr sz="1400">
+              <a:defRPr sz="3200">
                 <a:solidFill>
                   <a:schemeClr val="tx1">
                     <a:tint val="75000"/>
@@ -2174,9 +1997,9 @@
                 </a:solidFill>
               </a:defRPr>
             </a:lvl6pPr>
-            <a:lvl7pPr marL="2741521" indent="0">
+            <a:lvl7pPr marL="6266295" indent="0">
               <a:buNone/>
-              <a:defRPr sz="1400">
+              <a:defRPr sz="3200">
                 <a:solidFill>
                   <a:schemeClr val="tx1">
                     <a:tint val="75000"/>
@@ -2184,9 +2007,9 @@
                 </a:solidFill>
               </a:defRPr>
             </a:lvl7pPr>
-            <a:lvl8pPr marL="3198442" indent="0">
+            <a:lvl8pPr marL="7310679" indent="0">
               <a:buNone/>
-              <a:defRPr sz="1400">
+              <a:defRPr sz="3200">
                 <a:solidFill>
                   <a:schemeClr val="tx1">
                     <a:tint val="75000"/>
@@ -2194,9 +2017,9 @@
                 </a:solidFill>
               </a:defRPr>
             </a:lvl8pPr>
-            <a:lvl9pPr marL="3655361" indent="0">
+            <a:lvl9pPr marL="8355059" indent="0">
               <a:buNone/>
-              <a:defRPr sz="1400">
+              <a:defRPr sz="3200">
                 <a:solidFill>
                   <a:schemeClr val="tx1">
                     <a:tint val="75000"/>
@@ -2231,7 +2054,7 @@
           <a:p>
             <a:fld id="{6DC25747-ADEF-44A5-B0A1-EA127634DA2C}" type="datetimeFigureOut">
               <a:rPr lang="en-US" smtClean="0"/>
-              <a:t>10/24/2012</a:t>
+              <a:t>10/30/2012</a:t>
             </a:fld>
             <a:endParaRPr lang="en-US"/>
           </a:p>
@@ -2344,39 +2167,39 @@
         </p:nvSpPr>
         <p:spPr>
           <a:xfrm>
-            <a:off x="457200" y="1600206"/>
-            <a:ext cx="4038600" cy="4525963"/>
+            <a:off x="914400" y="4267217"/>
+            <a:ext cx="8077200" cy="12069235"/>
           </a:xfrm>
         </p:spPr>
         <p:txBody>
           <a:bodyPr/>
           <a:lstStyle>
             <a:lvl1pPr>
-              <a:defRPr sz="2800"/>
+              <a:defRPr sz="6400"/>
             </a:lvl1pPr>
             <a:lvl2pPr>
-              <a:defRPr sz="2400"/>
+              <a:defRPr sz="5500"/>
             </a:lvl2pPr>
             <a:lvl3pPr>
-              <a:defRPr sz="2000"/>
+              <a:defRPr sz="4600"/>
             </a:lvl3pPr>
             <a:lvl4pPr>
-              <a:defRPr sz="1800"/>
+              <a:defRPr sz="4100"/>
             </a:lvl4pPr>
             <a:lvl5pPr>
-              <a:defRPr sz="1800"/>
+              <a:defRPr sz="4100"/>
             </a:lvl5pPr>
             <a:lvl6pPr>
-              <a:defRPr sz="1800"/>
+              <a:defRPr sz="4100"/>
             </a:lvl6pPr>
             <a:lvl7pPr>
-              <a:defRPr sz="1800"/>
+              <a:defRPr sz="4100"/>
             </a:lvl7pPr>
             <a:lvl8pPr>
-              <a:defRPr sz="1800"/>
+              <a:defRPr sz="4100"/>
             </a:lvl8pPr>
             <a:lvl9pPr>
-              <a:defRPr sz="1800"/>
+              <a:defRPr sz="4100"/>
             </a:lvl9pPr>
           </a:lstStyle>
           <a:p>
@@ -2429,39 +2252,39 @@
         </p:nvSpPr>
         <p:spPr>
           <a:xfrm>
-            <a:off x="4648200" y="1600206"/>
-            <a:ext cx="4038600" cy="4525963"/>
+            <a:off x="9296400" y="4267217"/>
+            <a:ext cx="8077200" cy="12069235"/>
           </a:xfrm>
         </p:spPr>
         <p:txBody>
           <a:bodyPr/>
           <a:lstStyle>
             <a:lvl1pPr>
-              <a:defRPr sz="2800"/>
+              <a:defRPr sz="6400"/>
             </a:lvl1pPr>
             <a:lvl2pPr>
-              <a:defRPr sz="2400"/>
+              <a:defRPr sz="5500"/>
             </a:lvl2pPr>
             <a:lvl3pPr>
-              <a:defRPr sz="2000"/>
+              <a:defRPr sz="4600"/>
             </a:lvl3pPr>
             <a:lvl4pPr>
-              <a:defRPr sz="1800"/>
+              <a:defRPr sz="4100"/>
             </a:lvl4pPr>
             <a:lvl5pPr>
-              <a:defRPr sz="1800"/>
+              <a:defRPr sz="4100"/>
             </a:lvl5pPr>
             <a:lvl6pPr>
-              <a:defRPr sz="1800"/>
+              <a:defRPr sz="4100"/>
             </a:lvl6pPr>
             <a:lvl7pPr>
-              <a:defRPr sz="1800"/>
+              <a:defRPr sz="4100"/>
             </a:lvl7pPr>
             <a:lvl8pPr>
-              <a:defRPr sz="1800"/>
+              <a:defRPr sz="4100"/>
             </a:lvl8pPr>
             <a:lvl9pPr>
-              <a:defRPr sz="1800"/>
+              <a:defRPr sz="4100"/>
             </a:lvl9pPr>
           </a:lstStyle>
           <a:p>
@@ -2519,7 +2342,7 @@
           <a:p>
             <a:fld id="{6DC25747-ADEF-44A5-B0A1-EA127634DA2C}" type="datetimeFigureOut">
               <a:rPr lang="en-US" smtClean="0"/>
-              <a:t>10/24/2012</a:t>
+              <a:t>10/30/2012</a:t>
             </a:fld>
             <a:endParaRPr lang="en-US"/>
           </a:p>
@@ -2636,8 +2459,8 @@
         </p:nvSpPr>
         <p:spPr>
           <a:xfrm>
-            <a:off x="457200" y="1535116"/>
-            <a:ext cx="4040188" cy="639763"/>
+            <a:off x="914400" y="4093647"/>
+            <a:ext cx="8080376" cy="1706035"/>
           </a:xfrm>
         </p:spPr>
         <p:txBody>
@@ -2645,39 +2468,39 @@
           <a:lstStyle>
             <a:lvl1pPr marL="0" indent="0">
               <a:buNone/>
-              <a:defRPr sz="2400" b="1"/>
+              <a:defRPr sz="5500" b="1"/>
             </a:lvl1pPr>
-            <a:lvl2pPr marL="456921" indent="0">
+            <a:lvl2pPr marL="1044384" indent="0">
               <a:buNone/>
-              <a:defRPr sz="2000" b="1"/>
+              <a:defRPr sz="4600" b="1"/>
             </a:lvl2pPr>
-            <a:lvl3pPr marL="913839" indent="0">
+            <a:lvl3pPr marL="2088762" indent="0">
               <a:buNone/>
-              <a:defRPr sz="1800" b="1"/>
+              <a:defRPr sz="4100" b="1"/>
             </a:lvl3pPr>
-            <a:lvl4pPr marL="1370760" indent="0">
+            <a:lvl4pPr marL="3133146" indent="0">
               <a:buNone/>
-              <a:defRPr sz="1600" b="1"/>
+              <a:defRPr sz="3700" b="1"/>
             </a:lvl4pPr>
-            <a:lvl5pPr marL="1827681" indent="0">
+            <a:lvl5pPr marL="4177530" indent="0">
               <a:buNone/>
-              <a:defRPr sz="1600" b="1"/>
+              <a:defRPr sz="3700" b="1"/>
             </a:lvl5pPr>
-            <a:lvl6pPr marL="2284600" indent="0">
+            <a:lvl6pPr marL="5221910" indent="0">
               <a:buNone/>
-              <a:defRPr sz="1600" b="1"/>
+              <a:defRPr sz="3700" b="1"/>
             </a:lvl6pPr>
-            <a:lvl7pPr marL="2741521" indent="0">
+            <a:lvl7pPr marL="6266295" indent="0">
               <a:buNone/>
-              <a:defRPr sz="1600" b="1"/>
+              <a:defRPr sz="3700" b="1"/>
             </a:lvl7pPr>
-            <a:lvl8pPr marL="3198442" indent="0">
+            <a:lvl8pPr marL="7310679" indent="0">
               <a:buNone/>
-              <a:defRPr sz="1600" b="1"/>
+              <a:defRPr sz="3700" b="1"/>
             </a:lvl8pPr>
-            <a:lvl9pPr marL="3655361" indent="0">
+            <a:lvl9pPr marL="8355059" indent="0">
               <a:buNone/>
-              <a:defRPr sz="1600" b="1"/>
+              <a:defRPr sz="3700" b="1"/>
             </a:lvl9pPr>
           </a:lstStyle>
           <a:p>
@@ -2701,39 +2524,39 @@
         </p:nvSpPr>
         <p:spPr>
           <a:xfrm>
-            <a:off x="457200" y="2174875"/>
-            <a:ext cx="4040188" cy="3951288"/>
+            <a:off x="914400" y="5799667"/>
+            <a:ext cx="8080376" cy="10536768"/>
           </a:xfrm>
         </p:spPr>
         <p:txBody>
           <a:bodyPr/>
           <a:lstStyle>
             <a:lvl1pPr>
-              <a:defRPr sz="2400"/>
+              <a:defRPr sz="5500"/>
             </a:lvl1pPr>
             <a:lvl2pPr>
-              <a:defRPr sz="2000"/>
+              <a:defRPr sz="4600"/>
             </a:lvl2pPr>
             <a:lvl3pPr>
-              <a:defRPr sz="1800"/>
+              <a:defRPr sz="4100"/>
             </a:lvl3pPr>
             <a:lvl4pPr>
-              <a:defRPr sz="1600"/>
+              <a:defRPr sz="3700"/>
             </a:lvl4pPr>
             <a:lvl5pPr>
-              <a:defRPr sz="1600"/>
+              <a:defRPr sz="3700"/>
             </a:lvl5pPr>
             <a:lvl6pPr>
-              <a:defRPr sz="1600"/>
+              <a:defRPr sz="3700"/>
             </a:lvl6pPr>
             <a:lvl7pPr>
-              <a:defRPr sz="1600"/>
+              <a:defRPr sz="3700"/>
             </a:lvl7pPr>
             <a:lvl8pPr>
-              <a:defRPr sz="1600"/>
+              <a:defRPr sz="3700"/>
             </a:lvl8pPr>
             <a:lvl9pPr>
-              <a:defRPr sz="1600"/>
+              <a:defRPr sz="3700"/>
             </a:lvl9pPr>
           </a:lstStyle>
           <a:p>
@@ -2786,8 +2609,8 @@
         </p:nvSpPr>
         <p:spPr>
           <a:xfrm>
-            <a:off x="4645031" y="1535116"/>
-            <a:ext cx="4041775" cy="639763"/>
+            <a:off x="9290065" y="4093647"/>
+            <a:ext cx="8083550" cy="1706035"/>
           </a:xfrm>
         </p:spPr>
         <p:txBody>
@@ -2795,39 +2618,39 @@
           <a:lstStyle>
             <a:lvl1pPr marL="0" indent="0">
               <a:buNone/>
-              <a:defRPr sz="2400" b="1"/>
+              <a:defRPr sz="5500" b="1"/>
             </a:lvl1pPr>
-            <a:lvl2pPr marL="456921" indent="0">
+            <a:lvl2pPr marL="1044384" indent="0">
               <a:buNone/>
-              <a:defRPr sz="2000" b="1"/>
+              <a:defRPr sz="4600" b="1"/>
             </a:lvl2pPr>
-            <a:lvl3pPr marL="913839" indent="0">
+            <a:lvl3pPr marL="2088762" indent="0">
               <a:buNone/>
-              <a:defRPr sz="1800" b="1"/>
+              <a:defRPr sz="4100" b="1"/>
             </a:lvl3pPr>
-            <a:lvl4pPr marL="1370760" indent="0">
+            <a:lvl4pPr marL="3133146" indent="0">
               <a:buNone/>
-              <a:defRPr sz="1600" b="1"/>
+              <a:defRPr sz="3700" b="1"/>
             </a:lvl4pPr>
-            <a:lvl5pPr marL="1827681" indent="0">
+            <a:lvl5pPr marL="4177530" indent="0">
               <a:buNone/>
-              <a:defRPr sz="1600" b="1"/>
+              <a:defRPr sz="3700" b="1"/>
             </a:lvl5pPr>
-            <a:lvl6pPr marL="2284600" indent="0">
+            <a:lvl6pPr marL="5221910" indent="0">
               <a:buNone/>
-              <a:defRPr sz="1600" b="1"/>
+              <a:defRPr sz="3700" b="1"/>
             </a:lvl6pPr>
-            <a:lvl7pPr marL="2741521" indent="0">
+            <a:lvl7pPr marL="6266295" indent="0">
               <a:buNone/>
-              <a:defRPr sz="1600" b="1"/>
+              <a:defRPr sz="3700" b="1"/>
             </a:lvl7pPr>
-            <a:lvl8pPr marL="3198442" indent="0">
+            <a:lvl8pPr marL="7310679" indent="0">
               <a:buNone/>
-              <a:defRPr sz="1600" b="1"/>
+              <a:defRPr sz="3700" b="1"/>
             </a:lvl8pPr>
-            <a:lvl9pPr marL="3655361" indent="0">
+            <a:lvl9pPr marL="8355059" indent="0">
               <a:buNone/>
-              <a:defRPr sz="1600" b="1"/>
+              <a:defRPr sz="3700" b="1"/>
             </a:lvl9pPr>
           </a:lstStyle>
           <a:p>
@@ -2851,39 +2674,39 @@
         </p:nvSpPr>
         <p:spPr>
           <a:xfrm>
-            <a:off x="4645031" y="2174875"/>
-            <a:ext cx="4041775" cy="3951288"/>
+            <a:off x="9290065" y="5799667"/>
+            <a:ext cx="8083550" cy="10536768"/>
           </a:xfrm>
         </p:spPr>
         <p:txBody>
           <a:bodyPr/>
           <a:lstStyle>
             <a:lvl1pPr>
-              <a:defRPr sz="2400"/>
+              <a:defRPr sz="5500"/>
             </a:lvl1pPr>
             <a:lvl2pPr>
-              <a:defRPr sz="2000"/>
+              <a:defRPr sz="4600"/>
             </a:lvl2pPr>
             <a:lvl3pPr>
-              <a:defRPr sz="1800"/>
+              <a:defRPr sz="4100"/>
             </a:lvl3pPr>
             <a:lvl4pPr>
-              <a:defRPr sz="1600"/>
+              <a:defRPr sz="3700"/>
             </a:lvl4pPr>
             <a:lvl5pPr>
-              <a:defRPr sz="1600"/>
+              <a:defRPr sz="3700"/>
             </a:lvl5pPr>
             <a:lvl6pPr>
-              <a:defRPr sz="1600"/>
+              <a:defRPr sz="3700"/>
             </a:lvl6pPr>
             <a:lvl7pPr>
-              <a:defRPr sz="1600"/>
+              <a:defRPr sz="3700"/>
             </a:lvl7pPr>
             <a:lvl8pPr>
-              <a:defRPr sz="1600"/>
+              <a:defRPr sz="3700"/>
             </a:lvl8pPr>
             <a:lvl9pPr>
-              <a:defRPr sz="1600"/>
+              <a:defRPr sz="3700"/>
             </a:lvl9pPr>
           </a:lstStyle>
           <a:p>
@@ -2941,7 +2764,7 @@
           <a:p>
             <a:fld id="{6DC25747-ADEF-44A5-B0A1-EA127634DA2C}" type="datetimeFigureOut">
               <a:rPr lang="en-US" smtClean="0"/>
-              <a:t>10/24/2012</a:t>
+              <a:t>10/30/2012</a:t>
             </a:fld>
             <a:endParaRPr lang="en-US"/>
           </a:p>
@@ -3059,7 +2882,7 @@
           <a:p>
             <a:fld id="{6DC25747-ADEF-44A5-B0A1-EA127634DA2C}" type="datetimeFigureOut">
               <a:rPr lang="en-US" smtClean="0"/>
-              <a:t>10/24/2012</a:t>
+              <a:t>10/30/2012</a:t>
             </a:fld>
             <a:endParaRPr lang="en-US"/>
           </a:p>
@@ -3154,7 +2977,7 @@
           <a:p>
             <a:fld id="{6DC25747-ADEF-44A5-B0A1-EA127634DA2C}" type="datetimeFigureOut">
               <a:rPr lang="en-US" smtClean="0"/>
-              <a:t>10/24/2012</a:t>
+              <a:t>10/30/2012</a:t>
             </a:fld>
             <a:endParaRPr lang="en-US"/>
           </a:p>
@@ -3244,15 +3067,15 @@
         </p:nvSpPr>
         <p:spPr>
           <a:xfrm>
-            <a:off x="457206" y="273052"/>
-            <a:ext cx="3008313" cy="1162051"/>
+            <a:off x="914415" y="728145"/>
+            <a:ext cx="6016626" cy="3098803"/>
           </a:xfrm>
         </p:spPr>
         <p:txBody>
           <a:bodyPr anchor="b"/>
           <a:lstStyle>
             <a:lvl1pPr algn="l">
-              <a:defRPr sz="2000" b="1"/>
+              <a:defRPr sz="4600" b="1"/>
             </a:lvl1pPr>
           </a:lstStyle>
           <a:p>
@@ -3276,39 +3099,39 @@
         </p:nvSpPr>
         <p:spPr>
           <a:xfrm>
-            <a:off x="3575050" y="273056"/>
-            <a:ext cx="5111750" cy="5853113"/>
+            <a:off x="7150100" y="728156"/>
+            <a:ext cx="10223500" cy="15608301"/>
           </a:xfrm>
         </p:spPr>
         <p:txBody>
           <a:bodyPr/>
           <a:lstStyle>
             <a:lvl1pPr>
-              <a:defRPr sz="3200"/>
+              <a:defRPr sz="7300"/>
             </a:lvl1pPr>
             <a:lvl2pPr>
-              <a:defRPr sz="2800"/>
+              <a:defRPr sz="6400"/>
             </a:lvl2pPr>
             <a:lvl3pPr>
-              <a:defRPr sz="2400"/>
+              <a:defRPr sz="5500"/>
             </a:lvl3pPr>
             <a:lvl4pPr>
-              <a:defRPr sz="2000"/>
+              <a:defRPr sz="4600"/>
             </a:lvl4pPr>
             <a:lvl5pPr>
-              <a:defRPr sz="2000"/>
+              <a:defRPr sz="4600"/>
             </a:lvl5pPr>
             <a:lvl6pPr>
-              <a:defRPr sz="2000"/>
+              <a:defRPr sz="4600"/>
             </a:lvl6pPr>
             <a:lvl7pPr>
-              <a:defRPr sz="2000"/>
+              <a:defRPr sz="4600"/>
             </a:lvl7pPr>
             <a:lvl8pPr>
-              <a:defRPr sz="2000"/>
+              <a:defRPr sz="4600"/>
             </a:lvl8pPr>
             <a:lvl9pPr>
-              <a:defRPr sz="2000"/>
+              <a:defRPr sz="4600"/>
             </a:lvl9pPr>
           </a:lstStyle>
           <a:p>
@@ -3361,8 +3184,8 @@
         </p:nvSpPr>
         <p:spPr>
           <a:xfrm>
-            <a:off x="457206" y="1435106"/>
-            <a:ext cx="3008313" cy="4691063"/>
+            <a:off x="914415" y="3826956"/>
+            <a:ext cx="6016626" cy="12509501"/>
           </a:xfrm>
         </p:spPr>
         <p:txBody>
@@ -3370,39 +3193,39 @@
           <a:lstStyle>
             <a:lvl1pPr marL="0" indent="0">
               <a:buNone/>
-              <a:defRPr sz="1400"/>
+              <a:defRPr sz="3200"/>
             </a:lvl1pPr>
-            <a:lvl2pPr marL="456921" indent="0">
+            <a:lvl2pPr marL="1044384" indent="0">
               <a:buNone/>
-              <a:defRPr sz="1200"/>
+              <a:defRPr sz="2700"/>
             </a:lvl2pPr>
-            <a:lvl3pPr marL="913839" indent="0">
+            <a:lvl3pPr marL="2088762" indent="0">
               <a:buNone/>
-              <a:defRPr sz="1000"/>
+              <a:defRPr sz="2300"/>
             </a:lvl3pPr>
-            <a:lvl4pPr marL="1370760" indent="0">
+            <a:lvl4pPr marL="3133146" indent="0">
               <a:buNone/>
-              <a:defRPr sz="900"/>
+              <a:defRPr sz="2100"/>
             </a:lvl4pPr>
-            <a:lvl5pPr marL="1827681" indent="0">
+            <a:lvl5pPr marL="4177530" indent="0">
               <a:buNone/>
-              <a:defRPr sz="900"/>
+              <a:defRPr sz="2100"/>
             </a:lvl5pPr>
-            <a:lvl6pPr marL="2284600" indent="0">
+            <a:lvl6pPr marL="5221910" indent="0">
               <a:buNone/>
-              <a:defRPr sz="900"/>
+              <a:defRPr sz="2100"/>
             </a:lvl6pPr>
-            <a:lvl7pPr marL="2741521" indent="0">
+            <a:lvl7pPr marL="6266295" indent="0">
               <a:buNone/>
-              <a:defRPr sz="900"/>
+              <a:defRPr sz="2100"/>
             </a:lvl7pPr>
-            <a:lvl8pPr marL="3198442" indent="0">
+            <a:lvl8pPr marL="7310679" indent="0">
               <a:buNone/>
-              <a:defRPr sz="900"/>
+              <a:defRPr sz="2100"/>
             </a:lvl8pPr>
-            <a:lvl9pPr marL="3655361" indent="0">
+            <a:lvl9pPr marL="8355059" indent="0">
               <a:buNone/>
-              <a:defRPr sz="900"/>
+              <a:defRPr sz="2100"/>
             </a:lvl9pPr>
           </a:lstStyle>
           <a:p>
@@ -3431,7 +3254,7 @@
           <a:p>
             <a:fld id="{6DC25747-ADEF-44A5-B0A1-EA127634DA2C}" type="datetimeFigureOut">
               <a:rPr lang="en-US" smtClean="0"/>
-              <a:t>10/24/2012</a:t>
+              <a:t>10/30/2012</a:t>
             </a:fld>
             <a:endParaRPr lang="en-US"/>
           </a:p>
@@ -3521,15 +3344,15 @@
         </p:nvSpPr>
         <p:spPr>
           <a:xfrm>
-            <a:off x="1792288" y="4800602"/>
-            <a:ext cx="5486400" cy="566739"/>
+            <a:off x="3584576" y="12801612"/>
+            <a:ext cx="10972800" cy="1511304"/>
           </a:xfrm>
         </p:spPr>
         <p:txBody>
           <a:bodyPr anchor="b"/>
           <a:lstStyle>
             <a:lvl1pPr algn="l">
-              <a:defRPr sz="2000" b="1"/>
+              <a:defRPr sz="4600" b="1"/>
             </a:lvl1pPr>
           </a:lstStyle>
           <a:p>
@@ -3553,8 +3376,8 @@
         </p:nvSpPr>
         <p:spPr>
           <a:xfrm>
-            <a:off x="1792288" y="612775"/>
-            <a:ext cx="5486400" cy="4114800"/>
+            <a:off x="3584576" y="1634067"/>
+            <a:ext cx="10972800" cy="10972800"/>
           </a:xfrm>
         </p:spPr>
         <p:txBody>
@@ -3562,39 +3385,39 @@
           <a:lstStyle>
             <a:lvl1pPr marL="0" indent="0">
               <a:buNone/>
-              <a:defRPr sz="3200"/>
+              <a:defRPr sz="7300"/>
             </a:lvl1pPr>
-            <a:lvl2pPr marL="456921" indent="0">
+            <a:lvl2pPr marL="1044384" indent="0">
               <a:buNone/>
-              <a:defRPr sz="2800"/>
+              <a:defRPr sz="6400"/>
             </a:lvl2pPr>
-            <a:lvl3pPr marL="913839" indent="0">
+            <a:lvl3pPr marL="2088762" indent="0">
               <a:buNone/>
-              <a:defRPr sz="2400"/>
+              <a:defRPr sz="5500"/>
             </a:lvl3pPr>
-            <a:lvl4pPr marL="1370760" indent="0">
+            <a:lvl4pPr marL="3133146" indent="0">
               <a:buNone/>
-              <a:defRPr sz="2000"/>
+              <a:defRPr sz="4600"/>
             </a:lvl4pPr>
-            <a:lvl5pPr marL="1827681" indent="0">
+            <a:lvl5pPr marL="4177530" indent="0">
               <a:buNone/>
-              <a:defRPr sz="2000"/>
+              <a:defRPr sz="4600"/>
             </a:lvl5pPr>
-            <a:lvl6pPr marL="2284600" indent="0">
+            <a:lvl6pPr marL="5221910" indent="0">
               <a:buNone/>
-              <a:defRPr sz="2000"/>
+              <a:defRPr sz="4600"/>
             </a:lvl6pPr>
-            <a:lvl7pPr marL="2741521" indent="0">
+            <a:lvl7pPr marL="6266295" indent="0">
               <a:buNone/>
-              <a:defRPr sz="2000"/>
+              <a:defRPr sz="4600"/>
             </a:lvl7pPr>
-            <a:lvl8pPr marL="3198442" indent="0">
+            <a:lvl8pPr marL="7310679" indent="0">
               <a:buNone/>
-              <a:defRPr sz="2000"/>
+              <a:defRPr sz="4600"/>
             </a:lvl8pPr>
-            <a:lvl9pPr marL="3655361" indent="0">
+            <a:lvl9pPr marL="8355059" indent="0">
               <a:buNone/>
-              <a:defRPr sz="2000"/>
+              <a:defRPr sz="4600"/>
             </a:lvl9pPr>
           </a:lstStyle>
           <a:p>
@@ -3614,8 +3437,8 @@
         </p:nvSpPr>
         <p:spPr>
           <a:xfrm>
-            <a:off x="1792288" y="5367341"/>
-            <a:ext cx="5486400" cy="804863"/>
+            <a:off x="3584576" y="14312916"/>
+            <a:ext cx="10972800" cy="2146301"/>
           </a:xfrm>
         </p:spPr>
         <p:txBody>
@@ -3623,39 +3446,39 @@
           <a:lstStyle>
             <a:lvl1pPr marL="0" indent="0">
               <a:buNone/>
-              <a:defRPr sz="1400"/>
+              <a:defRPr sz="3200"/>
             </a:lvl1pPr>
-            <a:lvl2pPr marL="456921" indent="0">
+            <a:lvl2pPr marL="1044384" indent="0">
               <a:buNone/>
-              <a:defRPr sz="1200"/>
+              <a:defRPr sz="2700"/>
             </a:lvl2pPr>
-            <a:lvl3pPr marL="913839" indent="0">
+            <a:lvl3pPr marL="2088762" indent="0">
               <a:buNone/>
-              <a:defRPr sz="1000"/>
+              <a:defRPr sz="2300"/>
             </a:lvl3pPr>
-            <a:lvl4pPr marL="1370760" indent="0">
+            <a:lvl4pPr marL="3133146" indent="0">
               <a:buNone/>
-              <a:defRPr sz="900"/>
+              <a:defRPr sz="2100"/>
             </a:lvl4pPr>
-            <a:lvl5pPr marL="1827681" indent="0">
+            <a:lvl5pPr marL="4177530" indent="0">
               <a:buNone/>
-              <a:defRPr sz="900"/>
+              <a:defRPr sz="2100"/>
             </a:lvl5pPr>
-            <a:lvl6pPr marL="2284600" indent="0">
+            <a:lvl6pPr marL="5221910" indent="0">
               <a:buNone/>
-              <a:defRPr sz="900"/>
+              <a:defRPr sz="2100"/>
             </a:lvl6pPr>
-            <a:lvl7pPr marL="2741521" indent="0">
+            <a:lvl7pPr marL="6266295" indent="0">
               <a:buNone/>
-              <a:defRPr sz="900"/>
+              <a:defRPr sz="2100"/>
             </a:lvl7pPr>
-            <a:lvl8pPr marL="3198442" indent="0">
+            <a:lvl8pPr marL="7310679" indent="0">
               <a:buNone/>
-              <a:defRPr sz="900"/>
+              <a:defRPr sz="2100"/>
             </a:lvl8pPr>
-            <a:lvl9pPr marL="3655361" indent="0">
+            <a:lvl9pPr marL="8355059" indent="0">
               <a:buNone/>
-              <a:defRPr sz="900"/>
+              <a:defRPr sz="2100"/>
             </a:lvl9pPr>
           </a:lstStyle>
           <a:p>
@@ -3684,7 +3507,7 @@
           <a:p>
             <a:fld id="{6DC25747-ADEF-44A5-B0A1-EA127634DA2C}" type="datetimeFigureOut">
               <a:rPr lang="en-US" smtClean="0"/>
-              <a:t>10/24/2012</a:t>
+              <a:t>10/30/2012</a:t>
             </a:fld>
             <a:endParaRPr lang="en-US"/>
           </a:p>
@@ -3779,15 +3602,15 @@
         </p:nvSpPr>
         <p:spPr>
           <a:xfrm>
-            <a:off x="457200" y="274640"/>
-            <a:ext cx="8229600" cy="1143000"/>
+            <a:off x="914400" y="732373"/>
+            <a:ext cx="16459200" cy="3048000"/>
           </a:xfrm>
           <a:prstGeom prst="rect">
             <a:avLst/>
           </a:prstGeom>
         </p:spPr>
         <p:txBody>
-          <a:bodyPr vert="horz" lIns="91384" tIns="45691" rIns="91384" bIns="45691" rtlCol="0" anchor="ctr">
+          <a:bodyPr vert="horz" lIns="208876" tIns="104436" rIns="208876" bIns="104436" rtlCol="0" anchor="ctr">
             <a:normAutofit/>
           </a:bodyPr>
           <a:lstStyle/>
@@ -3812,15 +3635,15 @@
         </p:nvSpPr>
         <p:spPr>
           <a:xfrm>
-            <a:off x="457200" y="1600206"/>
-            <a:ext cx="8229600" cy="4525963"/>
+            <a:off x="914400" y="4267217"/>
+            <a:ext cx="16459200" cy="12069235"/>
           </a:xfrm>
           <a:prstGeom prst="rect">
             <a:avLst/>
           </a:prstGeom>
         </p:spPr>
         <p:txBody>
-          <a:bodyPr vert="horz" lIns="91384" tIns="45691" rIns="91384" bIns="45691" rtlCol="0">
+          <a:bodyPr vert="horz" lIns="208876" tIns="104436" rIns="208876" bIns="104436" rtlCol="0">
             <a:normAutofit/>
           </a:bodyPr>
           <a:lstStyle/>
@@ -3874,18 +3697,18 @@
         </p:nvSpPr>
         <p:spPr>
           <a:xfrm>
-            <a:off x="457201" y="6356355"/>
-            <a:ext cx="2133600" cy="365125"/>
+            <a:off x="914402" y="16950287"/>
+            <a:ext cx="4267200" cy="973667"/>
           </a:xfrm>
           <a:prstGeom prst="rect">
             <a:avLst/>
           </a:prstGeom>
         </p:spPr>
         <p:txBody>
-          <a:bodyPr vert="horz" lIns="91384" tIns="45691" rIns="91384" bIns="45691" rtlCol="0" anchor="ctr"/>
+          <a:bodyPr vert="horz" lIns="208876" tIns="104436" rIns="208876" bIns="104436" rtlCol="0" anchor="ctr"/>
           <a:lstStyle>
             <a:lvl1pPr algn="l">
-              <a:defRPr sz="1200">
+              <a:defRPr sz="2700">
                 <a:solidFill>
                   <a:schemeClr val="tx1">
                     <a:tint val="75000"/>
@@ -3897,7 +3720,7 @@
           <a:p>
             <a:fld id="{6DC25747-ADEF-44A5-B0A1-EA127634DA2C}" type="datetimeFigureOut">
               <a:rPr lang="en-US" smtClean="0"/>
-              <a:t>10/24/2012</a:t>
+              <a:t>10/30/2012</a:t>
             </a:fld>
             <a:endParaRPr lang="en-US"/>
           </a:p>
@@ -3915,18 +3738,18 @@
         </p:nvSpPr>
         <p:spPr>
           <a:xfrm>
-            <a:off x="3124200" y="6356355"/>
-            <a:ext cx="2895600" cy="365125"/>
+            <a:off x="6248400" y="16950287"/>
+            <a:ext cx="5791200" cy="973667"/>
           </a:xfrm>
           <a:prstGeom prst="rect">
             <a:avLst/>
           </a:prstGeom>
         </p:spPr>
         <p:txBody>
-          <a:bodyPr vert="horz" lIns="91384" tIns="45691" rIns="91384" bIns="45691" rtlCol="0" anchor="ctr"/>
+          <a:bodyPr vert="horz" lIns="208876" tIns="104436" rIns="208876" bIns="104436" rtlCol="0" anchor="ctr"/>
           <a:lstStyle>
             <a:lvl1pPr algn="ctr">
-              <a:defRPr sz="1200">
+              <a:defRPr sz="2700">
                 <a:solidFill>
                   <a:schemeClr val="tx1">
                     <a:tint val="75000"/>
@@ -3952,18 +3775,18 @@
         </p:nvSpPr>
         <p:spPr>
           <a:xfrm>
-            <a:off x="6553200" y="6356355"/>
-            <a:ext cx="2133600" cy="365125"/>
+            <a:off x="13106400" y="16950287"/>
+            <a:ext cx="4267200" cy="973667"/>
           </a:xfrm>
           <a:prstGeom prst="rect">
             <a:avLst/>
           </a:prstGeom>
         </p:spPr>
         <p:txBody>
-          <a:bodyPr vert="horz" lIns="91384" tIns="45691" rIns="91384" bIns="45691" rtlCol="0" anchor="ctr"/>
+          <a:bodyPr vert="horz" lIns="208876" tIns="104436" rIns="208876" bIns="104436" rtlCol="0" anchor="ctr"/>
           <a:lstStyle>
             <a:lvl1pPr algn="r">
-              <a:defRPr sz="1200">
+              <a:defRPr sz="2700">
                 <a:solidFill>
                   <a:schemeClr val="tx1">
                     <a:tint val="75000"/>
@@ -4004,12 +3827,12 @@
   </p:sldLayoutIdLst>
   <p:txStyles>
     <p:titleStyle>
-      <a:lvl1pPr algn="ctr" defTabSz="913839" rtl="0" eaLnBrk="1" latinLnBrk="0" hangingPunct="1">
+      <a:lvl1pPr algn="ctr" defTabSz="2088762" rtl="0" eaLnBrk="1" latinLnBrk="0" hangingPunct="1">
         <a:spcBef>
           <a:spcPct val="0"/>
         </a:spcBef>
         <a:buNone/>
-        <a:defRPr sz="4400" kern="1200">
+        <a:defRPr sz="10100" kern="1200">
           <a:solidFill>
             <a:schemeClr val="tx1"/>
           </a:solidFill>
@@ -4020,13 +3843,13 @@
       </a:lvl1pPr>
     </p:titleStyle>
     <p:bodyStyle>
-      <a:lvl1pPr marL="342690" indent="-342690" algn="l" defTabSz="913839" rtl="0" eaLnBrk="1" latinLnBrk="0" hangingPunct="1">
+      <a:lvl1pPr marL="783287" indent="-783287" algn="l" defTabSz="2088762" rtl="0" eaLnBrk="1" latinLnBrk="0" hangingPunct="1">
         <a:spcBef>
           <a:spcPct val="20000"/>
         </a:spcBef>
         <a:buFont typeface="Arial" pitchFamily="34" charset="0"/>
         <a:buChar char="•"/>
-        <a:defRPr sz="3200" kern="1200">
+        <a:defRPr sz="7300" kern="1200">
           <a:solidFill>
             <a:schemeClr val="tx1"/>
           </a:solidFill>
@@ -4035,13 +3858,13 @@
           <a:cs typeface="+mn-cs"/>
         </a:defRPr>
       </a:lvl1pPr>
-      <a:lvl2pPr marL="742496" indent="-285575" algn="l" defTabSz="913839" rtl="0" eaLnBrk="1" latinLnBrk="0" hangingPunct="1">
+      <a:lvl2pPr marL="1697123" indent="-652739" algn="l" defTabSz="2088762" rtl="0" eaLnBrk="1" latinLnBrk="0" hangingPunct="1">
         <a:spcBef>
           <a:spcPct val="20000"/>
         </a:spcBef>
         <a:buFont typeface="Arial" pitchFamily="34" charset="0"/>
         <a:buChar char="–"/>
-        <a:defRPr sz="2800" kern="1200">
+        <a:defRPr sz="6400" kern="1200">
           <a:solidFill>
             <a:schemeClr val="tx1"/>
           </a:solidFill>
@@ -4050,13 +3873,13 @@
           <a:cs typeface="+mn-cs"/>
         </a:defRPr>
       </a:lvl2pPr>
-      <a:lvl3pPr marL="1142301" indent="-228459" algn="l" defTabSz="913839" rtl="0" eaLnBrk="1" latinLnBrk="0" hangingPunct="1">
+      <a:lvl3pPr marL="2610957" indent="-522189" algn="l" defTabSz="2088762" rtl="0" eaLnBrk="1" latinLnBrk="0" hangingPunct="1">
         <a:spcBef>
           <a:spcPct val="20000"/>
         </a:spcBef>
         <a:buFont typeface="Arial" pitchFamily="34" charset="0"/>
         <a:buChar char="•"/>
-        <a:defRPr sz="2400" kern="1200">
+        <a:defRPr sz="5500" kern="1200">
           <a:solidFill>
             <a:schemeClr val="tx1"/>
           </a:solidFill>
@@ -4065,13 +3888,13 @@
           <a:cs typeface="+mn-cs"/>
         </a:defRPr>
       </a:lvl3pPr>
-      <a:lvl4pPr marL="1599219" indent="-228459" algn="l" defTabSz="913839" rtl="0" eaLnBrk="1" latinLnBrk="0" hangingPunct="1">
+      <a:lvl4pPr marL="3655335" indent="-522189" algn="l" defTabSz="2088762" rtl="0" eaLnBrk="1" latinLnBrk="0" hangingPunct="1">
         <a:spcBef>
           <a:spcPct val="20000"/>
         </a:spcBef>
         <a:buFont typeface="Arial" pitchFamily="34" charset="0"/>
         <a:buChar char="–"/>
-        <a:defRPr sz="2000" kern="1200">
+        <a:defRPr sz="4600" kern="1200">
           <a:solidFill>
             <a:schemeClr val="tx1"/>
           </a:solidFill>
@@ -4080,13 +3903,13 @@
           <a:cs typeface="+mn-cs"/>
         </a:defRPr>
       </a:lvl4pPr>
-      <a:lvl5pPr marL="2056140" indent="-228459" algn="l" defTabSz="913839" rtl="0" eaLnBrk="1" latinLnBrk="0" hangingPunct="1">
+      <a:lvl5pPr marL="4699719" indent="-522189" algn="l" defTabSz="2088762" rtl="0" eaLnBrk="1" latinLnBrk="0" hangingPunct="1">
         <a:spcBef>
           <a:spcPct val="20000"/>
         </a:spcBef>
         <a:buFont typeface="Arial" pitchFamily="34" charset="0"/>
         <a:buChar char="»"/>
-        <a:defRPr sz="2000" kern="1200">
+        <a:defRPr sz="4600" kern="1200">
           <a:solidFill>
             <a:schemeClr val="tx1"/>
           </a:solidFill>
@@ -4095,13 +3918,13 @@
           <a:cs typeface="+mn-cs"/>
         </a:defRPr>
       </a:lvl5pPr>
-      <a:lvl6pPr marL="2513061" indent="-228459" algn="l" defTabSz="913839" rtl="0" eaLnBrk="1" latinLnBrk="0" hangingPunct="1">
+      <a:lvl6pPr marL="5744104" indent="-522189" algn="l" defTabSz="2088762" rtl="0" eaLnBrk="1" latinLnBrk="0" hangingPunct="1">
         <a:spcBef>
           <a:spcPct val="20000"/>
         </a:spcBef>
         <a:buFont typeface="Arial" pitchFamily="34" charset="0"/>
         <a:buChar char="•"/>
-        <a:defRPr sz="2000" kern="1200">
+        <a:defRPr sz="4600" kern="1200">
           <a:solidFill>
             <a:schemeClr val="tx1"/>
           </a:solidFill>
@@ -4110,13 +3933,13 @@
           <a:cs typeface="+mn-cs"/>
         </a:defRPr>
       </a:lvl6pPr>
-      <a:lvl7pPr marL="2969980" indent="-228459" algn="l" defTabSz="913839" rtl="0" eaLnBrk="1" latinLnBrk="0" hangingPunct="1">
+      <a:lvl7pPr marL="6788483" indent="-522189" algn="l" defTabSz="2088762" rtl="0" eaLnBrk="1" latinLnBrk="0" hangingPunct="1">
         <a:spcBef>
           <a:spcPct val="20000"/>
         </a:spcBef>
         <a:buFont typeface="Arial" pitchFamily="34" charset="0"/>
         <a:buChar char="•"/>
-        <a:defRPr sz="2000" kern="1200">
+        <a:defRPr sz="4600" kern="1200">
           <a:solidFill>
             <a:schemeClr val="tx1"/>
           </a:solidFill>
@@ -4125,13 +3948,13 @@
           <a:cs typeface="+mn-cs"/>
         </a:defRPr>
       </a:lvl7pPr>
-      <a:lvl8pPr marL="3426901" indent="-228459" algn="l" defTabSz="913839" rtl="0" eaLnBrk="1" latinLnBrk="0" hangingPunct="1">
+      <a:lvl8pPr marL="7832868" indent="-522189" algn="l" defTabSz="2088762" rtl="0" eaLnBrk="1" latinLnBrk="0" hangingPunct="1">
         <a:spcBef>
           <a:spcPct val="20000"/>
         </a:spcBef>
         <a:buFont typeface="Arial" pitchFamily="34" charset="0"/>
         <a:buChar char="•"/>
-        <a:defRPr sz="2000" kern="1200">
+        <a:defRPr sz="4600" kern="1200">
           <a:solidFill>
             <a:schemeClr val="tx1"/>
           </a:solidFill>
@@ -4140,13 +3963,13 @@
           <a:cs typeface="+mn-cs"/>
         </a:defRPr>
       </a:lvl8pPr>
-      <a:lvl9pPr marL="3883822" indent="-228459" algn="l" defTabSz="913839" rtl="0" eaLnBrk="1" latinLnBrk="0" hangingPunct="1">
+      <a:lvl9pPr marL="8877252" indent="-522189" algn="l" defTabSz="2088762" rtl="0" eaLnBrk="1" latinLnBrk="0" hangingPunct="1">
         <a:spcBef>
           <a:spcPct val="20000"/>
         </a:spcBef>
         <a:buFont typeface="Arial" pitchFamily="34" charset="0"/>
         <a:buChar char="•"/>
-        <a:defRPr sz="2000" kern="1200">
+        <a:defRPr sz="4600" kern="1200">
           <a:solidFill>
             <a:schemeClr val="tx1"/>
           </a:solidFill>
@@ -4160,8 +3983,8 @@
       <a:defPPr>
         <a:defRPr lang="en-US"/>
       </a:defPPr>
-      <a:lvl1pPr marL="0" algn="l" defTabSz="913839" rtl="0" eaLnBrk="1" latinLnBrk="0" hangingPunct="1">
-        <a:defRPr sz="1800" kern="1200">
+      <a:lvl1pPr marL="0" algn="l" defTabSz="2088762" rtl="0" eaLnBrk="1" latinLnBrk="0" hangingPunct="1">
+        <a:defRPr sz="4100" kern="1200">
           <a:solidFill>
             <a:schemeClr val="tx1"/>
           </a:solidFill>
@@ -4170,8 +3993,8 @@
           <a:cs typeface="+mn-cs"/>
         </a:defRPr>
       </a:lvl1pPr>
-      <a:lvl2pPr marL="456921" algn="l" defTabSz="913839" rtl="0" eaLnBrk="1" latinLnBrk="0" hangingPunct="1">
-        <a:defRPr sz="1800" kern="1200">
+      <a:lvl2pPr marL="1044384" algn="l" defTabSz="2088762" rtl="0" eaLnBrk="1" latinLnBrk="0" hangingPunct="1">
+        <a:defRPr sz="4100" kern="1200">
           <a:solidFill>
             <a:schemeClr val="tx1"/>
           </a:solidFill>
@@ -4180,8 +4003,8 @@
           <a:cs typeface="+mn-cs"/>
         </a:defRPr>
       </a:lvl2pPr>
-      <a:lvl3pPr marL="913839" algn="l" defTabSz="913839" rtl="0" eaLnBrk="1" latinLnBrk="0" hangingPunct="1">
-        <a:defRPr sz="1800" kern="1200">
+      <a:lvl3pPr marL="2088762" algn="l" defTabSz="2088762" rtl="0" eaLnBrk="1" latinLnBrk="0" hangingPunct="1">
+        <a:defRPr sz="4100" kern="1200">
           <a:solidFill>
             <a:schemeClr val="tx1"/>
           </a:solidFill>
@@ -4190,8 +4013,8 @@
           <a:cs typeface="+mn-cs"/>
         </a:defRPr>
       </a:lvl3pPr>
-      <a:lvl4pPr marL="1370760" algn="l" defTabSz="913839" rtl="0" eaLnBrk="1" latinLnBrk="0" hangingPunct="1">
-        <a:defRPr sz="1800" kern="1200">
+      <a:lvl4pPr marL="3133146" algn="l" defTabSz="2088762" rtl="0" eaLnBrk="1" latinLnBrk="0" hangingPunct="1">
+        <a:defRPr sz="4100" kern="1200">
           <a:solidFill>
             <a:schemeClr val="tx1"/>
           </a:solidFill>
@@ -4200,8 +4023,8 @@
           <a:cs typeface="+mn-cs"/>
         </a:defRPr>
       </a:lvl4pPr>
-      <a:lvl5pPr marL="1827681" algn="l" defTabSz="913839" rtl="0" eaLnBrk="1" latinLnBrk="0" hangingPunct="1">
-        <a:defRPr sz="1800" kern="1200">
+      <a:lvl5pPr marL="4177530" algn="l" defTabSz="2088762" rtl="0" eaLnBrk="1" latinLnBrk="0" hangingPunct="1">
+        <a:defRPr sz="4100" kern="1200">
           <a:solidFill>
             <a:schemeClr val="tx1"/>
           </a:solidFill>
@@ -4210,8 +4033,8 @@
           <a:cs typeface="+mn-cs"/>
         </a:defRPr>
       </a:lvl5pPr>
-      <a:lvl6pPr marL="2284600" algn="l" defTabSz="913839" rtl="0" eaLnBrk="1" latinLnBrk="0" hangingPunct="1">
-        <a:defRPr sz="1800" kern="1200">
+      <a:lvl6pPr marL="5221910" algn="l" defTabSz="2088762" rtl="0" eaLnBrk="1" latinLnBrk="0" hangingPunct="1">
+        <a:defRPr sz="4100" kern="1200">
           <a:solidFill>
             <a:schemeClr val="tx1"/>
           </a:solidFill>
@@ -4220,8 +4043,8 @@
           <a:cs typeface="+mn-cs"/>
         </a:defRPr>
       </a:lvl6pPr>
-      <a:lvl7pPr marL="2741521" algn="l" defTabSz="913839" rtl="0" eaLnBrk="1" latinLnBrk="0" hangingPunct="1">
-        <a:defRPr sz="1800" kern="1200">
+      <a:lvl7pPr marL="6266295" algn="l" defTabSz="2088762" rtl="0" eaLnBrk="1" latinLnBrk="0" hangingPunct="1">
+        <a:defRPr sz="4100" kern="1200">
           <a:solidFill>
             <a:schemeClr val="tx1"/>
           </a:solidFill>
@@ -4230,8 +4053,8 @@
           <a:cs typeface="+mn-cs"/>
         </a:defRPr>
       </a:lvl7pPr>
-      <a:lvl8pPr marL="3198442" algn="l" defTabSz="913839" rtl="0" eaLnBrk="1" latinLnBrk="0" hangingPunct="1">
-        <a:defRPr sz="1800" kern="1200">
+      <a:lvl8pPr marL="7310679" algn="l" defTabSz="2088762" rtl="0" eaLnBrk="1" latinLnBrk="0" hangingPunct="1">
+        <a:defRPr sz="4100" kern="1200">
           <a:solidFill>
             <a:schemeClr val="tx1"/>
           </a:solidFill>
@@ -4240,8 +4063,8 @@
           <a:cs typeface="+mn-cs"/>
         </a:defRPr>
       </a:lvl8pPr>
-      <a:lvl9pPr marL="3655361" algn="l" defTabSz="913839" rtl="0" eaLnBrk="1" latinLnBrk="0" hangingPunct="1">
-        <a:defRPr sz="1800" kern="1200">
+      <a:lvl9pPr marL="8355059" algn="l" defTabSz="2088762" rtl="0" eaLnBrk="1" latinLnBrk="0" hangingPunct="1">
+        <a:defRPr sz="4100" kern="1200">
           <a:solidFill>
             <a:schemeClr val="tx1"/>
           </a:solidFill>
@@ -4280,15 +4103,15 @@
         </p:nvSpPr>
         <p:spPr>
           <a:xfrm>
-            <a:off x="2590800" y="489436"/>
-            <a:ext cx="3515849" cy="369273"/>
+            <a:off x="5181603" y="1305169"/>
+            <a:ext cx="7992558" cy="841854"/>
           </a:xfrm>
           <a:prstGeom prst="rect">
             <a:avLst/>
           </a:prstGeom>
         </p:spPr>
         <p:txBody>
-          <a:bodyPr wrap="none" lIns="91384" tIns="45691" rIns="91384" bIns="45691">
+          <a:bodyPr wrap="none" lIns="208876" tIns="104436" rIns="208876" bIns="104436">
             <a:spAutoFit/>
           </a:bodyPr>
           <a:lstStyle/>
@@ -4299,11 +4122,7 @@
             </a:r>
             <a:r>
               <a:rPr lang="en-US" dirty="0" smtClean="0"/>
-              <a:t>: </a:t>
-            </a:r>
-            <a:r>
-              <a:rPr lang="en-US" dirty="0" smtClean="0"/>
-              <a:t>Firmware Features</a:t>
+              <a:t>: Firmware Features</a:t>
             </a:r>
             <a:endParaRPr lang="en-US" dirty="0"/>
           </a:p>
@@ -4317,8 +4136,8 @@
         </p:nvSpPr>
         <p:spPr>
           <a:xfrm>
-            <a:off x="1447800" y="1676400"/>
-            <a:ext cx="5334000" cy="1384936"/>
+            <a:off x="2895600" y="4470400"/>
+            <a:ext cx="10668000" cy="3693163"/>
           </a:xfrm>
           <a:prstGeom prst="rect">
             <a:avLst/>
@@ -4326,90 +4145,85 @@
           <a:noFill/>
         </p:spPr>
         <p:txBody>
-          <a:bodyPr wrap="square" lIns="91384" tIns="45691" rIns="91384" bIns="45691" rtlCol="0">
+          <a:bodyPr wrap="square" lIns="208876" tIns="104436" rIns="208876" bIns="104436" rtlCol="0">
             <a:spAutoFit/>
           </a:bodyPr>
           <a:lstStyle/>
           <a:p>
-            <a:pPr marL="171345" indent="-171345">
+            <a:pPr marL="391643" indent="-391643">
               <a:buFont typeface="Arial" pitchFamily="34" charset="0"/>
               <a:buChar char="•"/>
             </a:pPr>
             <a:r>
-              <a:rPr lang="en-US" sz="1400" dirty="0" smtClean="0"/>
+              <a:rPr lang="en-US" sz="3200" dirty="0"/>
               <a:t>Will NOT </a:t>
             </a:r>
             <a:r>
-              <a:rPr lang="en-US" sz="1400" dirty="0"/>
+              <a:rPr lang="en-US" sz="3200" dirty="0"/>
               <a:t>begin until the user has made a non-negligible duration of </a:t>
             </a:r>
-            <a:endParaRPr lang="en-US" sz="1400" dirty="0"/>
-          </a:p>
-          <a:p>
-            <a:r>
-              <a:rPr lang="en-US" sz="1400" dirty="0"/>
+          </a:p>
+          <a:p>
+            <a:r>
+              <a:rPr lang="en-US" sz="3200" dirty="0"/>
               <a:t> </a:t>
             </a:r>
             <a:r>
-              <a:rPr lang="en-US" sz="1400" dirty="0" smtClean="0"/>
-              <a:t>    </a:t>
-            </a:r>
-            <a:r>
-              <a:rPr lang="en-US" sz="1400" dirty="0" smtClean="0"/>
-              <a:t>consistent </a:t>
-            </a:r>
-            <a:r>
-              <a:rPr lang="en-US" sz="1400" dirty="0"/>
+              <a:rPr lang="en-US" sz="3200" dirty="0"/>
+              <a:t>    consistent </a:t>
+            </a:r>
+            <a:r>
+              <a:rPr lang="en-US" sz="3200" dirty="0"/>
               <a:t>contact with the terminals that power it</a:t>
             </a:r>
           </a:p>
           <a:p>
-            <a:pPr marL="171345" indent="-171345">
+            <a:pPr marL="391643" indent="-391643">
               <a:buFont typeface="Arial" pitchFamily="34" charset="0"/>
               <a:buChar char="•"/>
             </a:pPr>
             <a:r>
-              <a:rPr lang="en-US" sz="1400" dirty="0" smtClean="0"/>
+              <a:rPr lang="en-US" sz="3200" dirty="0"/>
               <a:t>Prevents </a:t>
             </a:r>
             <a:r>
-              <a:rPr lang="en-US" sz="1400" dirty="0"/>
+              <a:rPr lang="en-US" sz="3200" dirty="0"/>
               <a:t>more than 3A from going to an individual cell</a:t>
             </a:r>
           </a:p>
           <a:p>
-            <a:pPr marL="171345" indent="-171345">
+            <a:pPr marL="391643" indent="-391643">
               <a:buFont typeface="Arial" pitchFamily="34" charset="0"/>
               <a:buChar char="•"/>
             </a:pPr>
             <a:r>
-              <a:rPr lang="en-US" sz="1400" dirty="0"/>
+              <a:rPr lang="en-US" sz="3200" dirty="0"/>
               <a:t>Can communicate </a:t>
             </a:r>
             <a:r>
-              <a:rPr lang="en-US" sz="1400" dirty="0" smtClean="0"/>
+              <a:rPr lang="en-US" sz="3200" dirty="0"/>
               <a:t>its status to </a:t>
             </a:r>
             <a:r>
-              <a:rPr lang="en-US" sz="1400" dirty="0"/>
+              <a:rPr lang="en-US" sz="3200" dirty="0"/>
               <a:t>the </a:t>
             </a:r>
             <a:r>
-              <a:rPr lang="en-US" sz="1400" dirty="0" err="1"/>
+              <a:rPr lang="en-US" sz="3200" dirty="0" err="1"/>
               <a:t>powerboard</a:t>
             </a:r>
             <a:r>
-              <a:rPr lang="en-US" sz="1400" dirty="0"/>
+              <a:rPr lang="en-US" sz="3200" dirty="0"/>
               <a:t> as a slave</a:t>
             </a:r>
           </a:p>
           <a:p>
-            <a:pPr marL="171345" indent="-171345">
+            <a:pPr marL="391643" indent="-391643">
               <a:buFont typeface="Arial" pitchFamily="34" charset="0"/>
               <a:buChar char="•"/>
             </a:pPr>
             <a:r>
-              <a:rPr lang="en-US" sz="1400" dirty="0" smtClean="0">
+              <a:rPr lang="en-US" sz="3200" dirty="0">
                 <a:solidFill>
                   <a:schemeClr val="bg1">
                     <a:lumMod val="50000"/>
@@ -4419,7 +4233,7 @@
               <a:t>Will </a:t>
             </a:r>
             <a:r>
-              <a:rPr lang="en-US" sz="1400" dirty="0">
+              <a:rPr lang="en-US" sz="3200" dirty="0">
                 <a:solidFill>
                   <a:schemeClr val="bg1">
                     <a:lumMod val="50000"/>
@@ -4429,7 +4243,7 @@
               <a:t>NOT charge a battery that has discharged </a:t>
             </a:r>
             <a:r>
-              <a:rPr lang="en-US" sz="1400" dirty="0" smtClean="0">
+              <a:rPr lang="en-US" sz="3200" dirty="0">
                 <a:solidFill>
                   <a:schemeClr val="bg1">
                     <a:lumMod val="50000"/>
@@ -4439,7 +4253,7 @@
               <a:t>dangerously low (less </a:t>
             </a:r>
             <a:r>
-              <a:rPr lang="en-US" sz="1400" dirty="0">
+              <a:rPr lang="en-US" sz="3200" dirty="0">
                 <a:solidFill>
                   <a:schemeClr val="bg1">
                     <a:lumMod val="50000"/>
@@ -4449,7 +4263,7 @@
               <a:t>than </a:t>
             </a:r>
             <a:r>
-              <a:rPr lang="en-US" sz="1400" dirty="0" smtClean="0">
+              <a:rPr lang="en-US" sz="3200" dirty="0">
                 <a:solidFill>
                   <a:schemeClr val="bg1">
                     <a:lumMod val="50000"/>
@@ -4459,7 +4273,7 @@
               <a:t>2.5V/cell </a:t>
             </a:r>
             <a:r>
-              <a:rPr lang="en-US" sz="1400" dirty="0">
+              <a:rPr lang="en-US" sz="3200" dirty="0">
                 <a:solidFill>
                   <a:schemeClr val="bg1">
                     <a:lumMod val="50000"/>
@@ -4469,7 +4283,7 @@
               <a:t>* </a:t>
             </a:r>
             <a:r>
-              <a:rPr lang="en-US" sz="1400" dirty="0" smtClean="0">
+              <a:rPr lang="en-US" sz="3200" dirty="0">
                 <a:solidFill>
                   <a:schemeClr val="bg1">
                     <a:lumMod val="50000"/>
@@ -4478,7 +4292,7 @@
               </a:rPr>
               <a:t>4cells =&gt; 6V).</a:t>
             </a:r>
-            <a:endParaRPr lang="en-US" sz="1400" dirty="0"/>
+            <a:endParaRPr lang="en-US" sz="3200" dirty="0"/>
           </a:p>
         </p:txBody>
       </p:sp>
@@ -4521,120 +4335,28 @@
       </p:grpSpPr>
       <p:sp>
         <p:nvSpPr>
-          <p:cNvPr id="34" name="TextBox 33"/>
-          <p:cNvSpPr txBox="1"/>
+          <p:cNvPr id="2" name="Rectangle 1"/>
+          <p:cNvSpPr/>
           <p:nvPr/>
         </p:nvSpPr>
         <p:spPr>
           <a:xfrm>
-            <a:off x="2747844" y="5454163"/>
-            <a:ext cx="1273691" cy="369273"/>
+            <a:off x="6400808" y="792487"/>
+            <a:ext cx="5073746" cy="841854"/>
           </a:xfrm>
           <a:prstGeom prst="rect">
             <a:avLst/>
           </a:prstGeom>
-          <a:solidFill>
-            <a:schemeClr val="bg1"/>
-          </a:solidFill>
-        </p:spPr>
-        <p:txBody>
-          <a:bodyPr wrap="square" lIns="91384" tIns="45691" rIns="91384" bIns="45691" rtlCol="0">
+        </p:spPr>
+        <p:txBody>
+          <a:bodyPr wrap="none" lIns="208876" tIns="104436" rIns="208876" bIns="104436">
             <a:spAutoFit/>
           </a:bodyPr>
           <a:lstStyle/>
           <a:p>
             <a:r>
-              <a:rPr lang="en-US" sz="600" dirty="0">
-                <a:solidFill>
-                  <a:schemeClr val="accent3">
-                    <a:lumMod val="50000"/>
-                  </a:schemeClr>
-                </a:solidFill>
-              </a:rPr>
-              <a:t>o</a:t>
-            </a:r>
-            <a:r>
-              <a:rPr lang="en-US" sz="600" dirty="0" smtClean="0">
-                <a:solidFill>
-                  <a:schemeClr val="accent3">
-                    <a:lumMod val="50000"/>
-                  </a:schemeClr>
-                </a:solidFill>
-              </a:rPr>
-              <a:t>ne side just wants too much,</a:t>
-            </a:r>
-          </a:p>
-          <a:p>
-            <a:r>
-              <a:rPr lang="en-US" sz="600" dirty="0">
-                <a:solidFill>
-                  <a:schemeClr val="accent3">
-                    <a:lumMod val="50000"/>
-                  </a:schemeClr>
-                </a:solidFill>
-              </a:rPr>
-              <a:t>s</a:t>
-            </a:r>
-            <a:r>
-              <a:rPr lang="en-US" sz="600" dirty="0" smtClean="0">
-                <a:solidFill>
-                  <a:schemeClr val="accent3">
-                    <a:lumMod val="50000"/>
-                  </a:schemeClr>
-                </a:solidFill>
-              </a:rPr>
-              <a:t>o limit the overall current to the</a:t>
-            </a:r>
-          </a:p>
-          <a:p>
-            <a:r>
-              <a:rPr lang="en-US" sz="600" dirty="0" smtClean="0">
-                <a:solidFill>
-                  <a:schemeClr val="accent3">
-                    <a:lumMod val="50000"/>
-                  </a:schemeClr>
-                </a:solidFill>
-              </a:rPr>
-              <a:t>Individual limit</a:t>
-            </a:r>
-            <a:endParaRPr lang="en-US" sz="600" dirty="0">
-              <a:solidFill>
-                <a:schemeClr val="accent3">
-                  <a:lumMod val="50000"/>
-                </a:schemeClr>
-              </a:solidFill>
-            </a:endParaRPr>
-          </a:p>
-        </p:txBody>
-      </p:sp>
-      <p:sp>
-        <p:nvSpPr>
-          <p:cNvPr id="2" name="Rectangle 1"/>
-          <p:cNvSpPr/>
-          <p:nvPr/>
-        </p:nvSpPr>
-        <p:spPr>
-          <a:xfrm>
-            <a:off x="3071025" y="304800"/>
-            <a:ext cx="3084962" cy="369273"/>
-          </a:xfrm>
-          <a:prstGeom prst="rect">
-            <a:avLst/>
-          </a:prstGeom>
-        </p:spPr>
-        <p:txBody>
-          <a:bodyPr wrap="none" lIns="91384" tIns="45691" rIns="91384" bIns="45691">
-            <a:spAutoFit/>
-          </a:bodyPr>
-          <a:lstStyle/>
-          <a:p>
-            <a:r>
-              <a:rPr lang="en-US" dirty="0" err="1" smtClean="0"/>
-              <a:t>InternalCharger</a:t>
-            </a:r>
-            <a:r>
               <a:rPr lang="en-US" dirty="0" smtClean="0"/>
-              <a:t>: State Diagram</a:t>
+              <a:t>State Diagram Legend</a:t>
             </a:r>
             <a:endParaRPr lang="en-US" dirty="0"/>
           </a:p>
@@ -4642,22 +4364,22 @@
       </p:sp>
       <p:cxnSp>
         <p:nvCxnSpPr>
-          <p:cNvPr id="10" name="Curved Connector 9"/>
-          <p:cNvCxnSpPr>
-            <a:stCxn id="5" idx="1"/>
-            <a:endCxn id="4" idx="2"/>
-          </p:cNvCxnSpPr>
+          <p:cNvPr id="34" name="Curved Connector 33"/>
+          <p:cNvCxnSpPr/>
           <p:nvPr/>
         </p:nvCxnSpPr>
         <p:spPr>
-          <a:xfrm rot="10800000">
-            <a:off x="3126262" y="1981201"/>
-            <a:ext cx="2283945" cy="2171700"/>
-          </a:xfrm>
-          <a:prstGeom prst="curvedConnector2">
-            <a:avLst/>
+          <a:xfrm>
+            <a:off x="1466072" y="1889938"/>
+            <a:ext cx="1828796" cy="1574797"/>
+          </a:xfrm>
+          <a:prstGeom prst="curvedConnector3">
+            <a:avLst>
+              <a:gd name="adj1" fmla="val 50000"/>
+            </a:avLst>
           </a:prstGeom>
-          <a:ln>
+          <a:ln cap="rnd">
+            <a:headEnd type="oval"/>
             <a:tailEnd type="arrow"/>
           </a:ln>
         </p:spPr>
@@ -4676,205 +4398,16 @@
           </a:fontRef>
         </p:style>
       </p:cxnSp>
-      <p:cxnSp>
-        <p:nvCxnSpPr>
-          <p:cNvPr id="7" name="Curved Connector 6"/>
-          <p:cNvCxnSpPr>
-            <a:stCxn id="4" idx="3"/>
-            <a:endCxn id="5" idx="0"/>
-          </p:cNvCxnSpPr>
-          <p:nvPr/>
-        </p:nvCxnSpPr>
-        <p:spPr>
-          <a:xfrm>
-            <a:off x="3507260" y="1866901"/>
-            <a:ext cx="2283945" cy="2171700"/>
-          </a:xfrm>
-          <a:prstGeom prst="curvedConnector2">
-            <a:avLst/>
-          </a:prstGeom>
-          <a:ln>
-            <a:tailEnd type="arrow"/>
-          </a:ln>
-        </p:spPr>
-        <p:style>
-          <a:lnRef idx="1">
-            <a:schemeClr val="accent1"/>
-          </a:lnRef>
-          <a:fillRef idx="0">
-            <a:schemeClr val="accent1"/>
-          </a:fillRef>
-          <a:effectRef idx="0">
-            <a:schemeClr val="accent1"/>
-          </a:effectRef>
-          <a:fontRef idx="minor">
-            <a:schemeClr val="tx1"/>
-          </a:fontRef>
-        </p:style>
-      </p:cxnSp>
-      <p:cxnSp>
-        <p:nvCxnSpPr>
-          <p:cNvPr id="39" name="Curved Connector 38"/>
-          <p:cNvCxnSpPr>
-            <a:stCxn id="5" idx="2"/>
-            <a:endCxn id="5" idx="3"/>
-          </p:cNvCxnSpPr>
-          <p:nvPr/>
-        </p:nvCxnSpPr>
-        <p:spPr>
-          <a:xfrm rot="5400000" flipH="1" flipV="1">
-            <a:off x="5924550" y="4019551"/>
-            <a:ext cx="114300" cy="381000"/>
-          </a:xfrm>
-          <a:prstGeom prst="curvedConnector4">
-            <a:avLst>
-              <a:gd name="adj1" fmla="val -1211111"/>
-              <a:gd name="adj2" fmla="val 153334"/>
-            </a:avLst>
-          </a:prstGeom>
-          <a:ln>
-            <a:tailEnd type="arrow"/>
-          </a:ln>
-        </p:spPr>
-        <p:style>
-          <a:lnRef idx="1">
-            <a:schemeClr val="accent1"/>
-          </a:lnRef>
-          <a:fillRef idx="0">
-            <a:schemeClr val="accent1"/>
-          </a:fillRef>
-          <a:effectRef idx="0">
-            <a:schemeClr val="accent1"/>
-          </a:effectRef>
-          <a:fontRef idx="minor">
-            <a:schemeClr val="tx1"/>
-          </a:fontRef>
-        </p:style>
-      </p:cxnSp>
-      <p:cxnSp>
-        <p:nvCxnSpPr>
-          <p:cNvPr id="24" name="Curved Connector 23"/>
-          <p:cNvCxnSpPr>
-            <a:stCxn id="5" idx="2"/>
-            <a:endCxn id="5" idx="3"/>
-          </p:cNvCxnSpPr>
-          <p:nvPr/>
-        </p:nvCxnSpPr>
-        <p:spPr>
-          <a:xfrm rot="5400000" flipH="1" flipV="1">
-            <a:off x="5924551" y="4019552"/>
-            <a:ext cx="114300" cy="381000"/>
-          </a:xfrm>
-          <a:prstGeom prst="curvedConnector4">
-            <a:avLst>
-              <a:gd name="adj1" fmla="val -196667"/>
-              <a:gd name="adj2" fmla="val 625000"/>
-            </a:avLst>
-          </a:prstGeom>
-          <a:ln>
-            <a:tailEnd type="arrow"/>
-          </a:ln>
-        </p:spPr>
-        <p:style>
-          <a:lnRef idx="1">
-            <a:schemeClr val="accent1"/>
-          </a:lnRef>
-          <a:fillRef idx="0">
-            <a:schemeClr val="accent1"/>
-          </a:fillRef>
-          <a:effectRef idx="0">
-            <a:schemeClr val="accent1"/>
-          </a:effectRef>
-          <a:fontRef idx="minor">
-            <a:schemeClr val="tx1"/>
-          </a:fontRef>
-        </p:style>
-      </p:cxnSp>
-      <p:cxnSp>
-        <p:nvCxnSpPr>
-          <p:cNvPr id="44" name="Curved Connector 43"/>
-          <p:cNvCxnSpPr/>
-          <p:nvPr/>
-        </p:nvCxnSpPr>
-        <p:spPr>
-          <a:xfrm>
-            <a:off x="733036" y="708724"/>
-            <a:ext cx="914398" cy="590549"/>
-          </a:xfrm>
-          <a:prstGeom prst="curvedConnector3">
-            <a:avLst>
-              <a:gd name="adj1" fmla="val 50000"/>
-            </a:avLst>
-          </a:prstGeom>
-          <a:ln cap="rnd">
-            <a:headEnd type="oval"/>
-            <a:tailEnd type="arrow"/>
-          </a:ln>
-        </p:spPr>
-        <p:style>
-          <a:lnRef idx="1">
-            <a:schemeClr val="accent1"/>
-          </a:lnRef>
-          <a:fillRef idx="0">
-            <a:schemeClr val="accent1"/>
-          </a:fillRef>
-          <a:effectRef idx="0">
-            <a:schemeClr val="accent1"/>
-          </a:effectRef>
-          <a:fontRef idx="minor">
-            <a:schemeClr val="tx1"/>
-          </a:fontRef>
-        </p:style>
-      </p:cxnSp>
-      <p:cxnSp>
-        <p:nvCxnSpPr>
-          <p:cNvPr id="16" name="Curved Connector 15"/>
-          <p:cNvCxnSpPr>
-            <a:stCxn id="5" idx="0"/>
-            <a:endCxn id="5" idx="3"/>
-          </p:cNvCxnSpPr>
-          <p:nvPr/>
-        </p:nvCxnSpPr>
-        <p:spPr>
-          <a:xfrm rot="16200000" flipH="1">
-            <a:off x="5924550" y="3905251"/>
-            <a:ext cx="114300" cy="381000"/>
-          </a:xfrm>
-          <a:prstGeom prst="curvedConnector4">
-            <a:avLst>
-              <a:gd name="adj1" fmla="val -562500"/>
-              <a:gd name="adj2" fmla="val 598750"/>
-            </a:avLst>
-          </a:prstGeom>
-          <a:ln>
-            <a:tailEnd type="arrow"/>
-          </a:ln>
-        </p:spPr>
-        <p:style>
-          <a:lnRef idx="1">
-            <a:schemeClr val="accent1"/>
-          </a:lnRef>
-          <a:fillRef idx="0">
-            <a:schemeClr val="accent1"/>
-          </a:fillRef>
-          <a:effectRef idx="0">
-            <a:schemeClr val="accent1"/>
-          </a:effectRef>
-          <a:fontRef idx="minor">
-            <a:schemeClr val="tx1"/>
-          </a:fontRef>
-        </p:style>
-      </p:cxnSp>
-      <p:sp>
-        <p:nvSpPr>
-          <p:cNvPr id="4" name="Rounded Rectangle 3"/>
+      <p:sp>
+        <p:nvSpPr>
+          <p:cNvPr id="35" name="Rounded Rectangle 34"/>
           <p:cNvSpPr/>
           <p:nvPr/>
         </p:nvSpPr>
         <p:spPr>
           <a:xfrm>
-            <a:off x="2745255" y="1752601"/>
-            <a:ext cx="762000" cy="228600"/>
+            <a:off x="7110422" y="8331203"/>
+            <a:ext cx="1524000" cy="609600"/>
           </a:xfrm>
           <a:prstGeom prst="roundRect">
             <a:avLst/>
@@ -4897,28 +4430,55 @@
           </a:fontRef>
         </p:style>
         <p:txBody>
-          <a:bodyPr lIns="91384" tIns="45691" rIns="91384" bIns="45691" rtlCol="0" anchor="ctr"/>
+          <a:bodyPr lIns="208876" tIns="104436" rIns="208876" bIns="104436" rtlCol="0" anchor="ctr"/>
           <a:lstStyle/>
           <a:p>
             <a:pPr algn="ctr"/>
             <a:r>
-              <a:rPr lang="en-US" sz="600" dirty="0" smtClean="0"/>
-              <a:t>Sleeping</a:t>
-            </a:r>
-            <a:endParaRPr lang="en-US" sz="600" dirty="0"/>
-          </a:p>
-        </p:txBody>
-      </p:sp>
-      <p:sp>
-        <p:nvSpPr>
-          <p:cNvPr id="5" name="Rounded Rectangle 4"/>
+              <a:rPr lang="en-US" sz="2100" dirty="0"/>
+              <a:t>My state 2</a:t>
+            </a:r>
+          </a:p>
+        </p:txBody>
+      </p:sp>
+      <p:sp>
+        <p:nvSpPr>
+          <p:cNvPr id="38" name="Rectangle 37"/>
           <p:cNvSpPr/>
           <p:nvPr/>
         </p:nvSpPr>
         <p:spPr>
           <a:xfrm>
-            <a:off x="5410200" y="4038601"/>
-            <a:ext cx="762000" cy="228600"/>
+            <a:off x="1100177" y="1305255"/>
+            <a:ext cx="850860" cy="487911"/>
+          </a:xfrm>
+          <a:prstGeom prst="rect">
+            <a:avLst/>
+          </a:prstGeom>
+        </p:spPr>
+        <p:txBody>
+          <a:bodyPr wrap="none" lIns="208876" tIns="104436" rIns="208876" bIns="104436">
+            <a:spAutoFit/>
+          </a:bodyPr>
+          <a:lstStyle/>
+          <a:p>
+            <a:r>
+              <a:rPr lang="en-US" sz="1800" dirty="0"/>
+              <a:t>start</a:t>
+            </a:r>
+          </a:p>
+        </p:txBody>
+      </p:sp>
+      <p:sp>
+        <p:nvSpPr>
+          <p:cNvPr id="40" name="Rounded Rectangle 39"/>
+          <p:cNvSpPr/>
+          <p:nvPr/>
+        </p:nvSpPr>
+        <p:spPr>
+          <a:xfrm>
+            <a:off x="3294868" y="3159935"/>
+            <a:ext cx="2496332" cy="1310483"/>
           </a:xfrm>
           <a:prstGeom prst="roundRect">
             <a:avLst/>
@@ -4941,430 +4501,45 @@
           </a:fontRef>
         </p:style>
         <p:txBody>
-          <a:bodyPr lIns="91384" tIns="45691" rIns="91384" bIns="45691" rtlCol="0" anchor="ctr"/>
+          <a:bodyPr lIns="208876" tIns="104436" rIns="208876" bIns="104436" rtlCol="0" anchor="ctr"/>
           <a:lstStyle/>
           <a:p>
             <a:pPr algn="ctr"/>
             <a:r>
-              <a:rPr lang="en-US" sz="600" dirty="0" smtClean="0"/>
-              <a:t>Charging</a:t>
-            </a:r>
-            <a:endParaRPr lang="en-US" sz="600" dirty="0"/>
-          </a:p>
-        </p:txBody>
-      </p:sp>
-      <p:sp>
-        <p:nvSpPr>
-          <p:cNvPr id="49" name="Rectangle 48"/>
-          <p:cNvSpPr/>
-          <p:nvPr/>
-        </p:nvSpPr>
-        <p:spPr>
-          <a:xfrm>
-            <a:off x="550087" y="489468"/>
-            <a:ext cx="330427" cy="184607"/>
-          </a:xfrm>
-          <a:prstGeom prst="rect">
-            <a:avLst/>
-          </a:prstGeom>
-        </p:spPr>
-        <p:txBody>
-          <a:bodyPr wrap="none" lIns="91384" tIns="45691" rIns="91384" bIns="45691">
-            <a:spAutoFit/>
-          </a:bodyPr>
-          <a:lstStyle/>
-          <a:p>
-            <a:r>
-              <a:rPr lang="en-US" sz="600" dirty="0"/>
-              <a:t>start</a:t>
-            </a:r>
-          </a:p>
-        </p:txBody>
-      </p:sp>
-      <p:sp>
-        <p:nvSpPr>
-          <p:cNvPr id="13" name="TextBox 12"/>
-          <p:cNvSpPr txBox="1"/>
-          <p:nvPr/>
-        </p:nvSpPr>
-        <p:spPr>
-          <a:xfrm>
-            <a:off x="4304642" y="1381035"/>
-            <a:ext cx="1907781" cy="923271"/>
-          </a:xfrm>
-          <a:prstGeom prst="rect">
-            <a:avLst/>
-          </a:prstGeom>
-          <a:solidFill>
-            <a:schemeClr val="bg1"/>
-          </a:solidFill>
-        </p:spPr>
-        <p:txBody>
-          <a:bodyPr wrap="none" lIns="91384" tIns="45691" rIns="91384" bIns="45691" rtlCol="0">
-            <a:spAutoFit/>
-          </a:bodyPr>
-          <a:lstStyle/>
-          <a:p>
-            <a:r>
-              <a:rPr lang="en-US" sz="600" u="sng" dirty="0" smtClean="0"/>
-              <a:t>(V</a:t>
-            </a:r>
-            <a:r>
-              <a:rPr lang="en-US" sz="600" u="sng" baseline="-25000" dirty="0" smtClean="0"/>
-              <a:t>CELLA</a:t>
-            </a:r>
-            <a:r>
-              <a:rPr lang="en-US" sz="600" u="sng" dirty="0" smtClean="0"/>
-              <a:t> </a:t>
-            </a:r>
-            <a:r>
-              <a:rPr lang="en-US" sz="600" u="sng" dirty="0"/>
-              <a:t>&lt; 16V OR V</a:t>
-            </a:r>
-            <a:r>
-              <a:rPr lang="en-US" sz="600" u="sng" baseline="-25000" dirty="0"/>
-              <a:t>CELLB</a:t>
-            </a:r>
-            <a:r>
-              <a:rPr lang="en-US" sz="600" u="sng" dirty="0"/>
-              <a:t> &lt; </a:t>
-            </a:r>
-            <a:r>
-              <a:rPr lang="en-US" sz="600" u="sng" dirty="0" smtClean="0"/>
-              <a:t>16V) AND</a:t>
-            </a:r>
-          </a:p>
-          <a:p>
-            <a:r>
-              <a:rPr lang="en-US" sz="600" u="sng" dirty="0" smtClean="0"/>
-              <a:t>(6V &lt; V</a:t>
-            </a:r>
-            <a:r>
-              <a:rPr lang="en-US" sz="600" u="sng" baseline="-25000" dirty="0" smtClean="0"/>
-              <a:t>CELLA</a:t>
-            </a:r>
-            <a:r>
-              <a:rPr lang="en-US" sz="600" u="sng" dirty="0" smtClean="0"/>
-              <a:t> AND 6V</a:t>
-            </a:r>
-            <a:r>
-              <a:rPr lang="en-US" sz="600" u="sng" dirty="0"/>
-              <a:t> </a:t>
-            </a:r>
-            <a:r>
-              <a:rPr lang="en-US" sz="600" u="sng" dirty="0" smtClean="0"/>
-              <a:t>&lt; V</a:t>
-            </a:r>
-            <a:r>
-              <a:rPr lang="en-US" sz="600" u="sng" baseline="-25000" dirty="0" smtClean="0"/>
-              <a:t>CELLB</a:t>
-            </a:r>
-            <a:r>
-              <a:rPr lang="en-US" sz="600" u="sng" dirty="0" smtClean="0"/>
-              <a:t>)</a:t>
-            </a:r>
-            <a:endParaRPr lang="en-US" sz="600" u="sng" dirty="0"/>
-          </a:p>
-          <a:p>
-            <a:r>
-              <a:rPr lang="en-US" sz="600" dirty="0"/>
-              <a:t>  - update our status variable to </a:t>
-            </a:r>
-          </a:p>
-          <a:p>
-            <a:r>
-              <a:rPr lang="en-US" sz="600" dirty="0"/>
-              <a:t>    ‘alive and on dock’ (for </a:t>
-            </a:r>
-            <a:r>
-              <a:rPr lang="en-US" sz="600" dirty="0" err="1"/>
-              <a:t>Tx</a:t>
-            </a:r>
-            <a:endParaRPr lang="en-US" sz="600" dirty="0"/>
-          </a:p>
-          <a:p>
-            <a:r>
-              <a:rPr lang="en-US" sz="600" dirty="0"/>
-              <a:t>    to </a:t>
-            </a:r>
-            <a:r>
-              <a:rPr lang="en-US" sz="600" dirty="0" err="1"/>
-              <a:t>powerboard</a:t>
-            </a:r>
-            <a:r>
-              <a:rPr lang="en-US" sz="600" dirty="0"/>
-              <a:t>)</a:t>
-            </a:r>
-          </a:p>
-          <a:p>
-            <a:r>
-              <a:rPr lang="en-US" sz="600" dirty="0"/>
-              <a:t>   - turn on the charging IC</a:t>
-            </a:r>
-          </a:p>
-          <a:p>
-            <a:r>
-              <a:rPr lang="en-US" sz="600" dirty="0"/>
-              <a:t>  - connect cell A</a:t>
-            </a:r>
-          </a:p>
-          <a:p>
-            <a:r>
-              <a:rPr lang="en-US" sz="600" dirty="0"/>
-              <a:t>  - connect cell B</a:t>
-            </a:r>
-          </a:p>
-          <a:p>
-            <a:r>
-              <a:rPr lang="en-US" sz="600" dirty="0"/>
-              <a:t>  - configure charger to </a:t>
-            </a:r>
-            <a:r>
-              <a:rPr lang="en-US" sz="600" dirty="0" err="1"/>
-              <a:t>V</a:t>
-            </a:r>
-            <a:r>
-              <a:rPr lang="en-US" sz="600" baseline="-25000" dirty="0" err="1"/>
-              <a:t>charge,max</a:t>
-            </a:r>
-            <a:r>
-              <a:rPr lang="en-US" sz="600" dirty="0"/>
-              <a:t> = 16.5V, </a:t>
-            </a:r>
-            <a:r>
-              <a:rPr lang="en-US" sz="600" dirty="0" err="1"/>
-              <a:t>I</a:t>
-            </a:r>
-            <a:r>
-              <a:rPr lang="en-US" sz="600" baseline="-25000" dirty="0" err="1"/>
-              <a:t>charge,max</a:t>
-            </a:r>
-            <a:r>
-              <a:rPr lang="en-US" sz="600" dirty="0"/>
-              <a:t> = 6A</a:t>
-            </a:r>
-          </a:p>
-        </p:txBody>
-      </p:sp>
-      <p:sp>
-        <p:nvSpPr>
-          <p:cNvPr id="14" name="TextBox 13"/>
-          <p:cNvSpPr txBox="1"/>
-          <p:nvPr/>
-        </p:nvSpPr>
-        <p:spPr>
-          <a:xfrm>
-            <a:off x="7239000" y="3384639"/>
-            <a:ext cx="1216887" cy="369273"/>
-          </a:xfrm>
-          <a:prstGeom prst="rect">
-            <a:avLst/>
-          </a:prstGeom>
-          <a:solidFill>
-            <a:schemeClr val="bg1"/>
-          </a:solidFill>
-        </p:spPr>
-        <p:txBody>
-          <a:bodyPr wrap="none" lIns="91384" tIns="45691" rIns="91384" bIns="45691" rtlCol="0">
-            <a:spAutoFit/>
-          </a:bodyPr>
-          <a:lstStyle/>
-          <a:p>
-            <a:r>
-              <a:rPr lang="en-US" sz="600" u="sng" dirty="0"/>
-              <a:t>Charger refresh timer expired</a:t>
-            </a:r>
-            <a:endParaRPr lang="en-US" sz="600" u="sng" dirty="0">
-              <a:solidFill>
-                <a:schemeClr val="tx1">
-                  <a:lumMod val="50000"/>
-                  <a:lumOff val="50000"/>
-                </a:schemeClr>
-              </a:solidFill>
-            </a:endParaRPr>
-          </a:p>
-          <a:p>
-            <a:r>
-              <a:rPr lang="en-US" sz="600" dirty="0"/>
-              <a:t>  - start the charger refresh timer</a:t>
-            </a:r>
-          </a:p>
-          <a:p>
-            <a:r>
-              <a:rPr lang="en-US" sz="600" dirty="0"/>
-              <a:t>  - configure the charger</a:t>
-            </a:r>
-          </a:p>
-        </p:txBody>
-      </p:sp>
-      <p:sp>
-        <p:nvSpPr>
-          <p:cNvPr id="21" name="TextBox 20"/>
-          <p:cNvSpPr txBox="1"/>
-          <p:nvPr/>
-        </p:nvSpPr>
-        <p:spPr>
-          <a:xfrm>
-            <a:off x="6248400" y="5008073"/>
-            <a:ext cx="784076" cy="276940"/>
-          </a:xfrm>
-          <a:prstGeom prst="rect">
-            <a:avLst/>
-          </a:prstGeom>
-          <a:solidFill>
-            <a:schemeClr val="bg1"/>
-          </a:solidFill>
-        </p:spPr>
-        <p:txBody>
-          <a:bodyPr wrap="none" lIns="91384" tIns="45691" rIns="91384" bIns="45691" rtlCol="0">
-            <a:spAutoFit/>
-          </a:bodyPr>
-          <a:lstStyle/>
-          <a:p>
-            <a:r>
-              <a:rPr lang="en-US" sz="600" u="sng" dirty="0" err="1"/>
-              <a:t>I</a:t>
-            </a:r>
-            <a:r>
-              <a:rPr lang="en-US" sz="600" u="sng" baseline="-25000" dirty="0" err="1"/>
-              <a:t>cellA</a:t>
-            </a:r>
-            <a:r>
-              <a:rPr lang="en-US" sz="600" u="sng" dirty="0"/>
-              <a:t> &lt; 100mA</a:t>
-            </a:r>
-          </a:p>
-          <a:p>
-            <a:r>
-              <a:rPr lang="en-US" sz="600" dirty="0"/>
-              <a:t>  - disconnect cell A</a:t>
-            </a:r>
-          </a:p>
-        </p:txBody>
-      </p:sp>
-      <p:sp>
-        <p:nvSpPr>
-          <p:cNvPr id="22" name="TextBox 21"/>
-          <p:cNvSpPr txBox="1"/>
-          <p:nvPr/>
-        </p:nvSpPr>
-        <p:spPr>
-          <a:xfrm>
-            <a:off x="7391400" y="4405675"/>
-            <a:ext cx="780870" cy="276940"/>
-          </a:xfrm>
-          <a:prstGeom prst="rect">
-            <a:avLst/>
-          </a:prstGeom>
-          <a:solidFill>
-            <a:schemeClr val="bg1"/>
-          </a:solidFill>
-        </p:spPr>
-        <p:txBody>
-          <a:bodyPr wrap="none" lIns="91384" tIns="45691" rIns="91384" bIns="45691" rtlCol="0">
-            <a:spAutoFit/>
-          </a:bodyPr>
-          <a:lstStyle/>
-          <a:p>
-            <a:r>
-              <a:rPr lang="en-US" sz="600" u="sng" dirty="0" err="1"/>
-              <a:t>I</a:t>
-            </a:r>
-            <a:r>
-              <a:rPr lang="en-US" sz="600" u="sng" baseline="-25000" dirty="0" err="1"/>
-              <a:t>cellB</a:t>
-            </a:r>
-            <a:r>
-              <a:rPr lang="en-US" sz="600" u="sng" dirty="0"/>
-              <a:t> &lt; 100mA</a:t>
-            </a:r>
-          </a:p>
-          <a:p>
-            <a:r>
-              <a:rPr lang="en-US" sz="600" dirty="0"/>
-              <a:t>  - disconnect cell B</a:t>
-            </a:r>
-          </a:p>
-        </p:txBody>
-      </p:sp>
-      <p:sp>
-        <p:nvSpPr>
-          <p:cNvPr id="23" name="TextBox 22"/>
-          <p:cNvSpPr txBox="1"/>
-          <p:nvPr/>
-        </p:nvSpPr>
-        <p:spPr>
-          <a:xfrm>
-            <a:off x="3071020" y="2819405"/>
-            <a:ext cx="1958180" cy="461606"/>
-          </a:xfrm>
-          <a:prstGeom prst="rect">
-            <a:avLst/>
-          </a:prstGeom>
-          <a:solidFill>
-            <a:schemeClr val="bg1"/>
-          </a:solidFill>
-        </p:spPr>
-        <p:txBody>
-          <a:bodyPr wrap="square" lIns="91384" tIns="45691" rIns="91384" bIns="45691" rtlCol="0">
-            <a:spAutoFit/>
-          </a:bodyPr>
-          <a:lstStyle/>
-          <a:p>
-            <a:r>
-              <a:rPr lang="en-US" sz="600" u="sng" dirty="0"/>
-              <a:t>I</a:t>
-            </a:r>
-            <a:r>
-              <a:rPr lang="en-US" sz="600" u="sng" baseline="-25000" dirty="0"/>
-              <a:t>CELLA</a:t>
-            </a:r>
-            <a:r>
-              <a:rPr lang="en-US" sz="600" u="sng" dirty="0"/>
-              <a:t> &lt; 100mA AND_I</a:t>
-            </a:r>
-            <a:r>
-              <a:rPr lang="en-US" sz="600" u="sng" baseline="-25000" dirty="0"/>
-              <a:t>CELLB</a:t>
-            </a:r>
-            <a:r>
-              <a:rPr lang="en-US" sz="600" u="sng" dirty="0"/>
-              <a:t> &lt; 100mA</a:t>
-            </a:r>
-          </a:p>
-          <a:p>
-            <a:r>
-              <a:rPr lang="en-US" sz="600" dirty="0"/>
-              <a:t>  - turn off the charging IC</a:t>
-            </a:r>
-          </a:p>
-          <a:p>
-            <a:r>
-              <a:rPr lang="en-US" sz="600" dirty="0"/>
-              <a:t>  - re-connect each cell to monitor the</a:t>
-            </a:r>
-          </a:p>
-          <a:p>
-            <a:r>
-              <a:rPr lang="en-US" sz="600" dirty="0"/>
-              <a:t>     SOC via their voltages</a:t>
+              <a:rPr lang="en-US" sz="2100" dirty="0"/>
+              <a:t>My state 1</a:t>
+            </a:r>
+          </a:p>
+          <a:p>
+            <a:pPr algn="ctr"/>
+            <a:r>
+              <a:rPr lang="en-US" sz="2100" dirty="0"/>
+              <a:t>(gerund,  ‘</a:t>
+            </a:r>
+            <a:r>
+              <a:rPr lang="en-US" sz="2100" dirty="0" err="1"/>
+              <a:t>ing</a:t>
+            </a:r>
+            <a:r>
+              <a:rPr lang="en-US" sz="2100" dirty="0"/>
+              <a:t>-suffix’)</a:t>
             </a:r>
           </a:p>
         </p:txBody>
       </p:sp>
       <p:cxnSp>
         <p:nvCxnSpPr>
-          <p:cNvPr id="20" name="Curved Connector 19"/>
+          <p:cNvPr id="42" name="Curved Connector 41"/>
           <p:cNvCxnSpPr>
-            <a:stCxn id="5" idx="1"/>
-            <a:endCxn id="29" idx="0"/>
+            <a:stCxn id="40" idx="3"/>
+            <a:endCxn id="35" idx="0"/>
           </p:cNvCxnSpPr>
           <p:nvPr/>
         </p:nvCxnSpPr>
         <p:spPr>
-          <a:xfrm rot="10800000" flipV="1">
-            <a:off x="2132572" y="4152901"/>
-            <a:ext cx="3277628" cy="1078018"/>
+          <a:xfrm>
+            <a:off x="5791213" y="3815180"/>
+            <a:ext cx="2081222" cy="4516040"/>
           </a:xfrm>
           <a:prstGeom prst="curvedConnector2">
             <a:avLst/>
@@ -5390,14 +4565,14 @@
       </p:cxnSp>
       <p:sp>
         <p:nvSpPr>
-          <p:cNvPr id="27" name="TextBox 26"/>
+          <p:cNvPr id="14" name="TextBox 13"/>
           <p:cNvSpPr txBox="1"/>
           <p:nvPr/>
         </p:nvSpPr>
         <p:spPr>
           <a:xfrm>
-            <a:off x="2613786" y="4451700"/>
-            <a:ext cx="1117501" cy="553939"/>
+            <a:off x="6843216" y="4104640"/>
+            <a:ext cx="2051188" cy="1826739"/>
           </a:xfrm>
           <a:prstGeom prst="rect">
             <a:avLst/>
@@ -5407,214 +4582,60 @@
           </a:solidFill>
         </p:spPr>
         <p:txBody>
-          <a:bodyPr wrap="none" lIns="91384" tIns="45691" rIns="91384" bIns="45691" rtlCol="0">
+          <a:bodyPr wrap="none" lIns="208876" tIns="104436" rIns="208876" bIns="104436" rtlCol="0">
             <a:spAutoFit/>
           </a:bodyPr>
           <a:lstStyle/>
           <a:p>
             <a:r>
-              <a:rPr lang="en-US" sz="600" u="sng" dirty="0" smtClean="0"/>
-              <a:t>3A </a:t>
-            </a:r>
-            <a:r>
-              <a:rPr lang="en-US" sz="600" u="sng" dirty="0"/>
-              <a:t>&lt; </a:t>
-            </a:r>
-            <a:r>
-              <a:rPr lang="en-US" sz="600" u="sng" dirty="0" err="1"/>
-              <a:t>I</a:t>
-            </a:r>
-            <a:r>
-              <a:rPr lang="en-US" sz="600" u="sng" baseline="-25000" dirty="0" err="1"/>
-              <a:t>cellA</a:t>
-            </a:r>
-            <a:r>
-              <a:rPr lang="en-US" sz="600" u="sng" dirty="0"/>
-              <a:t> </a:t>
-            </a:r>
-            <a:r>
-              <a:rPr lang="en-US" sz="600" u="sng" dirty="0" smtClean="0"/>
-              <a:t>OR</a:t>
-            </a:r>
-            <a:r>
-              <a:rPr lang="en-US" sz="600" u="sng" dirty="0" smtClean="0"/>
-              <a:t> </a:t>
-            </a:r>
-            <a:r>
-              <a:rPr lang="en-US" sz="600" u="sng" dirty="0" smtClean="0"/>
-              <a:t>3A </a:t>
-            </a:r>
-            <a:r>
-              <a:rPr lang="en-US" sz="600" u="sng" dirty="0"/>
-              <a:t>&lt; </a:t>
-            </a:r>
-            <a:r>
-              <a:rPr lang="en-US" sz="600" u="sng" dirty="0" err="1" smtClean="0"/>
-              <a:t>I</a:t>
-            </a:r>
-            <a:r>
-              <a:rPr lang="en-US" sz="600" u="sng" baseline="-25000" dirty="0" err="1" smtClean="0"/>
-              <a:t>cellB</a:t>
-            </a:r>
-            <a:endParaRPr lang="en-US" sz="600" u="sng" dirty="0"/>
-          </a:p>
-          <a:p>
-            <a:r>
-              <a:rPr lang="en-US" sz="600" dirty="0" smtClean="0"/>
-              <a:t>  </a:t>
-            </a:r>
-            <a:r>
-              <a:rPr lang="en-US" sz="600" dirty="0" smtClean="0"/>
-              <a:t>- disconnect any cell that is </a:t>
-            </a:r>
-          </a:p>
-          <a:p>
-            <a:r>
-              <a:rPr lang="en-US" sz="600" dirty="0"/>
-              <a:t> </a:t>
-            </a:r>
-            <a:r>
-              <a:rPr lang="en-US" sz="600" dirty="0" smtClean="0"/>
-              <a:t>   </a:t>
-            </a:r>
-            <a:r>
-              <a:rPr lang="en-US" sz="600" dirty="0" smtClean="0"/>
-              <a:t>accepting too much current</a:t>
-            </a:r>
-          </a:p>
-          <a:p>
-            <a:r>
-              <a:rPr lang="en-US" sz="600" dirty="0"/>
-              <a:t> </a:t>
-            </a:r>
-            <a:r>
-              <a:rPr lang="en-US" sz="600" dirty="0" smtClean="0"/>
-              <a:t> </a:t>
-            </a:r>
-            <a:r>
-              <a:rPr lang="en-US" sz="600" dirty="0" smtClean="0"/>
-              <a:t>- </a:t>
-            </a:r>
-            <a:r>
-              <a:rPr lang="en-US" sz="600" dirty="0"/>
-              <a:t>turn off the charging IC</a:t>
-            </a:r>
-          </a:p>
-          <a:p>
-            <a:r>
-              <a:rPr lang="en-US" sz="600" dirty="0"/>
-              <a:t>  - start </a:t>
-            </a:r>
-            <a:r>
-              <a:rPr lang="en-US" sz="600" dirty="0" err="1"/>
-              <a:t>cooldown</a:t>
-            </a:r>
-            <a:r>
-              <a:rPr lang="en-US" sz="600" dirty="0"/>
-              <a:t> timer</a:t>
-            </a:r>
-          </a:p>
-        </p:txBody>
-      </p:sp>
-      <p:sp>
-        <p:nvSpPr>
-          <p:cNvPr id="29" name="Rounded Rectangle 28"/>
-          <p:cNvSpPr/>
-          <p:nvPr/>
-        </p:nvSpPr>
-        <p:spPr>
-          <a:xfrm>
-            <a:off x="1600201" y="5230919"/>
-            <a:ext cx="1064742" cy="331683"/>
-          </a:xfrm>
-          <a:prstGeom prst="roundRect">
-            <a:avLst/>
-          </a:prstGeom>
-        </p:spPr>
-        <p:style>
-          <a:lnRef idx="2">
-            <a:schemeClr val="accent1">
-              <a:shade val="50000"/>
-            </a:schemeClr>
-          </a:lnRef>
-          <a:fillRef idx="1">
-            <a:schemeClr val="accent1"/>
-          </a:fillRef>
-          <a:effectRef idx="0">
-            <a:schemeClr val="accent1"/>
-          </a:effectRef>
-          <a:fontRef idx="minor">
-            <a:schemeClr val="lt1"/>
-          </a:fontRef>
-        </p:style>
-        <p:txBody>
-          <a:bodyPr lIns="91384" tIns="45691" rIns="91384" bIns="45691" rtlCol="0" anchor="ctr"/>
-          <a:lstStyle/>
-          <a:p>
-            <a:pPr algn="ctr"/>
-            <a:r>
-              <a:rPr lang="en-US" sz="600" dirty="0" smtClean="0"/>
-              <a:t>Investigating</a:t>
-            </a:r>
-            <a:endParaRPr lang="en-US" sz="600" dirty="0"/>
-          </a:p>
-          <a:p>
-            <a:pPr algn="ctr"/>
-            <a:r>
-              <a:rPr lang="en-US" sz="600" dirty="0"/>
-              <a:t>Overcurrent</a:t>
-            </a:r>
-          </a:p>
-        </p:txBody>
-      </p:sp>
-      <p:cxnSp>
-        <p:nvCxnSpPr>
-          <p:cNvPr id="31" name="Curved Connector 30"/>
-          <p:cNvCxnSpPr>
-            <a:stCxn id="29" idx="1"/>
-            <a:endCxn id="38" idx="1"/>
-          </p:cNvCxnSpPr>
-          <p:nvPr/>
-        </p:nvCxnSpPr>
-        <p:spPr>
-          <a:xfrm rot="10800000">
-            <a:off x="882029" y="3569275"/>
-            <a:ext cx="718173" cy="1827486"/>
-          </a:xfrm>
-          <a:prstGeom prst="curvedConnector3">
-            <a:avLst>
-              <a:gd name="adj1" fmla="val 176925"/>
-            </a:avLst>
-          </a:prstGeom>
-          <a:ln>
-            <a:tailEnd type="arrow"/>
-          </a:ln>
-        </p:spPr>
-        <p:style>
-          <a:lnRef idx="1">
-            <a:schemeClr val="accent1"/>
-          </a:lnRef>
-          <a:fillRef idx="0">
-            <a:schemeClr val="accent1"/>
-          </a:fillRef>
-          <a:effectRef idx="0">
-            <a:schemeClr val="accent1"/>
-          </a:effectRef>
-          <a:fontRef idx="minor">
-            <a:schemeClr val="tx1"/>
-          </a:fontRef>
-        </p:style>
-      </p:cxnSp>
-      <p:sp>
-        <p:nvSpPr>
-          <p:cNvPr id="30" name="TextBox 29"/>
+              <a:rPr lang="en-US" sz="2100" u="sng" dirty="0"/>
+              <a:t>My event</a:t>
+            </a:r>
+            <a:endParaRPr lang="en-US" sz="2100" u="sng" dirty="0">
+              <a:solidFill>
+                <a:schemeClr val="tx1">
+                  <a:lumMod val="50000"/>
+                  <a:lumOff val="50000"/>
+                </a:schemeClr>
+              </a:solidFill>
+            </a:endParaRPr>
+          </a:p>
+          <a:p>
+            <a:r>
+              <a:rPr lang="en-US" sz="2100" dirty="0"/>
+              <a:t>  - my service 1</a:t>
+            </a:r>
+          </a:p>
+          <a:p>
+            <a:r>
+              <a:rPr lang="en-US" sz="2100" dirty="0"/>
+              <a:t>  - my service 2</a:t>
+            </a:r>
+          </a:p>
+          <a:p>
+            <a:r>
+              <a:rPr lang="en-US" sz="2100" dirty="0"/>
+              <a:t>  …</a:t>
+            </a:r>
+          </a:p>
+          <a:p>
+            <a:r>
+              <a:rPr lang="en-US" sz="2100" dirty="0"/>
+              <a:t>  - my service n</a:t>
+            </a:r>
+          </a:p>
+        </p:txBody>
+      </p:sp>
+      <p:sp>
+        <p:nvSpPr>
+          <p:cNvPr id="47" name="TextBox 46"/>
           <p:cNvSpPr txBox="1"/>
           <p:nvPr/>
         </p:nvSpPr>
         <p:spPr>
           <a:xfrm>
-            <a:off x="183905" y="4869573"/>
-            <a:ext cx="1375585" cy="461606"/>
+            <a:off x="13106410" y="3980299"/>
+            <a:ext cx="4672354" cy="1826739"/>
           </a:xfrm>
           <a:prstGeom prst="rect">
             <a:avLst/>
@@ -5624,133 +4645,71 @@
           </a:solidFill>
         </p:spPr>
         <p:txBody>
-          <a:bodyPr wrap="none" lIns="91384" tIns="45691" rIns="91384" bIns="45691" rtlCol="0">
+          <a:bodyPr wrap="none" lIns="208876" tIns="104436" rIns="208876" bIns="104436" rtlCol="0">
             <a:spAutoFit/>
           </a:bodyPr>
           <a:lstStyle/>
           <a:p>
             <a:r>
-              <a:rPr lang="en-US" sz="600" u="sng" dirty="0" err="1"/>
-              <a:t>cooldown</a:t>
-            </a:r>
-            <a:r>
-              <a:rPr lang="en-US" sz="600" u="sng" dirty="0"/>
-              <a:t> timer expired </a:t>
-            </a:r>
-            <a:r>
-              <a:rPr lang="en-US" sz="600" u="sng" dirty="0" smtClean="0"/>
-              <a:t>AND</a:t>
-            </a:r>
-            <a:endParaRPr lang="en-US" sz="600" u="sng" dirty="0"/>
-          </a:p>
-          <a:p>
-            <a:r>
-              <a:rPr lang="en-US" sz="600" u="sng" dirty="0"/>
-              <a:t>(250mA &lt; </a:t>
-            </a:r>
-            <a:r>
-              <a:rPr lang="en-US" sz="600" u="sng" dirty="0" err="1"/>
-              <a:t>I</a:t>
-            </a:r>
-            <a:r>
-              <a:rPr lang="en-US" sz="600" u="sng" baseline="-25000" dirty="0" err="1"/>
-              <a:t>cellA</a:t>
-            </a:r>
-            <a:r>
-              <a:rPr lang="en-US" sz="600" u="sng" dirty="0"/>
-              <a:t> </a:t>
-            </a:r>
-            <a:r>
-              <a:rPr lang="en-US" sz="600" u="sng" dirty="0" smtClean="0"/>
-              <a:t>OR </a:t>
-            </a:r>
-            <a:r>
-              <a:rPr lang="en-US" sz="600" u="sng" dirty="0"/>
-              <a:t>250mA &lt; </a:t>
-            </a:r>
-            <a:r>
-              <a:rPr lang="en-US" sz="600" u="sng" dirty="0" err="1"/>
-              <a:t>I</a:t>
-            </a:r>
-            <a:r>
-              <a:rPr lang="en-US" sz="600" u="sng" baseline="-25000" dirty="0" err="1"/>
-              <a:t>cellB</a:t>
-            </a:r>
-            <a:r>
-              <a:rPr lang="en-US" sz="600" u="sng" baseline="-25000" dirty="0"/>
-              <a:t>)</a:t>
-            </a:r>
-            <a:endParaRPr lang="en-US" sz="600" u="sng" dirty="0"/>
-          </a:p>
-          <a:p>
-            <a:r>
-              <a:rPr lang="en-US" sz="600" dirty="0"/>
-              <a:t> - turn on RED LED to indicate an </a:t>
-            </a:r>
-            <a:r>
-              <a:rPr lang="en-US" sz="600" dirty="0" smtClean="0"/>
-              <a:t>error</a:t>
-            </a:r>
-          </a:p>
-          <a:p>
-            <a:r>
-              <a:rPr lang="en-US" sz="600" dirty="0"/>
-              <a:t> </a:t>
-            </a:r>
-            <a:r>
-              <a:rPr lang="en-US" sz="600" dirty="0" smtClean="0"/>
-              <a:t>- turn off everything</a:t>
-            </a:r>
-            <a:endParaRPr lang="en-US" sz="600" dirty="0"/>
-          </a:p>
-        </p:txBody>
-      </p:sp>
-      <p:cxnSp>
-        <p:nvCxnSpPr>
-          <p:cNvPr id="37" name="Curved Connector 36"/>
-          <p:cNvCxnSpPr>
-            <a:stCxn id="29" idx="3"/>
-            <a:endCxn id="5" idx="2"/>
-          </p:cNvCxnSpPr>
-          <p:nvPr/>
-        </p:nvCxnSpPr>
-        <p:spPr>
-          <a:xfrm flipV="1">
-            <a:off x="2664943" y="4267201"/>
-            <a:ext cx="3126257" cy="1129560"/>
-          </a:xfrm>
-          <a:prstGeom prst="curvedConnector2">
-            <a:avLst/>
-          </a:prstGeom>
-          <a:ln>
-            <a:tailEnd type="arrow"/>
-          </a:ln>
-        </p:spPr>
-        <p:style>
-          <a:lnRef idx="1">
-            <a:schemeClr val="accent1"/>
-          </a:lnRef>
-          <a:fillRef idx="0">
-            <a:schemeClr val="accent1"/>
-          </a:fillRef>
-          <a:effectRef idx="0">
-            <a:schemeClr val="accent1"/>
-          </a:effectRef>
-          <a:fontRef idx="minor">
-            <a:schemeClr val="tx1"/>
-          </a:fontRef>
-        </p:style>
-      </p:cxnSp>
-      <p:sp>
-        <p:nvSpPr>
-          <p:cNvPr id="36" name="TextBox 35"/>
+              <a:rPr lang="en-US" sz="2100" dirty="0"/>
+              <a:t>Notes:</a:t>
+            </a:r>
+            <a:endParaRPr lang="en-US" sz="2100" dirty="0">
+              <a:solidFill>
+                <a:schemeClr val="tx1">
+                  <a:lumMod val="50000"/>
+                  <a:lumOff val="50000"/>
+                </a:schemeClr>
+              </a:solidFill>
+            </a:endParaRPr>
+          </a:p>
+          <a:p>
+            <a:r>
+              <a:rPr lang="en-US" sz="2100" dirty="0">
+                <a:solidFill>
+                  <a:schemeClr val="tx1">
+                    <a:lumMod val="50000"/>
+                    <a:lumOff val="50000"/>
+                  </a:schemeClr>
+                </a:solidFill>
+              </a:rPr>
+              <a:t>  </a:t>
+            </a:r>
+            <a:r>
+              <a:rPr lang="en-US" sz="2100" dirty="0"/>
+              <a:t>- use a two-space hanging indent </a:t>
+            </a:r>
+          </a:p>
+          <a:p>
+            <a:r>
+              <a:rPr lang="en-US" sz="2100" dirty="0"/>
+              <a:t>     to list services</a:t>
+            </a:r>
+          </a:p>
+          <a:p>
+            <a:r>
+              <a:rPr lang="en-US" sz="2100" dirty="0"/>
+              <a:t>  - underline the event</a:t>
+            </a:r>
+          </a:p>
+          <a:p>
+            <a:r>
+              <a:rPr lang="en-US" sz="2100" dirty="0"/>
+              <a:t>  - use a gerund in the state description</a:t>
+            </a:r>
+          </a:p>
+        </p:txBody>
+      </p:sp>
+      <p:sp>
+        <p:nvSpPr>
+          <p:cNvPr id="10" name="TextBox 9"/>
           <p:cNvSpPr txBox="1"/>
           <p:nvPr/>
         </p:nvSpPr>
         <p:spPr>
           <a:xfrm>
-            <a:off x="3707419" y="5054210"/>
-            <a:ext cx="1231314" cy="461606"/>
+            <a:off x="4173009" y="5393163"/>
+            <a:ext cx="3161171" cy="534077"/>
           </a:xfrm>
           <a:prstGeom prst="rect">
             <a:avLst/>
@@ -5760,286 +4719,32 @@
           </a:solidFill>
         </p:spPr>
         <p:txBody>
-          <a:bodyPr wrap="none" lIns="91384" tIns="45691" rIns="91384" bIns="45691" rtlCol="0">
+          <a:bodyPr wrap="none" lIns="208876" tIns="104436" rIns="208876" bIns="104436" rtlCol="0">
             <a:spAutoFit/>
           </a:bodyPr>
           <a:lstStyle/>
           <a:p>
             <a:r>
-              <a:rPr lang="en-US" sz="600" u="sng" dirty="0" err="1"/>
-              <a:t>cooldown</a:t>
-            </a:r>
-            <a:r>
-              <a:rPr lang="en-US" sz="600" u="sng" dirty="0"/>
-              <a:t> timer expired </a:t>
-            </a:r>
-            <a:r>
-              <a:rPr lang="en-US" sz="600" u="sng" dirty="0" smtClean="0"/>
-              <a:t>AND</a:t>
-            </a:r>
-            <a:endParaRPr lang="en-US" sz="600" u="sng" dirty="0"/>
-          </a:p>
-          <a:p>
-            <a:r>
-              <a:rPr lang="en-US" sz="600" u="sng" dirty="0"/>
-              <a:t>(</a:t>
-            </a:r>
-            <a:r>
-              <a:rPr lang="en-US" sz="600" u="sng" dirty="0" err="1"/>
-              <a:t>I</a:t>
-            </a:r>
-            <a:r>
-              <a:rPr lang="en-US" sz="600" u="sng" baseline="-25000" dirty="0" err="1"/>
-              <a:t>cellA</a:t>
-            </a:r>
-            <a:r>
-              <a:rPr lang="en-US" sz="600" u="sng" dirty="0"/>
-              <a:t> &lt; 250mA </a:t>
-            </a:r>
-            <a:r>
-              <a:rPr lang="en-US" sz="600" u="sng" dirty="0" smtClean="0"/>
-              <a:t>AND </a:t>
-            </a:r>
-            <a:r>
-              <a:rPr lang="en-US" sz="600" u="sng" dirty="0" err="1"/>
-              <a:t>I</a:t>
-            </a:r>
-            <a:r>
-              <a:rPr lang="en-US" sz="600" u="sng" baseline="-25000" dirty="0" err="1"/>
-              <a:t>cellB</a:t>
-            </a:r>
-            <a:r>
-              <a:rPr lang="en-US" sz="600" u="sng" baseline="-25000" dirty="0"/>
-              <a:t> </a:t>
-            </a:r>
-            <a:r>
-              <a:rPr lang="en-US" sz="600" u="sng" dirty="0"/>
-              <a:t>&lt; 250mA)</a:t>
-            </a:r>
-          </a:p>
-          <a:p>
-            <a:r>
-              <a:rPr lang="en-US" sz="600" dirty="0"/>
-              <a:t>  - turn on charging IC</a:t>
-            </a:r>
-          </a:p>
-          <a:p>
-            <a:r>
-              <a:rPr lang="en-US" sz="600" dirty="0"/>
-              <a:t>  - </a:t>
-            </a:r>
-            <a:r>
-              <a:rPr lang="en-US" sz="600" dirty="0" err="1"/>
-              <a:t>I</a:t>
-            </a:r>
-            <a:r>
-              <a:rPr lang="en-US" sz="600" baseline="-25000" dirty="0" err="1"/>
-              <a:t>charge,max</a:t>
-            </a:r>
-            <a:r>
-              <a:rPr lang="en-US" sz="600" dirty="0"/>
-              <a:t> = 3A</a:t>
-            </a:r>
-          </a:p>
-        </p:txBody>
-      </p:sp>
-      <p:sp>
-        <p:nvSpPr>
-          <p:cNvPr id="25" name="Rounded Rectangle 24"/>
-          <p:cNvSpPr/>
-          <p:nvPr/>
-        </p:nvSpPr>
-        <p:spPr>
-          <a:xfrm>
-            <a:off x="1647434" y="1184970"/>
-            <a:ext cx="762000" cy="228600"/>
-          </a:xfrm>
-          <a:prstGeom prst="roundRect">
-            <a:avLst/>
-          </a:prstGeom>
-        </p:spPr>
-        <p:style>
-          <a:lnRef idx="2">
-            <a:schemeClr val="accent1">
-              <a:shade val="50000"/>
-            </a:schemeClr>
-          </a:lnRef>
-          <a:fillRef idx="1">
-            <a:schemeClr val="accent1"/>
-          </a:fillRef>
-          <a:effectRef idx="0">
-            <a:schemeClr val="accent1"/>
-          </a:effectRef>
-          <a:fontRef idx="minor">
-            <a:schemeClr val="lt1"/>
-          </a:fontRef>
-        </p:style>
-        <p:txBody>
-          <a:bodyPr lIns="91384" tIns="45691" rIns="91384" bIns="45691" rtlCol="0" anchor="ctr"/>
-          <a:lstStyle/>
-          <a:p>
-            <a:pPr algn="ctr"/>
-            <a:r>
-              <a:rPr lang="en-US" sz="600" dirty="0" smtClean="0"/>
-              <a:t>Awakening</a:t>
-            </a:r>
-            <a:endParaRPr lang="en-US" sz="600" dirty="0"/>
-          </a:p>
-        </p:txBody>
-      </p:sp>
-      <p:sp>
-        <p:nvSpPr>
-          <p:cNvPr id="28" name="TextBox 27"/>
-          <p:cNvSpPr txBox="1"/>
-          <p:nvPr/>
-        </p:nvSpPr>
-        <p:spPr>
-          <a:xfrm>
-            <a:off x="981966" y="701846"/>
-            <a:ext cx="1435088" cy="184607"/>
-          </a:xfrm>
-          <a:prstGeom prst="rect">
-            <a:avLst/>
-          </a:prstGeom>
-          <a:solidFill>
-            <a:schemeClr val="bg1"/>
-          </a:solidFill>
-        </p:spPr>
-        <p:txBody>
-          <a:bodyPr wrap="square" lIns="91384" tIns="45691" rIns="91384" bIns="45691" rtlCol="0">
-            <a:spAutoFit/>
-          </a:bodyPr>
-          <a:lstStyle/>
-          <a:p>
-            <a:r>
-              <a:rPr lang="en-US" sz="600" dirty="0"/>
-              <a:t>  - start awakening timer</a:t>
-            </a:r>
-          </a:p>
-        </p:txBody>
-      </p:sp>
-      <p:cxnSp>
-        <p:nvCxnSpPr>
-          <p:cNvPr id="32" name="Curved Connector 31"/>
-          <p:cNvCxnSpPr>
-            <a:stCxn id="25" idx="3"/>
-            <a:endCxn id="4" idx="0"/>
-          </p:cNvCxnSpPr>
-          <p:nvPr/>
-        </p:nvCxnSpPr>
-        <p:spPr>
-          <a:xfrm>
-            <a:off x="2409440" y="1299272"/>
-            <a:ext cx="716821" cy="453331"/>
-          </a:xfrm>
-          <a:prstGeom prst="curvedConnector2">
-            <a:avLst/>
-          </a:prstGeom>
-          <a:ln>
-            <a:tailEnd type="arrow"/>
-          </a:ln>
-        </p:spPr>
-        <p:style>
-          <a:lnRef idx="1">
-            <a:schemeClr val="accent1"/>
-          </a:lnRef>
-          <a:fillRef idx="0">
-            <a:schemeClr val="accent1"/>
-          </a:fillRef>
-          <a:effectRef idx="0">
-            <a:schemeClr val="accent1"/>
-          </a:effectRef>
-          <a:fontRef idx="minor">
-            <a:schemeClr val="tx1"/>
-          </a:fontRef>
-        </p:style>
-      </p:cxnSp>
-      <p:sp>
-        <p:nvSpPr>
-          <p:cNvPr id="33" name="TextBox 32"/>
-          <p:cNvSpPr txBox="1"/>
-          <p:nvPr/>
-        </p:nvSpPr>
-        <p:spPr>
-          <a:xfrm>
-            <a:off x="2685920" y="1265619"/>
-            <a:ext cx="962010" cy="184607"/>
-          </a:xfrm>
-          <a:prstGeom prst="rect">
-            <a:avLst/>
-          </a:prstGeom>
-          <a:solidFill>
-            <a:schemeClr val="bg1"/>
-          </a:solidFill>
-        </p:spPr>
-        <p:txBody>
-          <a:bodyPr wrap="none" lIns="91384" tIns="45691" rIns="91384" bIns="45691" rtlCol="0">
-            <a:spAutoFit/>
-          </a:bodyPr>
-          <a:lstStyle/>
-          <a:p>
-            <a:r>
-              <a:rPr lang="en-US" sz="600" u="sng" dirty="0"/>
-              <a:t>awakening timer expired</a:t>
-            </a:r>
-          </a:p>
-        </p:txBody>
-      </p:sp>
-      <p:sp>
-        <p:nvSpPr>
-          <p:cNvPr id="90" name="TextBox 89"/>
-          <p:cNvSpPr txBox="1"/>
-          <p:nvPr/>
-        </p:nvSpPr>
-        <p:spPr>
-          <a:xfrm>
-            <a:off x="6934200" y="4806948"/>
-            <a:ext cx="1002084" cy="276940"/>
-          </a:xfrm>
-          <a:prstGeom prst="rect">
-            <a:avLst/>
-          </a:prstGeom>
-          <a:solidFill>
-            <a:schemeClr val="bg1"/>
-          </a:solidFill>
-        </p:spPr>
-        <p:txBody>
-          <a:bodyPr wrap="none" lIns="91384" tIns="45691" rIns="91384" bIns="45691" rtlCol="0">
-            <a:spAutoFit/>
-          </a:bodyPr>
-          <a:lstStyle/>
-          <a:p>
-            <a:r>
-              <a:rPr lang="en-US" sz="600" dirty="0" smtClean="0">
+              <a:rPr lang="en-US" sz="2100" dirty="0">
                 <a:solidFill>
                   <a:schemeClr val="accent3">
                     <a:lumMod val="50000"/>
                   </a:schemeClr>
                 </a:solidFill>
               </a:rPr>
-              <a:t>disconnect </a:t>
-            </a:r>
-            <a:r>
-              <a:rPr lang="en-US" sz="600" dirty="0" smtClean="0">
+              <a:t>s</a:t>
+            </a:r>
+            <a:r>
+              <a:rPr lang="en-US" sz="2100" dirty="0">
                 <a:solidFill>
                   <a:schemeClr val="accent3">
                     <a:lumMod val="50000"/>
                   </a:schemeClr>
                 </a:solidFill>
               </a:rPr>
-              <a:t>a cell </a:t>
-            </a:r>
-            <a:r>
-              <a:rPr lang="en-US" sz="600" dirty="0" smtClean="0">
-                <a:solidFill>
-                  <a:schemeClr val="accent3">
-                    <a:lumMod val="50000"/>
-                  </a:schemeClr>
-                </a:solidFill>
-              </a:rPr>
-              <a:t>if it </a:t>
-            </a:r>
-            <a:endParaRPr lang="en-US" sz="600" dirty="0" smtClean="0">
+              <a:t>hort clarifying comment</a:t>
+            </a:r>
+            <a:endParaRPr lang="en-US" sz="2100" dirty="0">
               <a:solidFill>
                 <a:schemeClr val="accent3">
                   <a:lumMod val="50000"/>
@@ -6047,186 +4752,12 @@
               </a:solidFill>
             </a:endParaRPr>
           </a:p>
-          <a:p>
-            <a:r>
-              <a:rPr lang="en-US" sz="600" dirty="0" smtClean="0">
-                <a:solidFill>
-                  <a:schemeClr val="accent3">
-                    <a:lumMod val="50000"/>
-                  </a:schemeClr>
-                </a:solidFill>
-              </a:rPr>
-              <a:t>begins </a:t>
-            </a:r>
-            <a:r>
-              <a:rPr lang="en-US" sz="600" dirty="0" smtClean="0">
-                <a:solidFill>
-                  <a:schemeClr val="accent3">
-                    <a:lumMod val="50000"/>
-                  </a:schemeClr>
-                </a:solidFill>
-              </a:rPr>
-              <a:t>charging the other</a:t>
-            </a:r>
-            <a:endParaRPr lang="en-US" sz="600" dirty="0">
-              <a:solidFill>
-                <a:schemeClr val="accent3">
-                  <a:lumMod val="50000"/>
-                </a:schemeClr>
-              </a:solidFill>
-            </a:endParaRPr>
-          </a:p>
-        </p:txBody>
-      </p:sp>
-      <p:sp>
-        <p:nvSpPr>
-          <p:cNvPr id="38" name="Rounded Rectangle 37"/>
-          <p:cNvSpPr/>
-          <p:nvPr/>
-        </p:nvSpPr>
-        <p:spPr>
-          <a:xfrm>
-            <a:off x="882028" y="3403433"/>
-            <a:ext cx="1064742" cy="331683"/>
-          </a:xfrm>
-          <a:prstGeom prst="roundRect">
-            <a:avLst/>
-          </a:prstGeom>
-        </p:spPr>
-        <p:style>
-          <a:lnRef idx="2">
-            <a:schemeClr val="accent1">
-              <a:shade val="50000"/>
-            </a:schemeClr>
-          </a:lnRef>
-          <a:fillRef idx="1">
-            <a:schemeClr val="accent1"/>
-          </a:fillRef>
-          <a:effectRef idx="0">
-            <a:schemeClr val="accent1"/>
-          </a:effectRef>
-          <a:fontRef idx="minor">
-            <a:schemeClr val="lt1"/>
-          </a:fontRef>
-        </p:style>
-        <p:txBody>
-          <a:bodyPr lIns="91384" tIns="45691" rIns="91384" bIns="45691" rtlCol="0" anchor="ctr"/>
-          <a:lstStyle/>
-          <a:p>
-            <a:pPr algn="ctr"/>
-            <a:r>
-              <a:rPr lang="en-US" sz="600" dirty="0" smtClean="0"/>
-              <a:t>Hanging</a:t>
-            </a:r>
-            <a:endParaRPr lang="en-US" sz="600" dirty="0"/>
-          </a:p>
-        </p:txBody>
-      </p:sp>
-      <p:cxnSp>
-        <p:nvCxnSpPr>
-          <p:cNvPr id="42" name="Curved Connector 41"/>
-          <p:cNvCxnSpPr>
-            <a:stCxn id="4" idx="1"/>
-            <a:endCxn id="38" idx="0"/>
-          </p:cNvCxnSpPr>
-          <p:nvPr/>
-        </p:nvCxnSpPr>
-        <p:spPr>
-          <a:xfrm rot="10800000" flipV="1">
-            <a:off x="1414399" y="1866901"/>
-            <a:ext cx="1330856" cy="1536532"/>
-          </a:xfrm>
-          <a:prstGeom prst="curvedConnector2">
-            <a:avLst/>
-          </a:prstGeom>
-          <a:ln>
-            <a:tailEnd type="arrow"/>
-          </a:ln>
-        </p:spPr>
-        <p:style>
-          <a:lnRef idx="1">
-            <a:schemeClr val="accent1"/>
-          </a:lnRef>
-          <a:fillRef idx="0">
-            <a:schemeClr val="accent1"/>
-          </a:fillRef>
-          <a:effectRef idx="0">
-            <a:schemeClr val="accent1"/>
-          </a:effectRef>
-          <a:fontRef idx="minor">
-            <a:schemeClr val="tx1"/>
-          </a:fontRef>
-        </p:style>
-      </p:cxnSp>
-      <p:sp>
-        <p:nvSpPr>
-          <p:cNvPr id="41" name="TextBox 40"/>
-          <p:cNvSpPr txBox="1"/>
-          <p:nvPr/>
-        </p:nvSpPr>
-        <p:spPr>
-          <a:xfrm>
-            <a:off x="882028" y="2304305"/>
-            <a:ext cx="1393217" cy="369273"/>
-          </a:xfrm>
-          <a:prstGeom prst="rect">
-            <a:avLst/>
-          </a:prstGeom>
-          <a:solidFill>
-            <a:schemeClr val="bg1"/>
-          </a:solidFill>
-        </p:spPr>
-        <p:txBody>
-          <a:bodyPr wrap="none" lIns="91384" tIns="45691" rIns="91384" bIns="45691" rtlCol="0">
-            <a:spAutoFit/>
-          </a:bodyPr>
-          <a:lstStyle/>
-          <a:p>
-            <a:r>
-              <a:rPr lang="en-US" sz="600" u="sng" dirty="0" smtClean="0"/>
-              <a:t>6V &lt; V</a:t>
-            </a:r>
-            <a:r>
-              <a:rPr lang="en-US" sz="600" u="sng" baseline="-25000" dirty="0" smtClean="0"/>
-              <a:t>CELLA</a:t>
-            </a:r>
-            <a:r>
-              <a:rPr lang="en-US" sz="600" u="sng" dirty="0" smtClean="0"/>
-              <a:t> OR 6V &lt; V</a:t>
-            </a:r>
-            <a:r>
-              <a:rPr lang="en-US" sz="600" u="sng" baseline="-25000" dirty="0" smtClean="0"/>
-              <a:t>CELLB</a:t>
-            </a:r>
-            <a:endParaRPr lang="en-US" sz="600" u="sng" dirty="0"/>
-          </a:p>
-          <a:p>
-            <a:r>
-              <a:rPr lang="en-US" sz="600" dirty="0"/>
-              <a:t>  </a:t>
-            </a:r>
-            <a:r>
-              <a:rPr lang="en-US" sz="600" dirty="0" smtClean="0"/>
-              <a:t>- turn off everything</a:t>
-            </a:r>
-          </a:p>
-          <a:p>
-            <a:r>
-              <a:rPr lang="en-US" sz="600" dirty="0"/>
-              <a:t> </a:t>
-            </a:r>
-            <a:r>
-              <a:rPr lang="en-US" sz="600" dirty="0" smtClean="0"/>
-              <a:t> - turn on RED LED to indicate an error</a:t>
-            </a:r>
-            <a:endParaRPr lang="en-US" sz="600" dirty="0"/>
-          </a:p>
         </p:txBody>
       </p:sp>
     </p:spTree>
     <p:extLst>
       <p:ext uri="{BB962C8B-B14F-4D97-AF65-F5344CB8AC3E}">
-        <p14:creationId xmlns:p14="http://schemas.microsoft.com/office/powerpoint/2010/main" val="3745955203"/>
+        <p14:creationId xmlns:p14="http://schemas.microsoft.com/office/powerpoint/2010/main" val="993441079"/>
       </p:ext>
     </p:extLst>
   </p:cSld>
@@ -6262,28 +4793,32 @@
       </p:grpSpPr>
       <p:sp>
         <p:nvSpPr>
-          <p:cNvPr id="2" name="Rectangle 1"/>
+          <p:cNvPr id="270" name="Rectangle 269"/>
           <p:cNvSpPr/>
           <p:nvPr/>
         </p:nvSpPr>
         <p:spPr>
           <a:xfrm>
-            <a:off x="3200404" y="297180"/>
-            <a:ext cx="2233512" cy="369273"/>
+            <a:off x="5824885" y="850900"/>
+            <a:ext cx="7014245" cy="723216"/>
           </a:xfrm>
           <a:prstGeom prst="rect">
             <a:avLst/>
           </a:prstGeom>
         </p:spPr>
         <p:txBody>
-          <a:bodyPr wrap="none" lIns="91384" tIns="45691" rIns="91384" bIns="45691">
+          <a:bodyPr wrap="square" lIns="91384" tIns="45691" rIns="91384" bIns="45691">
             <a:spAutoFit/>
           </a:bodyPr>
           <a:lstStyle/>
           <a:p>
             <a:r>
+              <a:rPr lang="en-US" dirty="0" err="1" smtClean="0"/>
+              <a:t>InternalCharger</a:t>
+            </a:r>
+            <a:r>
               <a:rPr lang="en-US" dirty="0" smtClean="0"/>
-              <a:t>State Diagram Legend</a:t>
+              <a:t>: State Diagram</a:t>
             </a:r>
             <a:endParaRPr lang="en-US" dirty="0"/>
           </a:p>
@@ -6291,22 +4826,24 @@
       </p:sp>
       <p:cxnSp>
         <p:nvCxnSpPr>
-          <p:cNvPr id="34" name="Curved Connector 33"/>
-          <p:cNvCxnSpPr/>
+          <p:cNvPr id="271" name="Curved Connector 270"/>
+          <p:cNvCxnSpPr>
+            <a:stCxn id="287" idx="2"/>
+            <a:endCxn id="273" idx="0"/>
+          </p:cNvCxnSpPr>
           <p:nvPr/>
         </p:nvCxnSpPr>
         <p:spPr>
-          <a:xfrm>
-            <a:off x="733036" y="708724"/>
-            <a:ext cx="914398" cy="590549"/>
+          <a:xfrm rot="16200000" flipH="1">
+            <a:off x="5935433" y="3878156"/>
+            <a:ext cx="1481041" cy="1801930"/>
           </a:xfrm>
           <a:prstGeom prst="curvedConnector3">
             <a:avLst>
               <a:gd name="adj1" fmla="val 50000"/>
             </a:avLst>
           </a:prstGeom>
-          <a:ln cap="rnd">
-            <a:headEnd type="oval"/>
+          <a:ln>
             <a:tailEnd type="arrow"/>
           </a:ln>
         </p:spPr>
@@ -6325,15 +4862,53 @@
           </a:fontRef>
         </p:style>
       </p:cxnSp>
-      <p:sp>
-        <p:nvSpPr>
-          <p:cNvPr id="35" name="Rounded Rectangle 34"/>
+      <p:cxnSp>
+        <p:nvCxnSpPr>
+          <p:cNvPr id="272" name="Curved Connector 271"/>
+          <p:cNvCxnSpPr>
+            <a:endCxn id="282" idx="1"/>
+          </p:cNvCxnSpPr>
+          <p:nvPr/>
+        </p:nvCxnSpPr>
+        <p:spPr>
+          <a:xfrm>
+            <a:off x="2242917" y="2173670"/>
+            <a:ext cx="609600" cy="358993"/>
+          </a:xfrm>
+          <a:prstGeom prst="curvedConnector3">
+            <a:avLst>
+              <a:gd name="adj1" fmla="val 50000"/>
+            </a:avLst>
+          </a:prstGeom>
+          <a:ln cap="rnd">
+            <a:headEnd type="oval"/>
+            <a:tailEnd type="arrow"/>
+          </a:ln>
+        </p:spPr>
+        <p:style>
+          <a:lnRef idx="1">
+            <a:schemeClr val="accent1"/>
+          </a:lnRef>
+          <a:fillRef idx="0">
+            <a:schemeClr val="accent1"/>
+          </a:fillRef>
+          <a:effectRef idx="0">
+            <a:schemeClr val="accent1"/>
+          </a:effectRef>
+          <a:fontRef idx="minor">
+            <a:schemeClr val="tx1"/>
+          </a:fontRef>
+        </p:style>
+      </p:cxnSp>
+      <p:sp>
+        <p:nvSpPr>
+          <p:cNvPr id="273" name="Rounded Rectangle 272"/>
           <p:cNvSpPr/>
           <p:nvPr/>
         </p:nvSpPr>
         <p:spPr>
           <a:xfrm>
-            <a:off x="3555211" y="3124201"/>
+            <a:off x="7195917" y="5519642"/>
             <a:ext cx="762000" cy="228600"/>
           </a:xfrm>
           <a:prstGeom prst="roundRect">
@@ -6362,22 +4937,23 @@
           <a:p>
             <a:pPr algn="ctr"/>
             <a:r>
-              <a:rPr lang="en-US" sz="900" dirty="0"/>
-              <a:t>My state 2</a:t>
-            </a:r>
-          </a:p>
-        </p:txBody>
-      </p:sp>
-      <p:sp>
-        <p:nvSpPr>
-          <p:cNvPr id="38" name="Rectangle 37"/>
+              <a:rPr lang="en-US" sz="600" dirty="0" smtClean="0"/>
+              <a:t>Charging</a:t>
+            </a:r>
+            <a:endParaRPr lang="en-US" sz="600" dirty="0"/>
+          </a:p>
+        </p:txBody>
+      </p:sp>
+      <p:sp>
+        <p:nvSpPr>
+          <p:cNvPr id="274" name="Rectangle 273"/>
           <p:cNvSpPr/>
           <p:nvPr/>
         </p:nvSpPr>
         <p:spPr>
           <a:xfrm>
-            <a:off x="550087" y="489468"/>
-            <a:ext cx="376913" cy="215385"/>
+            <a:off x="2151540" y="1970511"/>
+            <a:ext cx="330427" cy="184607"/>
           </a:xfrm>
           <a:prstGeom prst="rect">
             <a:avLst/>
@@ -6390,22 +4966,165 @@
           <a:lstStyle/>
           <a:p>
             <a:r>
-              <a:rPr lang="en-US" sz="800" dirty="0"/>
+              <a:rPr lang="en-US" sz="600" dirty="0"/>
               <a:t>start</a:t>
             </a:r>
           </a:p>
         </p:txBody>
       </p:sp>
-      <p:sp>
-        <p:nvSpPr>
-          <p:cNvPr id="40" name="Rounded Rectangle 39"/>
+      <p:cxnSp>
+        <p:nvCxnSpPr>
+          <p:cNvPr id="275" name="Curved Connector 274"/>
+          <p:cNvCxnSpPr>
+            <a:stCxn id="273" idx="2"/>
+            <a:endCxn id="277" idx="2"/>
+          </p:cNvCxnSpPr>
+          <p:nvPr/>
+        </p:nvCxnSpPr>
+        <p:spPr>
+          <a:xfrm rot="5400000">
+            <a:off x="5080855" y="4471377"/>
+            <a:ext cx="1219199" cy="3772928"/>
+          </a:xfrm>
+          <a:prstGeom prst="curvedConnector3">
+            <a:avLst>
+              <a:gd name="adj1" fmla="val 153125"/>
+            </a:avLst>
+          </a:prstGeom>
+          <a:ln>
+            <a:tailEnd type="arrow"/>
+          </a:ln>
+        </p:spPr>
+        <p:style>
+          <a:lnRef idx="1">
+            <a:schemeClr val="accent1"/>
+          </a:lnRef>
+          <a:fillRef idx="0">
+            <a:schemeClr val="accent1"/>
+          </a:fillRef>
+          <a:effectRef idx="0">
+            <a:schemeClr val="accent1"/>
+          </a:effectRef>
+          <a:fontRef idx="minor">
+            <a:schemeClr val="tx1"/>
+          </a:fontRef>
+        </p:style>
+      </p:cxnSp>
+      <p:sp>
+        <p:nvSpPr>
+          <p:cNvPr id="276" name="TextBox 275"/>
+          <p:cNvSpPr txBox="1"/>
+          <p:nvPr/>
+        </p:nvSpPr>
+        <p:spPr>
+          <a:xfrm>
+            <a:off x="5670203" y="7228279"/>
+            <a:ext cx="1228108" cy="369273"/>
+          </a:xfrm>
+          <a:prstGeom prst="rect">
+            <a:avLst/>
+          </a:prstGeom>
+          <a:solidFill>
+            <a:schemeClr val="bg1"/>
+          </a:solidFill>
+        </p:spPr>
+        <p:txBody>
+          <a:bodyPr wrap="none" lIns="91384" tIns="45691" rIns="91384" bIns="45691" rtlCol="0">
+            <a:spAutoFit/>
+          </a:bodyPr>
+          <a:lstStyle/>
+          <a:p>
+            <a:r>
+              <a:rPr lang="en-US" sz="600" u="sng" dirty="0" smtClean="0"/>
+              <a:t>3A </a:t>
+            </a:r>
+            <a:r>
+              <a:rPr lang="en-US" sz="600" u="sng" dirty="0"/>
+              <a:t>&lt; </a:t>
+            </a:r>
+            <a:r>
+              <a:rPr lang="en-US" sz="600" u="sng" dirty="0" err="1" smtClean="0"/>
+              <a:t>I</a:t>
+            </a:r>
+            <a:r>
+              <a:rPr lang="en-US" sz="600" u="sng" baseline="-25000" dirty="0" err="1" smtClean="0"/>
+              <a:t>sideA</a:t>
+            </a:r>
+            <a:r>
+              <a:rPr lang="en-US" sz="600" u="sng" dirty="0" smtClean="0"/>
+              <a:t> </a:t>
+            </a:r>
+            <a:r>
+              <a:rPr lang="en-US" sz="600" u="sng" dirty="0" smtClean="0"/>
+              <a:t>OR 3A </a:t>
+            </a:r>
+            <a:r>
+              <a:rPr lang="en-US" sz="600" u="sng" dirty="0"/>
+              <a:t>&lt; </a:t>
+            </a:r>
+            <a:r>
+              <a:rPr lang="en-US" sz="600" u="sng" dirty="0" err="1" smtClean="0"/>
+              <a:t>I</a:t>
+            </a:r>
+            <a:r>
+              <a:rPr lang="en-US" sz="600" u="sng" baseline="-25000" dirty="0" err="1" smtClean="0"/>
+              <a:t>side</a:t>
+            </a:r>
+            <a:r>
+              <a:rPr lang="en-US" sz="600" u="sng" baseline="-25000" dirty="0" err="1" smtClean="0"/>
+              <a:t>B</a:t>
+            </a:r>
+            <a:endParaRPr lang="en-US" sz="600" u="sng" dirty="0"/>
+          </a:p>
+          <a:p>
+            <a:r>
+              <a:rPr lang="en-US" sz="600" dirty="0" smtClean="0"/>
+              <a:t>  - disconnect </a:t>
+            </a:r>
+            <a:r>
+              <a:rPr lang="en-US" sz="600" dirty="0" smtClean="0"/>
+              <a:t>both </a:t>
+            </a:r>
+            <a:r>
+              <a:rPr lang="en-US" sz="600" dirty="0" smtClean="0"/>
+              <a:t>sides</a:t>
+            </a:r>
+          </a:p>
+          <a:p>
+            <a:r>
+              <a:rPr lang="en-US" sz="600" dirty="0" smtClean="0"/>
+              <a:t>  - </a:t>
+            </a:r>
+            <a:r>
+              <a:rPr lang="en-US" sz="600" dirty="0"/>
+              <a:t>start </a:t>
+            </a:r>
+            <a:r>
+              <a:rPr lang="en-US" sz="600" dirty="0" err="1"/>
+              <a:t>cooldown</a:t>
+            </a:r>
+            <a:r>
+              <a:rPr lang="en-US" sz="600" dirty="0"/>
+              <a:t> </a:t>
+            </a:r>
+            <a:r>
+              <a:rPr lang="en-US" sz="600" dirty="0" smtClean="0"/>
+              <a:t>timer (~100ms)</a:t>
+            </a:r>
+            <a:endParaRPr lang="en-US" sz="600" dirty="0"/>
+          </a:p>
+        </p:txBody>
+      </p:sp>
+      <p:sp>
+        <p:nvSpPr>
+          <p:cNvPr id="277" name="Rounded Rectangle 276"/>
           <p:cNvSpPr/>
           <p:nvPr/>
         </p:nvSpPr>
         <p:spPr>
           <a:xfrm>
-            <a:off x="1647434" y="1184973"/>
-            <a:ext cx="1248166" cy="491431"/>
+            <a:off x="3157318" y="6711962"/>
+            <a:ext cx="1293343" cy="255481"/>
           </a:xfrm>
           <a:prstGeom prst="roundRect">
             <a:avLst/>
@@ -6433,43 +5152,40 @@
           <a:p>
             <a:pPr algn="ctr"/>
             <a:r>
-              <a:rPr lang="en-US" sz="900" dirty="0"/>
-              <a:t>My state 1</a:t>
-            </a:r>
-          </a:p>
-          <a:p>
-            <a:pPr algn="ctr"/>
-            <a:r>
-              <a:rPr lang="en-US" sz="900" dirty="0"/>
-              <a:t>(gerund,  ‘</a:t>
-            </a:r>
-            <a:r>
-              <a:rPr lang="en-US" sz="900" dirty="0" err="1"/>
-              <a:t>ing</a:t>
-            </a:r>
-            <a:r>
-              <a:rPr lang="en-US" sz="900" dirty="0"/>
-              <a:t>-suffix’)</a:t>
-            </a:r>
+              <a:rPr lang="en-US" sz="600" dirty="0" smtClean="0"/>
+              <a:t>Investigating</a:t>
+            </a:r>
+            <a:r>
+              <a:rPr lang="en-US" sz="600" dirty="0"/>
+              <a:t> </a:t>
+            </a:r>
+            <a:r>
+              <a:rPr lang="en-US" sz="600" dirty="0" smtClean="0"/>
+              <a:t>Overcurrent</a:t>
+            </a:r>
+            <a:endParaRPr lang="en-US" sz="600" dirty="0"/>
           </a:p>
         </p:txBody>
       </p:sp>
       <p:cxnSp>
         <p:nvCxnSpPr>
-          <p:cNvPr id="42" name="Curved Connector 41"/>
+          <p:cNvPr id="278" name="Curved Connector 277"/>
           <p:cNvCxnSpPr>
-            <a:stCxn id="40" idx="3"/>
-            <a:endCxn id="35" idx="0"/>
+            <a:stCxn id="277" idx="0"/>
+            <a:endCxn id="282" idx="1"/>
           </p:cNvCxnSpPr>
           <p:nvPr/>
         </p:nvCxnSpPr>
         <p:spPr>
-          <a:xfrm>
-            <a:off x="2895605" y="1430690"/>
-            <a:ext cx="1040611" cy="1693515"/>
-          </a:xfrm>
-          <a:prstGeom prst="curvedConnector2">
-            <a:avLst/>
+          <a:xfrm rot="16200000" flipV="1">
+            <a:off x="1238605" y="4146575"/>
+            <a:ext cx="4179299" cy="951472"/>
+          </a:xfrm>
+          <a:prstGeom prst="curvedConnector4">
+            <a:avLst>
+              <a:gd name="adj1" fmla="val 11864"/>
+              <a:gd name="adj2" fmla="val 124026"/>
+            </a:avLst>
           </a:prstGeom>
           <a:ln>
             <a:tailEnd type="arrow"/>
@@ -6492,14 +5208,14 @@
       </p:cxnSp>
       <p:sp>
         <p:nvSpPr>
-          <p:cNvPr id="14" name="TextBox 13"/>
+          <p:cNvPr id="279" name="TextBox 278"/>
           <p:cNvSpPr txBox="1"/>
           <p:nvPr/>
         </p:nvSpPr>
         <p:spPr>
           <a:xfrm>
-            <a:off x="3421608" y="1539240"/>
-            <a:ext cx="883462" cy="784772"/>
+            <a:off x="2177046" y="5784958"/>
+            <a:ext cx="1090250" cy="461606"/>
           </a:xfrm>
           <a:prstGeom prst="rect">
             <a:avLst/>
@@ -6515,10 +5231,848 @@
           <a:lstStyle/>
           <a:p>
             <a:r>
-              <a:rPr lang="en-US" sz="900" u="sng" dirty="0"/>
-              <a:t>My event</a:t>
-            </a:r>
-            <a:endParaRPr lang="en-US" sz="900" u="sng" dirty="0">
+              <a:rPr lang="en-US" sz="600" u="sng" dirty="0" err="1"/>
+              <a:t>cooldown</a:t>
+            </a:r>
+            <a:r>
+              <a:rPr lang="en-US" sz="600" u="sng" dirty="0"/>
+              <a:t> timer expired </a:t>
+            </a:r>
+            <a:r>
+              <a:rPr lang="en-US" sz="600" u="sng" dirty="0" smtClean="0"/>
+              <a:t>AND</a:t>
+            </a:r>
+            <a:endParaRPr lang="en-US" sz="600" u="sng" dirty="0"/>
+          </a:p>
+          <a:p>
+            <a:r>
+              <a:rPr lang="en-US" sz="600" u="sng" dirty="0" smtClean="0"/>
+              <a:t>(0 </a:t>
+            </a:r>
+            <a:r>
+              <a:rPr lang="en-US" sz="600" u="sng" dirty="0"/>
+              <a:t>&lt; </a:t>
+            </a:r>
+            <a:r>
+              <a:rPr lang="en-US" sz="600" u="sng" dirty="0" err="1" smtClean="0"/>
+              <a:t>I</a:t>
+            </a:r>
+            <a:r>
+              <a:rPr lang="en-US" sz="600" u="sng" baseline="-25000" dirty="0" err="1" smtClean="0"/>
+              <a:t>side</a:t>
+            </a:r>
+            <a:r>
+              <a:rPr lang="en-US" sz="600" u="sng" baseline="-25000" dirty="0" err="1" smtClean="0"/>
+              <a:t>A</a:t>
+            </a:r>
+            <a:r>
+              <a:rPr lang="en-US" sz="600" u="sng" dirty="0" smtClean="0"/>
+              <a:t> </a:t>
+            </a:r>
+            <a:r>
+              <a:rPr lang="en-US" sz="600" u="sng" dirty="0" smtClean="0"/>
+              <a:t>OR </a:t>
+            </a:r>
+            <a:r>
+              <a:rPr lang="en-US" sz="600" u="sng" dirty="0" smtClean="0"/>
+              <a:t>0 &lt; </a:t>
+            </a:r>
+            <a:r>
+              <a:rPr lang="en-US" sz="600" u="sng" dirty="0" err="1" smtClean="0"/>
+              <a:t>I</a:t>
+            </a:r>
+            <a:r>
+              <a:rPr lang="en-US" sz="600" u="sng" baseline="-25000" dirty="0" err="1" smtClean="0"/>
+              <a:t>side</a:t>
+            </a:r>
+            <a:r>
+              <a:rPr lang="en-US" sz="600" u="sng" baseline="-25000" dirty="0" err="1" smtClean="0"/>
+              <a:t>B</a:t>
+            </a:r>
+            <a:r>
+              <a:rPr lang="en-US" sz="600" u="sng" dirty="0"/>
+              <a:t>)</a:t>
+            </a:r>
+          </a:p>
+          <a:p>
+            <a:r>
+              <a:rPr lang="en-US" sz="600" dirty="0"/>
+              <a:t> </a:t>
+            </a:r>
+            <a:r>
+              <a:rPr lang="en-US" sz="600" dirty="0" smtClean="0"/>
+              <a:t>- turn off everything</a:t>
+            </a:r>
+          </a:p>
+          <a:p>
+            <a:r>
+              <a:rPr lang="en-US" sz="600" dirty="0"/>
+              <a:t> </a:t>
+            </a:r>
+            <a:r>
+              <a:rPr lang="en-US" sz="600" dirty="0" smtClean="0"/>
+              <a:t>- start awakening timer</a:t>
+            </a:r>
+            <a:endParaRPr lang="en-US" sz="600" dirty="0"/>
+          </a:p>
+        </p:txBody>
+      </p:sp>
+      <p:cxnSp>
+        <p:nvCxnSpPr>
+          <p:cNvPr id="280" name="Curved Connector 279"/>
+          <p:cNvCxnSpPr>
+            <a:stCxn id="277" idx="0"/>
+            <a:endCxn id="273" idx="1"/>
+          </p:cNvCxnSpPr>
+          <p:nvPr/>
+        </p:nvCxnSpPr>
+        <p:spPr>
+          <a:xfrm rot="5400000" flipH="1" flipV="1">
+            <a:off x="4960944" y="4476987"/>
+            <a:ext cx="1078018" cy="3391928"/>
+          </a:xfrm>
+          <a:prstGeom prst="curvedConnector2">
+            <a:avLst/>
+          </a:prstGeom>
+          <a:ln>
+            <a:tailEnd type="arrow"/>
+          </a:ln>
+        </p:spPr>
+        <p:style>
+          <a:lnRef idx="1">
+            <a:schemeClr val="accent1"/>
+          </a:lnRef>
+          <a:fillRef idx="0">
+            <a:schemeClr val="accent1"/>
+          </a:fillRef>
+          <a:effectRef idx="0">
+            <a:schemeClr val="accent1"/>
+          </a:effectRef>
+          <a:fontRef idx="minor">
+            <a:schemeClr val="tx1"/>
+          </a:fontRef>
+        </p:style>
+      </p:cxnSp>
+      <p:sp>
+        <p:nvSpPr>
+          <p:cNvPr id="281" name="TextBox 280"/>
+          <p:cNvSpPr txBox="1"/>
+          <p:nvPr/>
+        </p:nvSpPr>
+        <p:spPr>
+          <a:xfrm>
+            <a:off x="4023366" y="5748244"/>
+            <a:ext cx="1720230" cy="646272"/>
+          </a:xfrm>
+          <a:prstGeom prst="rect">
+            <a:avLst/>
+          </a:prstGeom>
+          <a:solidFill>
+            <a:schemeClr val="bg1"/>
+          </a:solidFill>
+        </p:spPr>
+        <p:txBody>
+          <a:bodyPr wrap="none" lIns="91384" tIns="45691" rIns="91384" bIns="45691" rtlCol="0">
+            <a:spAutoFit/>
+          </a:bodyPr>
+          <a:lstStyle/>
+          <a:p>
+            <a:r>
+              <a:rPr lang="en-US" sz="600" u="sng" dirty="0" err="1"/>
+              <a:t>cooldown</a:t>
+            </a:r>
+            <a:r>
+              <a:rPr lang="en-US" sz="600" u="sng" dirty="0"/>
+              <a:t> timer expired </a:t>
+            </a:r>
+            <a:r>
+              <a:rPr lang="en-US" sz="600" u="sng" dirty="0" smtClean="0"/>
+              <a:t>AND</a:t>
+            </a:r>
+            <a:endParaRPr lang="en-US" sz="600" u="sng" dirty="0"/>
+          </a:p>
+          <a:p>
+            <a:r>
+              <a:rPr lang="en-US" sz="600" u="sng" dirty="0"/>
+              <a:t>(</a:t>
+            </a:r>
+            <a:r>
+              <a:rPr lang="en-US" sz="600" u="sng" dirty="0" err="1" smtClean="0"/>
+              <a:t>I</a:t>
+            </a:r>
+            <a:r>
+              <a:rPr lang="en-US" sz="600" u="sng" baseline="-25000" dirty="0" err="1" smtClean="0"/>
+              <a:t>side</a:t>
+            </a:r>
+            <a:r>
+              <a:rPr lang="en-US" sz="600" u="sng" baseline="-25000" dirty="0" err="1" smtClean="0"/>
+              <a:t>A</a:t>
+            </a:r>
+            <a:r>
+              <a:rPr lang="en-US" sz="600" u="sng" dirty="0" smtClean="0"/>
+              <a:t> </a:t>
+            </a:r>
+            <a:r>
+              <a:rPr lang="en-US" sz="600" u="sng" dirty="0" smtClean="0"/>
+              <a:t>~= 0</a:t>
+            </a:r>
+            <a:r>
+              <a:rPr lang="en-US" sz="600" u="sng" dirty="0" smtClean="0"/>
+              <a:t>A </a:t>
+            </a:r>
+            <a:r>
+              <a:rPr lang="en-US" sz="600" u="sng" dirty="0" smtClean="0"/>
+              <a:t>AND </a:t>
+            </a:r>
+            <a:r>
+              <a:rPr lang="en-US" sz="600" u="sng" dirty="0" err="1" smtClean="0"/>
+              <a:t>I</a:t>
+            </a:r>
+            <a:r>
+              <a:rPr lang="en-US" sz="600" u="sng" baseline="-25000" dirty="0" err="1" smtClean="0"/>
+              <a:t>side</a:t>
+            </a:r>
+            <a:r>
+              <a:rPr lang="en-US" sz="600" u="sng" baseline="-25000" dirty="0" err="1" smtClean="0"/>
+              <a:t>B</a:t>
+            </a:r>
+            <a:r>
+              <a:rPr lang="en-US" sz="600" u="sng" dirty="0" smtClean="0"/>
+              <a:t> ~= 0A)</a:t>
+            </a:r>
+          </a:p>
+          <a:p>
+            <a:r>
+              <a:rPr lang="en-US" sz="600" dirty="0"/>
+              <a:t> </a:t>
+            </a:r>
+            <a:r>
+              <a:rPr lang="en-US" sz="600" dirty="0" smtClean="0"/>
+              <a:t> </a:t>
+            </a:r>
+            <a:r>
+              <a:rPr lang="en-US" sz="600" dirty="0"/>
+              <a:t> - </a:t>
+            </a:r>
+            <a:r>
+              <a:rPr lang="en-US" sz="600" dirty="0" smtClean="0"/>
+              <a:t>decrement </a:t>
+            </a:r>
+            <a:r>
+              <a:rPr lang="en-US" sz="600" dirty="0" err="1" smtClean="0"/>
+              <a:t>I</a:t>
+            </a:r>
+            <a:r>
+              <a:rPr lang="en-US" sz="600" baseline="-25000" dirty="0" err="1" smtClean="0"/>
+              <a:t>charge,max</a:t>
+            </a:r>
+            <a:r>
+              <a:rPr lang="en-US" sz="600" dirty="0" smtClean="0"/>
+              <a:t>, to a limit</a:t>
+            </a:r>
+          </a:p>
+          <a:p>
+            <a:r>
+              <a:rPr lang="en-US" sz="600" dirty="0" smtClean="0"/>
+              <a:t>  - </a:t>
+            </a:r>
+            <a:r>
+              <a:rPr lang="en-US" sz="600" dirty="0"/>
+              <a:t> </a:t>
+            </a:r>
+            <a:r>
+              <a:rPr lang="en-US" sz="600" dirty="0" smtClean="0"/>
+              <a:t>configure charger</a:t>
+            </a:r>
+          </a:p>
+          <a:p>
+            <a:r>
+              <a:rPr lang="en-US" sz="600" dirty="0"/>
+              <a:t> </a:t>
+            </a:r>
+            <a:r>
+              <a:rPr lang="en-US" sz="600" dirty="0" smtClean="0"/>
+              <a:t> - </a:t>
+            </a:r>
+            <a:r>
+              <a:rPr lang="en-US" sz="600" dirty="0" smtClean="0"/>
+              <a:t>reconnect both sides</a:t>
+            </a:r>
+          </a:p>
+          <a:p>
+            <a:r>
+              <a:rPr lang="en-US" sz="600" dirty="0"/>
+              <a:t> </a:t>
+            </a:r>
+            <a:r>
+              <a:rPr lang="en-US" sz="600" dirty="0" smtClean="0"/>
+              <a:t> - delay  long enough to get a new A/D reading</a:t>
+            </a:r>
+            <a:endParaRPr lang="en-US" sz="600" dirty="0"/>
+          </a:p>
+        </p:txBody>
+      </p:sp>
+      <p:sp>
+        <p:nvSpPr>
+          <p:cNvPr id="282" name="Rounded Rectangle 281"/>
+          <p:cNvSpPr/>
+          <p:nvPr/>
+        </p:nvSpPr>
+        <p:spPr>
+          <a:xfrm>
+            <a:off x="2852517" y="2418361"/>
+            <a:ext cx="762000" cy="228600"/>
+          </a:xfrm>
+          <a:prstGeom prst="roundRect">
+            <a:avLst/>
+          </a:prstGeom>
+        </p:spPr>
+        <p:style>
+          <a:lnRef idx="2">
+            <a:schemeClr val="accent1">
+              <a:shade val="50000"/>
+            </a:schemeClr>
+          </a:lnRef>
+          <a:fillRef idx="1">
+            <a:schemeClr val="accent1"/>
+          </a:fillRef>
+          <a:effectRef idx="0">
+            <a:schemeClr val="accent1"/>
+          </a:effectRef>
+          <a:fontRef idx="minor">
+            <a:schemeClr val="lt1"/>
+          </a:fontRef>
+        </p:style>
+        <p:txBody>
+          <a:bodyPr lIns="91384" tIns="45691" rIns="91384" bIns="45691" rtlCol="0" anchor="ctr"/>
+          <a:lstStyle/>
+          <a:p>
+            <a:pPr algn="ctr"/>
+            <a:r>
+              <a:rPr lang="en-US" sz="600" dirty="0" smtClean="0"/>
+              <a:t>Awakening</a:t>
+            </a:r>
+            <a:endParaRPr lang="en-US" sz="600" dirty="0"/>
+          </a:p>
+        </p:txBody>
+      </p:sp>
+      <p:sp>
+        <p:nvSpPr>
+          <p:cNvPr id="283" name="TextBox 282"/>
+          <p:cNvSpPr txBox="1"/>
+          <p:nvPr/>
+        </p:nvSpPr>
+        <p:spPr>
+          <a:xfrm>
+            <a:off x="2481968" y="2180497"/>
+            <a:ext cx="986207" cy="184607"/>
+          </a:xfrm>
+          <a:prstGeom prst="rect">
+            <a:avLst/>
+          </a:prstGeom>
+          <a:solidFill>
+            <a:schemeClr val="bg1"/>
+          </a:solidFill>
+        </p:spPr>
+        <p:txBody>
+          <a:bodyPr wrap="square" lIns="91384" tIns="45691" rIns="91384" bIns="45691" rtlCol="0">
+            <a:spAutoFit/>
+          </a:bodyPr>
+          <a:lstStyle/>
+          <a:p>
+            <a:r>
+              <a:rPr lang="en-US" sz="600" dirty="0"/>
+              <a:t>  - start awakening timer</a:t>
+            </a:r>
+          </a:p>
+        </p:txBody>
+      </p:sp>
+      <p:cxnSp>
+        <p:nvCxnSpPr>
+          <p:cNvPr id="284" name="Curved Connector 283"/>
+          <p:cNvCxnSpPr>
+            <a:stCxn id="282" idx="3"/>
+            <a:endCxn id="287" idx="1"/>
+          </p:cNvCxnSpPr>
+          <p:nvPr/>
+        </p:nvCxnSpPr>
+        <p:spPr>
+          <a:xfrm>
+            <a:off x="3614517" y="2532661"/>
+            <a:ext cx="1779470" cy="1391640"/>
+          </a:xfrm>
+          <a:prstGeom prst="curvedConnector3">
+            <a:avLst>
+              <a:gd name="adj1" fmla="val 50000"/>
+            </a:avLst>
+          </a:prstGeom>
+          <a:ln>
+            <a:tailEnd type="arrow"/>
+          </a:ln>
+        </p:spPr>
+        <p:style>
+          <a:lnRef idx="1">
+            <a:schemeClr val="accent1"/>
+          </a:lnRef>
+          <a:fillRef idx="0">
+            <a:schemeClr val="accent1"/>
+          </a:fillRef>
+          <a:effectRef idx="0">
+            <a:schemeClr val="accent1"/>
+          </a:effectRef>
+          <a:fontRef idx="minor">
+            <a:schemeClr val="tx1"/>
+          </a:fontRef>
+        </p:style>
+      </p:cxnSp>
+      <p:sp>
+        <p:nvSpPr>
+          <p:cNvPr id="285" name="TextBox 284"/>
+          <p:cNvSpPr txBox="1"/>
+          <p:nvPr/>
+        </p:nvSpPr>
+        <p:spPr>
+          <a:xfrm>
+            <a:off x="4023365" y="2212877"/>
+            <a:ext cx="1305052" cy="738605"/>
+          </a:xfrm>
+          <a:prstGeom prst="rect">
+            <a:avLst/>
+          </a:prstGeom>
+          <a:solidFill>
+            <a:schemeClr val="bg1"/>
+          </a:solidFill>
+        </p:spPr>
+        <p:txBody>
+          <a:bodyPr wrap="none" lIns="91384" tIns="45691" rIns="91384" bIns="45691" rtlCol="0">
+            <a:spAutoFit/>
+          </a:bodyPr>
+          <a:lstStyle/>
+          <a:p>
+            <a:r>
+              <a:rPr lang="en-US" sz="600" u="sng" dirty="0"/>
+              <a:t>awakening timer </a:t>
+            </a:r>
+            <a:r>
+              <a:rPr lang="en-US" sz="600" u="sng" dirty="0" smtClean="0"/>
+              <a:t>expired</a:t>
+            </a:r>
+          </a:p>
+          <a:p>
+            <a:r>
+              <a:rPr lang="en-US" sz="600" dirty="0" smtClean="0"/>
+              <a:t>  - status = ‘</a:t>
+            </a:r>
+            <a:r>
+              <a:rPr lang="en-US" sz="600" dirty="0"/>
+              <a:t>alive and on dock</a:t>
+            </a:r>
+            <a:r>
+              <a:rPr lang="en-US" sz="600" dirty="0" smtClean="0"/>
+              <a:t>’</a:t>
+            </a:r>
+            <a:endParaRPr lang="en-US" sz="600" dirty="0"/>
+          </a:p>
+          <a:p>
+            <a:r>
+              <a:rPr lang="en-US" sz="600" dirty="0"/>
+              <a:t>  </a:t>
+            </a:r>
+            <a:r>
+              <a:rPr lang="en-US" sz="600" dirty="0" smtClean="0"/>
+              <a:t>- </a:t>
+            </a:r>
+            <a:r>
+              <a:rPr lang="en-US" sz="600" dirty="0"/>
+              <a:t>turn on the charging IC</a:t>
+            </a:r>
+          </a:p>
+          <a:p>
+            <a:r>
+              <a:rPr lang="en-US" sz="600" dirty="0" smtClean="0"/>
+              <a:t>  - </a:t>
+            </a:r>
+            <a:r>
+              <a:rPr lang="en-US" sz="600" dirty="0" err="1"/>
+              <a:t>I</a:t>
+            </a:r>
+            <a:r>
+              <a:rPr lang="en-US" sz="600" baseline="-25000" dirty="0" err="1"/>
+              <a:t>charge,max</a:t>
+            </a:r>
+            <a:r>
+              <a:rPr lang="en-US" sz="600" dirty="0"/>
+              <a:t> = min(0.1/h*C, 3A/side) </a:t>
+            </a:r>
+            <a:endParaRPr lang="en-US" sz="600" dirty="0" smtClean="0"/>
+          </a:p>
+          <a:p>
+            <a:r>
+              <a:rPr lang="en-US" sz="600" dirty="0"/>
+              <a:t> </a:t>
+            </a:r>
+            <a:r>
+              <a:rPr lang="en-US" sz="600" dirty="0" smtClean="0"/>
+              <a:t> - </a:t>
+            </a:r>
+            <a:r>
+              <a:rPr lang="en-US" sz="600" dirty="0"/>
+              <a:t>connect </a:t>
+            </a:r>
+            <a:r>
+              <a:rPr lang="en-US" sz="600" dirty="0" err="1" smtClean="0"/>
+              <a:t>sideA</a:t>
+            </a:r>
+            <a:r>
+              <a:rPr lang="en-US" sz="600" dirty="0" smtClean="0"/>
+              <a:t> and </a:t>
+            </a:r>
+            <a:r>
+              <a:rPr lang="en-US" sz="600" dirty="0" err="1" smtClean="0"/>
+              <a:t>sideB</a:t>
+            </a:r>
+            <a:endParaRPr lang="en-US" sz="600" dirty="0" smtClean="0"/>
+          </a:p>
+          <a:p>
+            <a:r>
+              <a:rPr lang="en-US" sz="600" dirty="0" smtClean="0"/>
+              <a:t>  </a:t>
+            </a:r>
+            <a:r>
+              <a:rPr lang="en-US" sz="600" dirty="0"/>
+              <a:t>- start charger refresh </a:t>
+            </a:r>
+            <a:r>
+              <a:rPr lang="en-US" sz="600" dirty="0" smtClean="0"/>
+              <a:t>timer (0s)</a:t>
+            </a:r>
+          </a:p>
+          <a:p>
+            <a:r>
+              <a:rPr lang="en-US" sz="600" dirty="0" smtClean="0"/>
+              <a:t>  - start revive safety timer (~10s)</a:t>
+            </a:r>
+            <a:endParaRPr lang="en-US" sz="600" dirty="0"/>
+          </a:p>
+        </p:txBody>
+      </p:sp>
+      <p:sp>
+        <p:nvSpPr>
+          <p:cNvPr id="286" name="TextBox 285"/>
+          <p:cNvSpPr txBox="1"/>
+          <p:nvPr/>
+        </p:nvSpPr>
+        <p:spPr>
+          <a:xfrm>
+            <a:off x="10167431" y="2347059"/>
+            <a:ext cx="1447800" cy="923271"/>
+          </a:xfrm>
+          <a:prstGeom prst="rect">
+            <a:avLst/>
+          </a:prstGeom>
+          <a:solidFill>
+            <a:schemeClr val="bg1"/>
+          </a:solidFill>
+        </p:spPr>
+        <p:txBody>
+          <a:bodyPr wrap="square" lIns="91384" tIns="45691" rIns="91384" bIns="45691" rtlCol="0">
+            <a:spAutoFit/>
+          </a:bodyPr>
+          <a:lstStyle/>
+          <a:p>
+            <a:r>
+              <a:rPr lang="en-US" sz="600" dirty="0" smtClean="0">
+                <a:solidFill>
+                  <a:schemeClr val="accent3">
+                    <a:lumMod val="50000"/>
+                  </a:schemeClr>
+                </a:solidFill>
+              </a:rPr>
+              <a:t>Notes: </a:t>
+            </a:r>
+          </a:p>
+          <a:p>
+            <a:r>
+              <a:rPr lang="en-US" sz="600" dirty="0">
+                <a:solidFill>
+                  <a:schemeClr val="accent3">
+                    <a:lumMod val="50000"/>
+                  </a:schemeClr>
+                </a:solidFill>
+              </a:rPr>
+              <a:t> </a:t>
+            </a:r>
+            <a:r>
+              <a:rPr lang="en-US" sz="600" dirty="0" smtClean="0">
+                <a:solidFill>
+                  <a:schemeClr val="accent3">
+                    <a:lumMod val="50000"/>
+                  </a:schemeClr>
+                </a:solidFill>
+              </a:rPr>
+              <a:t> - the current sensor produces 0V if</a:t>
+            </a:r>
+          </a:p>
+          <a:p>
+            <a:r>
+              <a:rPr lang="en-US" sz="600" dirty="0">
+                <a:solidFill>
+                  <a:schemeClr val="accent3">
+                    <a:lumMod val="50000"/>
+                  </a:schemeClr>
+                </a:solidFill>
+              </a:rPr>
+              <a:t> </a:t>
+            </a:r>
+            <a:r>
+              <a:rPr lang="en-US" sz="600" dirty="0" smtClean="0">
+                <a:solidFill>
+                  <a:schemeClr val="accent3">
+                    <a:lumMod val="50000"/>
+                  </a:schemeClr>
+                </a:solidFill>
+              </a:rPr>
+              <a:t>   current flows in the reverse direction</a:t>
+            </a:r>
+          </a:p>
+          <a:p>
+            <a:r>
+              <a:rPr lang="en-US" sz="600" dirty="0">
+                <a:solidFill>
+                  <a:schemeClr val="accent3">
+                    <a:lumMod val="50000"/>
+                  </a:schemeClr>
+                </a:solidFill>
+              </a:rPr>
+              <a:t> </a:t>
+            </a:r>
+            <a:r>
+              <a:rPr lang="en-US" sz="600" dirty="0" smtClean="0">
+                <a:solidFill>
+                  <a:schemeClr val="accent3">
+                    <a:lumMod val="50000"/>
+                  </a:schemeClr>
+                </a:solidFill>
+              </a:rPr>
+              <a:t> - the maximum current the smart </a:t>
+            </a:r>
+          </a:p>
+          <a:p>
+            <a:r>
+              <a:rPr lang="en-US" sz="600" dirty="0">
+                <a:solidFill>
+                  <a:schemeClr val="accent3">
+                    <a:lumMod val="50000"/>
+                  </a:schemeClr>
+                </a:solidFill>
+              </a:rPr>
+              <a:t> </a:t>
+            </a:r>
+            <a:r>
+              <a:rPr lang="en-US" sz="600" dirty="0" smtClean="0">
+                <a:solidFill>
+                  <a:schemeClr val="accent3">
+                    <a:lumMod val="50000"/>
+                  </a:schemeClr>
+                </a:solidFill>
+              </a:rPr>
+              <a:t>   battery can accept is 3A on each side</a:t>
+            </a:r>
+          </a:p>
+          <a:p>
+            <a:r>
+              <a:rPr lang="en-US" sz="600" dirty="0">
+                <a:solidFill>
+                  <a:schemeClr val="accent3">
+                    <a:lumMod val="50000"/>
+                  </a:schemeClr>
+                </a:solidFill>
+              </a:rPr>
+              <a:t> </a:t>
+            </a:r>
+            <a:r>
+              <a:rPr lang="en-US" sz="600" dirty="0" smtClean="0">
+                <a:solidFill>
+                  <a:schemeClr val="accent3">
+                    <a:lumMod val="50000"/>
+                  </a:schemeClr>
+                </a:solidFill>
+              </a:rPr>
+              <a:t> - there are four (4) cells per side</a:t>
+            </a:r>
+          </a:p>
+          <a:p>
+            <a:r>
+              <a:rPr lang="en-US" sz="600" dirty="0">
+                <a:solidFill>
+                  <a:schemeClr val="accent3">
+                    <a:lumMod val="50000"/>
+                  </a:schemeClr>
+                </a:solidFill>
+              </a:rPr>
+              <a:t> </a:t>
+            </a:r>
+            <a:r>
+              <a:rPr lang="en-US" sz="600" dirty="0" smtClean="0">
+                <a:solidFill>
+                  <a:schemeClr val="accent3">
+                    <a:lumMod val="50000"/>
+                  </a:schemeClr>
+                </a:solidFill>
+              </a:rPr>
+              <a:t> - consider the duty cycle of a bad </a:t>
+            </a:r>
+          </a:p>
+          <a:p>
+            <a:r>
+              <a:rPr lang="en-US" sz="600" dirty="0">
+                <a:solidFill>
+                  <a:schemeClr val="accent3">
+                    <a:lumMod val="50000"/>
+                  </a:schemeClr>
+                </a:solidFill>
+              </a:rPr>
+              <a:t> </a:t>
+            </a:r>
+            <a:r>
+              <a:rPr lang="en-US" sz="600" dirty="0" smtClean="0">
+                <a:solidFill>
+                  <a:schemeClr val="accent3">
+                    <a:lumMod val="50000"/>
+                  </a:schemeClr>
+                </a:solidFill>
+              </a:rPr>
+              <a:t>   situation</a:t>
+            </a:r>
+          </a:p>
+          <a:p>
+            <a:r>
+              <a:rPr lang="en-US" sz="600" dirty="0">
+                <a:solidFill>
+                  <a:schemeClr val="accent3">
+                    <a:lumMod val="50000"/>
+                  </a:schemeClr>
+                </a:solidFill>
+              </a:rPr>
+              <a:t> </a:t>
+            </a:r>
+            <a:r>
+              <a:rPr lang="en-US" sz="600" dirty="0" smtClean="0">
+                <a:solidFill>
+                  <a:schemeClr val="accent3">
+                    <a:lumMod val="50000"/>
+                  </a:schemeClr>
+                </a:solidFill>
+              </a:rPr>
+              <a:t> - the limit to power the robot is ~1.5A</a:t>
+            </a:r>
+            <a:endParaRPr lang="en-US" sz="600" dirty="0">
+              <a:solidFill>
+                <a:schemeClr val="accent3">
+                  <a:lumMod val="50000"/>
+                </a:schemeClr>
+              </a:solidFill>
+            </a:endParaRPr>
+          </a:p>
+        </p:txBody>
+      </p:sp>
+      <p:sp>
+        <p:nvSpPr>
+          <p:cNvPr id="287" name="Rounded Rectangle 286"/>
+          <p:cNvSpPr/>
+          <p:nvPr/>
+        </p:nvSpPr>
+        <p:spPr>
+          <a:xfrm>
+            <a:off x="5393987" y="3810001"/>
+            <a:ext cx="762000" cy="228600"/>
+          </a:xfrm>
+          <a:prstGeom prst="roundRect">
+            <a:avLst/>
+          </a:prstGeom>
+        </p:spPr>
+        <p:style>
+          <a:lnRef idx="2">
+            <a:schemeClr val="accent1">
+              <a:shade val="50000"/>
+            </a:schemeClr>
+          </a:lnRef>
+          <a:fillRef idx="1">
+            <a:schemeClr val="accent1"/>
+          </a:fillRef>
+          <a:effectRef idx="0">
+            <a:schemeClr val="accent1"/>
+          </a:effectRef>
+          <a:fontRef idx="minor">
+            <a:schemeClr val="lt1"/>
+          </a:fontRef>
+        </p:style>
+        <p:txBody>
+          <a:bodyPr lIns="91384" tIns="45691" rIns="91384" bIns="45691" rtlCol="0" anchor="ctr"/>
+          <a:lstStyle/>
+          <a:p>
+            <a:pPr algn="ctr"/>
+            <a:r>
+              <a:rPr lang="en-US" sz="600" dirty="0" smtClean="0"/>
+              <a:t>Reviving</a:t>
+            </a:r>
+            <a:endParaRPr lang="en-US" sz="600" dirty="0"/>
+          </a:p>
+        </p:txBody>
+      </p:sp>
+      <p:sp>
+        <p:nvSpPr>
+          <p:cNvPr id="288" name="TextBox 287"/>
+          <p:cNvSpPr txBox="1"/>
+          <p:nvPr/>
+        </p:nvSpPr>
+        <p:spPr>
+          <a:xfrm>
+            <a:off x="5751799" y="4483841"/>
+            <a:ext cx="1287419" cy="276940"/>
+          </a:xfrm>
+          <a:prstGeom prst="rect">
+            <a:avLst/>
+          </a:prstGeom>
+          <a:solidFill>
+            <a:schemeClr val="bg1"/>
+          </a:solidFill>
+        </p:spPr>
+        <p:txBody>
+          <a:bodyPr wrap="none" lIns="91384" tIns="45691" rIns="91384" bIns="45691" rtlCol="0">
+            <a:spAutoFit/>
+          </a:bodyPr>
+          <a:lstStyle/>
+          <a:p>
+            <a:r>
+              <a:rPr lang="en-US" sz="600" u="sng" dirty="0"/>
+              <a:t>3</a:t>
+            </a:r>
+            <a:r>
+              <a:rPr lang="en-US" sz="600" u="sng" dirty="0" smtClean="0"/>
+              <a:t>V/cell &lt; </a:t>
+            </a:r>
+            <a:r>
+              <a:rPr lang="en-US" sz="600" u="sng" dirty="0" err="1" smtClean="0"/>
+              <a:t>V</a:t>
+            </a:r>
+            <a:r>
+              <a:rPr lang="en-US" sz="600" u="sng" baseline="-25000" dirty="0" err="1" smtClean="0"/>
+              <a:t>sideA</a:t>
+            </a:r>
+            <a:r>
+              <a:rPr lang="en-US" sz="600" u="sng" dirty="0" smtClean="0"/>
+              <a:t> AND 3V/cell &lt; </a:t>
+            </a:r>
+            <a:r>
+              <a:rPr lang="en-US" sz="600" u="sng" dirty="0" err="1" smtClean="0"/>
+              <a:t>V</a:t>
+            </a:r>
+            <a:r>
+              <a:rPr lang="en-US" sz="600" u="sng" baseline="-25000" dirty="0" err="1" smtClean="0"/>
+              <a:t>sideB</a:t>
+            </a:r>
+            <a:endParaRPr lang="en-US" sz="600" u="sng" baseline="-25000" dirty="0">
               <a:solidFill>
                 <a:schemeClr val="tx1">
                   <a:lumMod val="50000"/>
@@ -6529,40 +6083,81 @@
           </a:p>
           <a:p>
             <a:r>
-              <a:rPr lang="en-US" sz="900" dirty="0"/>
-              <a:t>  - my service 1</a:t>
-            </a:r>
-          </a:p>
-          <a:p>
-            <a:r>
-              <a:rPr lang="en-US" sz="900" dirty="0"/>
-              <a:t>  - my service 2</a:t>
-            </a:r>
-          </a:p>
-          <a:p>
-            <a:r>
-              <a:rPr lang="en-US" sz="900" dirty="0"/>
-              <a:t>  …</a:t>
-            </a:r>
-          </a:p>
-          <a:p>
-            <a:r>
-              <a:rPr lang="en-US" sz="900" dirty="0"/>
-              <a:t>  - my service n</a:t>
-            </a:r>
-          </a:p>
-        </p:txBody>
-      </p:sp>
-      <p:sp>
-        <p:nvSpPr>
-          <p:cNvPr id="47" name="TextBox 46"/>
+              <a:rPr lang="en-US" sz="600" dirty="0" smtClean="0"/>
+              <a:t>  - </a:t>
+            </a:r>
+            <a:r>
+              <a:rPr lang="en-US" sz="600" dirty="0" err="1" smtClean="0"/>
+              <a:t>I</a:t>
+            </a:r>
+            <a:r>
+              <a:rPr lang="en-US" sz="600" baseline="-25000" dirty="0" err="1" smtClean="0"/>
+              <a:t>charge,max</a:t>
+            </a:r>
+            <a:r>
+              <a:rPr lang="en-US" sz="600" dirty="0" smtClean="0"/>
+              <a:t> </a:t>
+            </a:r>
+            <a:r>
+              <a:rPr lang="en-US" sz="600" dirty="0"/>
+              <a:t>= min(0.7/h*C, </a:t>
+            </a:r>
+            <a:r>
+              <a:rPr lang="en-US" sz="600" dirty="0" smtClean="0"/>
+              <a:t>3A/side)</a:t>
+            </a:r>
+            <a:endParaRPr lang="en-US" sz="600" dirty="0"/>
+          </a:p>
+        </p:txBody>
+      </p:sp>
+      <p:cxnSp>
+        <p:nvCxnSpPr>
+          <p:cNvPr id="289" name="Curved Connector 288"/>
+          <p:cNvCxnSpPr>
+            <a:stCxn id="287" idx="2"/>
+            <a:endCxn id="282" idx="2"/>
+          </p:cNvCxnSpPr>
+          <p:nvPr/>
+        </p:nvCxnSpPr>
+        <p:spPr>
+          <a:xfrm rot="5400000" flipH="1">
+            <a:off x="3808432" y="2072046"/>
+            <a:ext cx="1391640" cy="2541470"/>
+          </a:xfrm>
+          <a:prstGeom prst="curvedConnector3">
+            <a:avLst>
+              <a:gd name="adj1" fmla="val -16427"/>
+            </a:avLst>
+          </a:prstGeom>
+          <a:ln>
+            <a:tailEnd type="arrow"/>
+          </a:ln>
+        </p:spPr>
+        <p:style>
+          <a:lnRef idx="1">
+            <a:schemeClr val="accent1"/>
+          </a:lnRef>
+          <a:fillRef idx="0">
+            <a:schemeClr val="accent1"/>
+          </a:fillRef>
+          <a:effectRef idx="0">
+            <a:schemeClr val="accent1"/>
+          </a:effectRef>
+          <a:fontRef idx="minor">
+            <a:schemeClr val="tx1"/>
+          </a:fontRef>
+        </p:style>
+      </p:cxnSp>
+      <p:sp>
+        <p:nvSpPr>
+          <p:cNvPr id="290" name="TextBox 289"/>
           <p:cNvSpPr txBox="1"/>
           <p:nvPr/>
         </p:nvSpPr>
         <p:spPr>
           <a:xfrm>
-            <a:off x="6553205" y="1492612"/>
-            <a:ext cx="2010374" cy="784772"/>
+            <a:off x="3081117" y="3947221"/>
+            <a:ext cx="1242535" cy="461606"/>
           </a:xfrm>
           <a:prstGeom prst="rect">
             <a:avLst/>
@@ -6578,65 +6173,181 @@
           <a:lstStyle/>
           <a:p>
             <a:r>
-              <a:rPr lang="en-US" sz="900" dirty="0"/>
-              <a:t>Notes:</a:t>
-            </a:r>
-            <a:endParaRPr lang="en-US" sz="900" dirty="0">
-              <a:solidFill>
-                <a:schemeClr val="tx1">
-                  <a:lumMod val="50000"/>
-                  <a:lumOff val="50000"/>
-                </a:schemeClr>
-              </a:solidFill>
-            </a:endParaRPr>
-          </a:p>
-          <a:p>
-            <a:r>
-              <a:rPr lang="en-US" sz="900" dirty="0">
-                <a:solidFill>
-                  <a:schemeClr val="tx1">
-                    <a:lumMod val="50000"/>
-                    <a:lumOff val="50000"/>
-                  </a:schemeClr>
-                </a:solidFill>
-              </a:rPr>
-              <a:t>  </a:t>
-            </a:r>
-            <a:r>
-              <a:rPr lang="en-US" sz="900" dirty="0"/>
-              <a:t>- use a two-space hanging indent </a:t>
-            </a:r>
-          </a:p>
-          <a:p>
-            <a:r>
-              <a:rPr lang="en-US" sz="900" dirty="0"/>
-              <a:t>     to list services</a:t>
-            </a:r>
-          </a:p>
-          <a:p>
-            <a:r>
-              <a:rPr lang="en-US" sz="900" dirty="0"/>
-              <a:t>  - underline the event</a:t>
-            </a:r>
-          </a:p>
-          <a:p>
-            <a:r>
-              <a:rPr lang="en-US" sz="900" dirty="0"/>
-              <a:t>  - use a gerund in the state description</a:t>
-            </a:r>
-          </a:p>
-        </p:txBody>
-      </p:sp>
-      <p:sp>
-        <p:nvSpPr>
-          <p:cNvPr id="10" name="TextBox 9"/>
+              <a:rPr lang="en-US" sz="600" u="sng" dirty="0"/>
+              <a:t>r</a:t>
+            </a:r>
+            <a:r>
+              <a:rPr lang="en-US" sz="600" u="sng" dirty="0" smtClean="0"/>
+              <a:t>evive-safety </a:t>
+            </a:r>
+            <a:r>
+              <a:rPr lang="en-US" sz="600" u="sng" dirty="0" smtClean="0"/>
+              <a:t>timer expired </a:t>
+            </a:r>
+            <a:r>
+              <a:rPr lang="en-US" sz="600" u="sng" dirty="0" smtClean="0"/>
+              <a:t>AND  </a:t>
+            </a:r>
+          </a:p>
+          <a:p>
+            <a:r>
+              <a:rPr lang="en-US" sz="600" u="sng" dirty="0"/>
+              <a:t>(</a:t>
+            </a:r>
+            <a:r>
+              <a:rPr lang="en-US" sz="600" u="sng" dirty="0" err="1" smtClean="0"/>
+              <a:t>V</a:t>
+            </a:r>
+            <a:r>
+              <a:rPr lang="en-US" sz="600" u="sng" baseline="-25000" dirty="0" err="1" smtClean="0"/>
+              <a:t>sideA</a:t>
+            </a:r>
+            <a:r>
+              <a:rPr lang="en-US" sz="600" u="sng" dirty="0" smtClean="0"/>
+              <a:t>  == 0</a:t>
+            </a:r>
+            <a:r>
+              <a:rPr lang="en-US" sz="600" u="sng" dirty="0"/>
+              <a:t> </a:t>
+            </a:r>
+            <a:r>
+              <a:rPr lang="en-US" sz="600" u="sng" dirty="0" smtClean="0"/>
+              <a:t>OR </a:t>
+            </a:r>
+            <a:r>
+              <a:rPr lang="en-US" sz="600" u="sng" dirty="0" err="1" smtClean="0"/>
+              <a:t>V</a:t>
+            </a:r>
+            <a:r>
+              <a:rPr lang="en-US" sz="600" u="sng" baseline="-25000" dirty="0" err="1" smtClean="0"/>
+              <a:t>sideA</a:t>
+            </a:r>
+            <a:r>
+              <a:rPr lang="en-US" sz="600" u="sng" dirty="0" smtClean="0"/>
+              <a:t> == 0V)</a:t>
+            </a:r>
+            <a:endParaRPr lang="en-US" sz="600" u="sng" dirty="0" smtClean="0"/>
+          </a:p>
+          <a:p>
+            <a:r>
+              <a:rPr lang="en-US" sz="600" dirty="0" smtClean="0"/>
+              <a:t>  - disconnect </a:t>
+            </a:r>
+            <a:r>
+              <a:rPr lang="en-US" sz="600" dirty="0" err="1" smtClean="0"/>
+              <a:t>sideA</a:t>
+            </a:r>
+            <a:r>
+              <a:rPr lang="en-US" sz="600" dirty="0" smtClean="0"/>
+              <a:t> and </a:t>
+            </a:r>
+            <a:r>
+              <a:rPr lang="en-US" sz="600" dirty="0" err="1" smtClean="0"/>
+              <a:t>sideB</a:t>
+            </a:r>
+            <a:endParaRPr lang="en-US" sz="600" dirty="0" smtClean="0"/>
+          </a:p>
+          <a:p>
+            <a:r>
+              <a:rPr lang="en-US" sz="600" dirty="0"/>
+              <a:t> </a:t>
+            </a:r>
+            <a:r>
+              <a:rPr lang="en-US" sz="600" dirty="0" smtClean="0"/>
+              <a:t> </a:t>
+            </a:r>
+            <a:r>
+              <a:rPr lang="en-US" sz="600" dirty="0" smtClean="0"/>
+              <a:t>- start awakening timer (~1m)</a:t>
+            </a:r>
+            <a:endParaRPr lang="en-US" sz="600" dirty="0"/>
+          </a:p>
+        </p:txBody>
+      </p:sp>
+      <p:cxnSp>
+        <p:nvCxnSpPr>
+          <p:cNvPr id="291" name="Curved Connector 290"/>
+          <p:cNvCxnSpPr>
+            <a:stCxn id="273" idx="3"/>
+            <a:endCxn id="302" idx="0"/>
+          </p:cNvCxnSpPr>
+          <p:nvPr/>
+        </p:nvCxnSpPr>
+        <p:spPr>
+          <a:xfrm>
+            <a:off x="7957917" y="5633942"/>
+            <a:ext cx="1289846" cy="1174750"/>
+          </a:xfrm>
+          <a:prstGeom prst="curvedConnector2">
+            <a:avLst/>
+          </a:prstGeom>
+          <a:ln>
+            <a:tailEnd type="arrow"/>
+          </a:ln>
+        </p:spPr>
+        <p:style>
+          <a:lnRef idx="1">
+            <a:schemeClr val="accent1"/>
+          </a:lnRef>
+          <a:fillRef idx="0">
+            <a:schemeClr val="accent1"/>
+          </a:fillRef>
+          <a:effectRef idx="0">
+            <a:schemeClr val="accent1"/>
+          </a:effectRef>
+          <a:fontRef idx="minor">
+            <a:schemeClr val="tx1"/>
+          </a:fontRef>
+        </p:style>
+      </p:cxnSp>
+      <p:cxnSp>
+        <p:nvCxnSpPr>
+          <p:cNvPr id="292" name="Curved Connector 291"/>
+          <p:cNvCxnSpPr>
+            <a:stCxn id="273" idx="2"/>
+            <a:endCxn id="302" idx="0"/>
+          </p:cNvCxnSpPr>
+          <p:nvPr/>
+        </p:nvCxnSpPr>
+        <p:spPr>
+          <a:xfrm rot="16200000" flipH="1">
+            <a:off x="7882115" y="5443044"/>
+            <a:ext cx="1060450" cy="1670846"/>
+          </a:xfrm>
+          <a:prstGeom prst="curvedConnector3">
+            <a:avLst>
+              <a:gd name="adj1" fmla="val 50000"/>
+            </a:avLst>
+          </a:prstGeom>
+          <a:ln>
+            <a:tailEnd type="arrow"/>
+          </a:ln>
+        </p:spPr>
+        <p:style>
+          <a:lnRef idx="1">
+            <a:schemeClr val="accent1"/>
+          </a:lnRef>
+          <a:fillRef idx="0">
+            <a:schemeClr val="accent1"/>
+          </a:fillRef>
+          <a:effectRef idx="0">
+            <a:schemeClr val="accent1"/>
+          </a:effectRef>
+          <a:fontRef idx="minor">
+            <a:schemeClr val="tx1"/>
+          </a:fontRef>
+        </p:style>
+      </p:cxnSp>
+      <p:sp>
+        <p:nvSpPr>
+          <p:cNvPr id="293" name="TextBox 292"/>
           <p:cNvSpPr txBox="1"/>
           <p:nvPr/>
         </p:nvSpPr>
         <p:spPr>
           <a:xfrm>
-            <a:off x="2086503" y="2022436"/>
-            <a:ext cx="1361157" cy="230774"/>
+            <a:off x="8513825" y="5633943"/>
+            <a:ext cx="1066204" cy="369273"/>
           </a:xfrm>
           <a:prstGeom prst="rect">
             <a:avLst/>
@@ -6652,26 +6363,873 @@
           <a:lstStyle/>
           <a:p>
             <a:r>
-              <a:rPr lang="en-US" sz="900" dirty="0">
+              <a:rPr lang="en-US" sz="600" u="sng" dirty="0" err="1" smtClean="0"/>
+              <a:t>I</a:t>
+            </a:r>
+            <a:r>
+              <a:rPr lang="en-US" sz="600" u="sng" baseline="-25000" dirty="0" err="1" smtClean="0"/>
+              <a:t>sideB</a:t>
+            </a:r>
+            <a:r>
+              <a:rPr lang="en-US" sz="600" u="sng" dirty="0" smtClean="0"/>
+              <a:t> ~= </a:t>
+            </a:r>
+            <a:r>
+              <a:rPr lang="en-US" sz="600" u="sng" dirty="0" smtClean="0"/>
+              <a:t>0</a:t>
+            </a:r>
+            <a:endParaRPr lang="en-US" sz="600" u="sng" dirty="0"/>
+          </a:p>
+          <a:p>
+            <a:r>
+              <a:rPr lang="en-US" sz="600" dirty="0" smtClean="0"/>
+              <a:t>  - disconnect </a:t>
+            </a:r>
+            <a:r>
+              <a:rPr lang="en-US" sz="600" dirty="0" err="1" smtClean="0"/>
+              <a:t>sideB</a:t>
+            </a:r>
+            <a:endParaRPr lang="en-US" sz="600" dirty="0" smtClean="0"/>
+          </a:p>
+          <a:p>
+            <a:r>
+              <a:rPr lang="en-US" sz="600" dirty="0"/>
+              <a:t> </a:t>
+            </a:r>
+            <a:r>
+              <a:rPr lang="en-US" sz="600" dirty="0" smtClean="0"/>
+              <a:t> - start balance timer (~10s)</a:t>
+            </a:r>
+            <a:endParaRPr lang="en-US" sz="600" dirty="0" smtClean="0"/>
+          </a:p>
+        </p:txBody>
+      </p:sp>
+      <p:sp>
+        <p:nvSpPr>
+          <p:cNvPr id="294" name="TextBox 293"/>
+          <p:cNvSpPr txBox="1"/>
+          <p:nvPr/>
+        </p:nvSpPr>
+        <p:spPr>
+          <a:xfrm>
+            <a:off x="7640419" y="6217992"/>
+            <a:ext cx="1155698" cy="369273"/>
+          </a:xfrm>
+          <a:prstGeom prst="rect">
+            <a:avLst/>
+          </a:prstGeom>
+          <a:solidFill>
+            <a:schemeClr val="bg1"/>
+          </a:solidFill>
+        </p:spPr>
+        <p:txBody>
+          <a:bodyPr wrap="square" lIns="91384" tIns="45691" rIns="91384" bIns="45691" rtlCol="0">
+            <a:spAutoFit/>
+          </a:bodyPr>
+          <a:lstStyle/>
+          <a:p>
+            <a:r>
+              <a:rPr lang="en-US" sz="600" u="sng" dirty="0" err="1" smtClean="0"/>
+              <a:t>I</a:t>
+            </a:r>
+            <a:r>
+              <a:rPr lang="en-US" sz="600" u="sng" baseline="-25000" dirty="0" err="1" smtClean="0"/>
+              <a:t>sideA</a:t>
+            </a:r>
+            <a:r>
+              <a:rPr lang="en-US" sz="600" u="sng" dirty="0" smtClean="0"/>
+              <a:t> ~= </a:t>
+            </a:r>
+            <a:r>
+              <a:rPr lang="en-US" sz="600" u="sng" dirty="0" smtClean="0"/>
+              <a:t>0</a:t>
+            </a:r>
+            <a:endParaRPr lang="en-US" sz="600" u="sng" dirty="0"/>
+          </a:p>
+          <a:p>
+            <a:r>
+              <a:rPr lang="en-US" sz="600" dirty="0" smtClean="0"/>
+              <a:t>  - disconnect </a:t>
+            </a:r>
+            <a:r>
+              <a:rPr lang="en-US" sz="600" dirty="0" err="1" smtClean="0"/>
+              <a:t>sideA</a:t>
+            </a:r>
+            <a:endParaRPr lang="en-US" sz="600" dirty="0" smtClean="0"/>
+          </a:p>
+          <a:p>
+            <a:r>
+              <a:rPr lang="en-US" sz="600" dirty="0"/>
+              <a:t> </a:t>
+            </a:r>
+            <a:r>
+              <a:rPr lang="en-US" sz="600" dirty="0" smtClean="0"/>
+              <a:t> - start balance timer (~10s)</a:t>
+            </a:r>
+            <a:endParaRPr lang="en-US" sz="600" dirty="0" smtClean="0"/>
+          </a:p>
+        </p:txBody>
+      </p:sp>
+      <p:cxnSp>
+        <p:nvCxnSpPr>
+          <p:cNvPr id="297" name="Curved Connector 296"/>
+          <p:cNvCxnSpPr>
+            <a:stCxn id="302" idx="2"/>
+            <a:endCxn id="328" idx="0"/>
+          </p:cNvCxnSpPr>
+          <p:nvPr/>
+        </p:nvCxnSpPr>
+        <p:spPr>
+          <a:xfrm rot="16200000" flipH="1">
+            <a:off x="9535606" y="6749448"/>
+            <a:ext cx="882651" cy="1458337"/>
+          </a:xfrm>
+          <a:prstGeom prst="curvedConnector3">
+            <a:avLst>
+              <a:gd name="adj1" fmla="val 50000"/>
+            </a:avLst>
+          </a:prstGeom>
+          <a:ln>
+            <a:tailEnd type="arrow"/>
+          </a:ln>
+        </p:spPr>
+        <p:style>
+          <a:lnRef idx="1">
+            <a:schemeClr val="accent1"/>
+          </a:lnRef>
+          <a:fillRef idx="0">
+            <a:schemeClr val="accent1"/>
+          </a:fillRef>
+          <a:effectRef idx="0">
+            <a:schemeClr val="accent1"/>
+          </a:effectRef>
+          <a:fontRef idx="minor">
+            <a:schemeClr val="tx1"/>
+          </a:fontRef>
+        </p:style>
+      </p:cxnSp>
+      <p:sp>
+        <p:nvSpPr>
+          <p:cNvPr id="298" name="TextBox 297"/>
+          <p:cNvSpPr txBox="1"/>
+          <p:nvPr/>
+        </p:nvSpPr>
+        <p:spPr>
+          <a:xfrm>
+            <a:off x="9228713" y="7315200"/>
+            <a:ext cx="1371600" cy="369273"/>
+          </a:xfrm>
+          <a:prstGeom prst="rect">
+            <a:avLst/>
+          </a:prstGeom>
+          <a:solidFill>
+            <a:schemeClr val="bg1"/>
+          </a:solidFill>
+        </p:spPr>
+        <p:txBody>
+          <a:bodyPr wrap="square" lIns="91384" tIns="45691" rIns="91384" bIns="45691" rtlCol="0">
+            <a:spAutoFit/>
+          </a:bodyPr>
+          <a:lstStyle/>
+          <a:p>
+            <a:r>
+              <a:rPr lang="en-US" sz="600" u="sng" dirty="0" smtClean="0"/>
+              <a:t>balance </a:t>
+            </a:r>
+            <a:r>
+              <a:rPr lang="en-US" sz="600" u="sng" dirty="0" smtClean="0"/>
+              <a:t>timer </a:t>
+            </a:r>
+            <a:r>
+              <a:rPr lang="en-US" sz="600" u="sng" dirty="0" smtClean="0"/>
+              <a:t>expired</a:t>
+            </a:r>
+            <a:endParaRPr lang="en-US" sz="600" u="sng" dirty="0"/>
+          </a:p>
+          <a:p>
+            <a:r>
+              <a:rPr lang="en-US" sz="600" dirty="0" smtClean="0"/>
+              <a:t>  - start balance-check timer (~100ms)</a:t>
+            </a:r>
+          </a:p>
+          <a:p>
+            <a:r>
+              <a:rPr lang="en-US" sz="600" dirty="0"/>
+              <a:t> </a:t>
+            </a:r>
+            <a:r>
+              <a:rPr lang="en-US" sz="600" dirty="0" smtClean="0"/>
+              <a:t> </a:t>
+            </a:r>
+            <a:r>
+              <a:rPr lang="en-US" sz="600" dirty="0" smtClean="0"/>
+              <a:t>- connect </a:t>
+            </a:r>
+            <a:r>
+              <a:rPr lang="en-US" sz="600" dirty="0" err="1" smtClean="0"/>
+              <a:t>sideA</a:t>
+            </a:r>
+            <a:r>
+              <a:rPr lang="en-US" sz="600" dirty="0" smtClean="0"/>
+              <a:t> and </a:t>
+            </a:r>
+            <a:r>
+              <a:rPr lang="en-US" sz="600" dirty="0" err="1" smtClean="0"/>
+              <a:t>sideB</a:t>
+            </a:r>
+            <a:endParaRPr lang="en-US" sz="600" dirty="0" smtClean="0"/>
+          </a:p>
+        </p:txBody>
+      </p:sp>
+      <p:cxnSp>
+        <p:nvCxnSpPr>
+          <p:cNvPr id="299" name="Curved Connector 298"/>
+          <p:cNvCxnSpPr/>
+          <p:nvPr/>
+        </p:nvCxnSpPr>
+        <p:spPr>
+          <a:xfrm rot="5400000" flipH="1">
+            <a:off x="7812970" y="2263504"/>
+            <a:ext cx="114300" cy="381000"/>
+          </a:xfrm>
+          <a:prstGeom prst="curvedConnector4">
+            <a:avLst>
+              <a:gd name="adj1" fmla="val -405556"/>
+              <a:gd name="adj2" fmla="val 181667"/>
+            </a:avLst>
+          </a:prstGeom>
+          <a:ln>
+            <a:tailEnd type="arrow"/>
+          </a:ln>
+        </p:spPr>
+        <p:style>
+          <a:lnRef idx="1">
+            <a:schemeClr val="accent1"/>
+          </a:lnRef>
+          <a:fillRef idx="0">
+            <a:schemeClr val="accent1"/>
+          </a:fillRef>
+          <a:effectRef idx="0">
+            <a:schemeClr val="accent1"/>
+          </a:effectRef>
+          <a:fontRef idx="minor">
+            <a:schemeClr val="tx1"/>
+          </a:fontRef>
+        </p:style>
+      </p:cxnSp>
+      <p:sp>
+        <p:nvSpPr>
+          <p:cNvPr id="300" name="TextBox 299"/>
+          <p:cNvSpPr txBox="1"/>
+          <p:nvPr/>
+        </p:nvSpPr>
+        <p:spPr>
+          <a:xfrm>
+            <a:off x="7736463" y="1949664"/>
+            <a:ext cx="2017137" cy="553939"/>
+          </a:xfrm>
+          <a:prstGeom prst="rect">
+            <a:avLst/>
+          </a:prstGeom>
+          <a:solidFill>
+            <a:schemeClr val="bg1"/>
+          </a:solidFill>
+        </p:spPr>
+        <p:txBody>
+          <a:bodyPr wrap="square" lIns="91384" tIns="45691" rIns="91384" bIns="45691" rtlCol="0">
+            <a:spAutoFit/>
+          </a:bodyPr>
+          <a:lstStyle/>
+          <a:p>
+            <a:r>
+              <a:rPr lang="en-US" sz="600" u="sng" dirty="0"/>
+              <a:t>c</a:t>
+            </a:r>
+            <a:r>
+              <a:rPr lang="en-US" sz="600" u="sng" dirty="0" smtClean="0"/>
+              <a:t>harger-refresh </a:t>
+            </a:r>
+            <a:r>
+              <a:rPr lang="en-US" sz="600" u="sng" dirty="0"/>
+              <a:t>timer </a:t>
+            </a:r>
+            <a:r>
+              <a:rPr lang="en-US" sz="600" u="sng" dirty="0" smtClean="0"/>
+              <a:t>expired</a:t>
+            </a:r>
+            <a:endParaRPr lang="en-US" sz="600" dirty="0"/>
+          </a:p>
+          <a:p>
+            <a:r>
+              <a:rPr lang="en-US" sz="600" dirty="0" smtClean="0"/>
+              <a:t>  - start the charger refresh timer (~10s)</a:t>
+            </a:r>
+          </a:p>
+          <a:p>
+            <a:r>
+              <a:rPr lang="en-US" sz="600" dirty="0"/>
+              <a:t> </a:t>
+            </a:r>
+            <a:r>
+              <a:rPr lang="en-US" sz="600" dirty="0" smtClean="0"/>
+              <a:t> - increment </a:t>
+            </a:r>
+            <a:r>
+              <a:rPr lang="en-US" sz="600" dirty="0"/>
+              <a:t>the overall </a:t>
+            </a:r>
+            <a:r>
+              <a:rPr lang="en-US" sz="600" dirty="0" smtClean="0"/>
+              <a:t>current </a:t>
+            </a:r>
+            <a:r>
+              <a:rPr lang="en-US" sz="600" dirty="0"/>
+              <a:t>(</a:t>
+            </a:r>
+            <a:r>
+              <a:rPr lang="en-US" sz="600" dirty="0" err="1"/>
+              <a:t>I</a:t>
+            </a:r>
+            <a:r>
+              <a:rPr lang="en-US" sz="600" baseline="-25000" dirty="0" err="1"/>
+              <a:t>charge,max</a:t>
+            </a:r>
+            <a:r>
+              <a:rPr lang="en-US" sz="600" dirty="0" smtClean="0"/>
+              <a:t>) to slowly float</a:t>
+            </a:r>
+          </a:p>
+          <a:p>
+            <a:r>
+              <a:rPr lang="en-US" sz="600" dirty="0"/>
+              <a:t> </a:t>
+            </a:r>
+            <a:r>
+              <a:rPr lang="en-US" sz="600" dirty="0" smtClean="0"/>
+              <a:t>    up to the maximum in case it was ever decremented</a:t>
+            </a:r>
+          </a:p>
+          <a:p>
+            <a:r>
+              <a:rPr lang="en-US" sz="600" dirty="0" smtClean="0"/>
+              <a:t>  - configure charger with potentially updated </a:t>
+            </a:r>
+            <a:r>
+              <a:rPr lang="en-US" sz="600" dirty="0" err="1" smtClean="0"/>
+              <a:t>I</a:t>
+            </a:r>
+            <a:r>
+              <a:rPr lang="en-US" sz="600" baseline="-25000" dirty="0" err="1" smtClean="0"/>
+              <a:t>charge,max</a:t>
+            </a:r>
+            <a:endParaRPr lang="en-US" sz="600" baseline="-25000" dirty="0" smtClean="0"/>
+          </a:p>
+        </p:txBody>
+      </p:sp>
+      <p:sp>
+        <p:nvSpPr>
+          <p:cNvPr id="302" name="Rounded Rectangle 301"/>
+          <p:cNvSpPr/>
+          <p:nvPr/>
+        </p:nvSpPr>
+        <p:spPr>
+          <a:xfrm>
+            <a:off x="8866763" y="6808692"/>
+            <a:ext cx="762000" cy="228600"/>
+          </a:xfrm>
+          <a:prstGeom prst="roundRect">
+            <a:avLst/>
+          </a:prstGeom>
+        </p:spPr>
+        <p:style>
+          <a:lnRef idx="2">
+            <a:schemeClr val="accent1">
+              <a:shade val="50000"/>
+            </a:schemeClr>
+          </a:lnRef>
+          <a:fillRef idx="1">
+            <a:schemeClr val="accent1"/>
+          </a:fillRef>
+          <a:effectRef idx="0">
+            <a:schemeClr val="accent1"/>
+          </a:effectRef>
+          <a:fontRef idx="minor">
+            <a:schemeClr val="lt1"/>
+          </a:fontRef>
+        </p:style>
+        <p:txBody>
+          <a:bodyPr lIns="91384" tIns="45691" rIns="91384" bIns="45691" rtlCol="0" anchor="ctr"/>
+          <a:lstStyle/>
+          <a:p>
+            <a:pPr algn="ctr"/>
+            <a:r>
+              <a:rPr lang="en-US" sz="600" dirty="0" smtClean="0"/>
+              <a:t>Balancing</a:t>
+            </a:r>
+            <a:endParaRPr lang="en-US" sz="600" dirty="0"/>
+          </a:p>
+        </p:txBody>
+      </p:sp>
+      <p:cxnSp>
+        <p:nvCxnSpPr>
+          <p:cNvPr id="308" name="Curved Connector 307"/>
+          <p:cNvCxnSpPr>
+            <a:stCxn id="302" idx="2"/>
+            <a:endCxn id="277" idx="2"/>
+          </p:cNvCxnSpPr>
+          <p:nvPr/>
+        </p:nvCxnSpPr>
+        <p:spPr>
+          <a:xfrm rot="5400000" flipH="1">
+            <a:off x="6490952" y="4280482"/>
+            <a:ext cx="69849" cy="5443773"/>
+          </a:xfrm>
+          <a:prstGeom prst="curvedConnector3">
+            <a:avLst>
+              <a:gd name="adj1" fmla="val -1954573"/>
+            </a:avLst>
+          </a:prstGeom>
+          <a:ln>
+            <a:tailEnd type="arrow"/>
+          </a:ln>
+        </p:spPr>
+        <p:style>
+          <a:lnRef idx="1">
+            <a:schemeClr val="accent1"/>
+          </a:lnRef>
+          <a:fillRef idx="0">
+            <a:schemeClr val="accent1"/>
+          </a:fillRef>
+          <a:effectRef idx="0">
+            <a:schemeClr val="accent1"/>
+          </a:effectRef>
+          <a:fontRef idx="minor">
+            <a:schemeClr val="tx1"/>
+          </a:fontRef>
+        </p:style>
+      </p:cxnSp>
+      <p:sp>
+        <p:nvSpPr>
+          <p:cNvPr id="312" name="TextBox 311"/>
+          <p:cNvSpPr txBox="1"/>
+          <p:nvPr/>
+        </p:nvSpPr>
+        <p:spPr>
+          <a:xfrm>
+            <a:off x="6415436" y="8153400"/>
+            <a:ext cx="1228108" cy="369273"/>
+          </a:xfrm>
+          <a:prstGeom prst="rect">
+            <a:avLst/>
+          </a:prstGeom>
+          <a:solidFill>
+            <a:schemeClr val="bg1"/>
+          </a:solidFill>
+        </p:spPr>
+        <p:txBody>
+          <a:bodyPr wrap="none" lIns="91384" tIns="45691" rIns="91384" bIns="45691" rtlCol="0">
+            <a:spAutoFit/>
+          </a:bodyPr>
+          <a:lstStyle/>
+          <a:p>
+            <a:r>
+              <a:rPr lang="en-US" sz="600" u="sng" dirty="0" smtClean="0"/>
+              <a:t>3A </a:t>
+            </a:r>
+            <a:r>
+              <a:rPr lang="en-US" sz="600" u="sng" dirty="0"/>
+              <a:t>&lt; </a:t>
+            </a:r>
+            <a:r>
+              <a:rPr lang="en-US" sz="600" u="sng" dirty="0" err="1" smtClean="0"/>
+              <a:t>I</a:t>
+            </a:r>
+            <a:r>
+              <a:rPr lang="en-US" sz="600" u="sng" baseline="-25000" dirty="0" err="1" smtClean="0"/>
+              <a:t>sideA</a:t>
+            </a:r>
+            <a:r>
+              <a:rPr lang="en-US" sz="600" u="sng" dirty="0" smtClean="0"/>
+              <a:t> </a:t>
+            </a:r>
+            <a:r>
+              <a:rPr lang="en-US" sz="600" u="sng" dirty="0" smtClean="0"/>
+              <a:t>OR 3A </a:t>
+            </a:r>
+            <a:r>
+              <a:rPr lang="en-US" sz="600" u="sng" dirty="0"/>
+              <a:t>&lt; </a:t>
+            </a:r>
+            <a:r>
+              <a:rPr lang="en-US" sz="600" u="sng" dirty="0" err="1" smtClean="0"/>
+              <a:t>I</a:t>
+            </a:r>
+            <a:r>
+              <a:rPr lang="en-US" sz="600" u="sng" baseline="-25000" dirty="0" err="1" smtClean="0"/>
+              <a:t>side</a:t>
+            </a:r>
+            <a:r>
+              <a:rPr lang="en-US" sz="600" u="sng" baseline="-25000" dirty="0" err="1" smtClean="0"/>
+              <a:t>B</a:t>
+            </a:r>
+            <a:endParaRPr lang="en-US" sz="600" u="sng" dirty="0"/>
+          </a:p>
+          <a:p>
+            <a:r>
+              <a:rPr lang="en-US" sz="600" dirty="0" smtClean="0"/>
+              <a:t>  - disconnect </a:t>
+            </a:r>
+            <a:r>
+              <a:rPr lang="en-US" sz="600" dirty="0" smtClean="0"/>
+              <a:t>both </a:t>
+            </a:r>
+            <a:r>
+              <a:rPr lang="en-US" sz="600" dirty="0" smtClean="0"/>
+              <a:t>sides</a:t>
+            </a:r>
+          </a:p>
+          <a:p>
+            <a:r>
+              <a:rPr lang="en-US" sz="600" dirty="0" smtClean="0"/>
+              <a:t>  - </a:t>
+            </a:r>
+            <a:r>
+              <a:rPr lang="en-US" sz="600" dirty="0"/>
+              <a:t>start </a:t>
+            </a:r>
+            <a:r>
+              <a:rPr lang="en-US" sz="600" dirty="0" err="1"/>
+              <a:t>cooldown</a:t>
+            </a:r>
+            <a:r>
+              <a:rPr lang="en-US" sz="600" dirty="0"/>
+              <a:t> </a:t>
+            </a:r>
+            <a:r>
+              <a:rPr lang="en-US" sz="600" dirty="0" smtClean="0"/>
+              <a:t>timer (~100ms)</a:t>
+            </a:r>
+            <a:endParaRPr lang="en-US" sz="600" dirty="0"/>
+          </a:p>
+        </p:txBody>
+      </p:sp>
+      <p:cxnSp>
+        <p:nvCxnSpPr>
+          <p:cNvPr id="314" name="Curved Connector 313"/>
+          <p:cNvCxnSpPr>
+            <a:stCxn id="328" idx="3"/>
+            <a:endCxn id="273" idx="0"/>
+          </p:cNvCxnSpPr>
+          <p:nvPr/>
+        </p:nvCxnSpPr>
+        <p:spPr>
+          <a:xfrm flipH="1" flipV="1">
+            <a:off x="7576917" y="5519642"/>
+            <a:ext cx="3510183" cy="2514601"/>
+          </a:xfrm>
+          <a:prstGeom prst="curvedConnector4">
+            <a:avLst>
+              <a:gd name="adj1" fmla="val -41245"/>
+              <a:gd name="adj2" fmla="val 123737"/>
+            </a:avLst>
+          </a:prstGeom>
+          <a:ln>
+            <a:tailEnd type="arrow"/>
+          </a:ln>
+        </p:spPr>
+        <p:style>
+          <a:lnRef idx="1">
+            <a:schemeClr val="accent1"/>
+          </a:lnRef>
+          <a:fillRef idx="0">
+            <a:schemeClr val="accent1"/>
+          </a:fillRef>
+          <a:effectRef idx="0">
+            <a:schemeClr val="accent1"/>
+          </a:effectRef>
+          <a:fontRef idx="minor">
+            <a:schemeClr val="tx1"/>
+          </a:fontRef>
+        </p:style>
+      </p:cxnSp>
+      <p:sp>
+        <p:nvSpPr>
+          <p:cNvPr id="313" name="TextBox 312"/>
+          <p:cNvSpPr txBox="1"/>
+          <p:nvPr/>
+        </p:nvSpPr>
+        <p:spPr>
+          <a:xfrm>
+            <a:off x="11963400" y="6139997"/>
+            <a:ext cx="1219770" cy="276940"/>
+          </a:xfrm>
+          <a:prstGeom prst="rect">
+            <a:avLst/>
+          </a:prstGeom>
+          <a:solidFill>
+            <a:schemeClr val="bg1"/>
+          </a:solidFill>
+        </p:spPr>
+        <p:txBody>
+          <a:bodyPr wrap="square" lIns="91384" tIns="45691" rIns="91384" bIns="45691" rtlCol="0">
+            <a:spAutoFit/>
+          </a:bodyPr>
+          <a:lstStyle/>
+          <a:p>
+            <a:r>
+              <a:rPr lang="en-US" sz="600" u="sng" dirty="0" smtClean="0"/>
+              <a:t>balance-check </a:t>
+            </a:r>
+            <a:r>
+              <a:rPr lang="en-US" sz="600" u="sng" dirty="0" smtClean="0"/>
+              <a:t>timer </a:t>
+            </a:r>
+            <a:r>
+              <a:rPr lang="en-US" sz="600" u="sng" dirty="0" smtClean="0"/>
+              <a:t>expired AND</a:t>
+            </a:r>
+          </a:p>
+          <a:p>
+            <a:r>
+              <a:rPr lang="en-US" sz="600" u="sng" dirty="0" smtClean="0"/>
+              <a:t>(0 &lt; </a:t>
+            </a:r>
+            <a:r>
+              <a:rPr lang="en-US" sz="600" u="sng" dirty="0" err="1" smtClean="0"/>
+              <a:t>I</a:t>
+            </a:r>
+            <a:r>
+              <a:rPr lang="en-US" sz="600" u="sng" baseline="-25000" dirty="0" err="1" smtClean="0"/>
+              <a:t>sideA</a:t>
+            </a:r>
+            <a:r>
+              <a:rPr lang="en-US" sz="600" u="sng" dirty="0" smtClean="0"/>
+              <a:t> AND 0 &lt; </a:t>
+            </a:r>
+            <a:r>
+              <a:rPr lang="en-US" sz="600" u="sng" dirty="0" err="1" smtClean="0"/>
+              <a:t>I</a:t>
+            </a:r>
+            <a:r>
+              <a:rPr lang="en-US" sz="600" u="sng" baseline="-25000" dirty="0" err="1" smtClean="0"/>
+              <a:t>sideB</a:t>
+            </a:r>
+            <a:r>
+              <a:rPr lang="en-US" sz="600" u="sng" dirty="0" smtClean="0"/>
+              <a:t>)</a:t>
+            </a:r>
+            <a:endParaRPr lang="en-US" sz="600" u="sng" dirty="0"/>
+          </a:p>
+        </p:txBody>
+      </p:sp>
+      <p:cxnSp>
+        <p:nvCxnSpPr>
+          <p:cNvPr id="318" name="Curved Connector 317"/>
+          <p:cNvCxnSpPr>
+            <a:stCxn id="328" idx="3"/>
+            <a:endCxn id="302" idx="0"/>
+          </p:cNvCxnSpPr>
+          <p:nvPr/>
+        </p:nvCxnSpPr>
+        <p:spPr>
+          <a:xfrm flipH="1" flipV="1">
+            <a:off x="9247763" y="6808692"/>
+            <a:ext cx="1839337" cy="1225551"/>
+          </a:xfrm>
+          <a:prstGeom prst="curvedConnector4">
+            <a:avLst>
+              <a:gd name="adj1" fmla="val -12428"/>
+              <a:gd name="adj2" fmla="val 118653"/>
+            </a:avLst>
+          </a:prstGeom>
+          <a:ln>
+            <a:tailEnd type="arrow"/>
+          </a:ln>
+        </p:spPr>
+        <p:style>
+          <a:lnRef idx="1">
+            <a:schemeClr val="accent1"/>
+          </a:lnRef>
+          <a:fillRef idx="0">
+            <a:schemeClr val="accent1"/>
+          </a:fillRef>
+          <a:effectRef idx="0">
+            <a:schemeClr val="accent1"/>
+          </a:effectRef>
+          <a:fontRef idx="minor">
+            <a:schemeClr val="tx1"/>
+          </a:fontRef>
+        </p:style>
+      </p:cxnSp>
+      <p:sp>
+        <p:nvSpPr>
+          <p:cNvPr id="326" name="TextBox 325"/>
+          <p:cNvSpPr txBox="1"/>
+          <p:nvPr/>
+        </p:nvSpPr>
+        <p:spPr>
+          <a:xfrm>
+            <a:off x="10325100" y="6692189"/>
+            <a:ext cx="1752600" cy="461606"/>
+          </a:xfrm>
+          <a:prstGeom prst="rect">
+            <a:avLst/>
+          </a:prstGeom>
+          <a:solidFill>
+            <a:schemeClr val="bg1"/>
+          </a:solidFill>
+        </p:spPr>
+        <p:txBody>
+          <a:bodyPr wrap="square" lIns="91384" tIns="45691" rIns="91384" bIns="45691" rtlCol="0">
+            <a:spAutoFit/>
+          </a:bodyPr>
+          <a:lstStyle/>
+          <a:p>
+            <a:r>
+              <a:rPr lang="en-US" sz="600" u="sng" dirty="0" smtClean="0"/>
+              <a:t>balance-check </a:t>
+            </a:r>
+            <a:r>
+              <a:rPr lang="en-US" sz="600" u="sng" dirty="0" smtClean="0"/>
+              <a:t>timer </a:t>
+            </a:r>
+            <a:r>
+              <a:rPr lang="en-US" sz="600" u="sng" dirty="0" smtClean="0"/>
+              <a:t>expired AND</a:t>
+            </a:r>
+          </a:p>
+          <a:p>
+            <a:r>
+              <a:rPr lang="en-US" sz="600" u="sng" dirty="0" smtClean="0"/>
+              <a:t>(</a:t>
+            </a:r>
+            <a:r>
+              <a:rPr lang="en-US" sz="600" u="sng" dirty="0" err="1" smtClean="0"/>
+              <a:t>I</a:t>
+            </a:r>
+            <a:r>
+              <a:rPr lang="en-US" sz="600" u="sng" baseline="-25000" dirty="0" err="1" smtClean="0"/>
+              <a:t>sideA</a:t>
+            </a:r>
+            <a:r>
+              <a:rPr lang="en-US" sz="600" u="sng" dirty="0" smtClean="0"/>
+              <a:t> &lt; 0 OR </a:t>
+            </a:r>
+            <a:r>
+              <a:rPr lang="en-US" sz="600" u="sng" dirty="0" err="1" smtClean="0"/>
+              <a:t>I</a:t>
+            </a:r>
+            <a:r>
+              <a:rPr lang="en-US" sz="600" u="sng" baseline="-25000" dirty="0" err="1" smtClean="0"/>
+              <a:t>sideB</a:t>
+            </a:r>
+            <a:r>
+              <a:rPr lang="en-US" sz="600" u="sng" dirty="0"/>
+              <a:t> </a:t>
+            </a:r>
+            <a:r>
+              <a:rPr lang="en-US" sz="600" u="sng" dirty="0" smtClean="0"/>
+              <a:t>&lt; 0)</a:t>
+            </a:r>
+          </a:p>
+          <a:p>
+            <a:r>
+              <a:rPr lang="en-US" sz="600" dirty="0"/>
+              <a:t> </a:t>
+            </a:r>
+            <a:r>
+              <a:rPr lang="en-US" sz="600" dirty="0" smtClean="0"/>
+              <a:t> - disconnect the side that is drawing no current</a:t>
+            </a:r>
+            <a:endParaRPr lang="en-US" sz="600" dirty="0"/>
+          </a:p>
+          <a:p>
+            <a:r>
+              <a:rPr lang="en-US" sz="600" dirty="0" smtClean="0"/>
+              <a:t>  -  start balance timer (~10s)</a:t>
+            </a:r>
+          </a:p>
+        </p:txBody>
+      </p:sp>
+      <p:sp>
+        <p:nvSpPr>
+          <p:cNvPr id="328" name="Rounded Rectangle 327"/>
+          <p:cNvSpPr/>
+          <p:nvPr/>
+        </p:nvSpPr>
+        <p:spPr>
+          <a:xfrm>
+            <a:off x="10325100" y="7919943"/>
+            <a:ext cx="762000" cy="228600"/>
+          </a:xfrm>
+          <a:prstGeom prst="roundRect">
+            <a:avLst/>
+          </a:prstGeom>
+        </p:spPr>
+        <p:style>
+          <a:lnRef idx="2">
+            <a:schemeClr val="accent1">
+              <a:shade val="50000"/>
+            </a:schemeClr>
+          </a:lnRef>
+          <a:fillRef idx="1">
+            <a:schemeClr val="accent1"/>
+          </a:fillRef>
+          <a:effectRef idx="0">
+            <a:schemeClr val="accent1"/>
+          </a:effectRef>
+          <a:fontRef idx="minor">
+            <a:schemeClr val="lt1"/>
+          </a:fontRef>
+        </p:style>
+        <p:txBody>
+          <a:bodyPr lIns="91384" tIns="45691" rIns="91384" bIns="45691" rtlCol="0" anchor="ctr"/>
+          <a:lstStyle/>
+          <a:p>
+            <a:pPr algn="ctr"/>
+            <a:r>
+              <a:rPr lang="en-US" sz="600" dirty="0" smtClean="0"/>
+              <a:t>Checking Balance</a:t>
+            </a:r>
+            <a:endParaRPr lang="en-US" sz="600" dirty="0"/>
+          </a:p>
+        </p:txBody>
+      </p:sp>
+      <p:sp>
+        <p:nvSpPr>
+          <p:cNvPr id="338" name="TextBox 337"/>
+          <p:cNvSpPr txBox="1"/>
+          <p:nvPr/>
+        </p:nvSpPr>
+        <p:spPr>
+          <a:xfrm>
+            <a:off x="10477500" y="8338036"/>
+            <a:ext cx="1447800" cy="276940"/>
+          </a:xfrm>
+          <a:prstGeom prst="rect">
+            <a:avLst/>
+          </a:prstGeom>
+          <a:solidFill>
+            <a:schemeClr val="bg1"/>
+          </a:solidFill>
+        </p:spPr>
+        <p:txBody>
+          <a:bodyPr wrap="square" lIns="91384" tIns="45691" rIns="91384" bIns="45691" rtlCol="0">
+            <a:spAutoFit/>
+          </a:bodyPr>
+          <a:lstStyle/>
+          <a:p>
+            <a:r>
+              <a:rPr lang="en-US" sz="600" dirty="0" smtClean="0">
                 <a:solidFill>
                   <a:schemeClr val="accent3">
                     <a:lumMod val="50000"/>
                   </a:schemeClr>
                 </a:solidFill>
               </a:rPr>
-              <a:t>s</a:t>
-            </a:r>
-            <a:r>
-              <a:rPr lang="en-US" sz="900" dirty="0" smtClean="0">
-                <a:solidFill>
-                  <a:schemeClr val="accent3">
-                    <a:lumMod val="50000"/>
-                  </a:schemeClr>
-                </a:solidFill>
-              </a:rPr>
-              <a:t>hort clarifying comment</a:t>
-            </a:r>
-            <a:endParaRPr lang="en-US" sz="900" dirty="0">
+              <a:t>Won’t catch overcurrent here, but short enough to be OK</a:t>
+            </a:r>
+            <a:endParaRPr lang="en-US" sz="600" dirty="0">
               <a:solidFill>
                 <a:schemeClr val="accent3">
                   <a:lumMod val="50000"/>
@@ -6684,7 +7242,7 @@
     </p:spTree>
     <p:extLst>
       <p:ext uri="{BB962C8B-B14F-4D97-AF65-F5344CB8AC3E}">
-        <p14:creationId xmlns:p14="http://schemas.microsoft.com/office/powerpoint/2010/main" val="993441079"/>
+        <p14:creationId xmlns:p14="http://schemas.microsoft.com/office/powerpoint/2010/main" val="3745955203"/>
       </p:ext>
     </p:extLst>
   </p:cSld>

--- a/Avatar_Micro_Robot/Robot_V2/Internal_Charger/trunk/supporting_files/InternalCharger_StateDiagram.pptx
+++ b/Avatar_Micro_Robot/Robot_V2/Internal_Charger/trunk/supporting_files/InternalCharger_StateDiagram.pptx
@@ -7,13 +7,16 @@
   <p:notesMasterIdLst>
     <p:notesMasterId r:id="rId5"/>
   </p:notesMasterIdLst>
+  <p:handoutMasterIdLst>
+    <p:handoutMasterId r:id="rId6"/>
+  </p:handoutMasterIdLst>
   <p:sldIdLst>
     <p:sldId id="257" r:id="rId2"/>
     <p:sldId id="256" r:id="rId3"/>
     <p:sldId id="258" r:id="rId4"/>
   </p:sldIdLst>
   <p:sldSz cx="18288000" cy="18288000"/>
-  <p:notesSz cx="6858000" cy="9144000"/>
+  <p:notesSz cx="9144000" cy="6858000"/>
   <p:defaultTextStyle>
     <a:defPPr>
       <a:defRPr lang="en-US"/>
@@ -112,6 +115,171 @@
 </p:presentation>
 </file>
 
+<file path=ppt/handoutMasters/handoutMaster1.xml><?xml version="1.0" encoding="utf-8"?>
+<p:handoutMaster xmlns:a="http://schemas.openxmlformats.org/drawingml/2006/main" xmlns:r="http://schemas.openxmlformats.org/officeDocument/2006/relationships" xmlns:p="http://schemas.openxmlformats.org/presentationml/2006/main">
+  <p:cSld>
+    <p:bg>
+      <p:bgRef idx="1001">
+        <a:schemeClr val="bg1"/>
+      </p:bgRef>
+    </p:bg>
+    <p:spTree>
+      <p:nvGrpSpPr>
+        <p:cNvPr id="1" name=""/>
+        <p:cNvGrpSpPr/>
+        <p:nvPr/>
+      </p:nvGrpSpPr>
+      <p:grpSpPr>
+        <a:xfrm>
+          <a:off x="0" y="0"/>
+          <a:ext cx="0" cy="0"/>
+          <a:chOff x="0" y="0"/>
+          <a:chExt cx="0" cy="0"/>
+        </a:xfrm>
+      </p:grpSpPr>
+      <p:sp>
+        <p:nvSpPr>
+          <p:cNvPr id="2" name="Header Placeholder 1"/>
+          <p:cNvSpPr>
+            <a:spLocks noGrp="1"/>
+          </p:cNvSpPr>
+          <p:nvPr>
+            <p:ph type="hdr" sz="quarter"/>
+          </p:nvPr>
+        </p:nvSpPr>
+        <p:spPr>
+          <a:xfrm>
+            <a:off x="0" y="0"/>
+            <a:ext cx="3962400" cy="342900"/>
+          </a:xfrm>
+          <a:prstGeom prst="rect">
+            <a:avLst/>
+          </a:prstGeom>
+        </p:spPr>
+        <p:txBody>
+          <a:bodyPr vert="horz" lIns="91440" tIns="45720" rIns="91440" bIns="45720" rtlCol="0"/>
+          <a:lstStyle>
+            <a:lvl1pPr algn="l">
+              <a:defRPr sz="1200"/>
+            </a:lvl1pPr>
+          </a:lstStyle>
+          <a:p>
+            <a:endParaRPr lang="en-US"/>
+          </a:p>
+        </p:txBody>
+      </p:sp>
+      <p:sp>
+        <p:nvSpPr>
+          <p:cNvPr id="3" name="Date Placeholder 2"/>
+          <p:cNvSpPr>
+            <a:spLocks noGrp="1"/>
+          </p:cNvSpPr>
+          <p:nvPr>
+            <p:ph type="dt" sz="quarter" idx="1"/>
+          </p:nvPr>
+        </p:nvSpPr>
+        <p:spPr>
+          <a:xfrm>
+            <a:off x="5180013" y="0"/>
+            <a:ext cx="3962400" cy="342900"/>
+          </a:xfrm>
+          <a:prstGeom prst="rect">
+            <a:avLst/>
+          </a:prstGeom>
+        </p:spPr>
+        <p:txBody>
+          <a:bodyPr vert="horz" lIns="91440" tIns="45720" rIns="91440" bIns="45720" rtlCol="0"/>
+          <a:lstStyle>
+            <a:lvl1pPr algn="r">
+              <a:defRPr sz="1200"/>
+            </a:lvl1pPr>
+          </a:lstStyle>
+          <a:p>
+            <a:fld id="{D3BF7B63-2A84-42C7-8E70-1194BF7A0440}" type="datetimeFigureOut">
+              <a:rPr lang="en-US" smtClean="0"/>
+              <a:t>11/2/2012</a:t>
+            </a:fld>
+            <a:endParaRPr lang="en-US"/>
+          </a:p>
+        </p:txBody>
+      </p:sp>
+      <p:sp>
+        <p:nvSpPr>
+          <p:cNvPr id="4" name="Footer Placeholder 3"/>
+          <p:cNvSpPr>
+            <a:spLocks noGrp="1"/>
+          </p:cNvSpPr>
+          <p:nvPr>
+            <p:ph type="ftr" sz="quarter" idx="2"/>
+          </p:nvPr>
+        </p:nvSpPr>
+        <p:spPr>
+          <a:xfrm>
+            <a:off x="0" y="6513513"/>
+            <a:ext cx="3962400" cy="342900"/>
+          </a:xfrm>
+          <a:prstGeom prst="rect">
+            <a:avLst/>
+          </a:prstGeom>
+        </p:spPr>
+        <p:txBody>
+          <a:bodyPr vert="horz" lIns="91440" tIns="45720" rIns="91440" bIns="45720" rtlCol="0" anchor="b"/>
+          <a:lstStyle>
+            <a:lvl1pPr algn="l">
+              <a:defRPr sz="1200"/>
+            </a:lvl1pPr>
+          </a:lstStyle>
+          <a:p>
+            <a:endParaRPr lang="en-US"/>
+          </a:p>
+        </p:txBody>
+      </p:sp>
+      <p:sp>
+        <p:nvSpPr>
+          <p:cNvPr id="5" name="Slide Number Placeholder 4"/>
+          <p:cNvSpPr>
+            <a:spLocks noGrp="1"/>
+          </p:cNvSpPr>
+          <p:nvPr>
+            <p:ph type="sldNum" sz="quarter" idx="3"/>
+          </p:nvPr>
+        </p:nvSpPr>
+        <p:spPr>
+          <a:xfrm>
+            <a:off x="5180013" y="6513513"/>
+            <a:ext cx="3962400" cy="342900"/>
+          </a:xfrm>
+          <a:prstGeom prst="rect">
+            <a:avLst/>
+          </a:prstGeom>
+        </p:spPr>
+        <p:txBody>
+          <a:bodyPr vert="horz" lIns="91440" tIns="45720" rIns="91440" bIns="45720" rtlCol="0" anchor="b"/>
+          <a:lstStyle>
+            <a:lvl1pPr algn="r">
+              <a:defRPr sz="1200"/>
+            </a:lvl1pPr>
+          </a:lstStyle>
+          <a:p>
+            <a:fld id="{03658613-5052-4FE1-AA58-D4F879839BFF}" type="slidenum">
+              <a:rPr lang="en-US" smtClean="0"/>
+              <a:t>‹#›</a:t>
+            </a:fld>
+            <a:endParaRPr lang="en-US"/>
+          </a:p>
+        </p:txBody>
+      </p:sp>
+    </p:spTree>
+    <p:extLst>
+      <p:ext uri="{BB962C8B-B14F-4D97-AF65-F5344CB8AC3E}">
+        <p14:creationId xmlns:p14="http://schemas.microsoft.com/office/powerpoint/2010/main" val="3006417753"/>
+      </p:ext>
+    </p:extLst>
+  </p:cSld>
+  <p:clrMap bg1="lt1" tx1="dk1" bg2="lt2" tx2="dk2" accent1="accent1" accent2="accent2" accent3="accent3" accent4="accent4" accent5="accent5" accent6="accent6" hlink="hlink" folHlink="folHlink"/>
+</p:handoutMaster>
+</file>
+
 <file path=ppt/notesMasters/notesMaster1.xml><?xml version="1.0" encoding="utf-8"?>
 <p:notesMaster xmlns:a="http://schemas.openxmlformats.org/drawingml/2006/main" xmlns:r="http://schemas.openxmlformats.org/officeDocument/2006/relationships" xmlns:p="http://schemas.openxmlformats.org/presentationml/2006/main">
   <p:cSld>
@@ -147,7 +315,7 @@
         <p:spPr>
           <a:xfrm>
             <a:off x="0" y="0"/>
-            <a:ext cx="2971800" cy="457200"/>
+            <a:ext cx="3962400" cy="342900"/>
           </a:xfrm>
           <a:prstGeom prst="rect">
             <a:avLst/>
@@ -177,8 +345,8 @@
         </p:nvSpPr>
         <p:spPr>
           <a:xfrm>
-            <a:off x="3884613" y="0"/>
-            <a:ext cx="2971800" cy="457200"/>
+            <a:off x="5179484" y="0"/>
+            <a:ext cx="3962400" cy="342900"/>
           </a:xfrm>
           <a:prstGeom prst="rect">
             <a:avLst/>
@@ -194,7 +362,7 @@
           <a:p>
             <a:fld id="{2A42F65A-C093-401C-9BB1-D6A509D3F1DF}" type="datetimeFigureOut">
               <a:rPr lang="en-US" smtClean="0"/>
-              <a:t>10/30/2012</a:t>
+              <a:t>11/2/2012</a:t>
             </a:fld>
             <a:endParaRPr lang="en-US"/>
           </a:p>
@@ -212,8 +380,8 @@
         </p:nvSpPr>
         <p:spPr>
           <a:xfrm>
-            <a:off x="1714500" y="685800"/>
-            <a:ext cx="3429000" cy="3429000"/>
+            <a:off x="3286125" y="514350"/>
+            <a:ext cx="2571750" cy="2571750"/>
           </a:xfrm>
           <a:prstGeom prst="rect">
             <a:avLst/>
@@ -245,8 +413,8 @@
         </p:nvSpPr>
         <p:spPr>
           <a:xfrm>
-            <a:off x="685800" y="4343400"/>
-            <a:ext cx="5486400" cy="4114800"/>
+            <a:off x="914400" y="3257550"/>
+            <a:ext cx="7315200" cy="3086100"/>
           </a:xfrm>
           <a:prstGeom prst="rect">
             <a:avLst/>
@@ -305,8 +473,8 @@
         </p:nvSpPr>
         <p:spPr>
           <a:xfrm>
-            <a:off x="0" y="8685213"/>
-            <a:ext cx="2971800" cy="457200"/>
+            <a:off x="0" y="6513910"/>
+            <a:ext cx="3962400" cy="342900"/>
           </a:xfrm>
           <a:prstGeom prst="rect">
             <a:avLst/>
@@ -336,8 +504,8 @@
         </p:nvSpPr>
         <p:spPr>
           <a:xfrm>
-            <a:off x="3884613" y="8685213"/>
-            <a:ext cx="2971800" cy="457200"/>
+            <a:off x="5179484" y="6513910"/>
+            <a:ext cx="3962400" cy="342900"/>
           </a:xfrm>
           <a:prstGeom prst="rect">
             <a:avLst/>
@@ -491,8 +659,8 @@
         </p:nvSpPr>
         <p:spPr>
           <a:xfrm>
-            <a:off x="1714500" y="685800"/>
-            <a:ext cx="3429000" cy="3429000"/>
+            <a:off x="3286125" y="514350"/>
+            <a:ext cx="2571750" cy="2571750"/>
           </a:xfrm>
         </p:spPr>
       </p:sp>
@@ -781,8 +949,8 @@
         </p:nvSpPr>
         <p:spPr>
           <a:xfrm>
-            <a:off x="1714500" y="685800"/>
-            <a:ext cx="3429000" cy="3429000"/>
+            <a:off x="3286125" y="514350"/>
+            <a:ext cx="2571750" cy="2571750"/>
           </a:xfrm>
         </p:spPr>
       </p:sp>
@@ -1047,8 +1215,8 @@
         </p:nvSpPr>
         <p:spPr>
           <a:xfrm>
-            <a:off x="1714500" y="685800"/>
-            <a:ext cx="3429000" cy="3429000"/>
+            <a:off x="3286125" y="514350"/>
+            <a:ext cx="2571750" cy="2571750"/>
           </a:xfrm>
         </p:spPr>
       </p:sp>
@@ -1288,7 +1456,7 @@
           <a:p>
             <a:fld id="{6DC25747-ADEF-44A5-B0A1-EA127634DA2C}" type="datetimeFigureOut">
               <a:rPr lang="en-US" smtClean="0"/>
-              <a:t>10/30/2012</a:t>
+              <a:t>11/2/2012</a:t>
             </a:fld>
             <a:endParaRPr lang="en-US"/>
           </a:p>
@@ -1458,7 +1626,7 @@
           <a:p>
             <a:fld id="{6DC25747-ADEF-44A5-B0A1-EA127634DA2C}" type="datetimeFigureOut">
               <a:rPr lang="en-US" smtClean="0"/>
-              <a:t>10/30/2012</a:t>
+              <a:t>11/2/2012</a:t>
             </a:fld>
             <a:endParaRPr lang="en-US"/>
           </a:p>
@@ -1638,7 +1806,7 @@
           <a:p>
             <a:fld id="{6DC25747-ADEF-44A5-B0A1-EA127634DA2C}" type="datetimeFigureOut">
               <a:rPr lang="en-US" smtClean="0"/>
-              <a:t>10/30/2012</a:t>
+              <a:t>11/2/2012</a:t>
             </a:fld>
             <a:endParaRPr lang="en-US"/>
           </a:p>
@@ -1808,7 +1976,7 @@
           <a:p>
             <a:fld id="{6DC25747-ADEF-44A5-B0A1-EA127634DA2C}" type="datetimeFigureOut">
               <a:rPr lang="en-US" smtClean="0"/>
-              <a:t>10/30/2012</a:t>
+              <a:t>11/2/2012</a:t>
             </a:fld>
             <a:endParaRPr lang="en-US"/>
           </a:p>
@@ -2054,7 +2222,7 @@
           <a:p>
             <a:fld id="{6DC25747-ADEF-44A5-B0A1-EA127634DA2C}" type="datetimeFigureOut">
               <a:rPr lang="en-US" smtClean="0"/>
-              <a:t>10/30/2012</a:t>
+              <a:t>11/2/2012</a:t>
             </a:fld>
             <a:endParaRPr lang="en-US"/>
           </a:p>
@@ -2342,7 +2510,7 @@
           <a:p>
             <a:fld id="{6DC25747-ADEF-44A5-B0A1-EA127634DA2C}" type="datetimeFigureOut">
               <a:rPr lang="en-US" smtClean="0"/>
-              <a:t>10/30/2012</a:t>
+              <a:t>11/2/2012</a:t>
             </a:fld>
             <a:endParaRPr lang="en-US"/>
           </a:p>
@@ -2764,7 +2932,7 @@
           <a:p>
             <a:fld id="{6DC25747-ADEF-44A5-B0A1-EA127634DA2C}" type="datetimeFigureOut">
               <a:rPr lang="en-US" smtClean="0"/>
-              <a:t>10/30/2012</a:t>
+              <a:t>11/2/2012</a:t>
             </a:fld>
             <a:endParaRPr lang="en-US"/>
           </a:p>
@@ -2882,7 +3050,7 @@
           <a:p>
             <a:fld id="{6DC25747-ADEF-44A5-B0A1-EA127634DA2C}" type="datetimeFigureOut">
               <a:rPr lang="en-US" smtClean="0"/>
-              <a:t>10/30/2012</a:t>
+              <a:t>11/2/2012</a:t>
             </a:fld>
             <a:endParaRPr lang="en-US"/>
           </a:p>
@@ -2977,7 +3145,7 @@
           <a:p>
             <a:fld id="{6DC25747-ADEF-44A5-B0A1-EA127634DA2C}" type="datetimeFigureOut">
               <a:rPr lang="en-US" smtClean="0"/>
-              <a:t>10/30/2012</a:t>
+              <a:t>11/2/2012</a:t>
             </a:fld>
             <a:endParaRPr lang="en-US"/>
           </a:p>
@@ -3254,7 +3422,7 @@
           <a:p>
             <a:fld id="{6DC25747-ADEF-44A5-B0A1-EA127634DA2C}" type="datetimeFigureOut">
               <a:rPr lang="en-US" smtClean="0"/>
-              <a:t>10/30/2012</a:t>
+              <a:t>11/2/2012</a:t>
             </a:fld>
             <a:endParaRPr lang="en-US"/>
           </a:p>
@@ -3507,7 +3675,7 @@
           <a:p>
             <a:fld id="{6DC25747-ADEF-44A5-B0A1-EA127634DA2C}" type="datetimeFigureOut">
               <a:rPr lang="en-US" smtClean="0"/>
-              <a:t>10/30/2012</a:t>
+              <a:t>11/2/2012</a:t>
             </a:fld>
             <a:endParaRPr lang="en-US"/>
           </a:p>
@@ -3720,7 +3888,7 @@
           <a:p>
             <a:fld id="{6DC25747-ADEF-44A5-B0A1-EA127634DA2C}" type="datetimeFigureOut">
               <a:rPr lang="en-US" smtClean="0"/>
-              <a:t>10/30/2012</a:t>
+              <a:t>11/2/2012</a:t>
             </a:fld>
             <a:endParaRPr lang="en-US"/>
           </a:p>
@@ -4137,7 +4305,7 @@
         <p:spPr>
           <a:xfrm>
             <a:off x="2895600" y="4470400"/>
-            <a:ext cx="10668000" cy="3693163"/>
+            <a:ext cx="10668000" cy="5135337"/>
           </a:xfrm>
           <a:prstGeom prst="rect">
             <a:avLst/>
@@ -4156,25 +4324,15 @@
             </a:pPr>
             <a:r>
               <a:rPr lang="en-US" sz="3200" dirty="0"/>
-              <a:t>Will NOT </a:t>
+              <a:t>Will NOT begin until the user has </a:t>
+            </a:r>
+            <a:r>
+              <a:rPr lang="en-US" sz="3200" dirty="0" smtClean="0"/>
+              <a:t>made stable contact </a:t>
             </a:r>
             <a:r>
               <a:rPr lang="en-US" sz="3200" dirty="0"/>
-              <a:t>begin until the user has made a non-negligible duration of </a:t>
-            </a:r>
-          </a:p>
-          <a:p>
-            <a:r>
-              <a:rPr lang="en-US" sz="3200" dirty="0"/>
-              <a:t> </a:t>
-            </a:r>
-            <a:r>
-              <a:rPr lang="en-US" sz="3200" dirty="0"/>
-              <a:t>    consistent </a:t>
-            </a:r>
-            <a:r>
-              <a:rPr lang="en-US" sz="3200" dirty="0"/>
-              <a:t>contact with the terminals that power it</a:t>
+              <a:t>with the terminals that power it</a:t>
             </a:r>
           </a:p>
           <a:p>
@@ -4183,12 +4341,8 @@
               <a:buChar char="•"/>
             </a:pPr>
             <a:r>
-              <a:rPr lang="en-US" sz="3200" dirty="0"/>
-              <a:t>Prevents </a:t>
-            </a:r>
-            <a:r>
-              <a:rPr lang="en-US" sz="3200" dirty="0"/>
-              <a:t>more than 3A from going to an individual cell</a:t>
+              <a:rPr lang="en-US" sz="3200" dirty="0" smtClean="0"/>
+              <a:t>Safeguards against an internal short (seen as voltage never rising)</a:t>
             </a:r>
           </a:p>
           <a:p>
@@ -4197,24 +4351,8 @@
               <a:buChar char="•"/>
             </a:pPr>
             <a:r>
-              <a:rPr lang="en-US" sz="3200" dirty="0"/>
-              <a:t>Can communicate </a:t>
-            </a:r>
-            <a:r>
-              <a:rPr lang="en-US" sz="3200" dirty="0"/>
-              <a:t>its status to </a:t>
-            </a:r>
-            <a:r>
-              <a:rPr lang="en-US" sz="3200" dirty="0"/>
-              <a:t>the </a:t>
-            </a:r>
-            <a:r>
-              <a:rPr lang="en-US" sz="3200" dirty="0" err="1"/>
-              <a:t>powerboard</a:t>
-            </a:r>
-            <a:r>
-              <a:rPr lang="en-US" sz="3200" dirty="0"/>
-              <a:t> as a slave</a:t>
+              <a:rPr lang="en-US" sz="3200" dirty="0" smtClean="0"/>
+              <a:t>Safeguards against a deeply-discharged side (initially charges at lower current)</a:t>
             </a:r>
           </a:p>
           <a:p>
@@ -4223,74 +4361,53 @@
               <a:buChar char="•"/>
             </a:pPr>
             <a:r>
-              <a:rPr lang="en-US" sz="3200" dirty="0">
-                <a:solidFill>
-                  <a:schemeClr val="bg1">
-                    <a:lumMod val="50000"/>
-                  </a:schemeClr>
-                </a:solidFill>
-              </a:rPr>
-              <a:t>Will </a:t>
-            </a:r>
-            <a:r>
-              <a:rPr lang="en-US" sz="3200" dirty="0">
-                <a:solidFill>
-                  <a:schemeClr val="bg1">
-                    <a:lumMod val="50000"/>
-                  </a:schemeClr>
-                </a:solidFill>
-              </a:rPr>
-              <a:t>NOT charge a battery that has discharged </a:t>
-            </a:r>
-            <a:r>
-              <a:rPr lang="en-US" sz="3200" dirty="0">
-                <a:solidFill>
-                  <a:schemeClr val="bg1">
-                    <a:lumMod val="50000"/>
-                  </a:schemeClr>
-                </a:solidFill>
-              </a:rPr>
-              <a:t>dangerously low (less </a:t>
-            </a:r>
-            <a:r>
-              <a:rPr lang="en-US" sz="3200" dirty="0">
-                <a:solidFill>
-                  <a:schemeClr val="bg1">
-                    <a:lumMod val="50000"/>
-                  </a:schemeClr>
-                </a:solidFill>
-              </a:rPr>
-              <a:t>than </a:t>
-            </a:r>
-            <a:r>
-              <a:rPr lang="en-US" sz="3200" dirty="0">
-                <a:solidFill>
-                  <a:schemeClr val="bg1">
-                    <a:lumMod val="50000"/>
-                  </a:schemeClr>
-                </a:solidFill>
-              </a:rPr>
-              <a:t>2.5V/cell </a:t>
-            </a:r>
-            <a:r>
-              <a:rPr lang="en-US" sz="3200" dirty="0">
-                <a:solidFill>
-                  <a:schemeClr val="bg1">
-                    <a:lumMod val="50000"/>
-                  </a:schemeClr>
-                </a:solidFill>
-              </a:rPr>
-              <a:t>* </a:t>
-            </a:r>
-            <a:r>
-              <a:rPr lang="en-US" sz="3200" dirty="0">
-                <a:solidFill>
-                  <a:schemeClr val="bg1">
-                    <a:lumMod val="50000"/>
-                  </a:schemeClr>
-                </a:solidFill>
-              </a:rPr>
-              <a:t>4cells =&gt; 6V).</a:t>
+              <a:rPr lang="en-US" sz="3200" dirty="0" smtClean="0"/>
+              <a:t>At each state, safeguards against short?</a:t>
+            </a:r>
+            <a:r>
+              <a:rPr lang="en-US" sz="3200" dirty="0" smtClean="0"/>
+              <a:t> </a:t>
+            </a:r>
+          </a:p>
+          <a:p>
+            <a:pPr marL="391643" indent="-391643">
+              <a:buFont typeface="Arial" pitchFamily="34" charset="0"/>
+              <a:buChar char="•"/>
+            </a:pPr>
+            <a:r>
+              <a:rPr lang="en-US" sz="3200" dirty="0" smtClean="0"/>
+              <a:t>Prevents </a:t>
+            </a:r>
+            <a:r>
+              <a:rPr lang="en-US" sz="3200" dirty="0"/>
+              <a:t>more than 3A from going to an individual </a:t>
+            </a:r>
+            <a:r>
+              <a:rPr lang="en-US" sz="3200" dirty="0" smtClean="0"/>
+              <a:t>cell at all times</a:t>
+            </a:r>
+            <a:endParaRPr lang="en-US" sz="3200" dirty="0"/>
+          </a:p>
+          <a:p>
+            <a:pPr marL="391643" indent="-391643">
+              <a:buFont typeface="Arial" pitchFamily="34" charset="0"/>
+              <a:buChar char="•"/>
+            </a:pPr>
+            <a:r>
+              <a:rPr lang="en-US" sz="3200" dirty="0"/>
+              <a:t>Can communicate its status to the </a:t>
+            </a:r>
+            <a:r>
+              <a:rPr lang="en-US" sz="3200" dirty="0" err="1"/>
+              <a:t>powerboard</a:t>
+            </a:r>
+            <a:r>
+              <a:rPr lang="en-US" sz="3200" dirty="0"/>
+              <a:t> as a </a:t>
+            </a:r>
+            <a:r>
+              <a:rPr lang="en-US" sz="3200" dirty="0" smtClean="0"/>
+              <a:t>slave</a:t>
             </a:r>
             <a:endParaRPr lang="en-US" sz="3200" dirty="0"/>
           </a:p>
@@ -4732,25 +4849,8 @@
                   </a:schemeClr>
                 </a:solidFill>
               </a:rPr>
-              <a:t>s</a:t>
-            </a:r>
-            <a:r>
-              <a:rPr lang="en-US" sz="2100" dirty="0">
-                <a:solidFill>
-                  <a:schemeClr val="accent3">
-                    <a:lumMod val="50000"/>
-                  </a:schemeClr>
-                </a:solidFill>
-              </a:rPr>
-              <a:t>hort clarifying comment</a:t>
-            </a:r>
-            <a:endParaRPr lang="en-US" sz="2100" dirty="0">
-              <a:solidFill>
-                <a:schemeClr val="accent3">
-                  <a:lumMod val="50000"/>
-                </a:schemeClr>
-              </a:solidFill>
-            </a:endParaRPr>
+              <a:t>short clarifying comment</a:t>
+            </a:r>
           </a:p>
         </p:txBody>
       </p:sp>
@@ -5052,11 +5152,7 @@
             </a:r>
             <a:r>
               <a:rPr lang="en-US" sz="600" u="sng" dirty="0" smtClean="0"/>
-              <a:t> </a:t>
-            </a:r>
-            <a:r>
-              <a:rPr lang="en-US" sz="600" u="sng" dirty="0" smtClean="0"/>
-              <a:t>OR 3A </a:t>
+              <a:t> OR 3A </a:t>
             </a:r>
             <a:r>
               <a:rPr lang="en-US" sz="600" u="sng" dirty="0"/>
@@ -5068,26 +5164,14 @@
             </a:r>
             <a:r>
               <a:rPr lang="en-US" sz="600" u="sng" baseline="-25000" dirty="0" err="1" smtClean="0"/>
-              <a:t>side</a:t>
-            </a:r>
-            <a:r>
-              <a:rPr lang="en-US" sz="600" u="sng" baseline="-25000" dirty="0" err="1" smtClean="0"/>
-              <a:t>B</a:t>
+              <a:t>sideB</a:t>
             </a:r>
             <a:endParaRPr lang="en-US" sz="600" u="sng" dirty="0"/>
           </a:p>
           <a:p>
             <a:r>
               <a:rPr lang="en-US" sz="600" dirty="0" smtClean="0"/>
-              <a:t>  - disconnect </a:t>
-            </a:r>
-            <a:r>
-              <a:rPr lang="en-US" sz="600" dirty="0" smtClean="0"/>
-              <a:t>both </a:t>
-            </a:r>
-            <a:r>
-              <a:rPr lang="en-US" sz="600" dirty="0" smtClean="0"/>
-              <a:t>sides</a:t>
+              <a:t>  - disconnect both sides</a:t>
             </a:r>
           </a:p>
           <a:p>
@@ -5215,7 +5299,7 @@
         <p:spPr>
           <a:xfrm>
             <a:off x="2177046" y="5784958"/>
-            <a:ext cx="1090250" cy="461606"/>
+            <a:ext cx="1135134" cy="461606"/>
           </a:xfrm>
           <a:prstGeom prst="rect">
             <a:avLst/>
@@ -5259,23 +5343,11 @@
             </a:r>
             <a:r>
               <a:rPr lang="en-US" sz="600" u="sng" baseline="-25000" dirty="0" err="1" smtClean="0"/>
-              <a:t>side</a:t>
-            </a:r>
-            <a:r>
-              <a:rPr lang="en-US" sz="600" u="sng" baseline="-25000" dirty="0" err="1" smtClean="0"/>
-              <a:t>A</a:t>
+              <a:t>sideA</a:t>
             </a:r>
             <a:r>
               <a:rPr lang="en-US" sz="600" u="sng" dirty="0" smtClean="0"/>
-              <a:t> </a:t>
-            </a:r>
-            <a:r>
-              <a:rPr lang="en-US" sz="600" u="sng" dirty="0" smtClean="0"/>
-              <a:t>OR </a:t>
-            </a:r>
-            <a:r>
-              <a:rPr lang="en-US" sz="600" u="sng" dirty="0" smtClean="0"/>
-              <a:t>0 &lt; </a:t>
+              <a:t> OR 0 &lt; </a:t>
             </a:r>
             <a:r>
               <a:rPr lang="en-US" sz="600" u="sng" dirty="0" err="1" smtClean="0"/>
@@ -5283,11 +5355,7 @@
             </a:r>
             <a:r>
               <a:rPr lang="en-US" sz="600" u="sng" baseline="-25000" dirty="0" err="1" smtClean="0"/>
-              <a:t>side</a:t>
-            </a:r>
-            <a:r>
-              <a:rPr lang="en-US" sz="600" u="sng" baseline="-25000" dirty="0" err="1" smtClean="0"/>
-              <a:t>B</a:t>
+              <a:t>sideB</a:t>
             </a:r>
             <a:r>
               <a:rPr lang="en-US" sz="600" u="sng" dirty="0"/>
@@ -5311,7 +5379,11 @@
             </a:r>
             <a:r>
               <a:rPr lang="en-US" sz="600" dirty="0" smtClean="0"/>
-              <a:t>- start awakening timer</a:t>
+              <a:t>- start awakening </a:t>
+            </a:r>
+            <a:r>
+              <a:rPr lang="en-US" sz="600" dirty="0" smtClean="0"/>
+              <a:t>timer (~1m)</a:t>
             </a:r>
             <a:endParaRPr lang="en-US" sz="600" dirty="0"/>
           </a:p>
@@ -5402,27 +5474,11 @@
             </a:r>
             <a:r>
               <a:rPr lang="en-US" sz="600" u="sng" baseline="-25000" dirty="0" err="1" smtClean="0"/>
-              <a:t>side</a:t>
-            </a:r>
-            <a:r>
-              <a:rPr lang="en-US" sz="600" u="sng" baseline="-25000" dirty="0" err="1" smtClean="0"/>
-              <a:t>A</a:t>
+              <a:t>sideA</a:t>
             </a:r>
             <a:r>
               <a:rPr lang="en-US" sz="600" u="sng" dirty="0" smtClean="0"/>
-              <a:t> </a:t>
-            </a:r>
-            <a:r>
-              <a:rPr lang="en-US" sz="600" u="sng" dirty="0" smtClean="0"/>
-              <a:t>~= 0</a:t>
-            </a:r>
-            <a:r>
-              <a:rPr lang="en-US" sz="600" u="sng" dirty="0" smtClean="0"/>
-              <a:t>A </a:t>
-            </a:r>
-            <a:r>
-              <a:rPr lang="en-US" sz="600" u="sng" dirty="0" smtClean="0"/>
-              <a:t>AND </a:t>
+              <a:t> ~= 0A AND </a:t>
             </a:r>
             <a:r>
               <a:rPr lang="en-US" sz="600" u="sng" dirty="0" err="1" smtClean="0"/>
@@ -5430,11 +5486,7 @@
             </a:r>
             <a:r>
               <a:rPr lang="en-US" sz="600" u="sng" baseline="-25000" dirty="0" err="1" smtClean="0"/>
-              <a:t>side</a:t>
-            </a:r>
-            <a:r>
-              <a:rPr lang="en-US" sz="600" u="sng" baseline="-25000" dirty="0" err="1" smtClean="0"/>
-              <a:t>B</a:t>
+              <a:t>sideB</a:t>
             </a:r>
             <a:r>
               <a:rPr lang="en-US" sz="600" u="sng" dirty="0" smtClean="0"/>
@@ -5492,11 +5544,7 @@
             </a:r>
             <a:r>
               <a:rPr lang="en-US" sz="600" dirty="0" smtClean="0"/>
-              <a:t> - </a:t>
-            </a:r>
-            <a:r>
-              <a:rPr lang="en-US" sz="600" dirty="0" smtClean="0"/>
-              <a:t>reconnect both sides</a:t>
+              <a:t> - reconnect both sides</a:t>
             </a:r>
           </a:p>
           <a:p>
@@ -5634,7 +5682,7 @@
         <p:spPr>
           <a:xfrm>
             <a:off x="4023365" y="2212877"/>
-            <a:ext cx="1305052" cy="738605"/>
+            <a:ext cx="1444513" cy="1015604"/>
           </a:xfrm>
           <a:prstGeom prst="rect">
             <a:avLst/>
@@ -5702,9 +5750,12 @@
             </a:r>
             <a:r>
               <a:rPr lang="en-US" sz="600" dirty="0"/>
-              <a:t> = min(0.1/h*C, 3A/side) </a:t>
-            </a:r>
-            <a:endParaRPr lang="en-US" sz="600" dirty="0" smtClean="0"/>
+              <a:t> = min(0.1/h*C, 3A/side</a:t>
+            </a:r>
+            <a:r>
+              <a:rPr lang="en-US" sz="600" dirty="0" smtClean="0"/>
+              <a:t>)</a:t>
+            </a:r>
           </a:p>
           <a:p>
             <a:r>
@@ -5713,6 +5764,45 @@
             </a:r>
             <a:r>
               <a:rPr lang="en-US" sz="600" dirty="0" smtClean="0"/>
+              <a:t> - configure charger</a:t>
+            </a:r>
+          </a:p>
+          <a:p>
+            <a:r>
+              <a:rPr lang="en-US" sz="600" dirty="0">
+                <a:solidFill>
+                  <a:schemeClr val="bg1">
+                    <a:lumMod val="50000"/>
+                  </a:schemeClr>
+                </a:solidFill>
+              </a:rPr>
+              <a:t> </a:t>
+            </a:r>
+            <a:r>
+              <a:rPr lang="en-US" sz="600" dirty="0" smtClean="0">
+                <a:solidFill>
+                  <a:schemeClr val="bg1">
+                    <a:lumMod val="50000"/>
+                  </a:schemeClr>
+                </a:solidFill>
+              </a:rPr>
+              <a:t> - delay to ensure charger is ready</a:t>
+            </a:r>
+            <a:endParaRPr lang="en-US" sz="600" dirty="0" smtClean="0">
+              <a:solidFill>
+                <a:schemeClr val="bg1">
+                  <a:lumMod val="50000"/>
+                </a:schemeClr>
+              </a:solidFill>
+            </a:endParaRPr>
+          </a:p>
+          <a:p>
+            <a:r>
+              <a:rPr lang="en-US" sz="600" dirty="0"/>
+              <a:t> </a:t>
+            </a:r>
+            <a:r>
+              <a:rPr lang="en-US" sz="600" dirty="0" smtClean="0"/>
               <a:t> - </a:t>
             </a:r>
             <a:r>
@@ -5732,6 +5822,35 @@
               <a:t>sideB</a:t>
             </a:r>
             <a:endParaRPr lang="en-US" sz="600" dirty="0" smtClean="0"/>
+          </a:p>
+          <a:p>
+            <a:r>
+              <a:rPr lang="en-US" sz="600" dirty="0">
+                <a:solidFill>
+                  <a:schemeClr val="bg1">
+                    <a:lumMod val="50000"/>
+                  </a:schemeClr>
+                </a:solidFill>
+              </a:rPr>
+              <a:t> </a:t>
+            </a:r>
+            <a:r>
+              <a:rPr lang="en-US" sz="600" dirty="0" smtClean="0">
+                <a:solidFill>
+                  <a:schemeClr val="bg1">
+                    <a:lumMod val="50000"/>
+                  </a:schemeClr>
+                </a:solidFill>
+              </a:rPr>
+              <a:t> - delay to ensure valid current readings</a:t>
+            </a:r>
+            <a:endParaRPr lang="en-US" sz="600" dirty="0" smtClean="0">
+              <a:solidFill>
+                <a:schemeClr val="bg1">
+                  <a:lumMod val="50000"/>
+                </a:schemeClr>
+              </a:solidFill>
+            </a:endParaRPr>
           </a:p>
           <a:p>
             <a:r>
@@ -6178,15 +6297,7 @@
             </a:r>
             <a:r>
               <a:rPr lang="en-US" sz="600" u="sng" dirty="0" smtClean="0"/>
-              <a:t>evive-safety </a:t>
-            </a:r>
-            <a:r>
-              <a:rPr lang="en-US" sz="600" u="sng" dirty="0" smtClean="0"/>
-              <a:t>timer expired </a:t>
-            </a:r>
-            <a:r>
-              <a:rPr lang="en-US" sz="600" u="sng" dirty="0" smtClean="0"/>
-              <a:t>AND  </a:t>
+              <a:t>evive-safety timer expired AND  </a:t>
             </a:r>
           </a:p>
           <a:p>
@@ -6220,13 +6331,16 @@
             </a:r>
             <a:r>
               <a:rPr lang="en-US" sz="600" u="sng" baseline="-25000" dirty="0" err="1" smtClean="0"/>
-              <a:t>sideA</a:t>
+              <a:t>sideB</a:t>
             </a:r>
             <a:r>
               <a:rPr lang="en-US" sz="600" u="sng" dirty="0" smtClean="0"/>
-              <a:t> == 0V)</a:t>
-            </a:r>
-            <a:endParaRPr lang="en-US" sz="600" u="sng" dirty="0" smtClean="0"/>
+              <a:t> </a:t>
+            </a:r>
+            <a:r>
+              <a:rPr lang="en-US" sz="600" u="sng" dirty="0" smtClean="0"/>
+              <a:t>== 0V)</a:t>
+            </a:r>
           </a:p>
           <a:p>
             <a:r>
@@ -6254,11 +6368,7 @@
             </a:r>
             <a:r>
               <a:rPr lang="en-US" sz="600" dirty="0" smtClean="0"/>
-              <a:t> </a:t>
-            </a:r>
-            <a:r>
-              <a:rPr lang="en-US" sz="600" dirty="0" smtClean="0"/>
-              <a:t>- start awakening timer (~1m)</a:t>
+              <a:t> - start awakening timer (~1m)</a:t>
             </a:r>
             <a:endParaRPr lang="en-US" sz="600" dirty="0"/>
           </a:p>
@@ -6347,7 +6457,7 @@
         <p:spPr>
           <a:xfrm>
             <a:off x="8513825" y="5633943"/>
-            <a:ext cx="1066204" cy="369273"/>
+            <a:ext cx="1066204" cy="461606"/>
           </a:xfrm>
           <a:prstGeom prst="rect">
             <a:avLst/>
@@ -6372,11 +6482,7 @@
             </a:r>
             <a:r>
               <a:rPr lang="en-US" sz="600" u="sng" dirty="0" smtClean="0"/>
-              <a:t> ~= </a:t>
-            </a:r>
-            <a:r>
-              <a:rPr lang="en-US" sz="600" u="sng" dirty="0" smtClean="0"/>
-              <a:t>0</a:t>
+              <a:t> ~= 0</a:t>
             </a:r>
             <a:endParaRPr lang="en-US" sz="600" u="sng" dirty="0"/>
           </a:p>
@@ -6398,9 +6504,23 @@
             </a:r>
             <a:r>
               <a:rPr lang="en-US" sz="600" dirty="0" smtClean="0"/>
+              <a:t> - connect </a:t>
+            </a:r>
+            <a:r>
+              <a:rPr lang="en-US" sz="600" dirty="0" err="1" smtClean="0"/>
+              <a:t>sideA</a:t>
+            </a:r>
+            <a:endParaRPr lang="en-US" sz="600" dirty="0" smtClean="0"/>
+          </a:p>
+          <a:p>
+            <a:r>
+              <a:rPr lang="en-US" sz="600" dirty="0"/>
+              <a:t> </a:t>
+            </a:r>
+            <a:r>
+              <a:rPr lang="en-US" sz="600" dirty="0" smtClean="0"/>
               <a:t> - start balance timer (~10s)</a:t>
             </a:r>
-            <a:endParaRPr lang="en-US" sz="600" dirty="0" smtClean="0"/>
           </a:p>
         </p:txBody>
       </p:sp>
@@ -6413,7 +6533,7 @@
         <p:spPr>
           <a:xfrm>
             <a:off x="7640419" y="6217992"/>
-            <a:ext cx="1155698" cy="369273"/>
+            <a:ext cx="1155698" cy="461606"/>
           </a:xfrm>
           <a:prstGeom prst="rect">
             <a:avLst/>
@@ -6438,11 +6558,7 @@
             </a:r>
             <a:r>
               <a:rPr lang="en-US" sz="600" u="sng" dirty="0" smtClean="0"/>
-              <a:t> ~= </a:t>
-            </a:r>
-            <a:r>
-              <a:rPr lang="en-US" sz="600" u="sng" dirty="0" smtClean="0"/>
-              <a:t>0</a:t>
+              <a:t> ~= 0</a:t>
             </a:r>
             <a:endParaRPr lang="en-US" sz="600" u="sng" dirty="0"/>
           </a:p>
@@ -6464,9 +6580,23 @@
             </a:r>
             <a:r>
               <a:rPr lang="en-US" sz="600" dirty="0" smtClean="0"/>
+              <a:t> - connect </a:t>
+            </a:r>
+            <a:r>
+              <a:rPr lang="en-US" sz="600" dirty="0" err="1" smtClean="0"/>
+              <a:t>sideB</a:t>
+            </a:r>
+            <a:endParaRPr lang="en-US" sz="600" dirty="0" smtClean="0"/>
+          </a:p>
+          <a:p>
+            <a:r>
+              <a:rPr lang="en-US" sz="600" dirty="0"/>
+              <a:t> </a:t>
+            </a:r>
+            <a:r>
+              <a:rPr lang="en-US" sz="600" dirty="0" smtClean="0"/>
               <a:t> - start balance timer (~10s)</a:t>
             </a:r>
-            <a:endParaRPr lang="en-US" sz="600" dirty="0" smtClean="0"/>
           </a:p>
         </p:txBody>
       </p:sp>
@@ -6534,15 +6664,7 @@
           <a:p>
             <a:r>
               <a:rPr lang="en-US" sz="600" u="sng" dirty="0" smtClean="0"/>
-              <a:t>balance </a:t>
-            </a:r>
-            <a:r>
-              <a:rPr lang="en-US" sz="600" u="sng" dirty="0" smtClean="0"/>
-              <a:t>timer </a:t>
-            </a:r>
-            <a:r>
-              <a:rPr lang="en-US" sz="600" u="sng" dirty="0" smtClean="0"/>
-              <a:t>expired</a:t>
+              <a:t>balance timer expired</a:t>
             </a:r>
             <a:endParaRPr lang="en-US" sz="600" u="sng" dirty="0"/>
           </a:p>
@@ -6559,11 +6681,7 @@
             </a:r>
             <a:r>
               <a:rPr lang="en-US" sz="600" dirty="0" smtClean="0"/>
-              <a:t> </a:t>
-            </a:r>
-            <a:r>
-              <a:rPr lang="en-US" sz="600" dirty="0" smtClean="0"/>
-              <a:t>- connect </a:t>
+              <a:t> - connect </a:t>
             </a:r>
             <a:r>
               <a:rPr lang="en-US" sz="600" dirty="0" err="1" smtClean="0"/>
@@ -6589,7 +6707,7 @@
         </p:nvCxnSpPr>
         <p:spPr>
           <a:xfrm rot="5400000" flipH="1">
-            <a:off x="7812970" y="2263504"/>
+            <a:off x="7722264" y="2206354"/>
             <a:ext cx="114300" cy="381000"/>
           </a:xfrm>
           <a:prstGeom prst="curvedConnector4">
@@ -6625,7 +6743,7 @@
         </p:nvSpPr>
         <p:spPr>
           <a:xfrm>
-            <a:off x="7736463" y="1949664"/>
+            <a:off x="7403771" y="2833506"/>
             <a:ext cx="2017137" cy="553939"/>
           </a:xfrm>
           <a:prstGeom prst="rect">
@@ -6850,11 +6968,7 @@
             </a:r>
             <a:r>
               <a:rPr lang="en-US" sz="600" u="sng" dirty="0" smtClean="0"/>
-              <a:t> </a:t>
-            </a:r>
-            <a:r>
-              <a:rPr lang="en-US" sz="600" u="sng" dirty="0" smtClean="0"/>
-              <a:t>OR 3A </a:t>
+              <a:t> OR 3A </a:t>
             </a:r>
             <a:r>
               <a:rPr lang="en-US" sz="600" u="sng" dirty="0"/>
@@ -6866,26 +6980,14 @@
             </a:r>
             <a:r>
               <a:rPr lang="en-US" sz="600" u="sng" baseline="-25000" dirty="0" err="1" smtClean="0"/>
-              <a:t>side</a:t>
-            </a:r>
-            <a:r>
-              <a:rPr lang="en-US" sz="600" u="sng" baseline="-25000" dirty="0" err="1" smtClean="0"/>
-              <a:t>B</a:t>
+              <a:t>sideB</a:t>
             </a:r>
             <a:endParaRPr lang="en-US" sz="600" u="sng" dirty="0"/>
           </a:p>
           <a:p>
             <a:r>
               <a:rPr lang="en-US" sz="600" dirty="0" smtClean="0"/>
-              <a:t>  - disconnect </a:t>
-            </a:r>
-            <a:r>
-              <a:rPr lang="en-US" sz="600" dirty="0" smtClean="0"/>
-              <a:t>both </a:t>
-            </a:r>
-            <a:r>
-              <a:rPr lang="en-US" sz="600" dirty="0" smtClean="0"/>
-              <a:t>sides</a:t>
+              <a:t>  - disconnect both sides</a:t>
             </a:r>
           </a:p>
           <a:p>
@@ -6978,15 +7080,7 @@
           <a:p>
             <a:r>
               <a:rPr lang="en-US" sz="600" u="sng" dirty="0" smtClean="0"/>
-              <a:t>balance-check </a:t>
-            </a:r>
-            <a:r>
-              <a:rPr lang="en-US" sz="600" u="sng" dirty="0" smtClean="0"/>
-              <a:t>timer </a:t>
-            </a:r>
-            <a:r>
-              <a:rPr lang="en-US" sz="600" u="sng" dirty="0" smtClean="0"/>
-              <a:t>expired AND</a:t>
+              <a:t>balance-check timer expired AND</a:t>
             </a:r>
           </a:p>
           <a:p>
@@ -7087,15 +7181,7 @@
           <a:p>
             <a:r>
               <a:rPr lang="en-US" sz="600" u="sng" dirty="0" smtClean="0"/>
-              <a:t>balance-check </a:t>
-            </a:r>
-            <a:r>
-              <a:rPr lang="en-US" sz="600" u="sng" dirty="0" smtClean="0"/>
-              <a:t>timer </a:t>
-            </a:r>
-            <a:r>
-              <a:rPr lang="en-US" sz="600" u="sng" dirty="0" smtClean="0"/>
-              <a:t>expired AND</a:t>
+              <a:t>balance-check timer expired AND</a:t>
             </a:r>
           </a:p>
           <a:p>
@@ -7827,4 +7913,289 @@
   <a:objectDefaults/>
   <a:extraClrSchemeLst/>
 </a:theme>
+</file>
+
+<file path=ppt/theme/theme3.xml><?xml version="1.0" encoding="utf-8"?>
+<a:theme xmlns:a="http://schemas.openxmlformats.org/drawingml/2006/main" name="Office Theme">
+  <a:themeElements>
+    <a:clrScheme name="Office">
+      <a:dk1>
+        <a:sysClr val="windowText" lastClr="000000"/>
+      </a:dk1>
+      <a:lt1>
+        <a:sysClr val="window" lastClr="FFFFFF"/>
+      </a:lt1>
+      <a:dk2>
+        <a:srgbClr val="1F497D"/>
+      </a:dk2>
+      <a:lt2>
+        <a:srgbClr val="EEECE1"/>
+      </a:lt2>
+      <a:accent1>
+        <a:srgbClr val="4F81BD"/>
+      </a:accent1>
+      <a:accent2>
+        <a:srgbClr val="C0504D"/>
+      </a:accent2>
+      <a:accent3>
+        <a:srgbClr val="9BBB59"/>
+      </a:accent3>
+      <a:accent4>
+        <a:srgbClr val="8064A2"/>
+      </a:accent4>
+      <a:accent5>
+        <a:srgbClr val="4BACC6"/>
+      </a:accent5>
+      <a:accent6>
+        <a:srgbClr val="F79646"/>
+      </a:accent6>
+      <a:hlink>
+        <a:srgbClr val="0000FF"/>
+      </a:hlink>
+      <a:folHlink>
+        <a:srgbClr val="800080"/>
+      </a:folHlink>
+    </a:clrScheme>
+    <a:fontScheme name="Office">
+      <a:majorFont>
+        <a:latin typeface="Calibri"/>
+        <a:ea typeface=""/>
+        <a:cs typeface=""/>
+        <a:font script="Jpan" typeface="ＭＳ Ｐゴシック"/>
+        <a:font script="Hang" typeface="맑은 고딕"/>
+        <a:font script="Hans" typeface="宋体"/>
+        <a:font script="Hant" typeface="新細明體"/>
+        <a:font script="Arab" typeface="Times New Roman"/>
+        <a:font script="Hebr" typeface="Times New Roman"/>
+        <a:font script="Thai" typeface="Angsana New"/>
+        <a:font script="Ethi" typeface="Nyala"/>
+        <a:font script="Beng" typeface="Vrinda"/>
+        <a:font script="Gujr" typeface="Shruti"/>
+        <a:font script="Khmr" typeface="MoolBoran"/>
+        <a:font script="Knda" typeface="Tunga"/>
+        <a:font script="Guru" typeface="Raavi"/>
+        <a:font script="Cans" typeface="Euphemia"/>
+        <a:font script="Cher" typeface="Plantagenet Cherokee"/>
+        <a:font script="Yiii" typeface="Microsoft Yi Baiti"/>
+        <a:font script="Tibt" typeface="Microsoft Himalaya"/>
+        <a:font script="Thaa" typeface="MV Boli"/>
+        <a:font script="Deva" typeface="Mangal"/>
+        <a:font script="Telu" typeface="Gautami"/>
+        <a:font script="Taml" typeface="Latha"/>
+        <a:font script="Syrc" typeface="Estrangelo Edessa"/>
+        <a:font script="Orya" typeface="Kalinga"/>
+        <a:font script="Mlym" typeface="Kartika"/>
+        <a:font script="Laoo" typeface="DokChampa"/>
+        <a:font script="Sinh" typeface="Iskoola Pota"/>
+        <a:font script="Mong" typeface="Mongolian Baiti"/>
+        <a:font script="Viet" typeface="Times New Roman"/>
+        <a:font script="Uigh" typeface="Microsoft Uighur"/>
+        <a:font script="Geor" typeface="Sylfaen"/>
+      </a:majorFont>
+      <a:minorFont>
+        <a:latin typeface="Calibri"/>
+        <a:ea typeface=""/>
+        <a:cs typeface=""/>
+        <a:font script="Jpan" typeface="ＭＳ Ｐゴシック"/>
+        <a:font script="Hang" typeface="맑은 고딕"/>
+        <a:font script="Hans" typeface="宋体"/>
+        <a:font script="Hant" typeface="新細明體"/>
+        <a:font script="Arab" typeface="Arial"/>
+        <a:font script="Hebr" typeface="Arial"/>
+        <a:font script="Thai" typeface="Cordia New"/>
+        <a:font script="Ethi" typeface="Nyala"/>
+        <a:font script="Beng" typeface="Vrinda"/>
+        <a:font script="Gujr" typeface="Shruti"/>
+        <a:font script="Khmr" typeface="DaunPenh"/>
+        <a:font script="Knda" typeface="Tunga"/>
+        <a:font script="Guru" typeface="Raavi"/>
+        <a:font script="Cans" typeface="Euphemia"/>
+        <a:font script="Cher" typeface="Plantagenet Cherokee"/>
+        <a:font script="Yiii" typeface="Microsoft Yi Baiti"/>
+        <a:font script="Tibt" typeface="Microsoft Himalaya"/>
+        <a:font script="Thaa" typeface="MV Boli"/>
+        <a:font script="Deva" typeface="Mangal"/>
+        <a:font script="Telu" typeface="Gautami"/>
+        <a:font script="Taml" typeface="Latha"/>
+        <a:font script="Syrc" typeface="Estrangelo Edessa"/>
+        <a:font script="Orya" typeface="Kalinga"/>
+        <a:font script="Mlym" typeface="Kartika"/>
+        <a:font script="Laoo" typeface="DokChampa"/>
+        <a:font script="Sinh" typeface="Iskoola Pota"/>
+        <a:font script="Mong" typeface="Mongolian Baiti"/>
+        <a:font script="Viet" typeface="Arial"/>
+        <a:font script="Uigh" typeface="Microsoft Uighur"/>
+        <a:font script="Geor" typeface="Sylfaen"/>
+      </a:minorFont>
+    </a:fontScheme>
+    <a:fmtScheme name="Office">
+      <a:fillStyleLst>
+        <a:solidFill>
+          <a:schemeClr val="phClr"/>
+        </a:solidFill>
+        <a:gradFill rotWithShape="1">
+          <a:gsLst>
+            <a:gs pos="0">
+              <a:schemeClr val="phClr">
+                <a:tint val="50000"/>
+                <a:satMod val="300000"/>
+              </a:schemeClr>
+            </a:gs>
+            <a:gs pos="35000">
+              <a:schemeClr val="phClr">
+                <a:tint val="37000"/>
+                <a:satMod val="300000"/>
+              </a:schemeClr>
+            </a:gs>
+            <a:gs pos="100000">
+              <a:schemeClr val="phClr">
+                <a:tint val="15000"/>
+                <a:satMod val="350000"/>
+              </a:schemeClr>
+            </a:gs>
+          </a:gsLst>
+          <a:lin ang="16200000" scaled="1"/>
+        </a:gradFill>
+        <a:gradFill rotWithShape="1">
+          <a:gsLst>
+            <a:gs pos="0">
+              <a:schemeClr val="phClr">
+                <a:shade val="51000"/>
+                <a:satMod val="130000"/>
+              </a:schemeClr>
+            </a:gs>
+            <a:gs pos="80000">
+              <a:schemeClr val="phClr">
+                <a:shade val="93000"/>
+                <a:satMod val="130000"/>
+              </a:schemeClr>
+            </a:gs>
+            <a:gs pos="100000">
+              <a:schemeClr val="phClr">
+                <a:shade val="94000"/>
+                <a:satMod val="135000"/>
+              </a:schemeClr>
+            </a:gs>
+          </a:gsLst>
+          <a:lin ang="16200000" scaled="0"/>
+        </a:gradFill>
+      </a:fillStyleLst>
+      <a:lnStyleLst>
+        <a:ln w="9525" cap="flat" cmpd="sng" algn="ctr">
+          <a:solidFill>
+            <a:schemeClr val="phClr">
+              <a:shade val="95000"/>
+              <a:satMod val="105000"/>
+            </a:schemeClr>
+          </a:solidFill>
+          <a:prstDash val="solid"/>
+        </a:ln>
+        <a:ln w="25400" cap="flat" cmpd="sng" algn="ctr">
+          <a:solidFill>
+            <a:schemeClr val="phClr"/>
+          </a:solidFill>
+          <a:prstDash val="solid"/>
+        </a:ln>
+        <a:ln w="38100" cap="flat" cmpd="sng" algn="ctr">
+          <a:solidFill>
+            <a:schemeClr val="phClr"/>
+          </a:solidFill>
+          <a:prstDash val="solid"/>
+        </a:ln>
+      </a:lnStyleLst>
+      <a:effectStyleLst>
+        <a:effectStyle>
+          <a:effectLst>
+            <a:outerShdw blurRad="40000" dist="20000" dir="5400000" rotWithShape="0">
+              <a:srgbClr val="000000">
+                <a:alpha val="38000"/>
+              </a:srgbClr>
+            </a:outerShdw>
+          </a:effectLst>
+        </a:effectStyle>
+        <a:effectStyle>
+          <a:effectLst>
+            <a:outerShdw blurRad="40000" dist="23000" dir="5400000" rotWithShape="0">
+              <a:srgbClr val="000000">
+                <a:alpha val="35000"/>
+              </a:srgbClr>
+            </a:outerShdw>
+          </a:effectLst>
+        </a:effectStyle>
+        <a:effectStyle>
+          <a:effectLst>
+            <a:outerShdw blurRad="40000" dist="23000" dir="5400000" rotWithShape="0">
+              <a:srgbClr val="000000">
+                <a:alpha val="35000"/>
+              </a:srgbClr>
+            </a:outerShdw>
+          </a:effectLst>
+          <a:scene3d>
+            <a:camera prst="orthographicFront">
+              <a:rot lat="0" lon="0" rev="0"/>
+            </a:camera>
+            <a:lightRig rig="threePt" dir="t">
+              <a:rot lat="0" lon="0" rev="1200000"/>
+            </a:lightRig>
+          </a:scene3d>
+          <a:sp3d>
+            <a:bevelT w="63500" h="25400"/>
+          </a:sp3d>
+        </a:effectStyle>
+      </a:effectStyleLst>
+      <a:bgFillStyleLst>
+        <a:solidFill>
+          <a:schemeClr val="phClr"/>
+        </a:solidFill>
+        <a:gradFill rotWithShape="1">
+          <a:gsLst>
+            <a:gs pos="0">
+              <a:schemeClr val="phClr">
+                <a:tint val="40000"/>
+                <a:satMod val="350000"/>
+              </a:schemeClr>
+            </a:gs>
+            <a:gs pos="40000">
+              <a:schemeClr val="phClr">
+                <a:tint val="45000"/>
+                <a:shade val="99000"/>
+                <a:satMod val="350000"/>
+              </a:schemeClr>
+            </a:gs>
+            <a:gs pos="100000">
+              <a:schemeClr val="phClr">
+                <a:shade val="20000"/>
+                <a:satMod val="255000"/>
+              </a:schemeClr>
+            </a:gs>
+          </a:gsLst>
+          <a:path path="circle">
+            <a:fillToRect l="50000" t="-80000" r="50000" b="180000"/>
+          </a:path>
+        </a:gradFill>
+        <a:gradFill rotWithShape="1">
+          <a:gsLst>
+            <a:gs pos="0">
+              <a:schemeClr val="phClr">
+                <a:tint val="80000"/>
+                <a:satMod val="300000"/>
+              </a:schemeClr>
+            </a:gs>
+            <a:gs pos="100000">
+              <a:schemeClr val="phClr">
+                <a:shade val="30000"/>
+                <a:satMod val="200000"/>
+              </a:schemeClr>
+            </a:gs>
+          </a:gsLst>
+          <a:path path="circle">
+            <a:fillToRect l="50000" t="50000" r="50000" b="50000"/>
+          </a:path>
+        </a:gradFill>
+      </a:bgFillStyleLst>
+    </a:fmtScheme>
+  </a:themeElements>
+  <a:objectDefaults/>
+  <a:extraClrSchemeLst/>
+</a:theme>
 </file>